--- a/engine/粒子系统/Particle.pptx
+++ b/engine/粒子系统/Particle.pptx
@@ -6,10 +6,11 @@
   </p:sldMasterIdLst>
   <p:sldIdLst>
     <p:sldId id="256" r:id="rId2"/>
-    <p:sldId id="257" r:id="rId3"/>
-    <p:sldId id="258" r:id="rId4"/>
-    <p:sldId id="259" r:id="rId5"/>
-    <p:sldId id="260" r:id="rId6"/>
+    <p:sldId id="261" r:id="rId3"/>
+    <p:sldId id="257" r:id="rId4"/>
+    <p:sldId id="258" r:id="rId5"/>
+    <p:sldId id="259" r:id="rId6"/>
+    <p:sldId id="260" r:id="rId7"/>
   </p:sldIdLst>
   <p:sldSz cx="12192000" cy="6858000"/>
   <p:notesSz cx="6858000" cy="9144000"/>
@@ -108,6 +109,11 @@
       </a:defRPr>
     </a:lvl9pPr>
   </p:defaultTextStyle>
+  <p:extLst>
+    <p:ext uri="{EFAFB233-063F-42B5-8137-9DF3F51BA10A}">
+      <p15:sldGuideLst xmlns:p15="http://schemas.microsoft.com/office/powerpoint/2012/main"/>
+    </p:ext>
+  </p:extLst>
 </p:presentation>
 </file>
 
@@ -185,7 +191,7 @@
           </a:lstStyle>
           <a:p>
             <a:r>
-              <a:rPr lang="zh-CN" altLang="en-US" smtClean="0"/>
+              <a:rPr lang="zh-CN" altLang="en-US"/>
               <a:t>单击此处编辑母版标题样式</a:t>
             </a:r>
             <a:endParaRPr lang="en-US" dirty="0"/>
@@ -258,7 +264,7 @@
           </a:lstStyle>
           <a:p>
             <a:r>
-              <a:rPr lang="zh-CN" altLang="en-US" smtClean="0"/>
+              <a:rPr lang="zh-CN" altLang="en-US"/>
               <a:t>单击以编辑母版副标题样式</a:t>
             </a:r>
             <a:endParaRPr lang="en-US" dirty="0"/>
@@ -282,7 +288,7 @@
           <a:p>
             <a:fld id="{48A87A34-81AB-432B-8DAE-1953F412C126}" type="datetimeFigureOut">
               <a:rPr lang="en-US" dirty="0"/>
-              <a:t>7/6/2020</a:t>
+              <a:t>7/19/20</a:t>
             </a:fld>
             <a:endParaRPr lang="en-US" dirty="0"/>
           </a:p>
@@ -410,7 +416,7 @@
           </a:lstStyle>
           <a:p>
             <a:r>
-              <a:rPr lang="zh-CN" altLang="en-US" smtClean="0"/>
+              <a:rPr lang="zh-CN" altLang="en-US"/>
               <a:t>单击此处编辑母版标题样式</a:t>
             </a:r>
             <a:endParaRPr lang="en-US" dirty="0"/>
@@ -503,7 +509,7 @@
           </a:lstStyle>
           <a:p>
             <a:r>
-              <a:rPr lang="zh-CN" altLang="en-US" smtClean="0"/>
+              <a:rPr lang="zh-CN" altLang="en-US"/>
               <a:t>单击图标添加图片</a:t>
             </a:r>
             <a:endParaRPr lang="en-US" dirty="0"/>
@@ -569,7 +575,7 @@
           <a:p>
             <a:pPr lvl="0"/>
             <a:r>
-              <a:rPr lang="zh-CN" altLang="en-US" smtClean="0"/>
+              <a:rPr lang="zh-CN" altLang="en-US"/>
               <a:t>编辑母版文本样式</a:t>
             </a:r>
           </a:p>
@@ -592,7 +598,7 @@
           <a:p>
             <a:fld id="{48A87A34-81AB-432B-8DAE-1953F412C126}" type="datetimeFigureOut">
               <a:rPr lang="en-US" dirty="0"/>
-              <a:t>7/6/2020</a:t>
+              <a:t>7/19/20</a:t>
             </a:fld>
             <a:endParaRPr lang="en-US" dirty="0"/>
           </a:p>
@@ -720,7 +726,7 @@
           </a:lstStyle>
           <a:p>
             <a:r>
-              <a:rPr lang="zh-CN" altLang="en-US" smtClean="0"/>
+              <a:rPr lang="zh-CN" altLang="en-US"/>
               <a:t>单击此处编辑母版标题样式</a:t>
             </a:r>
             <a:endParaRPr lang="en-US" dirty="0"/>
@@ -786,7 +792,7 @@
           <a:p>
             <a:pPr lvl="0"/>
             <a:r>
-              <a:rPr lang="zh-CN" altLang="en-US" smtClean="0"/>
+              <a:rPr lang="zh-CN" altLang="en-US"/>
               <a:t>编辑母版文本样式</a:t>
             </a:r>
           </a:p>
@@ -809,7 +815,7 @@
           <a:p>
             <a:fld id="{48A87A34-81AB-432B-8DAE-1953F412C126}" type="datetimeFigureOut">
               <a:rPr lang="en-US" dirty="0"/>
-              <a:t>7/6/2020</a:t>
+              <a:t>7/19/20</a:t>
             </a:fld>
             <a:endParaRPr lang="en-US" dirty="0"/>
           </a:p>
@@ -937,7 +943,7 @@
           </a:lstStyle>
           <a:p>
             <a:r>
-              <a:rPr lang="zh-CN" altLang="en-US" smtClean="0"/>
+              <a:rPr lang="zh-CN" altLang="en-US"/>
               <a:t>单击此处编辑母版标题样式</a:t>
             </a:r>
             <a:endParaRPr lang="en-US" dirty="0"/>
@@ -1005,7 +1011,7 @@
           <a:p>
             <a:pPr lvl="0"/>
             <a:r>
-              <a:rPr lang="zh-CN" altLang="en-US" smtClean="0"/>
+              <a:rPr lang="zh-CN" altLang="en-US"/>
               <a:t>编辑母版文本样式</a:t>
             </a:r>
           </a:p>
@@ -1072,7 +1078,7 @@
           <a:p>
             <a:pPr lvl="0"/>
             <a:r>
-              <a:rPr lang="zh-CN" altLang="en-US" smtClean="0"/>
+              <a:rPr lang="zh-CN" altLang="en-US"/>
               <a:t>编辑母版文本样式</a:t>
             </a:r>
           </a:p>
@@ -1095,7 +1101,7 @@
           <a:p>
             <a:fld id="{48A87A34-81AB-432B-8DAE-1953F412C126}" type="datetimeFigureOut">
               <a:rPr lang="en-US" dirty="0"/>
-              <a:t>7/6/2020</a:t>
+              <a:t>7/19/20</a:t>
             </a:fld>
             <a:endParaRPr lang="en-US" dirty="0"/>
           </a:p>
@@ -1455,7 +1461,7 @@
           </a:lstStyle>
           <a:p>
             <a:r>
-              <a:rPr lang="zh-CN" altLang="en-US" smtClean="0"/>
+              <a:rPr lang="zh-CN" altLang="en-US"/>
               <a:t>单击此处编辑母版标题样式</a:t>
             </a:r>
             <a:endParaRPr lang="en-US" dirty="0"/>
@@ -1521,7 +1527,7 @@
           <a:p>
             <a:pPr lvl="0"/>
             <a:r>
-              <a:rPr lang="zh-CN" altLang="en-US" smtClean="0"/>
+              <a:rPr lang="zh-CN" altLang="en-US"/>
               <a:t>编辑母版文本样式</a:t>
             </a:r>
           </a:p>
@@ -1544,7 +1550,7 @@
           <a:p>
             <a:fld id="{48A87A34-81AB-432B-8DAE-1953F412C126}" type="datetimeFigureOut">
               <a:rPr lang="en-US" dirty="0"/>
-              <a:t>7/6/2020</a:t>
+              <a:t>7/19/20</a:t>
             </a:fld>
             <a:endParaRPr lang="en-US" dirty="0"/>
           </a:p>
@@ -1668,7 +1674,7 @@
           <a:lstStyle/>
           <a:p>
             <a:r>
-              <a:rPr lang="zh-CN" altLang="en-US" smtClean="0"/>
+              <a:rPr lang="zh-CN" altLang="en-US"/>
               <a:t>单击此处编辑母版标题样式</a:t>
             </a:r>
             <a:endParaRPr lang="en-US" dirty="0"/>
@@ -1743,7 +1749,7 @@
           <a:p>
             <a:pPr lvl="0"/>
             <a:r>
-              <a:rPr lang="zh-CN" altLang="en-US" smtClean="0"/>
+              <a:rPr lang="zh-CN" altLang="en-US"/>
               <a:t>编辑母版文本样式</a:t>
             </a:r>
           </a:p>
@@ -1810,7 +1816,7 @@
           <a:p>
             <a:pPr lvl="0"/>
             <a:r>
-              <a:rPr lang="zh-CN" altLang="en-US" smtClean="0"/>
+              <a:rPr lang="zh-CN" altLang="en-US"/>
               <a:t>编辑母版文本样式</a:t>
             </a:r>
           </a:p>
@@ -1884,7 +1890,7 @@
           <a:p>
             <a:pPr lvl="0"/>
             <a:r>
-              <a:rPr lang="zh-CN" altLang="en-US" smtClean="0"/>
+              <a:rPr lang="zh-CN" altLang="en-US"/>
               <a:t>编辑母版文本样式</a:t>
             </a:r>
           </a:p>
@@ -1951,7 +1957,7 @@
           <a:p>
             <a:pPr lvl="0"/>
             <a:r>
-              <a:rPr lang="zh-CN" altLang="en-US" smtClean="0"/>
+              <a:rPr lang="zh-CN" altLang="en-US"/>
               <a:t>编辑母版文本样式</a:t>
             </a:r>
           </a:p>
@@ -2025,7 +2031,7 @@
           <a:p>
             <a:pPr lvl="0"/>
             <a:r>
-              <a:rPr lang="zh-CN" altLang="en-US" smtClean="0"/>
+              <a:rPr lang="zh-CN" altLang="en-US"/>
               <a:t>编辑母版文本样式</a:t>
             </a:r>
           </a:p>
@@ -2092,7 +2098,7 @@
           <a:p>
             <a:pPr lvl="0"/>
             <a:r>
-              <a:rPr lang="zh-CN" altLang="en-US" smtClean="0"/>
+              <a:rPr lang="zh-CN" altLang="en-US"/>
               <a:t>编辑母版文本样式</a:t>
             </a:r>
           </a:p>
@@ -2115,7 +2121,7 @@
           <a:p>
             <a:fld id="{48A87A34-81AB-432B-8DAE-1953F412C126}" type="datetimeFigureOut">
               <a:rPr lang="en-US" dirty="0"/>
-              <a:t>7/6/2020</a:t>
+              <a:t>7/19/20</a:t>
             </a:fld>
             <a:endParaRPr lang="en-US" dirty="0"/>
           </a:p>
@@ -2239,7 +2245,7 @@
           <a:lstStyle/>
           <a:p>
             <a:r>
-              <a:rPr lang="zh-CN" altLang="en-US" smtClean="0"/>
+              <a:rPr lang="zh-CN" altLang="en-US"/>
               <a:t>单击此处编辑母版标题样式</a:t>
             </a:r>
             <a:endParaRPr lang="en-US" dirty="0"/>
@@ -2314,7 +2320,7 @@
           <a:p>
             <a:pPr lvl="0"/>
             <a:r>
-              <a:rPr lang="zh-CN" altLang="en-US" smtClean="0"/>
+              <a:rPr lang="zh-CN" altLang="en-US"/>
               <a:t>编辑母版文本样式</a:t>
             </a:r>
           </a:p>
@@ -2408,7 +2414,7 @@
           </a:lstStyle>
           <a:p>
             <a:r>
-              <a:rPr lang="zh-CN" altLang="en-US" smtClean="0"/>
+              <a:rPr lang="zh-CN" altLang="en-US"/>
               <a:t>单击图标添加图片</a:t>
             </a:r>
             <a:endParaRPr lang="en-US" dirty="0"/>
@@ -2476,7 +2482,7 @@
           <a:p>
             <a:pPr lvl="0"/>
             <a:r>
-              <a:rPr lang="zh-CN" altLang="en-US" smtClean="0"/>
+              <a:rPr lang="zh-CN" altLang="en-US"/>
               <a:t>编辑母版文本样式</a:t>
             </a:r>
           </a:p>
@@ -2550,7 +2556,7 @@
           <a:p>
             <a:pPr lvl="0"/>
             <a:r>
-              <a:rPr lang="zh-CN" altLang="en-US" smtClean="0"/>
+              <a:rPr lang="zh-CN" altLang="en-US"/>
               <a:t>编辑母版文本样式</a:t>
             </a:r>
           </a:p>
@@ -2644,7 +2650,7 @@
           </a:lstStyle>
           <a:p>
             <a:r>
-              <a:rPr lang="zh-CN" altLang="en-US" smtClean="0"/>
+              <a:rPr lang="zh-CN" altLang="en-US"/>
               <a:t>单击图标添加图片</a:t>
             </a:r>
             <a:endParaRPr lang="en-US" dirty="0"/>
@@ -2712,7 +2718,7 @@
           <a:p>
             <a:pPr lvl="0"/>
             <a:r>
-              <a:rPr lang="zh-CN" altLang="en-US" smtClean="0"/>
+              <a:rPr lang="zh-CN" altLang="en-US"/>
               <a:t>编辑母版文本样式</a:t>
             </a:r>
           </a:p>
@@ -2786,7 +2792,7 @@
           <a:p>
             <a:pPr lvl="0"/>
             <a:r>
-              <a:rPr lang="zh-CN" altLang="en-US" smtClean="0"/>
+              <a:rPr lang="zh-CN" altLang="en-US"/>
               <a:t>编辑母版文本样式</a:t>
             </a:r>
           </a:p>
@@ -2880,7 +2886,7 @@
           </a:lstStyle>
           <a:p>
             <a:r>
-              <a:rPr lang="zh-CN" altLang="en-US" smtClean="0"/>
+              <a:rPr lang="zh-CN" altLang="en-US"/>
               <a:t>单击图标添加图片</a:t>
             </a:r>
             <a:endParaRPr lang="en-US" dirty="0"/>
@@ -2948,7 +2954,7 @@
           <a:p>
             <a:pPr lvl="0"/>
             <a:r>
-              <a:rPr lang="zh-CN" altLang="en-US" smtClean="0"/>
+              <a:rPr lang="zh-CN" altLang="en-US"/>
               <a:t>编辑母版文本样式</a:t>
             </a:r>
           </a:p>
@@ -2971,7 +2977,7 @@
           <a:p>
             <a:fld id="{48A87A34-81AB-432B-8DAE-1953F412C126}" type="datetimeFigureOut">
               <a:rPr lang="en-US" dirty="0"/>
-              <a:t>7/6/2020</a:t>
+              <a:t>7/19/20</a:t>
             </a:fld>
             <a:endParaRPr lang="en-US" dirty="0"/>
           </a:p>
@@ -3090,7 +3096,7 @@
           <a:lstStyle/>
           <a:p>
             <a:r>
-              <a:rPr lang="zh-CN" altLang="en-US" smtClean="0"/>
+              <a:rPr lang="zh-CN" altLang="en-US"/>
               <a:t>单击此处编辑母版标题样式</a:t>
             </a:r>
             <a:endParaRPr lang="en-US" dirty="0"/>
@@ -3119,35 +3125,35 @@
           <a:p>
             <a:pPr lvl="0"/>
             <a:r>
-              <a:rPr lang="zh-CN" altLang="en-US" smtClean="0"/>
+              <a:rPr lang="zh-CN" altLang="en-US"/>
               <a:t>编辑母版文本样式</a:t>
             </a:r>
           </a:p>
           <a:p>
             <a:pPr lvl="1"/>
             <a:r>
-              <a:rPr lang="zh-CN" altLang="en-US" smtClean="0"/>
+              <a:rPr lang="zh-CN" altLang="en-US"/>
               <a:t>第二级</a:t>
             </a:r>
           </a:p>
           <a:p>
             <a:pPr lvl="2"/>
             <a:r>
-              <a:rPr lang="zh-CN" altLang="en-US" smtClean="0"/>
+              <a:rPr lang="zh-CN" altLang="en-US"/>
               <a:t>第三级</a:t>
             </a:r>
           </a:p>
           <a:p>
             <a:pPr lvl="3"/>
             <a:r>
-              <a:rPr lang="zh-CN" altLang="en-US" smtClean="0"/>
+              <a:rPr lang="zh-CN" altLang="en-US"/>
               <a:t>第四级</a:t>
             </a:r>
           </a:p>
           <a:p>
             <a:pPr lvl="4"/>
             <a:r>
-              <a:rPr lang="zh-CN" altLang="en-US" smtClean="0"/>
+              <a:rPr lang="zh-CN" altLang="en-US"/>
               <a:t>第五级</a:t>
             </a:r>
             <a:endParaRPr lang="en-US" dirty="0"/>
@@ -3171,7 +3177,7 @@
           <a:p>
             <a:fld id="{48A87A34-81AB-432B-8DAE-1953F412C126}" type="datetimeFigureOut">
               <a:rPr lang="en-US" dirty="0"/>
-              <a:t>7/6/2020</a:t>
+              <a:t>7/19/20</a:t>
             </a:fld>
             <a:endParaRPr lang="en-US" dirty="0"/>
           </a:p>
@@ -3299,7 +3305,7 @@
           </a:lstStyle>
           <a:p>
             <a:r>
-              <a:rPr lang="zh-CN" altLang="en-US" smtClean="0"/>
+              <a:rPr lang="zh-CN" altLang="en-US"/>
               <a:t>单击此处编辑母版标题样式</a:t>
             </a:r>
             <a:endParaRPr lang="en-US" dirty="0"/>
@@ -3328,35 +3334,35 @@
           <a:p>
             <a:pPr lvl="0"/>
             <a:r>
-              <a:rPr lang="zh-CN" altLang="en-US" smtClean="0"/>
+              <a:rPr lang="zh-CN" altLang="en-US"/>
               <a:t>编辑母版文本样式</a:t>
             </a:r>
           </a:p>
           <a:p>
             <a:pPr lvl="1"/>
             <a:r>
-              <a:rPr lang="zh-CN" altLang="en-US" smtClean="0"/>
+              <a:rPr lang="zh-CN" altLang="en-US"/>
               <a:t>第二级</a:t>
             </a:r>
           </a:p>
           <a:p>
             <a:pPr lvl="2"/>
             <a:r>
-              <a:rPr lang="zh-CN" altLang="en-US" smtClean="0"/>
+              <a:rPr lang="zh-CN" altLang="en-US"/>
               <a:t>第三级</a:t>
             </a:r>
           </a:p>
           <a:p>
             <a:pPr lvl="3"/>
             <a:r>
-              <a:rPr lang="zh-CN" altLang="en-US" smtClean="0"/>
+              <a:rPr lang="zh-CN" altLang="en-US"/>
               <a:t>第四级</a:t>
             </a:r>
           </a:p>
           <a:p>
             <a:pPr lvl="4"/>
             <a:r>
-              <a:rPr lang="zh-CN" altLang="en-US" smtClean="0"/>
+              <a:rPr lang="zh-CN" altLang="en-US"/>
               <a:t>第五级</a:t>
             </a:r>
             <a:endParaRPr lang="en-US" dirty="0"/>
@@ -3380,7 +3386,7 @@
           <a:p>
             <a:fld id="{48A87A34-81AB-432B-8DAE-1953F412C126}" type="datetimeFigureOut">
               <a:rPr lang="en-US" dirty="0"/>
-              <a:t>7/6/2020</a:t>
+              <a:t>7/19/20</a:t>
             </a:fld>
             <a:endParaRPr lang="en-US" dirty="0"/>
           </a:p>
@@ -3499,7 +3505,7 @@
           <a:lstStyle/>
           <a:p>
             <a:r>
-              <a:rPr lang="zh-CN" altLang="en-US" smtClean="0"/>
+              <a:rPr lang="zh-CN" altLang="en-US"/>
               <a:t>单击此处编辑母版标题样式</a:t>
             </a:r>
             <a:endParaRPr lang="en-US" dirty="0"/>
@@ -3528,35 +3534,35 @@
           <a:p>
             <a:pPr lvl="0"/>
             <a:r>
-              <a:rPr lang="zh-CN" altLang="en-US" smtClean="0"/>
+              <a:rPr lang="zh-CN" altLang="en-US"/>
               <a:t>编辑母版文本样式</a:t>
             </a:r>
           </a:p>
           <a:p>
             <a:pPr lvl="1"/>
             <a:r>
-              <a:rPr lang="zh-CN" altLang="en-US" smtClean="0"/>
+              <a:rPr lang="zh-CN" altLang="en-US"/>
               <a:t>第二级</a:t>
             </a:r>
           </a:p>
           <a:p>
             <a:pPr lvl="2"/>
             <a:r>
-              <a:rPr lang="zh-CN" altLang="en-US" smtClean="0"/>
+              <a:rPr lang="zh-CN" altLang="en-US"/>
               <a:t>第三级</a:t>
             </a:r>
           </a:p>
           <a:p>
             <a:pPr lvl="3"/>
             <a:r>
-              <a:rPr lang="zh-CN" altLang="en-US" smtClean="0"/>
+              <a:rPr lang="zh-CN" altLang="en-US"/>
               <a:t>第四级</a:t>
             </a:r>
           </a:p>
           <a:p>
             <a:pPr lvl="4"/>
             <a:r>
-              <a:rPr lang="zh-CN" altLang="en-US" smtClean="0"/>
+              <a:rPr lang="zh-CN" altLang="en-US"/>
               <a:t>第五级</a:t>
             </a:r>
             <a:endParaRPr lang="en-US" dirty="0"/>
@@ -3580,7 +3586,7 @@
           <a:p>
             <a:fld id="{48A87A34-81AB-432B-8DAE-1953F412C126}" type="datetimeFigureOut">
               <a:rPr lang="en-US" dirty="0"/>
-              <a:t>7/6/2020</a:t>
+              <a:t>7/19/20</a:t>
             </a:fld>
             <a:endParaRPr lang="en-US" dirty="0"/>
           </a:p>
@@ -3710,7 +3716,7 @@
           </a:lstStyle>
           <a:p>
             <a:r>
-              <a:rPr lang="zh-CN" altLang="en-US" smtClean="0"/>
+              <a:rPr lang="zh-CN" altLang="en-US"/>
               <a:t>单击此处编辑母版标题样式</a:t>
             </a:r>
             <a:endParaRPr lang="en-US" dirty="0"/>
@@ -3832,7 +3838,7 @@
           <a:p>
             <a:pPr lvl="0"/>
             <a:r>
-              <a:rPr lang="zh-CN" altLang="en-US" smtClean="0"/>
+              <a:rPr lang="zh-CN" altLang="en-US"/>
               <a:t>编辑母版文本样式</a:t>
             </a:r>
           </a:p>
@@ -3855,7 +3861,7 @@
           <a:p>
             <a:fld id="{48A87A34-81AB-432B-8DAE-1953F412C126}" type="datetimeFigureOut">
               <a:rPr lang="en-US" dirty="0"/>
-              <a:t>7/6/2020</a:t>
+              <a:t>7/19/20</a:t>
             </a:fld>
             <a:endParaRPr lang="en-US" dirty="0"/>
           </a:p>
@@ -3979,7 +3985,7 @@
           <a:lstStyle/>
           <a:p>
             <a:r>
-              <a:rPr lang="zh-CN" altLang="en-US" smtClean="0"/>
+              <a:rPr lang="zh-CN" altLang="en-US"/>
               <a:t>单击此处编辑母版标题样式</a:t>
             </a:r>
             <a:endParaRPr lang="en-US" dirty="0"/>
@@ -4008,35 +4014,35 @@
           <a:p>
             <a:pPr lvl="0"/>
             <a:r>
-              <a:rPr lang="zh-CN" altLang="en-US" smtClean="0"/>
+              <a:rPr lang="zh-CN" altLang="en-US"/>
               <a:t>编辑母版文本样式</a:t>
             </a:r>
           </a:p>
           <a:p>
             <a:pPr lvl="1"/>
             <a:r>
-              <a:rPr lang="zh-CN" altLang="en-US" smtClean="0"/>
+              <a:rPr lang="zh-CN" altLang="en-US"/>
               <a:t>第二级</a:t>
             </a:r>
           </a:p>
           <a:p>
             <a:pPr lvl="2"/>
             <a:r>
-              <a:rPr lang="zh-CN" altLang="en-US" smtClean="0"/>
+              <a:rPr lang="zh-CN" altLang="en-US"/>
               <a:t>第三级</a:t>
             </a:r>
           </a:p>
           <a:p>
             <a:pPr lvl="3"/>
             <a:r>
-              <a:rPr lang="zh-CN" altLang="en-US" smtClean="0"/>
+              <a:rPr lang="zh-CN" altLang="en-US"/>
               <a:t>第四级</a:t>
             </a:r>
           </a:p>
           <a:p>
             <a:pPr lvl="4"/>
             <a:r>
-              <a:rPr lang="zh-CN" altLang="en-US" smtClean="0"/>
+              <a:rPr lang="zh-CN" altLang="en-US"/>
               <a:t>第五级</a:t>
             </a:r>
             <a:endParaRPr lang="en-US" dirty="0"/>
@@ -4065,35 +4071,35 @@
           <a:p>
             <a:pPr lvl="0"/>
             <a:r>
-              <a:rPr lang="zh-CN" altLang="en-US" smtClean="0"/>
+              <a:rPr lang="zh-CN" altLang="en-US"/>
               <a:t>编辑母版文本样式</a:t>
             </a:r>
           </a:p>
           <a:p>
             <a:pPr lvl="1"/>
             <a:r>
-              <a:rPr lang="zh-CN" altLang="en-US" smtClean="0"/>
+              <a:rPr lang="zh-CN" altLang="en-US"/>
               <a:t>第二级</a:t>
             </a:r>
           </a:p>
           <a:p>
             <a:pPr lvl="2"/>
             <a:r>
-              <a:rPr lang="zh-CN" altLang="en-US" smtClean="0"/>
+              <a:rPr lang="zh-CN" altLang="en-US"/>
               <a:t>第三级</a:t>
             </a:r>
           </a:p>
           <a:p>
             <a:pPr lvl="3"/>
             <a:r>
-              <a:rPr lang="zh-CN" altLang="en-US" smtClean="0"/>
+              <a:rPr lang="zh-CN" altLang="en-US"/>
               <a:t>第四级</a:t>
             </a:r>
           </a:p>
           <a:p>
             <a:pPr lvl="4"/>
             <a:r>
-              <a:rPr lang="zh-CN" altLang="en-US" smtClean="0"/>
+              <a:rPr lang="zh-CN" altLang="en-US"/>
               <a:t>第五级</a:t>
             </a:r>
             <a:endParaRPr lang="en-US" dirty="0"/>
@@ -4117,7 +4123,7 @@
           <a:p>
             <a:fld id="{48A87A34-81AB-432B-8DAE-1953F412C126}" type="datetimeFigureOut">
               <a:rPr lang="en-US" dirty="0"/>
-              <a:t>7/6/2020</a:t>
+              <a:t>7/19/20</a:t>
             </a:fld>
             <a:endParaRPr lang="en-US" dirty="0"/>
           </a:p>
@@ -4241,7 +4247,7 @@
           <a:lstStyle/>
           <a:p>
             <a:r>
-              <a:rPr lang="zh-CN" altLang="en-US" smtClean="0"/>
+              <a:rPr lang="zh-CN" altLang="en-US"/>
               <a:t>单击此处编辑母版标题样式</a:t>
             </a:r>
             <a:endParaRPr lang="en-US" dirty="0"/>
@@ -4316,7 +4322,7 @@
           <a:p>
             <a:pPr lvl="0"/>
             <a:r>
-              <a:rPr lang="zh-CN" altLang="en-US" smtClean="0"/>
+              <a:rPr lang="zh-CN" altLang="en-US"/>
               <a:t>编辑母版文本样式</a:t>
             </a:r>
           </a:p>
@@ -4344,35 +4350,35 @@
           <a:p>
             <a:pPr lvl="0"/>
             <a:r>
-              <a:rPr lang="zh-CN" altLang="en-US" smtClean="0"/>
+              <a:rPr lang="zh-CN" altLang="en-US"/>
               <a:t>编辑母版文本样式</a:t>
             </a:r>
           </a:p>
           <a:p>
             <a:pPr lvl="1"/>
             <a:r>
-              <a:rPr lang="zh-CN" altLang="en-US" smtClean="0"/>
+              <a:rPr lang="zh-CN" altLang="en-US"/>
               <a:t>第二级</a:t>
             </a:r>
           </a:p>
           <a:p>
             <a:pPr lvl="2"/>
             <a:r>
-              <a:rPr lang="zh-CN" altLang="en-US" smtClean="0"/>
+              <a:rPr lang="zh-CN" altLang="en-US"/>
               <a:t>第三级</a:t>
             </a:r>
           </a:p>
           <a:p>
             <a:pPr lvl="3"/>
             <a:r>
-              <a:rPr lang="zh-CN" altLang="en-US" smtClean="0"/>
+              <a:rPr lang="zh-CN" altLang="en-US"/>
               <a:t>第四级</a:t>
             </a:r>
           </a:p>
           <a:p>
             <a:pPr lvl="4"/>
             <a:r>
-              <a:rPr lang="zh-CN" altLang="en-US" smtClean="0"/>
+              <a:rPr lang="zh-CN" altLang="en-US"/>
               <a:t>第五级</a:t>
             </a:r>
             <a:endParaRPr lang="en-US" dirty="0"/>
@@ -4447,7 +4453,7 @@
           <a:p>
             <a:pPr lvl="0"/>
             <a:r>
-              <a:rPr lang="zh-CN" altLang="en-US" smtClean="0"/>
+              <a:rPr lang="zh-CN" altLang="en-US"/>
               <a:t>编辑母版文本样式</a:t>
             </a:r>
           </a:p>
@@ -4475,35 +4481,35 @@
           <a:p>
             <a:pPr lvl="0"/>
             <a:r>
-              <a:rPr lang="zh-CN" altLang="en-US" smtClean="0"/>
+              <a:rPr lang="zh-CN" altLang="en-US"/>
               <a:t>编辑母版文本样式</a:t>
             </a:r>
           </a:p>
           <a:p>
             <a:pPr lvl="1"/>
             <a:r>
-              <a:rPr lang="zh-CN" altLang="en-US" smtClean="0"/>
+              <a:rPr lang="zh-CN" altLang="en-US"/>
               <a:t>第二级</a:t>
             </a:r>
           </a:p>
           <a:p>
             <a:pPr lvl="2"/>
             <a:r>
-              <a:rPr lang="zh-CN" altLang="en-US" smtClean="0"/>
+              <a:rPr lang="zh-CN" altLang="en-US"/>
               <a:t>第三级</a:t>
             </a:r>
           </a:p>
           <a:p>
             <a:pPr lvl="3"/>
             <a:r>
-              <a:rPr lang="zh-CN" altLang="en-US" smtClean="0"/>
+              <a:rPr lang="zh-CN" altLang="en-US"/>
               <a:t>第四级</a:t>
             </a:r>
           </a:p>
           <a:p>
             <a:pPr lvl="4"/>
             <a:r>
-              <a:rPr lang="zh-CN" altLang="en-US" smtClean="0"/>
+              <a:rPr lang="zh-CN" altLang="en-US"/>
               <a:t>第五级</a:t>
             </a:r>
             <a:endParaRPr lang="en-US" dirty="0"/>
@@ -4527,7 +4533,7 @@
           <a:p>
             <a:fld id="{48A87A34-81AB-432B-8DAE-1953F412C126}" type="datetimeFigureOut">
               <a:rPr lang="en-US" dirty="0"/>
-              <a:t>7/6/2020</a:t>
+              <a:t>7/19/20</a:t>
             </a:fld>
             <a:endParaRPr lang="en-US" dirty="0"/>
           </a:p>
@@ -4646,7 +4652,7 @@
           <a:lstStyle/>
           <a:p>
             <a:r>
-              <a:rPr lang="zh-CN" altLang="en-US" smtClean="0"/>
+              <a:rPr lang="zh-CN" altLang="en-US"/>
               <a:t>单击此处编辑母版标题样式</a:t>
             </a:r>
             <a:endParaRPr lang="en-US" dirty="0"/>
@@ -4670,7 +4676,7 @@
           <a:p>
             <a:fld id="{48A87A34-81AB-432B-8DAE-1953F412C126}" type="datetimeFigureOut">
               <a:rPr lang="en-US" dirty="0"/>
-              <a:t>7/6/2020</a:t>
+              <a:t>7/19/20</a:t>
             </a:fld>
             <a:endParaRPr lang="en-US" dirty="0"/>
           </a:p>
@@ -4790,7 +4796,7 @@
           <a:p>
             <a:fld id="{48A87A34-81AB-432B-8DAE-1953F412C126}" type="datetimeFigureOut">
               <a:rPr lang="en-US" dirty="0"/>
-              <a:t>7/6/2020</a:t>
+              <a:t>7/19/20</a:t>
             </a:fld>
             <a:endParaRPr lang="en-US" dirty="0"/>
           </a:p>
@@ -4918,7 +4924,7 @@
           </a:lstStyle>
           <a:p>
             <a:r>
-              <a:rPr lang="zh-CN" altLang="en-US" smtClean="0"/>
+              <a:rPr lang="zh-CN" altLang="en-US"/>
               <a:t>单击此处编辑母版标题样式</a:t>
             </a:r>
             <a:endParaRPr lang="en-US" dirty="0"/>
@@ -4947,35 +4953,35 @@
           <a:p>
             <a:pPr lvl="0"/>
             <a:r>
-              <a:rPr lang="zh-CN" altLang="en-US" smtClean="0"/>
+              <a:rPr lang="zh-CN" altLang="en-US"/>
               <a:t>编辑母版文本样式</a:t>
             </a:r>
           </a:p>
           <a:p>
             <a:pPr lvl="1"/>
             <a:r>
-              <a:rPr lang="zh-CN" altLang="en-US" smtClean="0"/>
+              <a:rPr lang="zh-CN" altLang="en-US"/>
               <a:t>第二级</a:t>
             </a:r>
           </a:p>
           <a:p>
             <a:pPr lvl="2"/>
             <a:r>
-              <a:rPr lang="zh-CN" altLang="en-US" smtClean="0"/>
+              <a:rPr lang="zh-CN" altLang="en-US"/>
               <a:t>第三级</a:t>
             </a:r>
           </a:p>
           <a:p>
             <a:pPr lvl="3"/>
             <a:r>
-              <a:rPr lang="zh-CN" altLang="en-US" smtClean="0"/>
+              <a:rPr lang="zh-CN" altLang="en-US"/>
               <a:t>第四级</a:t>
             </a:r>
           </a:p>
           <a:p>
             <a:pPr lvl="4"/>
             <a:r>
-              <a:rPr lang="zh-CN" altLang="en-US" smtClean="0"/>
+              <a:rPr lang="zh-CN" altLang="en-US"/>
               <a:t>第五级</a:t>
             </a:r>
             <a:endParaRPr lang="en-US" dirty="0"/>
@@ -5041,7 +5047,7 @@
           <a:p>
             <a:pPr lvl="0"/>
             <a:r>
-              <a:rPr lang="zh-CN" altLang="en-US" smtClean="0"/>
+              <a:rPr lang="zh-CN" altLang="en-US"/>
               <a:t>编辑母版文本样式</a:t>
             </a:r>
           </a:p>
@@ -5064,7 +5070,7 @@
           <a:p>
             <a:fld id="{48A87A34-81AB-432B-8DAE-1953F412C126}" type="datetimeFigureOut">
               <a:rPr lang="en-US" dirty="0"/>
-              <a:t>7/6/2020</a:t>
+              <a:t>7/19/20</a:t>
             </a:fld>
             <a:endParaRPr lang="en-US" dirty="0"/>
           </a:p>
@@ -5192,7 +5198,7 @@
           </a:lstStyle>
           <a:p>
             <a:r>
-              <a:rPr lang="zh-CN" altLang="en-US" smtClean="0"/>
+              <a:rPr lang="zh-CN" altLang="en-US"/>
               <a:t>单击此处编辑母版标题样式</a:t>
             </a:r>
             <a:endParaRPr lang="en-US" dirty="0"/>
@@ -5285,7 +5291,7 @@
           </a:lstStyle>
           <a:p>
             <a:r>
-              <a:rPr lang="zh-CN" altLang="en-US" smtClean="0"/>
+              <a:rPr lang="zh-CN" altLang="en-US"/>
               <a:t>单击图标添加图片</a:t>
             </a:r>
             <a:endParaRPr lang="en-US" dirty="0"/>
@@ -5351,7 +5357,7 @@
           <a:p>
             <a:pPr lvl="0"/>
             <a:r>
-              <a:rPr lang="zh-CN" altLang="en-US" smtClean="0"/>
+              <a:rPr lang="zh-CN" altLang="en-US"/>
               <a:t>编辑母版文本样式</a:t>
             </a:r>
           </a:p>
@@ -5374,7 +5380,7 @@
           <a:p>
             <a:fld id="{48A87A34-81AB-432B-8DAE-1953F412C126}" type="datetimeFigureOut">
               <a:rPr lang="en-US" dirty="0"/>
-              <a:t>7/6/2020</a:t>
+              <a:t>7/19/20</a:t>
             </a:fld>
             <a:endParaRPr lang="en-US" dirty="0"/>
           </a:p>
@@ -5520,7 +5526,7 @@
           <a:lstStyle/>
           <a:p>
             <a:r>
-              <a:rPr lang="zh-CN" altLang="en-US" smtClean="0"/>
+              <a:rPr lang="zh-CN" altLang="en-US"/>
               <a:t>单击此处编辑母版标题样式</a:t>
             </a:r>
             <a:endParaRPr lang="en-US" dirty="0"/>
@@ -5554,35 +5560,35 @@
           <a:p>
             <a:pPr lvl="0"/>
             <a:r>
-              <a:rPr lang="zh-CN" altLang="en-US" smtClean="0"/>
+              <a:rPr lang="zh-CN" altLang="en-US"/>
               <a:t>编辑母版文本样式</a:t>
             </a:r>
           </a:p>
           <a:p>
             <a:pPr lvl="1"/>
             <a:r>
-              <a:rPr lang="zh-CN" altLang="en-US" smtClean="0"/>
+              <a:rPr lang="zh-CN" altLang="en-US"/>
               <a:t>第二级</a:t>
             </a:r>
           </a:p>
           <a:p>
             <a:pPr lvl="2"/>
             <a:r>
-              <a:rPr lang="zh-CN" altLang="en-US" smtClean="0"/>
+              <a:rPr lang="zh-CN" altLang="en-US"/>
               <a:t>第三级</a:t>
             </a:r>
           </a:p>
           <a:p>
             <a:pPr lvl="3"/>
             <a:r>
-              <a:rPr lang="zh-CN" altLang="en-US" smtClean="0"/>
+              <a:rPr lang="zh-CN" altLang="en-US"/>
               <a:t>第四级</a:t>
             </a:r>
           </a:p>
           <a:p>
             <a:pPr lvl="4"/>
             <a:r>
-              <a:rPr lang="zh-CN" altLang="en-US" smtClean="0"/>
+              <a:rPr lang="zh-CN" altLang="en-US"/>
               <a:t>第五级</a:t>
             </a:r>
             <a:endParaRPr lang="en-US" dirty="0"/>
@@ -5623,7 +5629,7 @@
             <a:fld id="{48A87A34-81AB-432B-8DAE-1953F412C126}" type="datetimeFigureOut">
               <a:rPr lang="en-US" dirty="0"/>
               <a:pPr/>
-              <a:t>7/6/2020</a:t>
+              <a:t>7/19/20</a:t>
             </a:fld>
             <a:endParaRPr lang="en-US" dirty="0"/>
           </a:p>
@@ -6168,7 +6174,7 @@
           <a:p>
             <a:pPr algn="ctr"/>
             <a:r>
-              <a:rPr lang="en-US" altLang="zh-CN" dirty="0" err="1" smtClean="0"/>
+              <a:rPr lang="en-US" altLang="zh-CN" dirty="0" err="1"/>
               <a:t>FxTemplate</a:t>
             </a:r>
             <a:endParaRPr lang="zh-CN" altLang="en-US" dirty="0"/>
@@ -6324,10 +6330,10 @@
           <a:p>
             <a:pPr algn="ctr"/>
             <a:r>
-              <a:rPr lang="en-US" altLang="zh-CN" dirty="0" err="1" smtClean="0"/>
+              <a:rPr lang="en-US" altLang="zh-CN" dirty="0" err="1"/>
               <a:t>FxElement</a:t>
             </a:r>
-            <a:endParaRPr lang="en-US" altLang="zh-CN" dirty="0" smtClean="0"/>
+            <a:endParaRPr lang="en-US" altLang="zh-CN" dirty="0"/>
           </a:p>
         </p:txBody>
       </p:sp>
@@ -6418,7 +6424,7 @@
           <a:p>
             <a:pPr algn="ctr"/>
             <a:r>
-              <a:rPr lang="en-US" altLang="zh-CN" dirty="0" smtClean="0"/>
+              <a:rPr lang="en-US" altLang="zh-CN" dirty="0"/>
               <a:t>Primitive</a:t>
             </a:r>
           </a:p>
@@ -6514,7 +6520,7 @@
               <a:rPr lang="en-US" altLang="zh-CN" dirty="0" err="1"/>
               <a:t>FxElementData</a:t>
             </a:r>
-            <a:endParaRPr lang="en-US" altLang="zh-CN" dirty="0" smtClean="0"/>
+            <a:endParaRPr lang="en-US" altLang="zh-CN" dirty="0"/>
           </a:p>
         </p:txBody>
       </p:sp>
@@ -6608,7 +6614,7 @@
               <a:rPr lang="en-US" altLang="zh-CN" dirty="0" err="1"/>
               <a:t>ParticleEvent</a:t>
             </a:r>
-            <a:endParaRPr lang="en-US" altLang="zh-CN" dirty="0" smtClean="0"/>
+            <a:endParaRPr lang="en-US" altLang="zh-CN" dirty="0"/>
           </a:p>
         </p:txBody>
       </p:sp>
@@ -6699,10 +6705,10 @@
           <a:p>
             <a:pPr algn="ctr"/>
             <a:r>
-              <a:rPr lang="en-US" altLang="zh-CN" dirty="0" err="1" smtClean="0"/>
+              <a:rPr lang="en-US" altLang="zh-CN" dirty="0" err="1"/>
               <a:t>FxElement</a:t>
             </a:r>
-            <a:endParaRPr lang="en-US" altLang="zh-CN" dirty="0" smtClean="0"/>
+            <a:endParaRPr lang="en-US" altLang="zh-CN" dirty="0"/>
           </a:p>
         </p:txBody>
       </p:sp>
@@ -6796,7 +6802,7 @@
               <a:rPr lang="en-US" altLang="zh-CN" dirty="0" err="1"/>
               <a:t>FxRenderer</a:t>
             </a:r>
-            <a:endParaRPr lang="en-US" altLang="zh-CN" dirty="0" smtClean="0"/>
+            <a:endParaRPr lang="en-US" altLang="zh-CN" dirty="0"/>
           </a:p>
         </p:txBody>
       </p:sp>
@@ -6848,7 +6854,7 @@
               <a:rPr lang="en-US" altLang="zh-CN" dirty="0" err="1"/>
               <a:t>FxParticlePool</a:t>
             </a:r>
-            <a:endParaRPr lang="en-US" altLang="zh-CN" dirty="0" smtClean="0"/>
+            <a:endParaRPr lang="en-US" altLang="zh-CN" dirty="0"/>
           </a:p>
         </p:txBody>
       </p:sp>
@@ -6900,7 +6906,7 @@
               <a:rPr lang="en-US" altLang="zh-CN" dirty="0" err="1"/>
               <a:t>FxTemplate</a:t>
             </a:r>
-            <a:endParaRPr lang="en-US" altLang="zh-CN" dirty="0" smtClean="0"/>
+            <a:endParaRPr lang="en-US" altLang="zh-CN" dirty="0"/>
           </a:p>
         </p:txBody>
       </p:sp>
@@ -6952,7 +6958,7 @@
               <a:rPr lang="en-US" altLang="zh-CN" dirty="0" err="1"/>
               <a:t>FxInstance</a:t>
             </a:r>
-            <a:endParaRPr lang="en-US" altLang="zh-CN" dirty="0" smtClean="0"/>
+            <a:endParaRPr lang="en-US" altLang="zh-CN" dirty="0"/>
           </a:p>
         </p:txBody>
       </p:sp>
@@ -7134,13 +7140,6 @@
   <p:clrMapOvr>
     <a:masterClrMapping/>
   </p:clrMapOvr>
-  <p:timing>
-    <p:tnLst>
-      <p:par>
-        <p:cTn id="1" dur="indefinite" restart="never" nodeType="tmRoot"/>
-      </p:par>
-    </p:tnLst>
-  </p:timing>
 </p:sld>
 </file>
 
@@ -7163,14 +7162,14 @@
       </p:grpSpPr>
       <p:sp>
         <p:nvSpPr>
-          <p:cNvPr id="5" name="矩形 4"/>
+          <p:cNvPr id="12" name="矩形 11"/>
           <p:cNvSpPr/>
           <p:nvPr/>
         </p:nvSpPr>
         <p:spPr>
           <a:xfrm>
-            <a:off x="4818323" y="394906"/>
-            <a:ext cx="2624468" cy="537169"/>
+            <a:off x="776275" y="670541"/>
+            <a:ext cx="2030818" cy="537169"/>
           </a:xfrm>
           <a:prstGeom prst="rect">
             <a:avLst/>
@@ -7206,28 +7205,129 @@
           <a:p>
             <a:pPr algn="ctr"/>
             <a:r>
-              <a:rPr lang="en-US" altLang="zh-CN" sz="2800" b="1" dirty="0" err="1" smtClean="0"/>
+              <a:rPr lang="en-US" altLang="zh-CN" dirty="0" err="1"/>
               <a:t>FxTemplate</a:t>
             </a:r>
-            <a:endParaRPr lang="zh-CN" altLang="en-US" sz="2800" b="1" dirty="0"/>
-          </a:p>
-        </p:txBody>
-      </p:sp>
-      <p:sp>
-        <p:nvSpPr>
-          <p:cNvPr id="6" name="文本框 5"/>
-          <p:cNvSpPr txBox="1"/>
+            <a:endParaRPr lang="zh-CN" altLang="en-US" dirty="0"/>
+          </a:p>
+        </p:txBody>
+      </p:sp>
+      <p:sp>
+        <p:nvSpPr>
+          <p:cNvPr id="13" name="矩形 12"/>
+          <p:cNvSpPr/>
           <p:nvPr/>
         </p:nvSpPr>
         <p:spPr>
           <a:xfrm>
-            <a:off x="1148316" y="1350335"/>
-            <a:ext cx="8506047" cy="4628190"/>
+            <a:off x="776275" y="2468063"/>
+            <a:ext cx="2030818" cy="542547"/>
           </a:xfrm>
           <a:prstGeom prst="rect">
             <a:avLst/>
           </a:prstGeom>
           <a:noFill/>
+          <a:ln w="9525" cap="flat" cmpd="sng" algn="ctr">
+            <a:solidFill>
+              <a:schemeClr val="accent2"/>
+            </a:solidFill>
+            <a:prstDash val="solid"/>
+            <a:round/>
+            <a:headEnd type="none" w="med" len="med"/>
+            <a:tailEnd type="none" w="med" len="med"/>
+          </a:ln>
+        </p:spPr>
+        <p:style>
+          <a:lnRef idx="0">
+            <a:scrgbClr r="0" g="0" b="0"/>
+          </a:lnRef>
+          <a:fillRef idx="0">
+            <a:scrgbClr r="0" g="0" b="0"/>
+          </a:fillRef>
+          <a:effectRef idx="0">
+            <a:scrgbClr r="0" g="0" b="0"/>
+          </a:effectRef>
+          <a:fontRef idx="minor">
+            <a:schemeClr val="accent2"/>
+          </a:fontRef>
+        </p:style>
+        <p:txBody>
+          <a:bodyPr rtlCol="0" anchor="ctr"/>
+          <a:lstStyle/>
+          <a:p>
+            <a:pPr algn="ctr"/>
+            <a:r>
+              <a:rPr lang="en-US" altLang="zh-CN" dirty="0" err="1"/>
+              <a:t>FxInstance</a:t>
+            </a:r>
+            <a:endParaRPr lang="zh-CN" altLang="en-US" dirty="0"/>
+          </a:p>
+        </p:txBody>
+      </p:sp>
+      <p:cxnSp>
+        <p:nvCxnSpPr>
+          <p:cNvPr id="42" name="直接箭头连接符 41"/>
+          <p:cNvCxnSpPr>
+            <a:cxnSpLocks/>
+            <a:stCxn id="12" idx="2"/>
+            <a:endCxn id="13" idx="0"/>
+          </p:cNvCxnSpPr>
+          <p:nvPr/>
+        </p:nvCxnSpPr>
+        <p:spPr>
+          <a:xfrm>
+            <a:off x="1791684" y="1207710"/>
+            <a:ext cx="0" cy="1260353"/>
+          </a:xfrm>
+          <a:prstGeom prst="straightConnector1">
+            <a:avLst/>
+          </a:prstGeom>
+          <a:ln w="19050" cap="flat" cmpd="sng" algn="ctr">
+            <a:solidFill>
+              <a:schemeClr val="tx1"/>
+            </a:solidFill>
+            <a:prstDash val="solid"/>
+            <a:round/>
+            <a:headEnd type="none" w="med" len="med"/>
+            <a:tailEnd type="arrow" w="med" len="med"/>
+          </a:ln>
+        </p:spPr>
+        <p:style>
+          <a:lnRef idx="0">
+            <a:scrgbClr r="0" g="0" b="0"/>
+          </a:lnRef>
+          <a:fillRef idx="0">
+            <a:scrgbClr r="0" g="0" b="0"/>
+          </a:fillRef>
+          <a:effectRef idx="0">
+            <a:scrgbClr r="0" g="0" b="0"/>
+          </a:effectRef>
+          <a:fontRef idx="minor">
+            <a:schemeClr val="tx1"/>
+          </a:fontRef>
+        </p:style>
+      </p:cxnSp>
+      <p:sp>
+        <p:nvSpPr>
+          <p:cNvPr id="4" name="文本框 3">
+            <a:extLst>
+              <a:ext uri="{FF2B5EF4-FFF2-40B4-BE49-F238E27FC236}">
+                <a16:creationId xmlns:a16="http://schemas.microsoft.com/office/drawing/2014/main" id="{B8F6F8E5-D76F-DD47-9BBB-14BFE765DBEC}"/>
+              </a:ext>
+            </a:extLst>
+          </p:cNvPr>
+          <p:cNvSpPr txBox="1"/>
+          <p:nvPr/>
+        </p:nvSpPr>
+        <p:spPr>
+          <a:xfrm>
+            <a:off x="1791684" y="1328483"/>
+            <a:ext cx="741976" cy="369332"/>
+          </a:xfrm>
+          <a:prstGeom prst="rect">
+            <a:avLst/>
+          </a:prstGeom>
+          <a:noFill/>
         </p:spPr>
         <p:txBody>
           <a:bodyPr wrap="square" rtlCol="0">
@@ -7235,428 +7335,1227 @@
           </a:bodyPr>
           <a:lstStyle/>
           <a:p>
-            <a:pPr marL="285750" indent="-285750">
-              <a:lnSpc>
-                <a:spcPct val="150000"/>
-              </a:lnSpc>
-              <a:buFont typeface="Arial" panose="020B0604020202020204" pitchFamily="34" charset="0"/>
-              <a:buChar char="•"/>
-            </a:pPr>
-            <a:r>
-              <a:rPr lang="en-US" altLang="zh-CN" dirty="0" smtClean="0"/>
-              <a:t>GetName</a:t>
-            </a:r>
-          </a:p>
-          <a:p>
-            <a:pPr marL="285750" indent="-285750">
-              <a:lnSpc>
-                <a:spcPct val="150000"/>
-              </a:lnSpc>
-              <a:buFont typeface="Arial" panose="020B0604020202020204" pitchFamily="34" charset="0"/>
-              <a:buChar char="•"/>
-            </a:pPr>
-            <a:r>
-              <a:rPr lang="en-US" altLang="zh-CN" dirty="0" smtClean="0"/>
-              <a:t>GetElementNum</a:t>
-            </a:r>
-          </a:p>
-          <a:p>
-            <a:pPr marL="285750" indent="-285750">
-              <a:lnSpc>
-                <a:spcPct val="150000"/>
-              </a:lnSpc>
-              <a:buFont typeface="Arial" panose="020B0604020202020204" pitchFamily="34" charset="0"/>
-              <a:buChar char="•"/>
-            </a:pPr>
-            <a:r>
-              <a:rPr lang="en-US" altLang="zh-CN" dirty="0" err="1"/>
-              <a:t>GetElement</a:t>
-            </a:r>
-            <a:r>
-              <a:rPr lang="en-US" altLang="zh-CN" dirty="0"/>
-              <a:t>(xint32 </a:t>
-            </a:r>
-            <a:r>
-              <a:rPr lang="en-US" altLang="zh-CN" dirty="0" err="1"/>
-              <a:t>nIndex</a:t>
-            </a:r>
-            <a:r>
-              <a:rPr lang="en-US" altLang="zh-CN" dirty="0"/>
-              <a:t>)</a:t>
-            </a:r>
-            <a:endParaRPr lang="en-US" altLang="zh-CN" dirty="0" smtClean="0"/>
-          </a:p>
-          <a:p>
-            <a:pPr marL="285750" indent="-285750">
-              <a:lnSpc>
-                <a:spcPct val="150000"/>
-              </a:lnSpc>
-              <a:buFont typeface="Arial" panose="020B0604020202020204" pitchFamily="34" charset="0"/>
-              <a:buChar char="•"/>
-            </a:pPr>
-            <a:r>
-              <a:rPr lang="en-US" altLang="zh-CN" dirty="0" err="1" smtClean="0"/>
-              <a:t>AddElement</a:t>
-            </a:r>
-            <a:r>
-              <a:rPr lang="en-US" altLang="zh-CN" dirty="0"/>
-              <a:t>(</a:t>
-            </a:r>
-            <a:r>
-              <a:rPr lang="en-US" altLang="zh-CN" dirty="0" err="1"/>
-              <a:t>const</a:t>
-            </a:r>
-            <a:r>
-              <a:rPr lang="en-US" altLang="zh-CN" dirty="0"/>
-              <a:t> </a:t>
-            </a:r>
-            <a:r>
-              <a:rPr lang="en-US" altLang="zh-CN" dirty="0" err="1"/>
-              <a:t>xchar</a:t>
-            </a:r>
-            <a:r>
-              <a:rPr lang="en-US" altLang="zh-CN" dirty="0"/>
-              <a:t>* </a:t>
-            </a:r>
-            <a:r>
-              <a:rPr lang="en-US" altLang="zh-CN" dirty="0" err="1"/>
-              <a:t>szName</a:t>
-            </a:r>
-            <a:r>
-              <a:rPr lang="en-US" altLang="zh-CN" dirty="0"/>
-              <a:t>, </a:t>
-            </a:r>
-            <a:r>
-              <a:rPr lang="en-US" altLang="zh-CN" dirty="0" err="1"/>
-              <a:t>FxElementType</a:t>
-            </a:r>
-            <a:r>
-              <a:rPr lang="en-US" altLang="zh-CN" dirty="0"/>
-              <a:t> </a:t>
-            </a:r>
-            <a:r>
-              <a:rPr lang="en-US" altLang="zh-CN" dirty="0" err="1"/>
-              <a:t>eType</a:t>
-            </a:r>
-            <a:r>
-              <a:rPr lang="en-US" altLang="zh-CN" dirty="0" smtClean="0"/>
-              <a:t>)</a:t>
-            </a:r>
-          </a:p>
-          <a:p>
-            <a:pPr marL="285750" indent="-285750">
-              <a:lnSpc>
-                <a:spcPct val="150000"/>
-              </a:lnSpc>
-              <a:buFont typeface="Arial" panose="020B0604020202020204" pitchFamily="34" charset="0"/>
-              <a:buChar char="•"/>
-            </a:pPr>
-            <a:r>
-              <a:rPr lang="en-US" altLang="zh-CN" dirty="0" err="1"/>
-              <a:t>AddElement</a:t>
-            </a:r>
-            <a:r>
-              <a:rPr lang="en-US" altLang="zh-CN" dirty="0"/>
-              <a:t>(</a:t>
-            </a:r>
+            <a:r>
+              <a:rPr kumimoji="1" lang="en-US" altLang="zh-CN" dirty="0"/>
+              <a:t>1</a:t>
+            </a:r>
+            <a:endParaRPr kumimoji="1" lang="zh-CN" altLang="en-US" dirty="0"/>
+          </a:p>
+        </p:txBody>
+      </p:sp>
+      <p:sp>
+        <p:nvSpPr>
+          <p:cNvPr id="26" name="文本框 25">
+            <a:extLst>
+              <a:ext uri="{FF2B5EF4-FFF2-40B4-BE49-F238E27FC236}">
+                <a16:creationId xmlns:a16="http://schemas.microsoft.com/office/drawing/2014/main" id="{FBAB896F-581B-494B-953C-1A70BF584536}"/>
+              </a:ext>
+            </a:extLst>
+          </p:cNvPr>
+          <p:cNvSpPr txBox="1"/>
+          <p:nvPr/>
+        </p:nvSpPr>
+        <p:spPr>
+          <a:xfrm>
+            <a:off x="1825263" y="1984135"/>
+            <a:ext cx="741976" cy="369332"/>
+          </a:xfrm>
+          <a:prstGeom prst="rect">
+            <a:avLst/>
+          </a:prstGeom>
+          <a:noFill/>
+        </p:spPr>
+        <p:txBody>
+          <a:bodyPr wrap="square" rtlCol="0">
+            <a:spAutoFit/>
+          </a:bodyPr>
+          <a:lstStyle/>
+          <a:p>
+            <a:r>
+              <a:rPr kumimoji="1" lang="en-US" altLang="zh-CN" dirty="0"/>
+              <a:t>n</a:t>
+            </a:r>
+            <a:endParaRPr kumimoji="1" lang="zh-CN" altLang="en-US" dirty="0"/>
+          </a:p>
+        </p:txBody>
+      </p:sp>
+      <p:sp>
+        <p:nvSpPr>
+          <p:cNvPr id="40" name="矩形 39">
+            <a:extLst>
+              <a:ext uri="{FF2B5EF4-FFF2-40B4-BE49-F238E27FC236}">
+                <a16:creationId xmlns:a16="http://schemas.microsoft.com/office/drawing/2014/main" id="{98343188-6B65-D046-B4ED-0D7B916142E0}"/>
+              </a:ext>
+            </a:extLst>
+          </p:cNvPr>
+          <p:cNvSpPr/>
+          <p:nvPr/>
+        </p:nvSpPr>
+        <p:spPr>
+          <a:xfrm>
+            <a:off x="776275" y="4069884"/>
+            <a:ext cx="2030818" cy="542547"/>
+          </a:xfrm>
+          <a:prstGeom prst="rect">
+            <a:avLst/>
+          </a:prstGeom>
+          <a:noFill/>
+          <a:ln w="9525" cap="flat" cmpd="sng" algn="ctr">
+            <a:solidFill>
+              <a:schemeClr val="accent2"/>
+            </a:solidFill>
+            <a:prstDash val="solid"/>
+            <a:round/>
+            <a:headEnd type="none" w="med" len="med"/>
+            <a:tailEnd type="none" w="med" len="med"/>
+          </a:ln>
+        </p:spPr>
+        <p:style>
+          <a:lnRef idx="0">
+            <a:scrgbClr r="0" g="0" b="0"/>
+          </a:lnRef>
+          <a:fillRef idx="0">
+            <a:scrgbClr r="0" g="0" b="0"/>
+          </a:fillRef>
+          <a:effectRef idx="0">
+            <a:scrgbClr r="0" g="0" b="0"/>
+          </a:effectRef>
+          <a:fontRef idx="minor">
+            <a:schemeClr val="accent2"/>
+          </a:fontRef>
+        </p:style>
+        <p:txBody>
+          <a:bodyPr rtlCol="0" anchor="ctr"/>
+          <a:lstStyle/>
+          <a:p>
+            <a:pPr algn="ctr"/>
             <a:r>
               <a:rPr lang="en-US" altLang="zh-CN" dirty="0" err="1"/>
               <a:t>FxElement</a:t>
             </a:r>
-            <a:r>
-              <a:rPr lang="en-US" altLang="zh-CN" dirty="0"/>
-              <a:t>* </a:t>
-            </a:r>
-            <a:r>
-              <a:rPr lang="en-US" altLang="zh-CN" dirty="0" err="1"/>
-              <a:t>pElement</a:t>
-            </a:r>
-            <a:r>
-              <a:rPr lang="en-US" altLang="zh-CN" dirty="0" smtClean="0"/>
-              <a:t>)</a:t>
-            </a:r>
-          </a:p>
-          <a:p>
-            <a:pPr marL="285750" indent="-285750">
-              <a:lnSpc>
-                <a:spcPct val="150000"/>
-              </a:lnSpc>
-              <a:buFont typeface="Arial" panose="020B0604020202020204" pitchFamily="34" charset="0"/>
-              <a:buChar char="•"/>
-            </a:pPr>
-            <a:r>
-              <a:rPr lang="en-US" altLang="zh-CN" dirty="0" err="1"/>
-              <a:t>RemoveElement</a:t>
-            </a:r>
-            <a:r>
-              <a:rPr lang="en-US" altLang="zh-CN" dirty="0"/>
-              <a:t>(xint32 </a:t>
-            </a:r>
-            <a:r>
-              <a:rPr lang="en-US" altLang="zh-CN" dirty="0" err="1"/>
-              <a:t>nIndex</a:t>
-            </a:r>
-            <a:r>
-              <a:rPr lang="en-US" altLang="zh-CN" dirty="0"/>
-              <a:t>, </a:t>
-            </a:r>
-            <a:r>
-              <a:rPr lang="en-US" altLang="zh-CN" dirty="0" err="1"/>
-              <a:t>xbool</a:t>
-            </a:r>
-            <a:r>
-              <a:rPr lang="en-US" altLang="zh-CN" dirty="0"/>
-              <a:t> </a:t>
-            </a:r>
-            <a:r>
-              <a:rPr lang="en-US" altLang="zh-CN" dirty="0" err="1"/>
-              <a:t>bDelete</a:t>
-            </a:r>
-            <a:r>
-              <a:rPr lang="en-US" altLang="zh-CN" dirty="0"/>
-              <a:t> = </a:t>
-            </a:r>
-            <a:r>
-              <a:rPr lang="en-US" altLang="zh-CN" dirty="0" err="1"/>
-              <a:t>xtrue</a:t>
-            </a:r>
-            <a:r>
-              <a:rPr lang="en-US" altLang="zh-CN" dirty="0" smtClean="0"/>
-              <a:t>)</a:t>
-            </a:r>
-          </a:p>
-          <a:p>
-            <a:pPr marL="285750" indent="-285750">
-              <a:lnSpc>
-                <a:spcPct val="150000"/>
-              </a:lnSpc>
-              <a:buFont typeface="Arial" panose="020B0604020202020204" pitchFamily="34" charset="0"/>
-              <a:buChar char="•"/>
-            </a:pPr>
-            <a:r>
-              <a:rPr lang="en-US" altLang="zh-CN" dirty="0" err="1"/>
-              <a:t>RemoveElement</a:t>
-            </a:r>
-            <a:r>
-              <a:rPr lang="en-US" altLang="zh-CN" dirty="0"/>
-              <a:t>(</a:t>
-            </a:r>
-            <a:r>
-              <a:rPr lang="en-US" altLang="zh-CN" dirty="0" err="1"/>
-              <a:t>FxElement</a:t>
-            </a:r>
-            <a:r>
-              <a:rPr lang="en-US" altLang="zh-CN" dirty="0"/>
-              <a:t>* </a:t>
-            </a:r>
-            <a:r>
-              <a:rPr lang="en-US" altLang="zh-CN" dirty="0" err="1"/>
-              <a:t>pElement</a:t>
-            </a:r>
-            <a:r>
-              <a:rPr lang="en-US" altLang="zh-CN" dirty="0"/>
-              <a:t>, </a:t>
-            </a:r>
-            <a:r>
-              <a:rPr lang="en-US" altLang="zh-CN" dirty="0" err="1"/>
-              <a:t>xbool</a:t>
-            </a:r>
-            <a:r>
-              <a:rPr lang="en-US" altLang="zh-CN" dirty="0"/>
-              <a:t> </a:t>
-            </a:r>
-            <a:r>
-              <a:rPr lang="en-US" altLang="zh-CN" dirty="0" err="1"/>
-              <a:t>bDelete</a:t>
-            </a:r>
-            <a:r>
-              <a:rPr lang="en-US" altLang="zh-CN" dirty="0"/>
-              <a:t> = </a:t>
-            </a:r>
-            <a:r>
-              <a:rPr lang="en-US" altLang="zh-CN" dirty="0" err="1"/>
-              <a:t>xtrue</a:t>
-            </a:r>
-            <a:r>
-              <a:rPr lang="en-US" altLang="zh-CN" dirty="0" smtClean="0"/>
-              <a:t>)</a:t>
-            </a:r>
-          </a:p>
-          <a:p>
-            <a:pPr marL="285750" indent="-285750">
-              <a:lnSpc>
-                <a:spcPct val="150000"/>
-              </a:lnSpc>
-              <a:buFont typeface="Arial" panose="020B0604020202020204" pitchFamily="34" charset="0"/>
-              <a:buChar char="•"/>
-            </a:pPr>
-            <a:r>
-              <a:rPr lang="en-US" altLang="zh-CN" dirty="0" err="1"/>
-              <a:t>MoveElement</a:t>
-            </a:r>
-            <a:r>
-              <a:rPr lang="en-US" altLang="zh-CN" dirty="0"/>
-              <a:t>(</a:t>
-            </a:r>
-            <a:r>
-              <a:rPr lang="en-US" altLang="zh-CN" dirty="0" err="1"/>
-              <a:t>FxElement</a:t>
-            </a:r>
-            <a:r>
-              <a:rPr lang="en-US" altLang="zh-CN" dirty="0"/>
-              <a:t>* </a:t>
-            </a:r>
-            <a:r>
-              <a:rPr lang="en-US" altLang="zh-CN" dirty="0" err="1"/>
-              <a:t>pElement</a:t>
-            </a:r>
-            <a:r>
-              <a:rPr lang="en-US" altLang="zh-CN" dirty="0"/>
-              <a:t>, xint32 </a:t>
-            </a:r>
-            <a:r>
-              <a:rPr lang="en-US" altLang="zh-CN" dirty="0" err="1"/>
-              <a:t>nMoveAmount</a:t>
-            </a:r>
-            <a:r>
-              <a:rPr lang="en-US" altLang="zh-CN" dirty="0" smtClean="0"/>
-              <a:t>)</a:t>
-            </a:r>
-          </a:p>
-          <a:p>
-            <a:pPr marL="285750" indent="-285750">
-              <a:lnSpc>
-                <a:spcPct val="150000"/>
-              </a:lnSpc>
-              <a:buFont typeface="Arial" panose="020B0604020202020204" pitchFamily="34" charset="0"/>
-              <a:buChar char="•"/>
-            </a:pPr>
-            <a:r>
-              <a:rPr lang="en-US" altLang="zh-CN" dirty="0" err="1"/>
-              <a:t>DumplicateElement</a:t>
-            </a:r>
-            <a:r>
-              <a:rPr lang="en-US" altLang="zh-CN" dirty="0"/>
-              <a:t>(xint32 </a:t>
-            </a:r>
-            <a:r>
-              <a:rPr lang="en-US" altLang="zh-CN" dirty="0" err="1"/>
-              <a:t>nIndex</a:t>
-            </a:r>
-            <a:r>
-              <a:rPr lang="en-US" altLang="zh-CN" dirty="0" smtClean="0"/>
-              <a:t>)</a:t>
-            </a:r>
-          </a:p>
-          <a:p>
-            <a:pPr marL="285750" indent="-285750">
-              <a:lnSpc>
-                <a:spcPct val="150000"/>
-              </a:lnSpc>
-              <a:buFont typeface="Arial" panose="020B0604020202020204" pitchFamily="34" charset="0"/>
-              <a:buChar char="•"/>
-            </a:pPr>
-            <a:r>
-              <a:rPr lang="en-US" altLang="zh-CN" dirty="0" err="1"/>
-              <a:t>DumplicateElement</a:t>
-            </a:r>
-            <a:r>
-              <a:rPr lang="en-US" altLang="zh-CN" dirty="0"/>
-              <a:t>(</a:t>
-            </a:r>
-            <a:r>
-              <a:rPr lang="en-US" altLang="zh-CN" dirty="0" err="1"/>
-              <a:t>FxElement</a:t>
-            </a:r>
-            <a:r>
-              <a:rPr lang="en-US" altLang="zh-CN" dirty="0"/>
-              <a:t>* </a:t>
-            </a:r>
-            <a:r>
-              <a:rPr lang="en-US" altLang="zh-CN" dirty="0" err="1"/>
-              <a:t>pElement</a:t>
-            </a:r>
-            <a:r>
-              <a:rPr lang="en-US" altLang="zh-CN" dirty="0" smtClean="0"/>
-              <a:t>)</a:t>
-            </a:r>
-          </a:p>
-          <a:p>
-            <a:pPr marL="285750" indent="-285750">
-              <a:lnSpc>
-                <a:spcPct val="150000"/>
-              </a:lnSpc>
-              <a:buFont typeface="Arial" panose="020B0604020202020204" pitchFamily="34" charset="0"/>
-              <a:buChar char="•"/>
-            </a:pPr>
-            <a:r>
-              <a:rPr lang="en-US" altLang="zh-CN" dirty="0" err="1"/>
-              <a:t>AddEmptyElement</a:t>
-            </a:r>
-            <a:r>
-              <a:rPr lang="en-US" altLang="zh-CN" dirty="0"/>
-              <a:t>(</a:t>
-            </a:r>
-            <a:r>
-              <a:rPr lang="en-US" altLang="zh-CN" dirty="0" err="1"/>
-              <a:t>const</a:t>
-            </a:r>
-            <a:r>
-              <a:rPr lang="en-US" altLang="zh-CN" dirty="0"/>
-              <a:t> </a:t>
-            </a:r>
-            <a:r>
-              <a:rPr lang="en-US" altLang="zh-CN" dirty="0" err="1"/>
-              <a:t>xchar</a:t>
-            </a:r>
-            <a:r>
-              <a:rPr lang="en-US" altLang="zh-CN" dirty="0"/>
-              <a:t>* </a:t>
-            </a:r>
-            <a:r>
-              <a:rPr lang="en-US" altLang="zh-CN" dirty="0" err="1"/>
-              <a:t>szName</a:t>
-            </a:r>
-            <a:r>
-              <a:rPr lang="en-US" altLang="zh-CN" dirty="0"/>
-              <a:t>, </a:t>
-            </a:r>
-            <a:r>
-              <a:rPr lang="en-US" altLang="zh-CN" dirty="0" err="1"/>
-              <a:t>FxElementType</a:t>
-            </a:r>
-            <a:r>
-              <a:rPr lang="en-US" altLang="zh-CN" dirty="0"/>
-              <a:t> </a:t>
-            </a:r>
-            <a:r>
-              <a:rPr lang="en-US" altLang="zh-CN" dirty="0" err="1"/>
-              <a:t>eType</a:t>
-            </a:r>
-            <a:r>
-              <a:rPr lang="en-US" altLang="zh-CN" dirty="0" smtClean="0"/>
-              <a:t>)</a:t>
-            </a:r>
+            <a:endParaRPr lang="en-US" altLang="zh-CN" dirty="0"/>
+          </a:p>
+        </p:txBody>
+      </p:sp>
+      <p:cxnSp>
+        <p:nvCxnSpPr>
+          <p:cNvPr id="43" name="直接箭头连接符 41">
+            <a:extLst>
+              <a:ext uri="{FF2B5EF4-FFF2-40B4-BE49-F238E27FC236}">
+                <a16:creationId xmlns:a16="http://schemas.microsoft.com/office/drawing/2014/main" id="{65CAB049-6410-F149-B015-71F5C35F68B8}"/>
+              </a:ext>
+            </a:extLst>
+          </p:cNvPr>
+          <p:cNvCxnSpPr>
+            <a:cxnSpLocks/>
+            <a:stCxn id="13" idx="2"/>
+            <a:endCxn id="40" idx="0"/>
+          </p:cNvCxnSpPr>
+          <p:nvPr/>
+        </p:nvCxnSpPr>
+        <p:spPr>
+          <a:xfrm>
+            <a:off x="1791684" y="3010610"/>
+            <a:ext cx="0" cy="1059274"/>
+          </a:xfrm>
+          <a:prstGeom prst="straightConnector1">
+            <a:avLst/>
+          </a:prstGeom>
+          <a:ln w="19050" cap="flat" cmpd="sng" algn="ctr">
+            <a:solidFill>
+              <a:schemeClr val="tx1"/>
+            </a:solidFill>
+            <a:prstDash val="solid"/>
+            <a:round/>
+            <a:headEnd type="none" w="med" len="med"/>
+            <a:tailEnd type="arrow" w="med" len="med"/>
+          </a:ln>
+        </p:spPr>
+        <p:style>
+          <a:lnRef idx="0">
+            <a:scrgbClr r="0" g="0" b="0"/>
+          </a:lnRef>
+          <a:fillRef idx="0">
+            <a:scrgbClr r="0" g="0" b="0"/>
+          </a:fillRef>
+          <a:effectRef idx="0">
+            <a:scrgbClr r="0" g="0" b="0"/>
+          </a:effectRef>
+          <a:fontRef idx="minor">
+            <a:schemeClr val="tx1"/>
+          </a:fontRef>
+        </p:style>
+      </p:cxnSp>
+      <p:sp>
+        <p:nvSpPr>
+          <p:cNvPr id="44" name="文本框 43">
+            <a:extLst>
+              <a:ext uri="{FF2B5EF4-FFF2-40B4-BE49-F238E27FC236}">
+                <a16:creationId xmlns:a16="http://schemas.microsoft.com/office/drawing/2014/main" id="{D7AE5CA3-F4A7-FD42-AFE6-0B958BB4B9D4}"/>
+              </a:ext>
+            </a:extLst>
+          </p:cNvPr>
+          <p:cNvSpPr txBox="1"/>
+          <p:nvPr/>
+        </p:nvSpPr>
+        <p:spPr>
+          <a:xfrm>
+            <a:off x="1791684" y="3076211"/>
+            <a:ext cx="741976" cy="369332"/>
+          </a:xfrm>
+          <a:prstGeom prst="rect">
+            <a:avLst/>
+          </a:prstGeom>
+          <a:noFill/>
+        </p:spPr>
+        <p:txBody>
+          <a:bodyPr wrap="square" rtlCol="0">
+            <a:spAutoFit/>
+          </a:bodyPr>
+          <a:lstStyle/>
+          <a:p>
+            <a:r>
+              <a:rPr kumimoji="1" lang="en-US" altLang="zh-CN" dirty="0"/>
+              <a:t>1</a:t>
+            </a:r>
+            <a:endParaRPr kumimoji="1" lang="zh-CN" altLang="en-US" dirty="0"/>
+          </a:p>
+        </p:txBody>
+      </p:sp>
+      <p:sp>
+        <p:nvSpPr>
+          <p:cNvPr id="45" name="文本框 44">
+            <a:extLst>
+              <a:ext uri="{FF2B5EF4-FFF2-40B4-BE49-F238E27FC236}">
+                <a16:creationId xmlns:a16="http://schemas.microsoft.com/office/drawing/2014/main" id="{1B8F9E07-10E1-FA44-85C6-048801A63C22}"/>
+              </a:ext>
+            </a:extLst>
+          </p:cNvPr>
+          <p:cNvSpPr txBox="1"/>
+          <p:nvPr/>
+        </p:nvSpPr>
+        <p:spPr>
+          <a:xfrm>
+            <a:off x="1829659" y="3703224"/>
+            <a:ext cx="741976" cy="369332"/>
+          </a:xfrm>
+          <a:prstGeom prst="rect">
+            <a:avLst/>
+          </a:prstGeom>
+          <a:noFill/>
+        </p:spPr>
+        <p:txBody>
+          <a:bodyPr wrap="square" rtlCol="0">
+            <a:spAutoFit/>
+          </a:bodyPr>
+          <a:lstStyle/>
+          <a:p>
+            <a:r>
+              <a:rPr kumimoji="1" lang="en-US" altLang="zh-CN" dirty="0"/>
+              <a:t>n</a:t>
+            </a:r>
+            <a:endParaRPr kumimoji="1" lang="zh-CN" altLang="en-US" dirty="0"/>
+          </a:p>
+        </p:txBody>
+      </p:sp>
+      <p:sp>
+        <p:nvSpPr>
+          <p:cNvPr id="51" name="矩形 50">
+            <a:extLst>
+              <a:ext uri="{FF2B5EF4-FFF2-40B4-BE49-F238E27FC236}">
+                <a16:creationId xmlns:a16="http://schemas.microsoft.com/office/drawing/2014/main" id="{74331B36-2EE8-F043-BEE8-D7D7E4CF6263}"/>
+              </a:ext>
+            </a:extLst>
+          </p:cNvPr>
+          <p:cNvSpPr/>
+          <p:nvPr/>
+        </p:nvSpPr>
+        <p:spPr>
+          <a:xfrm>
+            <a:off x="4642951" y="2643756"/>
+            <a:ext cx="2030818" cy="542547"/>
+          </a:xfrm>
+          <a:prstGeom prst="rect">
+            <a:avLst/>
+          </a:prstGeom>
+          <a:noFill/>
+          <a:ln w="9525" cap="flat" cmpd="sng" algn="ctr">
+            <a:solidFill>
+              <a:schemeClr val="accent2"/>
+            </a:solidFill>
+            <a:prstDash val="solid"/>
+            <a:round/>
+            <a:headEnd type="none" w="med" len="med"/>
+            <a:tailEnd type="none" w="med" len="med"/>
+          </a:ln>
+        </p:spPr>
+        <p:style>
+          <a:lnRef idx="0">
+            <a:scrgbClr r="0" g="0" b="0"/>
+          </a:lnRef>
+          <a:fillRef idx="0">
+            <a:scrgbClr r="0" g="0" b="0"/>
+          </a:fillRef>
+          <a:effectRef idx="0">
+            <a:scrgbClr r="0" g="0" b="0"/>
+          </a:effectRef>
+          <a:fontRef idx="minor">
+            <a:schemeClr val="accent2"/>
+          </a:fontRef>
+        </p:style>
+        <p:txBody>
+          <a:bodyPr rtlCol="0" anchor="ctr"/>
+          <a:lstStyle/>
+          <a:p>
+            <a:pPr algn="ctr"/>
+            <a:r>
+              <a:rPr lang="en-US" altLang="zh-CN" dirty="0" err="1"/>
+              <a:t>FxModule</a:t>
+            </a:r>
+            <a:endParaRPr lang="zh-CN" altLang="en-US" dirty="0"/>
+          </a:p>
+        </p:txBody>
+      </p:sp>
+      <p:cxnSp>
+        <p:nvCxnSpPr>
+          <p:cNvPr id="52" name="直接箭头连接符 41">
+            <a:extLst>
+              <a:ext uri="{FF2B5EF4-FFF2-40B4-BE49-F238E27FC236}">
+                <a16:creationId xmlns:a16="http://schemas.microsoft.com/office/drawing/2014/main" id="{EF4C630F-B2F8-2244-BCB9-76AF6486CDB0}"/>
+              </a:ext>
+            </a:extLst>
+          </p:cNvPr>
+          <p:cNvCxnSpPr>
+            <a:cxnSpLocks/>
+            <a:stCxn id="40" idx="3"/>
+            <a:endCxn id="51" idx="1"/>
+          </p:cNvCxnSpPr>
+          <p:nvPr/>
+        </p:nvCxnSpPr>
+        <p:spPr>
+          <a:xfrm flipV="1">
+            <a:off x="2807093" y="2915030"/>
+            <a:ext cx="1835858" cy="1426128"/>
+          </a:xfrm>
+          <a:prstGeom prst="straightConnector1">
+            <a:avLst/>
+          </a:prstGeom>
+          <a:ln w="19050" cap="flat" cmpd="sng" algn="ctr">
+            <a:solidFill>
+              <a:schemeClr val="tx1"/>
+            </a:solidFill>
+            <a:prstDash val="solid"/>
+            <a:round/>
+            <a:headEnd type="none" w="med" len="med"/>
+            <a:tailEnd type="arrow" w="med" len="med"/>
+          </a:ln>
+        </p:spPr>
+        <p:style>
+          <a:lnRef idx="0">
+            <a:scrgbClr r="0" g="0" b="0"/>
+          </a:lnRef>
+          <a:fillRef idx="0">
+            <a:scrgbClr r="0" g="0" b="0"/>
+          </a:fillRef>
+          <a:effectRef idx="0">
+            <a:scrgbClr r="0" g="0" b="0"/>
+          </a:effectRef>
+          <a:fontRef idx="minor">
+            <a:schemeClr val="tx1"/>
+          </a:fontRef>
+        </p:style>
+      </p:cxnSp>
+      <p:sp>
+        <p:nvSpPr>
+          <p:cNvPr id="54" name="文本框 53">
+            <a:extLst>
+              <a:ext uri="{FF2B5EF4-FFF2-40B4-BE49-F238E27FC236}">
+                <a16:creationId xmlns:a16="http://schemas.microsoft.com/office/drawing/2014/main" id="{0E427781-42FD-8E4F-BD9D-42538075E803}"/>
+              </a:ext>
+            </a:extLst>
+          </p:cNvPr>
+          <p:cNvSpPr txBox="1"/>
+          <p:nvPr/>
+        </p:nvSpPr>
+        <p:spPr>
+          <a:xfrm>
+            <a:off x="2709538" y="3700552"/>
+            <a:ext cx="466148" cy="369332"/>
+          </a:xfrm>
+          <a:prstGeom prst="rect">
+            <a:avLst/>
+          </a:prstGeom>
+          <a:noFill/>
+        </p:spPr>
+        <p:txBody>
+          <a:bodyPr wrap="square" rtlCol="0">
+            <a:spAutoFit/>
+          </a:bodyPr>
+          <a:lstStyle/>
+          <a:p>
+            <a:r>
+              <a:rPr kumimoji="1" lang="en-US" altLang="zh-CN" dirty="0"/>
+              <a:t>1</a:t>
+            </a:r>
+            <a:endParaRPr kumimoji="1" lang="zh-CN" altLang="en-US" dirty="0"/>
+          </a:p>
+        </p:txBody>
+      </p:sp>
+      <p:sp>
+        <p:nvSpPr>
+          <p:cNvPr id="55" name="文本框 54">
+            <a:extLst>
+              <a:ext uri="{FF2B5EF4-FFF2-40B4-BE49-F238E27FC236}">
+                <a16:creationId xmlns:a16="http://schemas.microsoft.com/office/drawing/2014/main" id="{76F2227C-5E74-104F-B9F3-1BC22AEF7447}"/>
+              </a:ext>
+            </a:extLst>
+          </p:cNvPr>
+          <p:cNvSpPr txBox="1"/>
+          <p:nvPr/>
+        </p:nvSpPr>
+        <p:spPr>
+          <a:xfrm>
+            <a:off x="4093539" y="2643756"/>
+            <a:ext cx="370988" cy="369332"/>
+          </a:xfrm>
+          <a:prstGeom prst="rect">
+            <a:avLst/>
+          </a:prstGeom>
+          <a:noFill/>
+        </p:spPr>
+        <p:txBody>
+          <a:bodyPr wrap="square" rtlCol="0">
+            <a:spAutoFit/>
+          </a:bodyPr>
+          <a:lstStyle/>
+          <a:p>
+            <a:r>
+              <a:rPr kumimoji="1" lang="en-US" altLang="zh-CN" dirty="0"/>
+              <a:t>n</a:t>
+            </a:r>
+            <a:endParaRPr kumimoji="1" lang="zh-CN" altLang="en-US" dirty="0"/>
+          </a:p>
+        </p:txBody>
+      </p:sp>
+      <p:sp>
+        <p:nvSpPr>
+          <p:cNvPr id="57" name="矩形 56">
+            <a:extLst>
+              <a:ext uri="{FF2B5EF4-FFF2-40B4-BE49-F238E27FC236}">
+                <a16:creationId xmlns:a16="http://schemas.microsoft.com/office/drawing/2014/main" id="{64BE922A-BB25-ED4C-94E7-CA4D2122970F}"/>
+              </a:ext>
+            </a:extLst>
+          </p:cNvPr>
+          <p:cNvSpPr/>
+          <p:nvPr/>
+        </p:nvSpPr>
+        <p:spPr>
+          <a:xfrm>
+            <a:off x="776275" y="5398083"/>
+            <a:ext cx="2030818" cy="542547"/>
+          </a:xfrm>
+          <a:prstGeom prst="rect">
+            <a:avLst/>
+          </a:prstGeom>
+          <a:noFill/>
+          <a:ln w="9525" cap="flat" cmpd="sng" algn="ctr">
+            <a:solidFill>
+              <a:schemeClr val="accent2"/>
+            </a:solidFill>
+            <a:prstDash val="solid"/>
+            <a:round/>
+            <a:headEnd type="none" w="med" len="med"/>
+            <a:tailEnd type="none" w="med" len="med"/>
+          </a:ln>
+        </p:spPr>
+        <p:style>
+          <a:lnRef idx="0">
+            <a:scrgbClr r="0" g="0" b="0"/>
+          </a:lnRef>
+          <a:fillRef idx="0">
+            <a:scrgbClr r="0" g="0" b="0"/>
+          </a:fillRef>
+          <a:effectRef idx="0">
+            <a:scrgbClr r="0" g="0" b="0"/>
+          </a:effectRef>
+          <a:fontRef idx="minor">
+            <a:schemeClr val="accent2"/>
+          </a:fontRef>
+        </p:style>
+        <p:txBody>
+          <a:bodyPr rtlCol="0" anchor="ctr"/>
+          <a:lstStyle/>
+          <a:p>
+            <a:pPr algn="ctr"/>
+            <a:r>
+              <a:rPr lang="en-US" altLang="zh-CN" dirty="0" err="1"/>
+              <a:t>FxParticleSystem</a:t>
+            </a:r>
+            <a:endParaRPr lang="zh-CN" altLang="en-US" dirty="0"/>
+          </a:p>
+        </p:txBody>
+      </p:sp>
+      <p:cxnSp>
+        <p:nvCxnSpPr>
+          <p:cNvPr id="58" name="直接箭头连接符 41">
+            <a:extLst>
+              <a:ext uri="{FF2B5EF4-FFF2-40B4-BE49-F238E27FC236}">
+                <a16:creationId xmlns:a16="http://schemas.microsoft.com/office/drawing/2014/main" id="{D59A7A5F-C33B-1848-8883-A11CF7A23950}"/>
+              </a:ext>
+            </a:extLst>
+          </p:cNvPr>
+          <p:cNvCxnSpPr>
+            <a:cxnSpLocks/>
+            <a:stCxn id="57" idx="0"/>
+            <a:endCxn id="40" idx="2"/>
+          </p:cNvCxnSpPr>
+          <p:nvPr/>
+        </p:nvCxnSpPr>
+        <p:spPr>
+          <a:xfrm flipV="1">
+            <a:off x="1791684" y="4612431"/>
+            <a:ext cx="0" cy="785652"/>
+          </a:xfrm>
+          <a:prstGeom prst="straightConnector1">
+            <a:avLst/>
+          </a:prstGeom>
+          <a:ln w="19050" cap="flat" cmpd="sng" algn="ctr">
+            <a:solidFill>
+              <a:schemeClr val="tx1"/>
+            </a:solidFill>
+            <a:prstDash val="solid"/>
+            <a:round/>
+            <a:headEnd type="none" w="med" len="med"/>
+            <a:tailEnd type="triangle" w="med" len="med"/>
+          </a:ln>
+        </p:spPr>
+        <p:style>
+          <a:lnRef idx="0">
+            <a:scrgbClr r="0" g="0" b="0"/>
+          </a:lnRef>
+          <a:fillRef idx="0">
+            <a:scrgbClr r="0" g="0" b="0"/>
+          </a:fillRef>
+          <a:effectRef idx="0">
+            <a:scrgbClr r="0" g="0" b="0"/>
+          </a:effectRef>
+          <a:fontRef idx="minor">
+            <a:schemeClr val="tx1"/>
+          </a:fontRef>
+        </p:style>
+      </p:cxnSp>
+      <p:sp>
+        <p:nvSpPr>
+          <p:cNvPr id="60" name="矩形 59">
+            <a:extLst>
+              <a:ext uri="{FF2B5EF4-FFF2-40B4-BE49-F238E27FC236}">
+                <a16:creationId xmlns:a16="http://schemas.microsoft.com/office/drawing/2014/main" id="{BFA0C7D8-0C8F-CE45-B34A-49B7149C7159}"/>
+              </a:ext>
+            </a:extLst>
+          </p:cNvPr>
+          <p:cNvSpPr/>
+          <p:nvPr/>
+        </p:nvSpPr>
+        <p:spPr>
+          <a:xfrm>
+            <a:off x="4642950" y="1155268"/>
+            <a:ext cx="2030818" cy="542547"/>
+          </a:xfrm>
+          <a:prstGeom prst="rect">
+            <a:avLst/>
+          </a:prstGeom>
+          <a:noFill/>
+          <a:ln w="9525" cap="flat" cmpd="sng" algn="ctr">
+            <a:solidFill>
+              <a:schemeClr val="accent2"/>
+            </a:solidFill>
+            <a:prstDash val="solid"/>
+            <a:round/>
+            <a:headEnd type="none" w="med" len="med"/>
+            <a:tailEnd type="none" w="med" len="med"/>
+          </a:ln>
+        </p:spPr>
+        <p:style>
+          <a:lnRef idx="0">
+            <a:scrgbClr r="0" g="0" b="0"/>
+          </a:lnRef>
+          <a:fillRef idx="0">
+            <a:scrgbClr r="0" g="0" b="0"/>
+          </a:fillRef>
+          <a:effectRef idx="0">
+            <a:scrgbClr r="0" g="0" b="0"/>
+          </a:effectRef>
+          <a:fontRef idx="minor">
+            <a:schemeClr val="accent2"/>
+          </a:fontRef>
+        </p:style>
+        <p:txBody>
+          <a:bodyPr rtlCol="0" anchor="ctr"/>
+          <a:lstStyle/>
+          <a:p>
+            <a:pPr algn="ctr"/>
+            <a:r>
+              <a:rPr lang="en-US" altLang="zh-CN" dirty="0" err="1"/>
+              <a:t>FxPropertyObject</a:t>
+            </a:r>
+            <a:endParaRPr lang="zh-CN" altLang="en-US" dirty="0"/>
+          </a:p>
+        </p:txBody>
+      </p:sp>
+      <p:cxnSp>
+        <p:nvCxnSpPr>
+          <p:cNvPr id="61" name="直接箭头连接符 41">
+            <a:extLst>
+              <a:ext uri="{FF2B5EF4-FFF2-40B4-BE49-F238E27FC236}">
+                <a16:creationId xmlns:a16="http://schemas.microsoft.com/office/drawing/2014/main" id="{A8A99159-8C7F-3540-8D99-5AECABA777F7}"/>
+              </a:ext>
+            </a:extLst>
+          </p:cNvPr>
+          <p:cNvCxnSpPr>
+            <a:cxnSpLocks/>
+            <a:stCxn id="51" idx="0"/>
+            <a:endCxn id="60" idx="2"/>
+          </p:cNvCxnSpPr>
+          <p:nvPr/>
+        </p:nvCxnSpPr>
+        <p:spPr>
+          <a:xfrm flipH="1" flipV="1">
+            <a:off x="5658359" y="1697815"/>
+            <a:ext cx="1" cy="945941"/>
+          </a:xfrm>
+          <a:prstGeom prst="straightConnector1">
+            <a:avLst/>
+          </a:prstGeom>
+          <a:ln w="19050" cap="flat" cmpd="sng" algn="ctr">
+            <a:solidFill>
+              <a:schemeClr val="tx1"/>
+            </a:solidFill>
+            <a:prstDash val="solid"/>
+            <a:round/>
+            <a:headEnd type="none" w="med" len="med"/>
+            <a:tailEnd type="triangle" w="med" len="med"/>
+          </a:ln>
+        </p:spPr>
+        <p:style>
+          <a:lnRef idx="0">
+            <a:scrgbClr r="0" g="0" b="0"/>
+          </a:lnRef>
+          <a:fillRef idx="0">
+            <a:scrgbClr r="0" g="0" b="0"/>
+          </a:fillRef>
+          <a:effectRef idx="0">
+            <a:scrgbClr r="0" g="0" b="0"/>
+          </a:effectRef>
+          <a:fontRef idx="minor">
+            <a:schemeClr val="tx1"/>
+          </a:fontRef>
+        </p:style>
+      </p:cxnSp>
+      <p:sp>
+        <p:nvSpPr>
+          <p:cNvPr id="65" name="矩形 64">
+            <a:extLst>
+              <a:ext uri="{FF2B5EF4-FFF2-40B4-BE49-F238E27FC236}">
+                <a16:creationId xmlns:a16="http://schemas.microsoft.com/office/drawing/2014/main" id="{94C9AA87-AD43-864E-92A5-C84D99BC626B}"/>
+              </a:ext>
+            </a:extLst>
+          </p:cNvPr>
+          <p:cNvSpPr/>
+          <p:nvPr/>
+        </p:nvSpPr>
+        <p:spPr>
+          <a:xfrm>
+            <a:off x="4642951" y="4185278"/>
+            <a:ext cx="2030818" cy="542547"/>
+          </a:xfrm>
+          <a:prstGeom prst="rect">
+            <a:avLst/>
+          </a:prstGeom>
+          <a:noFill/>
+          <a:ln w="9525" cap="flat" cmpd="sng" algn="ctr">
+            <a:solidFill>
+              <a:schemeClr val="accent2"/>
+            </a:solidFill>
+            <a:prstDash val="solid"/>
+            <a:round/>
+            <a:headEnd type="none" w="med" len="med"/>
+            <a:tailEnd type="none" w="med" len="med"/>
+          </a:ln>
+        </p:spPr>
+        <p:style>
+          <a:lnRef idx="0">
+            <a:scrgbClr r="0" g="0" b="0"/>
+          </a:lnRef>
+          <a:fillRef idx="0">
+            <a:scrgbClr r="0" g="0" b="0"/>
+          </a:fillRef>
+          <a:effectRef idx="0">
+            <a:scrgbClr r="0" g="0" b="0"/>
+          </a:effectRef>
+          <a:fontRef idx="minor">
+            <a:schemeClr val="accent2"/>
+          </a:fontRef>
+        </p:style>
+        <p:txBody>
+          <a:bodyPr rtlCol="0" anchor="ctr"/>
+          <a:lstStyle/>
+          <a:p>
+            <a:pPr algn="ctr"/>
+            <a:r>
+              <a:rPr lang="en-US" altLang="zh-CN" dirty="0" err="1"/>
+              <a:t>FxProperty</a:t>
+            </a:r>
+            <a:endParaRPr lang="zh-CN" altLang="en-US" dirty="0"/>
+          </a:p>
+        </p:txBody>
+      </p:sp>
+      <p:cxnSp>
+        <p:nvCxnSpPr>
+          <p:cNvPr id="68" name="直接箭头连接符 41">
+            <a:extLst>
+              <a:ext uri="{FF2B5EF4-FFF2-40B4-BE49-F238E27FC236}">
+                <a16:creationId xmlns:a16="http://schemas.microsoft.com/office/drawing/2014/main" id="{8DE5F3D4-ADFE-A949-8DE5-AE05C3FBD004}"/>
+              </a:ext>
+            </a:extLst>
+          </p:cNvPr>
+          <p:cNvCxnSpPr>
+            <a:cxnSpLocks/>
+            <a:stCxn id="51" idx="2"/>
+            <a:endCxn id="65" idx="0"/>
+          </p:cNvCxnSpPr>
+          <p:nvPr/>
+        </p:nvCxnSpPr>
+        <p:spPr>
+          <a:xfrm>
+            <a:off x="5658360" y="3186303"/>
+            <a:ext cx="0" cy="998975"/>
+          </a:xfrm>
+          <a:prstGeom prst="straightConnector1">
+            <a:avLst/>
+          </a:prstGeom>
+          <a:ln w="19050" cap="flat" cmpd="sng" algn="ctr">
+            <a:solidFill>
+              <a:schemeClr val="tx1"/>
+            </a:solidFill>
+            <a:prstDash val="solid"/>
+            <a:round/>
+            <a:headEnd type="none" w="med" len="med"/>
+            <a:tailEnd type="arrow" w="med" len="med"/>
+          </a:ln>
+        </p:spPr>
+        <p:style>
+          <a:lnRef idx="0">
+            <a:scrgbClr r="0" g="0" b="0"/>
+          </a:lnRef>
+          <a:fillRef idx="0">
+            <a:scrgbClr r="0" g="0" b="0"/>
+          </a:fillRef>
+          <a:effectRef idx="0">
+            <a:scrgbClr r="0" g="0" b="0"/>
+          </a:effectRef>
+          <a:fontRef idx="minor">
+            <a:schemeClr val="tx1"/>
+          </a:fontRef>
+        </p:style>
+      </p:cxnSp>
+      <p:sp>
+        <p:nvSpPr>
+          <p:cNvPr id="71" name="文本框 70">
+            <a:extLst>
+              <a:ext uri="{FF2B5EF4-FFF2-40B4-BE49-F238E27FC236}">
+                <a16:creationId xmlns:a16="http://schemas.microsoft.com/office/drawing/2014/main" id="{BC1A72B6-A2EE-BE4B-8AB3-B146C7BE6790}"/>
+              </a:ext>
+            </a:extLst>
+          </p:cNvPr>
+          <p:cNvSpPr txBox="1"/>
+          <p:nvPr/>
+        </p:nvSpPr>
+        <p:spPr>
+          <a:xfrm>
+            <a:off x="5658359" y="3191606"/>
+            <a:ext cx="466148" cy="369332"/>
+          </a:xfrm>
+          <a:prstGeom prst="rect">
+            <a:avLst/>
+          </a:prstGeom>
+          <a:noFill/>
+        </p:spPr>
+        <p:txBody>
+          <a:bodyPr wrap="square" rtlCol="0">
+            <a:spAutoFit/>
+          </a:bodyPr>
+          <a:lstStyle/>
+          <a:p>
+            <a:r>
+              <a:rPr kumimoji="1" lang="en-US" altLang="zh-CN" dirty="0"/>
+              <a:t>1</a:t>
+            </a:r>
+            <a:endParaRPr kumimoji="1" lang="zh-CN" altLang="en-US" dirty="0"/>
+          </a:p>
+        </p:txBody>
+      </p:sp>
+      <p:sp>
+        <p:nvSpPr>
+          <p:cNvPr id="72" name="文本框 71">
+            <a:extLst>
+              <a:ext uri="{FF2B5EF4-FFF2-40B4-BE49-F238E27FC236}">
+                <a16:creationId xmlns:a16="http://schemas.microsoft.com/office/drawing/2014/main" id="{EAD4F53E-186E-8848-9F0E-4E8D17F15EB9}"/>
+              </a:ext>
+            </a:extLst>
+          </p:cNvPr>
+          <p:cNvSpPr txBox="1"/>
+          <p:nvPr/>
+        </p:nvSpPr>
+        <p:spPr>
+          <a:xfrm>
+            <a:off x="5753519" y="3810643"/>
+            <a:ext cx="370988" cy="369332"/>
+          </a:xfrm>
+          <a:prstGeom prst="rect">
+            <a:avLst/>
+          </a:prstGeom>
+          <a:noFill/>
+        </p:spPr>
+        <p:txBody>
+          <a:bodyPr wrap="square" rtlCol="0">
+            <a:spAutoFit/>
+          </a:bodyPr>
+          <a:lstStyle/>
+          <a:p>
+            <a:r>
+              <a:rPr kumimoji="1" lang="en-US" altLang="zh-CN" dirty="0"/>
+              <a:t>n</a:t>
+            </a:r>
+            <a:endParaRPr kumimoji="1" lang="zh-CN" altLang="en-US" dirty="0"/>
+          </a:p>
+        </p:txBody>
+      </p:sp>
+      <p:sp>
+        <p:nvSpPr>
+          <p:cNvPr id="76" name="矩形 75">
+            <a:extLst>
+              <a:ext uri="{FF2B5EF4-FFF2-40B4-BE49-F238E27FC236}">
+                <a16:creationId xmlns:a16="http://schemas.microsoft.com/office/drawing/2014/main" id="{DFC82714-9DEA-E345-9D4C-755C8429D3D1}"/>
+              </a:ext>
+            </a:extLst>
+          </p:cNvPr>
+          <p:cNvSpPr/>
+          <p:nvPr/>
+        </p:nvSpPr>
+        <p:spPr>
+          <a:xfrm>
+            <a:off x="8331201" y="1057209"/>
+            <a:ext cx="2030818" cy="542547"/>
+          </a:xfrm>
+          <a:prstGeom prst="rect">
+            <a:avLst/>
+          </a:prstGeom>
+          <a:noFill/>
+          <a:ln w="9525" cap="flat" cmpd="sng" algn="ctr">
+            <a:solidFill>
+              <a:schemeClr val="accent2"/>
+            </a:solidFill>
+            <a:prstDash val="solid"/>
+            <a:round/>
+            <a:headEnd type="none" w="med" len="med"/>
+            <a:tailEnd type="none" w="med" len="med"/>
+          </a:ln>
+        </p:spPr>
+        <p:style>
+          <a:lnRef idx="0">
+            <a:scrgbClr r="0" g="0" b="0"/>
+          </a:lnRef>
+          <a:fillRef idx="0">
+            <a:scrgbClr r="0" g="0" b="0"/>
+          </a:fillRef>
+          <a:effectRef idx="0">
+            <a:scrgbClr r="0" g="0" b="0"/>
+          </a:effectRef>
+          <a:fontRef idx="minor">
+            <a:schemeClr val="accent2"/>
+          </a:fontRef>
+        </p:style>
+        <p:txBody>
+          <a:bodyPr rtlCol="0" anchor="ctr"/>
+          <a:lstStyle/>
+          <a:p>
+            <a:pPr algn="ctr"/>
+            <a:r>
+              <a:rPr lang="en" altLang="zh-CN" dirty="0" err="1"/>
+              <a:t>FxParticlePool</a:t>
+            </a:r>
+            <a:endParaRPr lang="en" altLang="zh-CN" dirty="0"/>
+          </a:p>
+        </p:txBody>
+      </p:sp>
+      <p:sp>
+        <p:nvSpPr>
+          <p:cNvPr id="77" name="矩形 76">
+            <a:extLst>
+              <a:ext uri="{FF2B5EF4-FFF2-40B4-BE49-F238E27FC236}">
+                <a16:creationId xmlns:a16="http://schemas.microsoft.com/office/drawing/2014/main" id="{C4EF5851-274D-024B-BFE9-675B282D43F8}"/>
+              </a:ext>
+            </a:extLst>
+          </p:cNvPr>
+          <p:cNvSpPr/>
+          <p:nvPr/>
+        </p:nvSpPr>
+        <p:spPr>
+          <a:xfrm>
+            <a:off x="8336494" y="2671419"/>
+            <a:ext cx="2030818" cy="542547"/>
+          </a:xfrm>
+          <a:prstGeom prst="rect">
+            <a:avLst/>
+          </a:prstGeom>
+          <a:noFill/>
+          <a:ln w="9525" cap="flat" cmpd="sng" algn="ctr">
+            <a:solidFill>
+              <a:schemeClr val="accent2"/>
+            </a:solidFill>
+            <a:prstDash val="solid"/>
+            <a:round/>
+            <a:headEnd type="none" w="med" len="med"/>
+            <a:tailEnd type="none" w="med" len="med"/>
+          </a:ln>
+        </p:spPr>
+        <p:style>
+          <a:lnRef idx="0">
+            <a:scrgbClr r="0" g="0" b="0"/>
+          </a:lnRef>
+          <a:fillRef idx="0">
+            <a:scrgbClr r="0" g="0" b="0"/>
+          </a:fillRef>
+          <a:effectRef idx="0">
+            <a:scrgbClr r="0" g="0" b="0"/>
+          </a:effectRef>
+          <a:fontRef idx="minor">
+            <a:schemeClr val="accent2"/>
+          </a:fontRef>
+        </p:style>
+        <p:txBody>
+          <a:bodyPr rtlCol="0" anchor="ctr"/>
+          <a:lstStyle/>
+          <a:p>
+            <a:pPr algn="ctr"/>
+            <a:r>
+              <a:rPr lang="en" altLang="zh-CN" dirty="0" err="1"/>
+              <a:t>FxParicleCluster</a:t>
+            </a:r>
+            <a:endParaRPr lang="en" altLang="zh-CN" dirty="0"/>
+          </a:p>
+        </p:txBody>
+      </p:sp>
+      <p:cxnSp>
+        <p:nvCxnSpPr>
+          <p:cNvPr id="78" name="直接箭头连接符 41">
+            <a:extLst>
+              <a:ext uri="{FF2B5EF4-FFF2-40B4-BE49-F238E27FC236}">
+                <a16:creationId xmlns:a16="http://schemas.microsoft.com/office/drawing/2014/main" id="{E12BC3A3-7ADB-CE41-A142-D9EA367E0DCE}"/>
+              </a:ext>
+            </a:extLst>
+          </p:cNvPr>
+          <p:cNvCxnSpPr>
+            <a:cxnSpLocks/>
+            <a:stCxn id="76" idx="2"/>
+            <a:endCxn id="77" idx="0"/>
+          </p:cNvCxnSpPr>
+          <p:nvPr/>
+        </p:nvCxnSpPr>
+        <p:spPr>
+          <a:xfrm>
+            <a:off x="9346610" y="1599756"/>
+            <a:ext cx="5293" cy="1071663"/>
+          </a:xfrm>
+          <a:prstGeom prst="straightConnector1">
+            <a:avLst/>
+          </a:prstGeom>
+          <a:ln w="19050" cap="flat" cmpd="sng" algn="ctr">
+            <a:solidFill>
+              <a:schemeClr val="tx1"/>
+            </a:solidFill>
+            <a:prstDash val="solid"/>
+            <a:round/>
+            <a:headEnd type="none" w="med" len="med"/>
+            <a:tailEnd type="arrow" w="med" len="med"/>
+          </a:ln>
+        </p:spPr>
+        <p:style>
+          <a:lnRef idx="0">
+            <a:scrgbClr r="0" g="0" b="0"/>
+          </a:lnRef>
+          <a:fillRef idx="0">
+            <a:scrgbClr r="0" g="0" b="0"/>
+          </a:fillRef>
+          <a:effectRef idx="0">
+            <a:scrgbClr r="0" g="0" b="0"/>
+          </a:effectRef>
+          <a:fontRef idx="minor">
+            <a:schemeClr val="tx1"/>
+          </a:fontRef>
+        </p:style>
+      </p:cxnSp>
+      <p:sp>
+        <p:nvSpPr>
+          <p:cNvPr id="79" name="文本框 78">
+            <a:extLst>
+              <a:ext uri="{FF2B5EF4-FFF2-40B4-BE49-F238E27FC236}">
+                <a16:creationId xmlns:a16="http://schemas.microsoft.com/office/drawing/2014/main" id="{52A866E7-529A-0547-A04F-1915F1251D25}"/>
+              </a:ext>
+            </a:extLst>
+          </p:cNvPr>
+          <p:cNvSpPr txBox="1"/>
+          <p:nvPr/>
+        </p:nvSpPr>
+        <p:spPr>
+          <a:xfrm>
+            <a:off x="9351903" y="1614647"/>
+            <a:ext cx="466148" cy="369332"/>
+          </a:xfrm>
+          <a:prstGeom prst="rect">
+            <a:avLst/>
+          </a:prstGeom>
+          <a:noFill/>
+        </p:spPr>
+        <p:txBody>
+          <a:bodyPr wrap="square" rtlCol="0">
+            <a:spAutoFit/>
+          </a:bodyPr>
+          <a:lstStyle/>
+          <a:p>
+            <a:r>
+              <a:rPr kumimoji="1" lang="en-US" altLang="zh-CN" dirty="0"/>
+              <a:t>1</a:t>
+            </a:r>
+            <a:endParaRPr kumimoji="1" lang="zh-CN" altLang="en-US" dirty="0"/>
+          </a:p>
+        </p:txBody>
+      </p:sp>
+      <p:sp>
+        <p:nvSpPr>
+          <p:cNvPr id="80" name="文本框 79">
+            <a:extLst>
+              <a:ext uri="{FF2B5EF4-FFF2-40B4-BE49-F238E27FC236}">
+                <a16:creationId xmlns:a16="http://schemas.microsoft.com/office/drawing/2014/main" id="{5E72EDBC-AC29-0244-BEC9-FD4909B8925E}"/>
+              </a:ext>
+            </a:extLst>
+          </p:cNvPr>
+          <p:cNvSpPr txBox="1"/>
+          <p:nvPr/>
+        </p:nvSpPr>
+        <p:spPr>
+          <a:xfrm>
+            <a:off x="9447063" y="2233684"/>
+            <a:ext cx="370988" cy="369332"/>
+          </a:xfrm>
+          <a:prstGeom prst="rect">
+            <a:avLst/>
+          </a:prstGeom>
+          <a:noFill/>
+        </p:spPr>
+        <p:txBody>
+          <a:bodyPr wrap="square" rtlCol="0">
+            <a:spAutoFit/>
+          </a:bodyPr>
+          <a:lstStyle/>
+          <a:p>
+            <a:r>
+              <a:rPr kumimoji="1" lang="en-US" altLang="zh-CN" dirty="0"/>
+              <a:t>n</a:t>
+            </a:r>
+            <a:endParaRPr kumimoji="1" lang="zh-CN" altLang="en-US" dirty="0"/>
+          </a:p>
+        </p:txBody>
+      </p:sp>
+      <p:sp>
+        <p:nvSpPr>
+          <p:cNvPr id="84" name="矩形 83">
+            <a:extLst>
+              <a:ext uri="{FF2B5EF4-FFF2-40B4-BE49-F238E27FC236}">
+                <a16:creationId xmlns:a16="http://schemas.microsoft.com/office/drawing/2014/main" id="{0B25005B-CA43-884E-943A-96E41E54B1C4}"/>
+              </a:ext>
+            </a:extLst>
+          </p:cNvPr>
+          <p:cNvSpPr/>
+          <p:nvPr/>
+        </p:nvSpPr>
+        <p:spPr>
+          <a:xfrm>
+            <a:off x="8331201" y="4281473"/>
+            <a:ext cx="2030818" cy="542547"/>
+          </a:xfrm>
+          <a:prstGeom prst="rect">
+            <a:avLst/>
+          </a:prstGeom>
+          <a:noFill/>
+          <a:ln w="9525" cap="flat" cmpd="sng" algn="ctr">
+            <a:solidFill>
+              <a:schemeClr val="accent2"/>
+            </a:solidFill>
+            <a:prstDash val="solid"/>
+            <a:round/>
+            <a:headEnd type="none" w="med" len="med"/>
+            <a:tailEnd type="none" w="med" len="med"/>
+          </a:ln>
+        </p:spPr>
+        <p:style>
+          <a:lnRef idx="0">
+            <a:scrgbClr r="0" g="0" b="0"/>
+          </a:lnRef>
+          <a:fillRef idx="0">
+            <a:scrgbClr r="0" g="0" b="0"/>
+          </a:fillRef>
+          <a:effectRef idx="0">
+            <a:scrgbClr r="0" g="0" b="0"/>
+          </a:effectRef>
+          <a:fontRef idx="minor">
+            <a:schemeClr val="accent2"/>
+          </a:fontRef>
+        </p:style>
+        <p:txBody>
+          <a:bodyPr rtlCol="0" anchor="ctr"/>
+          <a:lstStyle/>
+          <a:p>
+            <a:pPr algn="ctr"/>
+            <a:r>
+              <a:rPr lang="en" altLang="zh-CN" dirty="0" err="1"/>
+              <a:t>FxParticle</a:t>
+            </a:r>
+            <a:endParaRPr lang="en" altLang="zh-CN" dirty="0"/>
+          </a:p>
+        </p:txBody>
+      </p:sp>
+      <p:cxnSp>
+        <p:nvCxnSpPr>
+          <p:cNvPr id="85" name="直接箭头连接符 41">
+            <a:extLst>
+              <a:ext uri="{FF2B5EF4-FFF2-40B4-BE49-F238E27FC236}">
+                <a16:creationId xmlns:a16="http://schemas.microsoft.com/office/drawing/2014/main" id="{63BE78D1-5A93-C949-AB26-3E9311C9510B}"/>
+              </a:ext>
+            </a:extLst>
+          </p:cNvPr>
+          <p:cNvCxnSpPr>
+            <a:cxnSpLocks/>
+            <a:stCxn id="77" idx="2"/>
+            <a:endCxn id="84" idx="0"/>
+          </p:cNvCxnSpPr>
+          <p:nvPr/>
+        </p:nvCxnSpPr>
+        <p:spPr>
+          <a:xfrm flipH="1">
+            <a:off x="9346610" y="3213966"/>
+            <a:ext cx="5293" cy="1067507"/>
+          </a:xfrm>
+          <a:prstGeom prst="straightConnector1">
+            <a:avLst/>
+          </a:prstGeom>
+          <a:ln w="19050" cap="flat" cmpd="sng" algn="ctr">
+            <a:solidFill>
+              <a:schemeClr val="tx1"/>
+            </a:solidFill>
+            <a:prstDash val="solid"/>
+            <a:round/>
+            <a:headEnd type="none" w="med" len="med"/>
+            <a:tailEnd type="arrow" w="med" len="med"/>
+          </a:ln>
+        </p:spPr>
+        <p:style>
+          <a:lnRef idx="0">
+            <a:scrgbClr r="0" g="0" b="0"/>
+          </a:lnRef>
+          <a:fillRef idx="0">
+            <a:scrgbClr r="0" g="0" b="0"/>
+          </a:fillRef>
+          <a:effectRef idx="0">
+            <a:scrgbClr r="0" g="0" b="0"/>
+          </a:effectRef>
+          <a:fontRef idx="minor">
+            <a:schemeClr val="tx1"/>
+          </a:fontRef>
+        </p:style>
+      </p:cxnSp>
+      <p:sp>
+        <p:nvSpPr>
+          <p:cNvPr id="86" name="文本框 85">
+            <a:extLst>
+              <a:ext uri="{FF2B5EF4-FFF2-40B4-BE49-F238E27FC236}">
+                <a16:creationId xmlns:a16="http://schemas.microsoft.com/office/drawing/2014/main" id="{3C84D38A-415E-834A-ACD2-9DF70F5745DF}"/>
+              </a:ext>
+            </a:extLst>
+          </p:cNvPr>
+          <p:cNvSpPr txBox="1"/>
+          <p:nvPr/>
+        </p:nvSpPr>
+        <p:spPr>
+          <a:xfrm>
+            <a:off x="9346610" y="3282369"/>
+            <a:ext cx="466148" cy="369332"/>
+          </a:xfrm>
+          <a:prstGeom prst="rect">
+            <a:avLst/>
+          </a:prstGeom>
+          <a:noFill/>
+        </p:spPr>
+        <p:txBody>
+          <a:bodyPr wrap="square" rtlCol="0">
+            <a:spAutoFit/>
+          </a:bodyPr>
+          <a:lstStyle/>
+          <a:p>
+            <a:r>
+              <a:rPr kumimoji="1" lang="en-US" altLang="zh-CN" dirty="0"/>
+              <a:t>1</a:t>
+            </a:r>
+            <a:endParaRPr kumimoji="1" lang="zh-CN" altLang="en-US" dirty="0"/>
+          </a:p>
+        </p:txBody>
+      </p:sp>
+      <p:sp>
+        <p:nvSpPr>
+          <p:cNvPr id="87" name="文本框 86">
+            <a:extLst>
+              <a:ext uri="{FF2B5EF4-FFF2-40B4-BE49-F238E27FC236}">
+                <a16:creationId xmlns:a16="http://schemas.microsoft.com/office/drawing/2014/main" id="{71F644BF-3541-4147-ADDD-71927C49724C}"/>
+              </a:ext>
+            </a:extLst>
+          </p:cNvPr>
+          <p:cNvSpPr txBox="1"/>
+          <p:nvPr/>
+        </p:nvSpPr>
+        <p:spPr>
+          <a:xfrm>
+            <a:off x="9441770" y="3901406"/>
+            <a:ext cx="370988" cy="369332"/>
+          </a:xfrm>
+          <a:prstGeom prst="rect">
+            <a:avLst/>
+          </a:prstGeom>
+          <a:noFill/>
+        </p:spPr>
+        <p:txBody>
+          <a:bodyPr wrap="square" rtlCol="0">
+            <a:spAutoFit/>
+          </a:bodyPr>
+          <a:lstStyle/>
+          <a:p>
+            <a:r>
+              <a:rPr kumimoji="1" lang="en-US" altLang="zh-CN" dirty="0"/>
+              <a:t>n</a:t>
+            </a:r>
+            <a:endParaRPr kumimoji="1" lang="zh-CN" altLang="en-US" dirty="0"/>
           </a:p>
         </p:txBody>
       </p:sp>
     </p:spTree>
     <p:extLst>
       <p:ext uri="{BB962C8B-B14F-4D97-AF65-F5344CB8AC3E}">
-        <p14:creationId xmlns:p14="http://schemas.microsoft.com/office/powerpoint/2010/main" val="1225918548"/>
+        <p14:creationId xmlns:p14="http://schemas.microsoft.com/office/powerpoint/2010/main" val="3122553049"/>
       </p:ext>
     </p:extLst>
   </p:cSld>
   <p:clrMapOvr>
     <a:masterClrMapping/>
   </p:clrMapOvr>
-  <p:timing>
-    <p:tnLst>
-      <p:par>
-        <p:cTn id="1" dur="indefinite" restart="never" nodeType="tmRoot"/>
-      </p:par>
-    </p:tnLst>
-  </p:timing>
 </p:sld>
 </file>
 
@@ -7679,14 +8578,14 @@
       </p:grpSpPr>
       <p:sp>
         <p:nvSpPr>
-          <p:cNvPr id="4" name="矩形 3"/>
+          <p:cNvPr id="5" name="矩形 4"/>
           <p:cNvSpPr/>
           <p:nvPr/>
         </p:nvSpPr>
         <p:spPr>
           <a:xfrm>
-            <a:off x="4848446" y="382484"/>
-            <a:ext cx="2030818" cy="542547"/>
+            <a:off x="4818323" y="394906"/>
+            <a:ext cx="2624468" cy="537169"/>
           </a:xfrm>
           <a:prstGeom prst="rect">
             <a:avLst/>
@@ -7722,23 +8621,23 @@
           <a:p>
             <a:pPr algn="ctr"/>
             <a:r>
-              <a:rPr lang="en-US" altLang="zh-CN" sz="2800" dirty="0" err="1"/>
-              <a:t>FxInstance</a:t>
-            </a:r>
-            <a:endParaRPr lang="zh-CN" altLang="en-US" sz="2800" dirty="0"/>
-          </a:p>
-        </p:txBody>
-      </p:sp>
-      <p:sp>
-        <p:nvSpPr>
-          <p:cNvPr id="5" name="文本框 4"/>
+              <a:rPr lang="en-US" altLang="zh-CN" sz="2800" b="1" dirty="0" err="1"/>
+              <a:t>FxTemplate</a:t>
+            </a:r>
+            <a:endParaRPr lang="zh-CN" altLang="en-US" sz="2800" b="1" dirty="0"/>
+          </a:p>
+        </p:txBody>
+      </p:sp>
+      <p:sp>
+        <p:nvSpPr>
+          <p:cNvPr id="6" name="文本框 5"/>
           <p:cNvSpPr txBox="1"/>
           <p:nvPr/>
         </p:nvSpPr>
         <p:spPr>
           <a:xfrm>
-            <a:off x="733648" y="1212112"/>
-            <a:ext cx="4880344" cy="5493812"/>
+            <a:off x="1543733" y="781924"/>
+            <a:ext cx="8506047" cy="4628190"/>
           </a:xfrm>
           <a:prstGeom prst="rect">
             <a:avLst/>
@@ -7759,8 +8658,8 @@
               <a:buChar char="•"/>
             </a:pPr>
             <a:r>
-              <a:rPr lang="en-US" altLang="zh-CN" dirty="0" smtClean="0"/>
-              <a:t>Tick</a:t>
+              <a:rPr lang="en-US" altLang="zh-CN" dirty="0"/>
+              <a:t>GetName</a:t>
             </a:r>
           </a:p>
           <a:p>
@@ -7772,8 +8671,8 @@
               <a:buChar char="•"/>
             </a:pPr>
             <a:r>
-              <a:rPr lang="en-US" altLang="zh-CN" dirty="0" smtClean="0"/>
-              <a:t>Render</a:t>
+              <a:rPr lang="en-US" altLang="zh-CN" dirty="0"/>
+              <a:t>GetElementNum</a:t>
             </a:r>
           </a:p>
           <a:p>
@@ -7785,8 +8684,20 @@
               <a:buChar char="•"/>
             </a:pPr>
             <a:r>
-              <a:rPr lang="en-US" altLang="zh-CN" dirty="0" smtClean="0"/>
-              <a:t>Play</a:t>
+              <a:rPr lang="en-US" altLang="zh-CN" dirty="0" err="1"/>
+              <a:t>GetElement</a:t>
+            </a:r>
+            <a:r>
+              <a:rPr lang="en-US" altLang="zh-CN" dirty="0"/>
+              <a:t>(xint32 </a:t>
+            </a:r>
+            <a:r>
+              <a:rPr lang="en-US" altLang="zh-CN" dirty="0" err="1"/>
+              <a:t>nIndex</a:t>
+            </a:r>
+            <a:r>
+              <a:rPr lang="en-US" altLang="zh-CN" dirty="0"/>
+              <a:t>)</a:t>
             </a:r>
           </a:p>
           <a:p>
@@ -7798,8 +8709,52 @@
               <a:buChar char="•"/>
             </a:pPr>
             <a:r>
-              <a:rPr lang="en-US" altLang="zh-CN" dirty="0" smtClean="0"/>
-              <a:t>Pause</a:t>
+              <a:rPr lang="en-US" altLang="zh-CN" dirty="0" err="1"/>
+              <a:t>AddElement</a:t>
+            </a:r>
+            <a:r>
+              <a:rPr lang="en-US" altLang="zh-CN" dirty="0"/>
+              <a:t>(</a:t>
+            </a:r>
+            <a:r>
+              <a:rPr lang="en-US" altLang="zh-CN" dirty="0" err="1"/>
+              <a:t>const</a:t>
+            </a:r>
+            <a:r>
+              <a:rPr lang="en-US" altLang="zh-CN" dirty="0"/>
+              <a:t> </a:t>
+            </a:r>
+            <a:r>
+              <a:rPr lang="en-US" altLang="zh-CN" dirty="0" err="1"/>
+              <a:t>xchar</a:t>
+            </a:r>
+            <a:r>
+              <a:rPr lang="en-US" altLang="zh-CN" dirty="0"/>
+              <a:t>* </a:t>
+            </a:r>
+            <a:r>
+              <a:rPr lang="en-US" altLang="zh-CN" dirty="0" err="1"/>
+              <a:t>szName</a:t>
+            </a:r>
+            <a:r>
+              <a:rPr lang="en-US" altLang="zh-CN" dirty="0"/>
+              <a:t>, </a:t>
+            </a:r>
+            <a:r>
+              <a:rPr lang="en-US" altLang="zh-CN" dirty="0" err="1"/>
+              <a:t>FxElementType</a:t>
+            </a:r>
+            <a:r>
+              <a:rPr lang="en-US" altLang="zh-CN" dirty="0"/>
+              <a:t> </a:t>
+            </a:r>
+            <a:r>
+              <a:rPr lang="en-US" altLang="zh-CN" dirty="0" err="1"/>
+              <a:t>eType</a:t>
+            </a:r>
+            <a:r>
+              <a:rPr lang="en-US" altLang="zh-CN" dirty="0"/>
+              <a:t>)</a:t>
             </a:r>
           </a:p>
           <a:p>
@@ -7811,10 +8766,29 @@
               <a:buChar char="•"/>
             </a:pPr>
             <a:r>
-              <a:rPr lang="en-US" altLang="zh-CN" dirty="0" err="1" smtClean="0"/>
-              <a:t>IsPaused</a:t>
-            </a:r>
-            <a:endParaRPr lang="en-US" altLang="zh-CN" dirty="0" smtClean="0"/>
+              <a:rPr lang="en-US" altLang="zh-CN" dirty="0" err="1"/>
+              <a:t>AddElement</a:t>
+            </a:r>
+            <a:r>
+              <a:rPr lang="en-US" altLang="zh-CN" dirty="0"/>
+              <a:t>(</a:t>
+            </a:r>
+            <a:r>
+              <a:rPr lang="en-US" altLang="zh-CN" dirty="0" err="1"/>
+              <a:t>FxElement</a:t>
+            </a:r>
+            <a:r>
+              <a:rPr lang="en-US" altLang="zh-CN" dirty="0"/>
+              <a:t>* </a:t>
+            </a:r>
+            <a:r>
+              <a:rPr lang="en-US" altLang="zh-CN" dirty="0" err="1"/>
+              <a:t>pElement</a:t>
+            </a:r>
+            <a:r>
+              <a:rPr lang="en-US" altLang="zh-CN" dirty="0"/>
+              <a:t>)</a:t>
+            </a:r>
           </a:p>
           <a:p>
             <a:pPr marL="285750" indent="-285750">
@@ -7825,8 +8799,44 @@
               <a:buChar char="•"/>
             </a:pPr>
             <a:r>
-              <a:rPr lang="en-US" altLang="zh-CN" dirty="0" smtClean="0"/>
-              <a:t>Stop</a:t>
+              <a:rPr lang="en-US" altLang="zh-CN" dirty="0" err="1"/>
+              <a:t>RemoveElement</a:t>
+            </a:r>
+            <a:r>
+              <a:rPr lang="en-US" altLang="zh-CN" dirty="0"/>
+              <a:t>(xint32 </a:t>
+            </a:r>
+            <a:r>
+              <a:rPr lang="en-US" altLang="zh-CN" dirty="0" err="1"/>
+              <a:t>nIndex</a:t>
+            </a:r>
+            <a:r>
+              <a:rPr lang="en-US" altLang="zh-CN" dirty="0"/>
+              <a:t>, </a:t>
+            </a:r>
+            <a:r>
+              <a:rPr lang="en-US" altLang="zh-CN" dirty="0" err="1"/>
+              <a:t>xbool</a:t>
+            </a:r>
+            <a:r>
+              <a:rPr lang="en-US" altLang="zh-CN" dirty="0"/>
+              <a:t> </a:t>
+            </a:r>
+            <a:r>
+              <a:rPr lang="en-US" altLang="zh-CN" dirty="0" err="1"/>
+              <a:t>bDelete</a:t>
+            </a:r>
+            <a:r>
+              <a:rPr lang="en-US" altLang="zh-CN" dirty="0"/>
+              <a:t> = </a:t>
+            </a:r>
+            <a:r>
+              <a:rPr lang="en-US" altLang="zh-CN" dirty="0" err="1"/>
+              <a:t>xtrue</a:t>
+            </a:r>
+            <a:r>
+              <a:rPr lang="en-US" altLang="zh-CN" dirty="0"/>
+              <a:t>)</a:t>
             </a:r>
           </a:p>
           <a:p>
@@ -7838,8 +8848,52 @@
               <a:buChar char="•"/>
             </a:pPr>
             <a:r>
-              <a:rPr lang="en-US" altLang="zh-CN" dirty="0" smtClean="0"/>
-              <a:t>Restart</a:t>
+              <a:rPr lang="en-US" altLang="zh-CN" dirty="0" err="1"/>
+              <a:t>RemoveElement</a:t>
+            </a:r>
+            <a:r>
+              <a:rPr lang="en-US" altLang="zh-CN" dirty="0"/>
+              <a:t>(</a:t>
+            </a:r>
+            <a:r>
+              <a:rPr lang="en-US" altLang="zh-CN" dirty="0" err="1"/>
+              <a:t>FxElement</a:t>
+            </a:r>
+            <a:r>
+              <a:rPr lang="en-US" altLang="zh-CN" dirty="0"/>
+              <a:t>* </a:t>
+            </a:r>
+            <a:r>
+              <a:rPr lang="en-US" altLang="zh-CN" dirty="0" err="1"/>
+              <a:t>pElement</a:t>
+            </a:r>
+            <a:r>
+              <a:rPr lang="en-US" altLang="zh-CN" dirty="0"/>
+              <a:t>, </a:t>
+            </a:r>
+            <a:r>
+              <a:rPr lang="en-US" altLang="zh-CN" dirty="0" err="1"/>
+              <a:t>xbool</a:t>
+            </a:r>
+            <a:r>
+              <a:rPr lang="en-US" altLang="zh-CN" dirty="0"/>
+              <a:t> </a:t>
+            </a:r>
+            <a:r>
+              <a:rPr lang="en-US" altLang="zh-CN" dirty="0" err="1"/>
+              <a:t>bDelete</a:t>
+            </a:r>
+            <a:r>
+              <a:rPr lang="en-US" altLang="zh-CN" dirty="0"/>
+              <a:t> = </a:t>
+            </a:r>
+            <a:r>
+              <a:rPr lang="en-US" altLang="zh-CN" dirty="0" err="1"/>
+              <a:t>xtrue</a:t>
+            </a:r>
+            <a:r>
+              <a:rPr lang="en-US" altLang="zh-CN" dirty="0"/>
+              <a:t>)</a:t>
             </a:r>
           </a:p>
           <a:p>
@@ -7851,10 +8905,37 @@
               <a:buChar char="•"/>
             </a:pPr>
             <a:r>
-              <a:rPr lang="en-US" altLang="zh-CN" dirty="0" err="1" smtClean="0"/>
-              <a:t>GetFxTemplate</a:t>
-            </a:r>
-            <a:endParaRPr lang="en-US" altLang="zh-CN" dirty="0" smtClean="0"/>
+              <a:rPr lang="en-US" altLang="zh-CN" dirty="0" err="1"/>
+              <a:t>MoveElement</a:t>
+            </a:r>
+            <a:r>
+              <a:rPr lang="en-US" altLang="zh-CN" dirty="0"/>
+              <a:t>(</a:t>
+            </a:r>
+            <a:r>
+              <a:rPr lang="en-US" altLang="zh-CN" dirty="0" err="1"/>
+              <a:t>FxElement</a:t>
+            </a:r>
+            <a:r>
+              <a:rPr lang="en-US" altLang="zh-CN" dirty="0"/>
+              <a:t>* </a:t>
+            </a:r>
+            <a:r>
+              <a:rPr lang="en-US" altLang="zh-CN" dirty="0" err="1"/>
+              <a:t>pElement</a:t>
+            </a:r>
+            <a:r>
+              <a:rPr lang="en-US" altLang="zh-CN" dirty="0"/>
+              <a:t>, xint32 </a:t>
+            </a:r>
+            <a:r>
+              <a:rPr lang="en-US" altLang="zh-CN" dirty="0" err="1"/>
+              <a:t>nMoveAmount</a:t>
+            </a:r>
+            <a:r>
+              <a:rPr lang="en-US" altLang="zh-CN" dirty="0"/>
+              <a:t>)</a:t>
+            </a:r>
           </a:p>
           <a:p>
             <a:pPr marL="285750" indent="-285750">
@@ -7865,10 +8946,21 @@
               <a:buChar char="•"/>
             </a:pPr>
             <a:r>
-              <a:rPr lang="en-US" altLang="zh-CN" dirty="0" err="1" smtClean="0"/>
-              <a:t>IsCompleted</a:t>
-            </a:r>
-            <a:endParaRPr lang="en-US" altLang="zh-CN" dirty="0" smtClean="0"/>
+              <a:rPr lang="en-US" altLang="zh-CN" dirty="0" err="1"/>
+              <a:t>DumplicateElement</a:t>
+            </a:r>
+            <a:r>
+              <a:rPr lang="en-US" altLang="zh-CN" dirty="0"/>
+              <a:t>(xint32 </a:t>
+            </a:r>
+            <a:r>
+              <a:rPr lang="en-US" altLang="zh-CN" dirty="0" err="1"/>
+              <a:t>nIndex</a:t>
+            </a:r>
+            <a:r>
+              <a:rPr lang="en-US" altLang="zh-CN" dirty="0"/>
+              <a:t>)</a:t>
+            </a:r>
           </a:p>
           <a:p>
             <a:pPr marL="285750" indent="-285750">
@@ -7879,20 +8971,28 @@
               <a:buChar char="•"/>
             </a:pPr>
             <a:r>
-              <a:rPr lang="en-US" altLang="zh-CN" dirty="0" err="1" smtClean="0"/>
-              <a:t>GetParticleNum</a:t>
-            </a:r>
-            <a:r>
-              <a:rPr lang="en-US" altLang="zh-CN" dirty="0" smtClean="0"/>
-              <a:t>(xint32 </a:t>
-            </a:r>
-            <a:r>
-              <a:rPr lang="en-US" altLang="zh-CN" dirty="0" err="1" smtClean="0"/>
-              <a:t>nElementIndex</a:t>
-            </a:r>
-            <a:r>
-              <a:rPr lang="en-US" altLang="zh-CN" dirty="0" smtClean="0"/>
-              <a:t>) </a:t>
+              <a:rPr lang="en-US" altLang="zh-CN" dirty="0" err="1"/>
+              <a:t>DumplicateElement</a:t>
+            </a:r>
+            <a:r>
+              <a:rPr lang="en-US" altLang="zh-CN" dirty="0"/>
+              <a:t>(</a:t>
+            </a:r>
+            <a:r>
+              <a:rPr lang="en-US" altLang="zh-CN" dirty="0" err="1"/>
+              <a:t>FxElement</a:t>
+            </a:r>
+            <a:r>
+              <a:rPr lang="en-US" altLang="zh-CN" dirty="0"/>
+              <a:t>* </a:t>
+            </a:r>
+            <a:r>
+              <a:rPr lang="en-US" altLang="zh-CN" dirty="0" err="1"/>
+              <a:t>pElement</a:t>
+            </a:r>
+            <a:r>
+              <a:rPr lang="en-US" altLang="zh-CN" dirty="0"/>
+              <a:t>)</a:t>
             </a:r>
           </a:p>
           <a:p>
@@ -7904,416 +9004,66 @@
               <a:buChar char="•"/>
             </a:pPr>
             <a:r>
-              <a:rPr lang="en-US" altLang="zh-CN" dirty="0" err="1" smtClean="0"/>
-              <a:t>GetParticleNum</a:t>
-            </a:r>
-            <a:r>
-              <a:rPr lang="en-US" altLang="zh-CN" dirty="0" smtClean="0"/>
+              <a:rPr lang="en-US" altLang="zh-CN" dirty="0" err="1"/>
+              <a:t>AddEmptyElement</a:t>
+            </a:r>
+            <a:r>
+              <a:rPr lang="en-US" altLang="zh-CN" dirty="0"/>
               <a:t>(</a:t>
             </a:r>
             <a:r>
-              <a:rPr lang="en-US" altLang="zh-CN" dirty="0" err="1" smtClean="0"/>
-              <a:t>FxElement</a:t>
-            </a:r>
-            <a:r>
-              <a:rPr lang="en-US" altLang="zh-CN" dirty="0" smtClean="0"/>
+              <a:rPr lang="en-US" altLang="zh-CN" dirty="0" err="1"/>
+              <a:t>const</a:t>
+            </a:r>
+            <a:r>
+              <a:rPr lang="en-US" altLang="zh-CN" dirty="0"/>
+              <a:t> </a:t>
+            </a:r>
+            <a:r>
+              <a:rPr lang="en-US" altLang="zh-CN" dirty="0" err="1"/>
+              <a:t>xchar</a:t>
+            </a:r>
+            <a:r>
+              <a:rPr lang="en-US" altLang="zh-CN" dirty="0"/>
               <a:t>* </a:t>
             </a:r>
             <a:r>
-              <a:rPr lang="en-US" altLang="zh-CN" dirty="0" err="1" smtClean="0"/>
-              <a:t>pElement</a:t>
-            </a:r>
-            <a:r>
-              <a:rPr lang="en-US" altLang="zh-CN" dirty="0" smtClean="0"/>
+              <a:rPr lang="en-US" altLang="zh-CN" dirty="0" err="1"/>
+              <a:t>szName</a:t>
+            </a:r>
+            <a:r>
+              <a:rPr lang="en-US" altLang="zh-CN" dirty="0"/>
+              <a:t>, </a:t>
+            </a:r>
+            <a:r>
+              <a:rPr lang="en-US" altLang="zh-CN" dirty="0" err="1"/>
+              <a:t>FxElementType</a:t>
+            </a:r>
+            <a:r>
+              <a:rPr lang="en-US" altLang="zh-CN" dirty="0"/>
+              <a:t> </a:t>
+            </a:r>
+            <a:r>
+              <a:rPr lang="en-US" altLang="zh-CN" dirty="0" err="1"/>
+              <a:t>eType</a:t>
+            </a:r>
+            <a:r>
+              <a:rPr lang="en-US" altLang="zh-CN" dirty="0"/>
               <a:t>)</a:t>
             </a:r>
-          </a:p>
-          <a:p>
-            <a:pPr marL="285750" indent="-285750">
-              <a:lnSpc>
-                <a:spcPct val="150000"/>
-              </a:lnSpc>
-              <a:buFont typeface="Arial" panose="020B0604020202020204" pitchFamily="34" charset="0"/>
-              <a:buChar char="•"/>
-            </a:pPr>
-            <a:r>
-              <a:rPr lang="en-US" altLang="zh-CN" dirty="0" smtClean="0"/>
-              <a:t>Set2DMode(</a:t>
-            </a:r>
-            <a:r>
-              <a:rPr lang="en-US" altLang="zh-CN" dirty="0" err="1" smtClean="0"/>
-              <a:t>xbool</a:t>
-            </a:r>
-            <a:r>
-              <a:rPr lang="en-US" altLang="zh-CN" dirty="0" smtClean="0"/>
-              <a:t> b2DRenderMode)</a:t>
-            </a:r>
-          </a:p>
-          <a:p>
-            <a:pPr marL="285750" indent="-285750">
-              <a:lnSpc>
-                <a:spcPct val="150000"/>
-              </a:lnSpc>
-              <a:buFont typeface="Arial" panose="020B0604020202020204" pitchFamily="34" charset="0"/>
-              <a:buChar char="•"/>
-            </a:pPr>
-            <a:r>
-              <a:rPr lang="en-US" altLang="zh-CN" dirty="0"/>
-              <a:t>Is2DMode</a:t>
-            </a:r>
-            <a:endParaRPr lang="en-US" altLang="zh-CN" dirty="0" smtClean="0"/>
-          </a:p>
-        </p:txBody>
-      </p:sp>
-      <p:sp>
-        <p:nvSpPr>
-          <p:cNvPr id="6" name="文本框 5"/>
-          <p:cNvSpPr txBox="1"/>
-          <p:nvPr/>
-        </p:nvSpPr>
-        <p:spPr>
-          <a:xfrm>
-            <a:off x="5532474" y="1212112"/>
-            <a:ext cx="6354726" cy="5493812"/>
-          </a:xfrm>
-          <a:prstGeom prst="rect">
-            <a:avLst/>
-          </a:prstGeom>
-          <a:noFill/>
-        </p:spPr>
-        <p:txBody>
-          <a:bodyPr wrap="square" rtlCol="0">
-            <a:spAutoFit/>
-          </a:bodyPr>
-          <a:lstStyle/>
-          <a:p>
-            <a:pPr marL="285750" indent="-285750">
-              <a:lnSpc>
-                <a:spcPct val="150000"/>
-              </a:lnSpc>
-              <a:buFont typeface="Arial" panose="020B0604020202020204" pitchFamily="34" charset="0"/>
-              <a:buChar char="•"/>
-            </a:pPr>
-            <a:r>
-              <a:rPr lang="en-US" altLang="zh-CN" dirty="0"/>
-              <a:t>Set2DModeLayerMask(</a:t>
-            </a:r>
-            <a:r>
-              <a:rPr lang="en-US" altLang="zh-CN" dirty="0" err="1"/>
-              <a:t>FxRenderLayerOrder</a:t>
-            </a:r>
-            <a:r>
-              <a:rPr lang="en-US" altLang="zh-CN" dirty="0"/>
-              <a:t> </a:t>
-            </a:r>
-            <a:r>
-              <a:rPr lang="en-US" altLang="zh-CN" dirty="0" err="1"/>
-              <a:t>pLayer</a:t>
-            </a:r>
-            <a:r>
-              <a:rPr lang="en-US" altLang="zh-CN" dirty="0" smtClean="0"/>
-              <a:t>)</a:t>
-            </a:r>
-          </a:p>
-          <a:p>
-            <a:pPr marL="285750" indent="-285750">
-              <a:lnSpc>
-                <a:spcPct val="150000"/>
-              </a:lnSpc>
-              <a:buFont typeface="Arial" panose="020B0604020202020204" pitchFamily="34" charset="0"/>
-              <a:buChar char="•"/>
-            </a:pPr>
-            <a:r>
-              <a:rPr lang="en-US" altLang="zh-CN" dirty="0"/>
-              <a:t>Get2DModeLayerMask</a:t>
-            </a:r>
-            <a:r>
-              <a:rPr lang="en-US" altLang="zh-CN" dirty="0" smtClean="0"/>
-              <a:t>()</a:t>
-            </a:r>
-          </a:p>
-          <a:p>
-            <a:pPr marL="285750" indent="-285750">
-              <a:lnSpc>
-                <a:spcPct val="150000"/>
-              </a:lnSpc>
-              <a:buFont typeface="Arial" panose="020B0604020202020204" pitchFamily="34" charset="0"/>
-              <a:buChar char="•"/>
-            </a:pPr>
-            <a:r>
-              <a:rPr lang="en-US" altLang="zh-CN" dirty="0" err="1" smtClean="0"/>
-              <a:t>InitSeedPool</a:t>
-            </a:r>
-            <a:endParaRPr lang="en-US" altLang="zh-CN" dirty="0" smtClean="0"/>
-          </a:p>
-          <a:p>
-            <a:pPr marL="285750" indent="-285750">
-              <a:lnSpc>
-                <a:spcPct val="150000"/>
-              </a:lnSpc>
-              <a:buFont typeface="Arial" panose="020B0604020202020204" pitchFamily="34" charset="0"/>
-              <a:buChar char="•"/>
-            </a:pPr>
-            <a:r>
-              <a:rPr lang="en-US" altLang="zh-CN" dirty="0" err="1"/>
-              <a:t>GetAABB</a:t>
-            </a:r>
-            <a:r>
-              <a:rPr lang="en-US" altLang="zh-CN" dirty="0" smtClean="0"/>
-              <a:t>()</a:t>
-            </a:r>
-          </a:p>
-          <a:p>
-            <a:pPr marL="285750" indent="-285750">
-              <a:lnSpc>
-                <a:spcPct val="150000"/>
-              </a:lnSpc>
-              <a:buFont typeface="Arial" panose="020B0604020202020204" pitchFamily="34" charset="0"/>
-              <a:buChar char="•"/>
-            </a:pPr>
-            <a:r>
-              <a:rPr lang="en-US" altLang="zh-CN" dirty="0" err="1"/>
-              <a:t>SetAnimTrailBindingSkeletonAndBones</a:t>
-            </a:r>
-            <a:r>
-              <a:rPr lang="en-US" altLang="zh-CN" dirty="0"/>
-              <a:t>(</a:t>
-            </a:r>
-            <a:r>
-              <a:rPr lang="en-US" altLang="zh-CN" dirty="0" err="1"/>
-              <a:t>XSkeleton</a:t>
-            </a:r>
-            <a:r>
-              <a:rPr lang="en-US" altLang="zh-CN" dirty="0"/>
-              <a:t>* </a:t>
-            </a:r>
-            <a:r>
-              <a:rPr lang="en-US" altLang="zh-CN" dirty="0" err="1"/>
-              <a:t>pSkeleton</a:t>
-            </a:r>
-            <a:r>
-              <a:rPr lang="en-US" altLang="zh-CN" dirty="0"/>
-              <a:t>, </a:t>
-            </a:r>
-            <a:r>
-              <a:rPr lang="en-US" altLang="zh-CN" dirty="0" err="1"/>
-              <a:t>const</a:t>
-            </a:r>
-            <a:r>
-              <a:rPr lang="en-US" altLang="zh-CN" dirty="0"/>
-              <a:t> </a:t>
-            </a:r>
-            <a:r>
-              <a:rPr lang="en-US" altLang="zh-CN" dirty="0" err="1"/>
-              <a:t>XString</a:t>
-            </a:r>
-            <a:r>
-              <a:rPr lang="en-US" altLang="zh-CN" dirty="0"/>
-              <a:t>&amp; </a:t>
-            </a:r>
-            <a:r>
-              <a:rPr lang="en-US" altLang="zh-CN" dirty="0" err="1"/>
-              <a:t>FirstBoneName</a:t>
-            </a:r>
-            <a:r>
-              <a:rPr lang="en-US" altLang="zh-CN" dirty="0"/>
-              <a:t>, </a:t>
-            </a:r>
-            <a:r>
-              <a:rPr lang="en-US" altLang="zh-CN" dirty="0" err="1"/>
-              <a:t>const</a:t>
-            </a:r>
-            <a:r>
-              <a:rPr lang="en-US" altLang="zh-CN" dirty="0"/>
-              <a:t> </a:t>
-            </a:r>
-            <a:r>
-              <a:rPr lang="en-US" altLang="zh-CN" dirty="0" err="1"/>
-              <a:t>XString</a:t>
-            </a:r>
-            <a:r>
-              <a:rPr lang="en-US" altLang="zh-CN" dirty="0"/>
-              <a:t>&amp; </a:t>
-            </a:r>
-            <a:r>
-              <a:rPr lang="en-US" altLang="zh-CN" dirty="0" err="1"/>
-              <a:t>SecondBoneName</a:t>
-            </a:r>
-            <a:r>
-              <a:rPr lang="en-US" altLang="zh-CN" dirty="0" smtClean="0"/>
-              <a:t>)</a:t>
-            </a:r>
-          </a:p>
-          <a:p>
-            <a:pPr marL="285750" indent="-285750">
-              <a:lnSpc>
-                <a:spcPct val="150000"/>
-              </a:lnSpc>
-              <a:buFont typeface="Arial" panose="020B0604020202020204" pitchFamily="34" charset="0"/>
-              <a:buChar char="•"/>
-            </a:pPr>
-            <a:r>
-              <a:rPr lang="en-US" altLang="zh-CN" dirty="0" err="1"/>
-              <a:t>GetElementData</a:t>
-            </a:r>
-            <a:r>
-              <a:rPr lang="en-US" altLang="zh-CN" dirty="0"/>
-              <a:t>(</a:t>
-            </a:r>
-            <a:r>
-              <a:rPr lang="en-US" altLang="zh-CN" dirty="0" err="1"/>
-              <a:t>FxElement</a:t>
-            </a:r>
-            <a:r>
-              <a:rPr lang="en-US" altLang="zh-CN" dirty="0"/>
-              <a:t>* </a:t>
-            </a:r>
-            <a:r>
-              <a:rPr lang="en-US" altLang="zh-CN" dirty="0" err="1"/>
-              <a:t>pElement</a:t>
-            </a:r>
-            <a:r>
-              <a:rPr lang="en-US" altLang="zh-CN" dirty="0" smtClean="0"/>
-              <a:t>)</a:t>
-            </a:r>
-          </a:p>
-          <a:p>
-            <a:pPr marL="285750" indent="-285750">
-              <a:lnSpc>
-                <a:spcPct val="150000"/>
-              </a:lnSpc>
-              <a:buFont typeface="Arial" panose="020B0604020202020204" pitchFamily="34" charset="0"/>
-              <a:buChar char="•"/>
-            </a:pPr>
-            <a:r>
-              <a:rPr lang="en-US" altLang="zh-CN" dirty="0" err="1"/>
-              <a:t>AddElementData</a:t>
-            </a:r>
-            <a:r>
-              <a:rPr lang="en-US" altLang="zh-CN" dirty="0"/>
-              <a:t>(</a:t>
-            </a:r>
-            <a:r>
-              <a:rPr lang="en-US" altLang="zh-CN" dirty="0" err="1"/>
-              <a:t>FxElement</a:t>
-            </a:r>
-            <a:r>
-              <a:rPr lang="en-US" altLang="zh-CN" dirty="0"/>
-              <a:t>* </a:t>
-            </a:r>
-            <a:r>
-              <a:rPr lang="en-US" altLang="zh-CN" dirty="0" err="1"/>
-              <a:t>pElement</a:t>
-            </a:r>
-            <a:r>
-              <a:rPr lang="en-US" altLang="zh-CN" dirty="0" smtClean="0"/>
-              <a:t>)</a:t>
-            </a:r>
-          </a:p>
-          <a:p>
-            <a:pPr marL="285750" indent="-285750">
-              <a:lnSpc>
-                <a:spcPct val="150000"/>
-              </a:lnSpc>
-              <a:buFont typeface="Arial" panose="020B0604020202020204" pitchFamily="34" charset="0"/>
-              <a:buChar char="•"/>
-            </a:pPr>
-            <a:r>
-              <a:rPr lang="en-US" altLang="zh-CN" dirty="0" err="1"/>
-              <a:t>RemoveElementData</a:t>
-            </a:r>
-            <a:r>
-              <a:rPr lang="en-US" altLang="zh-CN" dirty="0"/>
-              <a:t>(</a:t>
-            </a:r>
-            <a:r>
-              <a:rPr lang="en-US" altLang="zh-CN" dirty="0" err="1"/>
-              <a:t>FxElement</a:t>
-            </a:r>
-            <a:r>
-              <a:rPr lang="en-US" altLang="zh-CN" dirty="0"/>
-              <a:t>* </a:t>
-            </a:r>
-            <a:r>
-              <a:rPr lang="en-US" altLang="zh-CN" dirty="0" err="1"/>
-              <a:t>pElement</a:t>
-            </a:r>
-            <a:r>
-              <a:rPr lang="en-US" altLang="zh-CN" dirty="0" smtClean="0"/>
-              <a:t>)</a:t>
-            </a:r>
-          </a:p>
-          <a:p>
-            <a:pPr marL="285750" indent="-285750">
-              <a:lnSpc>
-                <a:spcPct val="150000"/>
-              </a:lnSpc>
-              <a:buFont typeface="Arial" panose="020B0604020202020204" pitchFamily="34" charset="0"/>
-              <a:buChar char="•"/>
-            </a:pPr>
-            <a:r>
-              <a:rPr lang="en-US" altLang="zh-CN" dirty="0" err="1"/>
-              <a:t>GetAllElementPrimitive</a:t>
-            </a:r>
-            <a:r>
-              <a:rPr lang="en-US" altLang="zh-CN" dirty="0" smtClean="0"/>
-              <a:t>()</a:t>
-            </a:r>
-          </a:p>
-          <a:p>
-            <a:pPr marL="285750" indent="-285750">
-              <a:lnSpc>
-                <a:spcPct val="150000"/>
-              </a:lnSpc>
-              <a:buFont typeface="Arial" panose="020B0604020202020204" pitchFamily="34" charset="0"/>
-              <a:buChar char="•"/>
-            </a:pPr>
-            <a:r>
-              <a:rPr lang="en-US" altLang="zh-CN" dirty="0" err="1"/>
-              <a:t>GetScaleInMatrix</a:t>
-            </a:r>
-            <a:r>
-              <a:rPr lang="en-US" altLang="zh-CN" dirty="0" smtClean="0"/>
-              <a:t>()</a:t>
-            </a:r>
-          </a:p>
-          <a:p>
-            <a:pPr marL="285750" indent="-285750">
-              <a:lnSpc>
-                <a:spcPct val="150000"/>
-              </a:lnSpc>
-              <a:buFont typeface="Arial" panose="020B0604020202020204" pitchFamily="34" charset="0"/>
-              <a:buChar char="•"/>
-            </a:pPr>
-            <a:r>
-              <a:rPr lang="en-US" altLang="zh-CN" dirty="0" err="1"/>
-              <a:t>GetAbsoluteMatrixNoScale</a:t>
-            </a:r>
-            <a:r>
-              <a:rPr lang="en-US" altLang="zh-CN" dirty="0"/>
-              <a:t>()</a:t>
-            </a:r>
-            <a:endParaRPr lang="en-US" altLang="zh-CN" dirty="0" smtClean="0"/>
           </a:p>
         </p:txBody>
       </p:sp>
     </p:spTree>
     <p:extLst>
       <p:ext uri="{BB962C8B-B14F-4D97-AF65-F5344CB8AC3E}">
-        <p14:creationId xmlns:p14="http://schemas.microsoft.com/office/powerpoint/2010/main" val="2454647676"/>
+        <p14:creationId xmlns:p14="http://schemas.microsoft.com/office/powerpoint/2010/main" val="1225918548"/>
       </p:ext>
     </p:extLst>
   </p:cSld>
   <p:clrMapOvr>
     <a:masterClrMapping/>
   </p:clrMapOvr>
-  <p:timing>
-    <p:tnLst>
-      <p:par>
-        <p:cTn id="1" dur="indefinite" restart="never" nodeType="tmRoot"/>
-      </p:par>
-    </p:tnLst>
-  </p:timing>
 </p:sld>
 </file>
 
@@ -8342,8 +9092,8 @@
         </p:nvSpPr>
         <p:spPr>
           <a:xfrm>
-            <a:off x="4848446" y="382485"/>
-            <a:ext cx="2317898" cy="531916"/>
+            <a:off x="4848446" y="382484"/>
+            <a:ext cx="2030818" cy="542547"/>
           </a:xfrm>
           <a:prstGeom prst="rect">
             <a:avLst/>
@@ -8380,7 +9130,7 @@
             <a:pPr algn="ctr"/>
             <a:r>
               <a:rPr lang="en-US" altLang="zh-CN" sz="2800" dirty="0" err="1"/>
-              <a:t>FxManager</a:t>
+              <a:t>FxInstance</a:t>
             </a:r>
             <a:endParaRPr lang="zh-CN" altLang="en-US" sz="2800" dirty="0"/>
           </a:p>
@@ -8394,8 +9144,8 @@
         </p:nvSpPr>
         <p:spPr>
           <a:xfrm>
-            <a:off x="733647" y="1212112"/>
-            <a:ext cx="8739962" cy="4662815"/>
+            <a:off x="733648" y="1212112"/>
+            <a:ext cx="4880344" cy="5493812"/>
           </a:xfrm>
           <a:prstGeom prst="rect">
             <a:avLst/>
@@ -8416,34 +9166,9 @@
               <a:buChar char="•"/>
             </a:pPr>
             <a:r>
-              <a:rPr lang="en-US" altLang="zh-CN" dirty="0" err="1"/>
-              <a:t>XHashTable</a:t>
-            </a:r>
-            <a:r>
-              <a:rPr lang="en-US" altLang="zh-CN" dirty="0"/>
-              <a:t>&lt;</a:t>
-            </a:r>
-            <a:r>
-              <a:rPr lang="en-US" altLang="zh-CN" dirty="0" err="1"/>
-              <a:t>XString</a:t>
-            </a:r>
-            <a:r>
-              <a:rPr lang="en-US" altLang="zh-CN" dirty="0"/>
-              <a:t>, </a:t>
-            </a:r>
-            <a:r>
-              <a:rPr lang="en-US" altLang="zh-CN" dirty="0" err="1"/>
-              <a:t>FxTemplate</a:t>
-            </a:r>
-            <a:r>
-              <a:rPr lang="en-US" altLang="zh-CN" dirty="0"/>
-              <a:t>*&gt;</a:t>
-            </a:r>
-            <a:r>
-              <a:rPr lang="en-US" altLang="zh-CN" dirty="0" err="1" smtClean="0"/>
-              <a:t>m_mapFxTemplates</a:t>
-            </a:r>
-            <a:endParaRPr lang="en-US" altLang="zh-CN" dirty="0" smtClean="0"/>
+              <a:rPr lang="en-US" altLang="zh-CN" dirty="0"/>
+              <a:t>Tick</a:t>
+            </a:r>
           </a:p>
           <a:p>
             <a:pPr marL="285750" indent="-285750">
@@ -8454,42 +9179,9 @@
               <a:buChar char="•"/>
             </a:pPr>
             <a:r>
-              <a:rPr lang="en-US" altLang="zh-CN" dirty="0" err="1"/>
-              <a:t>XHashTable</a:t>
-            </a:r>
-            <a:r>
-              <a:rPr lang="en-US" altLang="zh-CN" dirty="0"/>
-              <a:t>&lt;</a:t>
-            </a:r>
-            <a:r>
-              <a:rPr lang="en-US" altLang="zh-CN" dirty="0" err="1"/>
-              <a:t>FxTemplate</a:t>
-            </a:r>
-            <a:r>
-              <a:rPr lang="en-US" altLang="zh-CN" dirty="0"/>
-              <a:t>*, </a:t>
-            </a:r>
-            <a:r>
-              <a:rPr lang="en-US" altLang="zh-CN" dirty="0" err="1"/>
-              <a:t>XArray</a:t>
-            </a:r>
-            <a:r>
-              <a:rPr lang="en-US" altLang="zh-CN" dirty="0"/>
-              <a:t>&lt;</a:t>
-            </a:r>
-            <a:r>
-              <a:rPr lang="en-US" altLang="zh-CN" dirty="0" err="1"/>
-              <a:t>FxInstance</a:t>
-            </a:r>
-            <a:r>
-              <a:rPr lang="en-US" altLang="zh-CN" dirty="0"/>
-              <a:t>*&gt;&gt;</a:t>
-            </a:r>
-            <a:r>
-              <a:rPr lang="en-US" altLang="zh-CN" dirty="0" err="1" smtClean="0"/>
-              <a:t>m_mapFxInstances</a:t>
-            </a:r>
-            <a:endParaRPr lang="en-US" altLang="zh-CN" dirty="0" smtClean="0"/>
+              <a:rPr lang="en-US" altLang="zh-CN" dirty="0"/>
+              <a:t>Render</a:t>
+            </a:r>
           </a:p>
           <a:p>
             <a:pPr marL="285750" indent="-285750">
@@ -8500,18 +9192,9 @@
               <a:buChar char="•"/>
             </a:pPr>
             <a:r>
-              <a:rPr lang="en-US" altLang="zh-CN" dirty="0" err="1" smtClean="0"/>
-              <a:t>FxParticlePool</a:t>
-            </a:r>
-            <a:r>
-              <a:rPr lang="en-US" altLang="zh-CN" dirty="0" smtClean="0"/>
-              <a:t>*</a:t>
-            </a:r>
-            <a:r>
-              <a:rPr lang="en-US" altLang="zh-CN" dirty="0" err="1" smtClean="0"/>
-              <a:t>m_pParticlePool</a:t>
-            </a:r>
-            <a:endParaRPr lang="en-US" altLang="zh-CN" dirty="0" smtClean="0"/>
+              <a:rPr lang="en-US" altLang="zh-CN" dirty="0"/>
+              <a:t>Play</a:t>
+            </a:r>
           </a:p>
           <a:p>
             <a:pPr marL="285750" indent="-285750">
@@ -8521,7 +9204,10 @@
               <a:buFont typeface="Arial" panose="020B0604020202020204" pitchFamily="34" charset="0"/>
               <a:buChar char="•"/>
             </a:pPr>
-            <a:endParaRPr lang="en-US" altLang="zh-CN" dirty="0" smtClean="0"/>
+            <a:r>
+              <a:rPr lang="en-US" altLang="zh-CN" dirty="0"/>
+              <a:t>Pause</a:t>
+            </a:r>
           </a:p>
           <a:p>
             <a:pPr marL="285750" indent="-285750">
@@ -8533,36 +9219,9 @@
             </a:pPr>
             <a:r>
               <a:rPr lang="en-US" altLang="zh-CN" dirty="0" err="1"/>
-              <a:t>CreateFxInstance</a:t>
-            </a:r>
-            <a:r>
-              <a:rPr lang="en-US" altLang="zh-CN" dirty="0"/>
-              <a:t>(</a:t>
-            </a:r>
-            <a:r>
-              <a:rPr lang="en-US" altLang="zh-CN" dirty="0" err="1"/>
-              <a:t>const</a:t>
-            </a:r>
-            <a:r>
-              <a:rPr lang="en-US" altLang="zh-CN" dirty="0"/>
-              <a:t> </a:t>
-            </a:r>
-            <a:r>
-              <a:rPr lang="en-US" altLang="zh-CN" dirty="0" err="1"/>
-              <a:t>xchar</a:t>
-            </a:r>
-            <a:r>
-              <a:rPr lang="en-US" altLang="zh-CN" dirty="0"/>
-              <a:t>* </a:t>
-            </a:r>
-            <a:r>
-              <a:rPr lang="en-US" altLang="zh-CN" dirty="0" err="1"/>
-              <a:t>szNewFxTemplateFile</a:t>
-            </a:r>
-            <a:r>
-              <a:rPr lang="en-US" altLang="zh-CN" dirty="0"/>
-              <a:t>)</a:t>
-            </a:r>
+              <a:t>IsPaused</a:t>
+            </a:r>
+            <a:endParaRPr lang="en-US" altLang="zh-CN" dirty="0"/>
           </a:p>
           <a:p>
             <a:pPr marL="285750" indent="-285750">
@@ -8573,36 +9232,8 @@
               <a:buChar char="•"/>
             </a:pPr>
             <a:r>
-              <a:rPr lang="en-US" altLang="zh-CN" dirty="0" err="1"/>
-              <a:t>GetFxInstance</a:t>
-            </a:r>
-            <a:r>
-              <a:rPr lang="en-US" altLang="zh-CN" dirty="0"/>
-              <a:t>(</a:t>
-            </a:r>
-            <a:r>
-              <a:rPr lang="en-US" altLang="zh-CN" dirty="0" err="1"/>
-              <a:t>const</a:t>
-            </a:r>
-            <a:r>
-              <a:rPr lang="en-US" altLang="zh-CN" dirty="0"/>
-              <a:t> </a:t>
-            </a:r>
-            <a:r>
-              <a:rPr lang="en-US" altLang="zh-CN" dirty="0" err="1"/>
-              <a:t>xchar</a:t>
-            </a:r>
-            <a:r>
-              <a:rPr lang="en-US" altLang="zh-CN" dirty="0"/>
-              <a:t>* </a:t>
-            </a:r>
-            <a:r>
-              <a:rPr lang="en-US" altLang="zh-CN" dirty="0" err="1"/>
-              <a:t>szFxTemplateFile</a:t>
-            </a:r>
-            <a:r>
-              <a:rPr lang="en-US" altLang="zh-CN" dirty="0" smtClean="0"/>
-              <a:t>)</a:t>
+              <a:rPr lang="en-US" altLang="zh-CN" dirty="0"/>
+              <a:t>Stop</a:t>
             </a:r>
           </a:p>
           <a:p>
@@ -8614,28 +9245,8 @@
               <a:buChar char="•"/>
             </a:pPr>
             <a:r>
-              <a:rPr lang="en-US" altLang="zh-CN" dirty="0" err="1"/>
-              <a:t>ReleaseFxInstance</a:t>
-            </a:r>
-            <a:r>
-              <a:rPr lang="en-US" altLang="zh-CN" dirty="0"/>
-              <a:t>(</a:t>
-            </a:r>
-            <a:r>
-              <a:rPr lang="en-US" altLang="zh-CN" dirty="0" err="1"/>
-              <a:t>FxInstance</a:t>
-            </a:r>
-            <a:r>
-              <a:rPr lang="en-US" altLang="zh-CN" dirty="0"/>
-              <a:t>* </a:t>
-            </a:r>
-            <a:r>
-              <a:rPr lang="en-US" altLang="zh-CN" dirty="0" err="1"/>
-              <a:t>pFxInstance</a:t>
-            </a:r>
-            <a:r>
-              <a:rPr lang="en-US" altLang="zh-CN" dirty="0" smtClean="0"/>
-              <a:t>)</a:t>
+              <a:rPr lang="en-US" altLang="zh-CN" dirty="0"/>
+              <a:t>Restart</a:t>
             </a:r>
           </a:p>
           <a:p>
@@ -8646,7 +9257,11 @@
               <a:buFont typeface="Arial" panose="020B0604020202020204" pitchFamily="34" charset="0"/>
               <a:buChar char="•"/>
             </a:pPr>
-            <a:endParaRPr lang="en-US" altLang="zh-CN" dirty="0" smtClean="0"/>
+            <a:r>
+              <a:rPr lang="en-US" altLang="zh-CN" dirty="0" err="1"/>
+              <a:t>GetFxTemplate</a:t>
+            </a:r>
+            <a:endParaRPr lang="en-US" altLang="zh-CN" dirty="0"/>
           </a:p>
           <a:p>
             <a:pPr marL="285750" indent="-285750">
@@ -8658,36 +9273,9 @@
             </a:pPr>
             <a:r>
               <a:rPr lang="en-US" altLang="zh-CN" dirty="0" err="1"/>
-              <a:t>GetFxTemplate</a:t>
-            </a:r>
-            <a:r>
-              <a:rPr lang="en-US" altLang="zh-CN" dirty="0"/>
-              <a:t>(</a:t>
-            </a:r>
-            <a:r>
-              <a:rPr lang="en-US" altLang="zh-CN" dirty="0" err="1"/>
-              <a:t>const</a:t>
-            </a:r>
-            <a:r>
-              <a:rPr lang="en-US" altLang="zh-CN" dirty="0"/>
-              <a:t> </a:t>
-            </a:r>
-            <a:r>
-              <a:rPr lang="en-US" altLang="zh-CN" dirty="0" err="1"/>
-              <a:t>xchar</a:t>
-            </a:r>
-            <a:r>
-              <a:rPr lang="en-US" altLang="zh-CN" dirty="0"/>
-              <a:t>* </a:t>
-            </a:r>
-            <a:r>
-              <a:rPr lang="en-US" altLang="zh-CN" dirty="0" err="1"/>
-              <a:t>szTemplateFile</a:t>
-            </a:r>
-            <a:r>
-              <a:rPr lang="en-US" altLang="zh-CN" dirty="0" smtClean="0"/>
-              <a:t>)</a:t>
-            </a:r>
+              <a:t>IsCompleted</a:t>
+            </a:r>
+            <a:endParaRPr lang="en-US" altLang="zh-CN" dirty="0"/>
           </a:p>
           <a:p>
             <a:pPr marL="285750" indent="-285750">
@@ -8699,29 +9287,20 @@
             </a:pPr>
             <a:r>
               <a:rPr lang="en-US" altLang="zh-CN" dirty="0" err="1"/>
-              <a:t>ReleaseFxTemplate</a:t>
-            </a:r>
-            <a:r>
-              <a:rPr lang="en-US" altLang="zh-CN" dirty="0"/>
-              <a:t>(</a:t>
-            </a:r>
-            <a:r>
-              <a:rPr lang="en-US" altLang="zh-CN" dirty="0" err="1"/>
-              <a:t>FxTemplate</a:t>
-            </a:r>
-            <a:r>
-              <a:rPr lang="en-US" altLang="zh-CN" dirty="0"/>
-              <a:t>* </a:t>
-            </a:r>
-            <a:r>
-              <a:rPr lang="en-US" altLang="zh-CN" dirty="0" err="1"/>
-              <a:t>pFxTemplate</a:t>
-            </a:r>
-            <a:r>
-              <a:rPr lang="en-US" altLang="zh-CN" dirty="0"/>
-              <a:t>)</a:t>
-            </a:r>
-            <a:endParaRPr lang="en-US" altLang="zh-CN" dirty="0" smtClean="0"/>
+              <a:t>GetParticleNum</a:t>
+            </a:r>
+            <a:r>
+              <a:rPr lang="en-US" altLang="zh-CN" dirty="0"/>
+              <a:t>(xint32 </a:t>
+            </a:r>
+            <a:r>
+              <a:rPr lang="en-US" altLang="zh-CN" dirty="0" err="1"/>
+              <a:t>nElementIndex</a:t>
+            </a:r>
+            <a:r>
+              <a:rPr lang="en-US" altLang="zh-CN" dirty="0"/>
+              <a:t>) </a:t>
+            </a:r>
           </a:p>
           <a:p>
             <a:pPr marL="285750" indent="-285750">
@@ -8732,24 +9311,260 @@
               <a:buChar char="•"/>
             </a:pPr>
             <a:r>
-              <a:rPr lang="en-US" altLang="zh-CN" dirty="0" err="1" smtClean="0"/>
-              <a:t>SaveFxTemplate</a:t>
-            </a:r>
-            <a:r>
-              <a:rPr lang="en-US" altLang="zh-CN" dirty="0" smtClean="0"/>
+              <a:rPr lang="en-US" altLang="zh-CN" dirty="0" err="1"/>
+              <a:t>GetParticleNum</a:t>
+            </a:r>
+            <a:r>
+              <a:rPr lang="en-US" altLang="zh-CN" dirty="0"/>
               <a:t>(</a:t>
             </a:r>
             <a:r>
-              <a:rPr lang="en-US" altLang="zh-CN" dirty="0" err="1" smtClean="0"/>
+              <a:rPr lang="en-US" altLang="zh-CN" dirty="0" err="1"/>
+              <a:t>FxElement</a:t>
+            </a:r>
+            <a:r>
+              <a:rPr lang="en-US" altLang="zh-CN" dirty="0"/>
+              <a:t>* </a:t>
+            </a:r>
+            <a:r>
+              <a:rPr lang="en-US" altLang="zh-CN" dirty="0" err="1"/>
+              <a:t>pElement</a:t>
+            </a:r>
+            <a:r>
+              <a:rPr lang="en-US" altLang="zh-CN" dirty="0"/>
+              <a:t>)</a:t>
+            </a:r>
+          </a:p>
+          <a:p>
+            <a:pPr marL="285750" indent="-285750">
+              <a:lnSpc>
+                <a:spcPct val="150000"/>
+              </a:lnSpc>
+              <a:buFont typeface="Arial" panose="020B0604020202020204" pitchFamily="34" charset="0"/>
+              <a:buChar char="•"/>
+            </a:pPr>
+            <a:r>
+              <a:rPr lang="en-US" altLang="zh-CN" dirty="0"/>
+              <a:t>Set2DMode(</a:t>
+            </a:r>
+            <a:r>
+              <a:rPr lang="en-US" altLang="zh-CN" dirty="0" err="1"/>
+              <a:t>xbool</a:t>
+            </a:r>
+            <a:r>
+              <a:rPr lang="en-US" altLang="zh-CN" dirty="0"/>
+              <a:t> b2DRenderMode)</a:t>
+            </a:r>
+          </a:p>
+          <a:p>
+            <a:pPr marL="285750" indent="-285750">
+              <a:lnSpc>
+                <a:spcPct val="150000"/>
+              </a:lnSpc>
+              <a:buFont typeface="Arial" panose="020B0604020202020204" pitchFamily="34" charset="0"/>
+              <a:buChar char="•"/>
+            </a:pPr>
+            <a:r>
+              <a:rPr lang="en-US" altLang="zh-CN" dirty="0"/>
+              <a:t>Is2DMode</a:t>
+            </a:r>
+          </a:p>
+        </p:txBody>
+      </p:sp>
+      <p:sp>
+        <p:nvSpPr>
+          <p:cNvPr id="6" name="文本框 5"/>
+          <p:cNvSpPr txBox="1"/>
+          <p:nvPr/>
+        </p:nvSpPr>
+        <p:spPr>
+          <a:xfrm>
+            <a:off x="5532474" y="1212112"/>
+            <a:ext cx="6354726" cy="5493812"/>
+          </a:xfrm>
+          <a:prstGeom prst="rect">
+            <a:avLst/>
+          </a:prstGeom>
+          <a:noFill/>
+        </p:spPr>
+        <p:txBody>
+          <a:bodyPr wrap="square" rtlCol="0">
+            <a:spAutoFit/>
+          </a:bodyPr>
+          <a:lstStyle/>
+          <a:p>
+            <a:pPr marL="285750" indent="-285750">
+              <a:lnSpc>
+                <a:spcPct val="150000"/>
+              </a:lnSpc>
+              <a:buFont typeface="Arial" panose="020B0604020202020204" pitchFamily="34" charset="0"/>
+              <a:buChar char="•"/>
+            </a:pPr>
+            <a:r>
+              <a:rPr lang="en-US" altLang="zh-CN" dirty="0"/>
+              <a:t>Set2DModeLayerMask(</a:t>
+            </a:r>
+            <a:r>
+              <a:rPr lang="en-US" altLang="zh-CN" dirty="0" err="1"/>
+              <a:t>FxRenderLayerOrder</a:t>
+            </a:r>
+            <a:r>
+              <a:rPr lang="en-US" altLang="zh-CN" dirty="0"/>
+              <a:t> </a:t>
+            </a:r>
+            <a:r>
+              <a:rPr lang="en-US" altLang="zh-CN" dirty="0" err="1"/>
+              <a:t>pLayer</a:t>
+            </a:r>
+            <a:r>
+              <a:rPr lang="en-US" altLang="zh-CN" dirty="0"/>
+              <a:t>)</a:t>
+            </a:r>
+          </a:p>
+          <a:p>
+            <a:pPr marL="285750" indent="-285750">
+              <a:lnSpc>
+                <a:spcPct val="150000"/>
+              </a:lnSpc>
+              <a:buFont typeface="Arial" panose="020B0604020202020204" pitchFamily="34" charset="0"/>
+              <a:buChar char="•"/>
+            </a:pPr>
+            <a:r>
+              <a:rPr lang="en-US" altLang="zh-CN" dirty="0"/>
+              <a:t>Get2DModeLayerMask()</a:t>
+            </a:r>
+          </a:p>
+          <a:p>
+            <a:pPr marL="285750" indent="-285750">
+              <a:lnSpc>
+                <a:spcPct val="150000"/>
+              </a:lnSpc>
+              <a:buFont typeface="Arial" panose="020B0604020202020204" pitchFamily="34" charset="0"/>
+              <a:buChar char="•"/>
+            </a:pPr>
+            <a:r>
+              <a:rPr lang="en-US" altLang="zh-CN" dirty="0" err="1"/>
+              <a:t>InitSeedPool</a:t>
+            </a:r>
+            <a:endParaRPr lang="en-US" altLang="zh-CN" dirty="0"/>
+          </a:p>
+          <a:p>
+            <a:pPr marL="285750" indent="-285750">
+              <a:lnSpc>
+                <a:spcPct val="150000"/>
+              </a:lnSpc>
+              <a:buFont typeface="Arial" panose="020B0604020202020204" pitchFamily="34" charset="0"/>
+              <a:buChar char="•"/>
+            </a:pPr>
+            <a:r>
+              <a:rPr lang="en-US" altLang="zh-CN" dirty="0" err="1"/>
+              <a:t>GetAABB</a:t>
+            </a:r>
+            <a:r>
+              <a:rPr lang="en-US" altLang="zh-CN" dirty="0"/>
+              <a:t>()</a:t>
+            </a:r>
+          </a:p>
+          <a:p>
+            <a:pPr marL="285750" indent="-285750">
+              <a:lnSpc>
+                <a:spcPct val="150000"/>
+              </a:lnSpc>
+              <a:buFont typeface="Arial" panose="020B0604020202020204" pitchFamily="34" charset="0"/>
+              <a:buChar char="•"/>
+            </a:pPr>
+            <a:r>
+              <a:rPr lang="en-US" altLang="zh-CN" dirty="0" err="1"/>
+              <a:t>SetAnimTrailBindingSkeletonAndBones</a:t>
+            </a:r>
+            <a:r>
+              <a:rPr lang="en-US" altLang="zh-CN" dirty="0"/>
+              <a:t>(</a:t>
+            </a:r>
+            <a:r>
+              <a:rPr lang="en-US" altLang="zh-CN" dirty="0" err="1"/>
+              <a:t>XSkeleton</a:t>
+            </a:r>
+            <a:r>
+              <a:rPr lang="en-US" altLang="zh-CN" dirty="0"/>
+              <a:t>* </a:t>
+            </a:r>
+            <a:r>
+              <a:rPr lang="en-US" altLang="zh-CN" dirty="0" err="1"/>
+              <a:t>pSkeleton</a:t>
+            </a:r>
+            <a:r>
+              <a:rPr lang="en-US" altLang="zh-CN" dirty="0"/>
+              <a:t>, </a:t>
+            </a:r>
+            <a:r>
+              <a:rPr lang="en-US" altLang="zh-CN" dirty="0" err="1"/>
               <a:t>const</a:t>
             </a:r>
             <a:r>
-              <a:rPr lang="en-US" altLang="zh-CN" dirty="0" smtClean="0"/>
+              <a:rPr lang="en-US" altLang="zh-CN" dirty="0"/>
               <a:t> </a:t>
             </a:r>
             <a:r>
               <a:rPr lang="en-US" altLang="zh-CN" dirty="0" err="1"/>
-              <a:t>xchar</a:t>
+              <a:t>XString</a:t>
+            </a:r>
+            <a:r>
+              <a:rPr lang="en-US" altLang="zh-CN" dirty="0"/>
+              <a:t>&amp; </a:t>
+            </a:r>
+            <a:r>
+              <a:rPr lang="en-US" altLang="zh-CN" dirty="0" err="1"/>
+              <a:t>FirstBoneName</a:t>
+            </a:r>
+            <a:r>
+              <a:rPr lang="en-US" altLang="zh-CN" dirty="0"/>
+              <a:t>, </a:t>
+            </a:r>
+            <a:r>
+              <a:rPr lang="en-US" altLang="zh-CN" dirty="0" err="1"/>
+              <a:t>const</a:t>
+            </a:r>
+            <a:r>
+              <a:rPr lang="en-US" altLang="zh-CN" dirty="0"/>
+              <a:t> </a:t>
+            </a:r>
+            <a:r>
+              <a:rPr lang="en-US" altLang="zh-CN" dirty="0" err="1"/>
+              <a:t>XString</a:t>
+            </a:r>
+            <a:r>
+              <a:rPr lang="en-US" altLang="zh-CN" dirty="0"/>
+              <a:t>&amp; </a:t>
+            </a:r>
+            <a:r>
+              <a:rPr lang="en-US" altLang="zh-CN" dirty="0" err="1"/>
+              <a:t>SecondBoneName</a:t>
+            </a:r>
+            <a:r>
+              <a:rPr lang="en-US" altLang="zh-CN" dirty="0"/>
+              <a:t>)</a:t>
+            </a:r>
+          </a:p>
+          <a:p>
+            <a:pPr marL="285750" indent="-285750">
+              <a:lnSpc>
+                <a:spcPct val="150000"/>
+              </a:lnSpc>
+              <a:buFont typeface="Arial" panose="020B0604020202020204" pitchFamily="34" charset="0"/>
+              <a:buChar char="•"/>
+            </a:pPr>
+            <a:r>
+              <a:rPr lang="en-US" altLang="zh-CN" dirty="0" err="1"/>
+              <a:t>GetElementData</a:t>
+            </a:r>
+            <a:r>
+              <a:rPr lang="en-US" altLang="zh-CN" dirty="0"/>
+              <a:t>(</a:t>
+            </a:r>
+            <a:r>
+              <a:rPr lang="en-US" altLang="zh-CN" dirty="0" err="1"/>
+              <a:t>FxElement</a:t>
             </a:r>
             <a:r>
               <a:rPr lang="en-US" altLang="zh-CN" dirty="0"/>
@@ -8757,15 +9572,32 @@
             </a:r>
             <a:r>
               <a:rPr lang="en-US" altLang="zh-CN" dirty="0" err="1"/>
-              <a:t>szFxTemplateFile</a:t>
-            </a:r>
-            <a:r>
-              <a:rPr lang="en-US" altLang="zh-CN" dirty="0"/>
-              <a:t>, </a:t>
-            </a:r>
-            <a:r>
-              <a:rPr lang="en-US" altLang="zh-CN" dirty="0" err="1"/>
-              <a:t>IFxTemplate</a:t>
+              <a:t>pElement</a:t>
+            </a:r>
+            <a:r>
+              <a:rPr lang="en-US" altLang="zh-CN" dirty="0"/>
+              <a:t>)</a:t>
+            </a:r>
+          </a:p>
+          <a:p>
+            <a:pPr marL="285750" indent="-285750">
+              <a:lnSpc>
+                <a:spcPct val="150000"/>
+              </a:lnSpc>
+              <a:buFont typeface="Arial" panose="020B0604020202020204" pitchFamily="34" charset="0"/>
+              <a:buChar char="•"/>
+            </a:pPr>
+            <a:r>
+              <a:rPr lang="en-US" altLang="zh-CN" dirty="0" err="1"/>
+              <a:t>AddElementData</a:t>
+            </a:r>
+            <a:r>
+              <a:rPr lang="en-US" altLang="zh-CN" dirty="0"/>
+              <a:t>(</a:t>
+            </a:r>
+            <a:r>
+              <a:rPr lang="en-US" altLang="zh-CN" dirty="0" err="1"/>
+              <a:t>FxElement</a:t>
             </a:r>
             <a:r>
               <a:rPr lang="en-US" altLang="zh-CN" dirty="0"/>
@@ -8773,33 +9605,109 @@
             </a:r>
             <a:r>
               <a:rPr lang="en-US" altLang="zh-CN" dirty="0" err="1"/>
-              <a:t>pTemplate</a:t>
+              <a:t>pElement</a:t>
             </a:r>
             <a:r>
               <a:rPr lang="en-US" altLang="zh-CN" dirty="0"/>
               <a:t>)</a:t>
             </a:r>
-            <a:endParaRPr lang="en-US" altLang="zh-CN" dirty="0" smtClean="0"/>
+          </a:p>
+          <a:p>
+            <a:pPr marL="285750" indent="-285750">
+              <a:lnSpc>
+                <a:spcPct val="150000"/>
+              </a:lnSpc>
+              <a:buFont typeface="Arial" panose="020B0604020202020204" pitchFamily="34" charset="0"/>
+              <a:buChar char="•"/>
+            </a:pPr>
+            <a:r>
+              <a:rPr lang="en-US" altLang="zh-CN" dirty="0" err="1"/>
+              <a:t>RemoveElementData</a:t>
+            </a:r>
+            <a:r>
+              <a:rPr lang="en-US" altLang="zh-CN" dirty="0"/>
+              <a:t>(</a:t>
+            </a:r>
+            <a:r>
+              <a:rPr lang="en-US" altLang="zh-CN" dirty="0" err="1"/>
+              <a:t>FxElement</a:t>
+            </a:r>
+            <a:r>
+              <a:rPr lang="en-US" altLang="zh-CN" dirty="0"/>
+              <a:t>* </a:t>
+            </a:r>
+            <a:r>
+              <a:rPr lang="en-US" altLang="zh-CN" dirty="0" err="1"/>
+              <a:t>pElement</a:t>
+            </a:r>
+            <a:r>
+              <a:rPr lang="en-US" altLang="zh-CN" dirty="0"/>
+              <a:t>)</a:t>
+            </a:r>
+          </a:p>
+          <a:p>
+            <a:pPr marL="285750" indent="-285750">
+              <a:lnSpc>
+                <a:spcPct val="150000"/>
+              </a:lnSpc>
+              <a:buFont typeface="Arial" panose="020B0604020202020204" pitchFamily="34" charset="0"/>
+              <a:buChar char="•"/>
+            </a:pPr>
+            <a:r>
+              <a:rPr lang="en-US" altLang="zh-CN" dirty="0" err="1"/>
+              <a:t>GetAllElementPrimitive</a:t>
+            </a:r>
+            <a:r>
+              <a:rPr lang="en-US" altLang="zh-CN" dirty="0"/>
+              <a:t>()</a:t>
+            </a:r>
+          </a:p>
+          <a:p>
+            <a:pPr marL="285750" indent="-285750">
+              <a:lnSpc>
+                <a:spcPct val="150000"/>
+              </a:lnSpc>
+              <a:buFont typeface="Arial" panose="020B0604020202020204" pitchFamily="34" charset="0"/>
+              <a:buChar char="•"/>
+            </a:pPr>
+            <a:r>
+              <a:rPr lang="en-US" altLang="zh-CN" dirty="0" err="1"/>
+              <a:t>GetScaleInMatrix</a:t>
+            </a:r>
+            <a:r>
+              <a:rPr lang="en-US" altLang="zh-CN" dirty="0"/>
+              <a:t>()</a:t>
+            </a:r>
+          </a:p>
+          <a:p>
+            <a:pPr marL="285750" indent="-285750">
+              <a:lnSpc>
+                <a:spcPct val="150000"/>
+              </a:lnSpc>
+              <a:buFont typeface="Arial" panose="020B0604020202020204" pitchFamily="34" charset="0"/>
+              <a:buChar char="•"/>
+            </a:pPr>
+            <a:r>
+              <a:rPr lang="en-US" altLang="zh-CN" dirty="0" err="1"/>
+              <a:t>GetAbsoluteMatrixNoScale</a:t>
+            </a:r>
+            <a:r>
+              <a:rPr lang="en-US" altLang="zh-CN" dirty="0"/>
+              <a:t>()</a:t>
+            </a:r>
           </a:p>
         </p:txBody>
       </p:sp>
     </p:spTree>
     <p:extLst>
       <p:ext uri="{BB962C8B-B14F-4D97-AF65-F5344CB8AC3E}">
-        <p14:creationId xmlns:p14="http://schemas.microsoft.com/office/powerpoint/2010/main" val="458281471"/>
+        <p14:creationId xmlns:p14="http://schemas.microsoft.com/office/powerpoint/2010/main" val="2454647676"/>
       </p:ext>
     </p:extLst>
   </p:cSld>
   <p:clrMapOvr>
     <a:masterClrMapping/>
   </p:clrMapOvr>
-  <p:timing>
-    <p:tnLst>
-      <p:par>
-        <p:cTn id="1" dur="indefinite" restart="never" nodeType="tmRoot"/>
-      </p:par>
-    </p:tnLst>
-  </p:timing>
 </p:sld>
 </file>
 
@@ -8880,8 +9788,8 @@
         </p:nvSpPr>
         <p:spPr>
           <a:xfrm>
-            <a:off x="733647" y="1722475"/>
-            <a:ext cx="8739962" cy="1754326"/>
+            <a:off x="733647" y="1212112"/>
+            <a:ext cx="8739962" cy="4662815"/>
           </a:xfrm>
           <a:prstGeom prst="rect">
             <a:avLst/>
@@ -8903,11 +9811,19 @@
             </a:pPr>
             <a:r>
               <a:rPr lang="en-US" altLang="zh-CN" dirty="0" err="1"/>
-              <a:t>OnElementAdded</a:t>
-            </a:r>
-            <a:r>
-              <a:rPr lang="en-US" altLang="zh-CN" dirty="0"/>
-              <a:t>(</a:t>
+              <a:t>XHashTable</a:t>
+            </a:r>
+            <a:r>
+              <a:rPr lang="en-US" altLang="zh-CN" dirty="0"/>
+              <a:t>&lt;</a:t>
+            </a:r>
+            <a:r>
+              <a:rPr lang="en-US" altLang="zh-CN" dirty="0" err="1"/>
+              <a:t>XString</a:t>
+            </a:r>
+            <a:r>
+              <a:rPr lang="en-US" altLang="zh-CN" dirty="0"/>
+              <a:t>, </a:t>
             </a:r>
             <a:r>
               <a:rPr lang="en-US" altLang="zh-CN" dirty="0" err="1"/>
@@ -8915,32 +9831,13 @@
             </a:r>
             <a:r>
               <a:rPr lang="en-US" altLang="zh-CN" dirty="0"/>
-              <a:t>* </a:t>
-            </a:r>
-            <a:r>
-              <a:rPr lang="en-US" altLang="zh-CN" dirty="0" err="1"/>
-              <a:t>pFxTemplate</a:t>
-            </a:r>
-            <a:r>
-              <a:rPr lang="en-US" altLang="zh-CN" dirty="0"/>
-              <a:t>, </a:t>
-            </a:r>
-            <a:r>
-              <a:rPr lang="en-US" altLang="zh-CN" dirty="0" err="1"/>
-              <a:t>FxElement</a:t>
-            </a:r>
-            <a:r>
-              <a:rPr lang="en-US" altLang="zh-CN" dirty="0"/>
-              <a:t>* </a:t>
-            </a:r>
-            <a:r>
-              <a:rPr lang="en-US" altLang="zh-CN" dirty="0" err="1"/>
-              <a:t>pFxElement</a:t>
-            </a:r>
-            <a:r>
-              <a:rPr lang="en-US" altLang="zh-CN" dirty="0" smtClean="0"/>
-              <a:t>)</a:t>
-            </a:r>
+              <a:t>*&gt;</a:t>
+            </a:r>
+            <a:r>
+              <a:rPr lang="en-US" altLang="zh-CN" dirty="0" err="1"/>
+              <a:t>m_mapFxTemplates</a:t>
+            </a:r>
+            <a:endParaRPr lang="en-US" altLang="zh-CN" dirty="0"/>
           </a:p>
           <a:p>
             <a:pPr marL="285750" indent="-285750">
@@ -8952,11 +9849,11 @@
             </a:pPr>
             <a:r>
               <a:rPr lang="en-US" altLang="zh-CN" dirty="0" err="1"/>
-              <a:t>OnElementRemoved</a:t>
-            </a:r>
-            <a:r>
-              <a:rPr lang="en-US" altLang="zh-CN" dirty="0"/>
-              <a:t>(</a:t>
+              <a:t>XHashTable</a:t>
+            </a:r>
+            <a:r>
+              <a:rPr lang="en-US" altLang="zh-CN" dirty="0"/>
+              <a:t>&lt;</a:t>
             </a:r>
             <a:r>
               <a:rPr lang="en-US" altLang="zh-CN" dirty="0" err="1"/>
@@ -8964,32 +9861,29 @@
             </a:r>
             <a:r>
               <a:rPr lang="en-US" altLang="zh-CN" dirty="0"/>
-              <a:t>* </a:t>
-            </a:r>
-            <a:r>
-              <a:rPr lang="en-US" altLang="zh-CN" dirty="0" err="1"/>
-              <a:t>pFxTemplate</a:t>
-            </a:r>
-            <a:r>
-              <a:rPr lang="en-US" altLang="zh-CN" dirty="0"/>
-              <a:t>, </a:t>
-            </a:r>
-            <a:r>
-              <a:rPr lang="en-US" altLang="zh-CN" dirty="0" err="1"/>
-              <a:t>FxElement</a:t>
-            </a:r>
-            <a:r>
-              <a:rPr lang="en-US" altLang="zh-CN" dirty="0"/>
-              <a:t>* </a:t>
-            </a:r>
-            <a:r>
-              <a:rPr lang="en-US" altLang="zh-CN" dirty="0" err="1"/>
-              <a:t>pFxElement</a:t>
-            </a:r>
-            <a:r>
-              <a:rPr lang="en-US" altLang="zh-CN" dirty="0" smtClean="0"/>
-              <a:t>)</a:t>
-            </a:r>
+              <a:t>*, </a:t>
+            </a:r>
+            <a:r>
+              <a:rPr lang="en-US" altLang="zh-CN" dirty="0" err="1"/>
+              <a:t>XArray</a:t>
+            </a:r>
+            <a:r>
+              <a:rPr lang="en-US" altLang="zh-CN" dirty="0"/>
+              <a:t>&lt;</a:t>
+            </a:r>
+            <a:r>
+              <a:rPr lang="en-US" altLang="zh-CN" dirty="0" err="1"/>
+              <a:t>FxInstance</a:t>
+            </a:r>
+            <a:r>
+              <a:rPr lang="en-US" altLang="zh-CN" dirty="0"/>
+              <a:t>*&gt;&gt;</a:t>
+            </a:r>
+            <a:r>
+              <a:rPr lang="en-US" altLang="zh-CN" dirty="0" err="1"/>
+              <a:t>m_mapFxInstances</a:t>
+            </a:r>
+            <a:endParaRPr lang="en-US" altLang="zh-CN" dirty="0"/>
           </a:p>
           <a:p>
             <a:pPr marL="285750" indent="-285750">
@@ -9001,28 +9895,17 @@
             </a:pPr>
             <a:r>
               <a:rPr lang="en-US" altLang="zh-CN" dirty="0" err="1"/>
-              <a:t>OnElementDumplicate</a:t>
-            </a:r>
-            <a:r>
-              <a:rPr lang="en-US" altLang="zh-CN" dirty="0"/>
-              <a:t>(</a:t>
-            </a:r>
-            <a:r>
-              <a:rPr lang="en-US" altLang="zh-CN" dirty="0" err="1"/>
-              <a:t>FxTemplate</a:t>
-            </a:r>
-            <a:r>
-              <a:rPr lang="en-US" altLang="zh-CN" dirty="0"/>
-              <a:t>* </a:t>
-            </a:r>
-            <a:r>
-              <a:rPr lang="en-US" altLang="zh-CN" dirty="0" err="1"/>
-              <a:t>pFxTemplate</a:t>
-            </a:r>
-            <a:r>
-              <a:rPr lang="en-US" altLang="zh-CN" dirty="0" smtClean="0"/>
-              <a:t>)</a:t>
-            </a:r>
+              <a:t>FxParticlePool</a:t>
+            </a:r>
+            <a:r>
+              <a:rPr lang="en-US" altLang="zh-CN" dirty="0"/>
+              <a:t>*</a:t>
+            </a:r>
+            <a:r>
+              <a:rPr lang="en-US" altLang="zh-CN" dirty="0" err="1"/>
+              <a:t>m_pParticlePool</a:t>
+            </a:r>
+            <a:endParaRPr lang="en-US" altLang="zh-CN" dirty="0"/>
           </a:p>
           <a:p>
             <a:pPr marL="285750" indent="-285750">
@@ -9032,9 +9915,19 @@
               <a:buFont typeface="Arial" panose="020B0604020202020204" pitchFamily="34" charset="0"/>
               <a:buChar char="•"/>
             </a:pPr>
-            <a:r>
-              <a:rPr lang="en-US" altLang="zh-CN" dirty="0" err="1"/>
-              <a:t>OnElemntMoved</a:t>
+            <a:endParaRPr lang="en-US" altLang="zh-CN" dirty="0"/>
+          </a:p>
+          <a:p>
+            <a:pPr marL="285750" indent="-285750">
+              <a:lnSpc>
+                <a:spcPct val="150000"/>
+              </a:lnSpc>
+              <a:buFont typeface="Arial" panose="020B0604020202020204" pitchFamily="34" charset="0"/>
+              <a:buChar char="•"/>
+            </a:pPr>
+            <a:r>
+              <a:rPr lang="en-US" altLang="zh-CN" dirty="0" err="1"/>
+              <a:t>CreateFxInstance</a:t>
             </a:r>
             <a:r>
               <a:rPr lang="en-US" altLang="zh-CN" dirty="0"/>
@@ -9042,6 +9935,172 @@
             </a:r>
             <a:r>
               <a:rPr lang="en-US" altLang="zh-CN" dirty="0" err="1"/>
+              <a:t>const</a:t>
+            </a:r>
+            <a:r>
+              <a:rPr lang="en-US" altLang="zh-CN" dirty="0"/>
+              <a:t> </a:t>
+            </a:r>
+            <a:r>
+              <a:rPr lang="en-US" altLang="zh-CN" dirty="0" err="1"/>
+              <a:t>xchar</a:t>
+            </a:r>
+            <a:r>
+              <a:rPr lang="en-US" altLang="zh-CN" dirty="0"/>
+              <a:t>* </a:t>
+            </a:r>
+            <a:r>
+              <a:rPr lang="en-US" altLang="zh-CN" dirty="0" err="1"/>
+              <a:t>szNewFxTemplateFile</a:t>
+            </a:r>
+            <a:r>
+              <a:rPr lang="en-US" altLang="zh-CN" dirty="0"/>
+              <a:t>)</a:t>
+            </a:r>
+          </a:p>
+          <a:p>
+            <a:pPr marL="285750" indent="-285750">
+              <a:lnSpc>
+                <a:spcPct val="150000"/>
+              </a:lnSpc>
+              <a:buFont typeface="Arial" panose="020B0604020202020204" pitchFamily="34" charset="0"/>
+              <a:buChar char="•"/>
+            </a:pPr>
+            <a:r>
+              <a:rPr lang="en-US" altLang="zh-CN" dirty="0" err="1"/>
+              <a:t>GetFxInstance</a:t>
+            </a:r>
+            <a:r>
+              <a:rPr lang="en-US" altLang="zh-CN" dirty="0"/>
+              <a:t>(</a:t>
+            </a:r>
+            <a:r>
+              <a:rPr lang="en-US" altLang="zh-CN" dirty="0" err="1"/>
+              <a:t>const</a:t>
+            </a:r>
+            <a:r>
+              <a:rPr lang="en-US" altLang="zh-CN" dirty="0"/>
+              <a:t> </a:t>
+            </a:r>
+            <a:r>
+              <a:rPr lang="en-US" altLang="zh-CN" dirty="0" err="1"/>
+              <a:t>xchar</a:t>
+            </a:r>
+            <a:r>
+              <a:rPr lang="en-US" altLang="zh-CN" dirty="0"/>
+              <a:t>* </a:t>
+            </a:r>
+            <a:r>
+              <a:rPr lang="en-US" altLang="zh-CN" dirty="0" err="1"/>
+              <a:t>szFxTemplateFile</a:t>
+            </a:r>
+            <a:r>
+              <a:rPr lang="en-US" altLang="zh-CN" dirty="0"/>
+              <a:t>)</a:t>
+            </a:r>
+          </a:p>
+          <a:p>
+            <a:pPr marL="285750" indent="-285750">
+              <a:lnSpc>
+                <a:spcPct val="150000"/>
+              </a:lnSpc>
+              <a:buFont typeface="Arial" panose="020B0604020202020204" pitchFamily="34" charset="0"/>
+              <a:buChar char="•"/>
+            </a:pPr>
+            <a:r>
+              <a:rPr lang="en-US" altLang="zh-CN" dirty="0" err="1"/>
+              <a:t>ReleaseFxInstance</a:t>
+            </a:r>
+            <a:r>
+              <a:rPr lang="en-US" altLang="zh-CN" dirty="0"/>
+              <a:t>(</a:t>
+            </a:r>
+            <a:r>
+              <a:rPr lang="en-US" altLang="zh-CN" dirty="0" err="1"/>
+              <a:t>FxInstance</a:t>
+            </a:r>
+            <a:r>
+              <a:rPr lang="en-US" altLang="zh-CN" dirty="0"/>
+              <a:t>* </a:t>
+            </a:r>
+            <a:r>
+              <a:rPr lang="en-US" altLang="zh-CN" dirty="0" err="1"/>
+              <a:t>pFxInstance</a:t>
+            </a:r>
+            <a:r>
+              <a:rPr lang="en-US" altLang="zh-CN" dirty="0"/>
+              <a:t>)</a:t>
+            </a:r>
+          </a:p>
+          <a:p>
+            <a:pPr marL="285750" indent="-285750">
+              <a:lnSpc>
+                <a:spcPct val="150000"/>
+              </a:lnSpc>
+              <a:buFont typeface="Arial" panose="020B0604020202020204" pitchFamily="34" charset="0"/>
+              <a:buChar char="•"/>
+            </a:pPr>
+            <a:endParaRPr lang="en-US" altLang="zh-CN" dirty="0"/>
+          </a:p>
+          <a:p>
+            <a:pPr marL="285750" indent="-285750">
+              <a:lnSpc>
+                <a:spcPct val="150000"/>
+              </a:lnSpc>
+              <a:buFont typeface="Arial" panose="020B0604020202020204" pitchFamily="34" charset="0"/>
+              <a:buChar char="•"/>
+            </a:pPr>
+            <a:r>
+              <a:rPr lang="en-US" altLang="zh-CN" dirty="0" err="1"/>
+              <a:t>GetFxTemplate</a:t>
+            </a:r>
+            <a:r>
+              <a:rPr lang="en-US" altLang="zh-CN" dirty="0"/>
+              <a:t>(</a:t>
+            </a:r>
+            <a:r>
+              <a:rPr lang="en-US" altLang="zh-CN" dirty="0" err="1"/>
+              <a:t>const</a:t>
+            </a:r>
+            <a:r>
+              <a:rPr lang="en-US" altLang="zh-CN" dirty="0"/>
+              <a:t> </a:t>
+            </a:r>
+            <a:r>
+              <a:rPr lang="en-US" altLang="zh-CN" dirty="0" err="1"/>
+              <a:t>xchar</a:t>
+            </a:r>
+            <a:r>
+              <a:rPr lang="en-US" altLang="zh-CN" dirty="0"/>
+              <a:t>* </a:t>
+            </a:r>
+            <a:r>
+              <a:rPr lang="en-US" altLang="zh-CN" dirty="0" err="1"/>
+              <a:t>szTemplateFile</a:t>
+            </a:r>
+            <a:r>
+              <a:rPr lang="en-US" altLang="zh-CN" dirty="0"/>
+              <a:t>)</a:t>
+            </a:r>
+          </a:p>
+          <a:p>
+            <a:pPr marL="285750" indent="-285750">
+              <a:lnSpc>
+                <a:spcPct val="150000"/>
+              </a:lnSpc>
+              <a:buFont typeface="Arial" panose="020B0604020202020204" pitchFamily="34" charset="0"/>
+              <a:buChar char="•"/>
+            </a:pPr>
+            <a:r>
+              <a:rPr lang="en-US" altLang="zh-CN" dirty="0" err="1"/>
+              <a:t>ReleaseFxTemplate</a:t>
+            </a:r>
+            <a:r>
+              <a:rPr lang="en-US" altLang="zh-CN" dirty="0"/>
+              <a:t>(</a:t>
+            </a:r>
+            <a:r>
+              <a:rPr lang="en-US" altLang="zh-CN" dirty="0" err="1"/>
               <a:t>FxTemplate</a:t>
             </a:r>
             <a:r>
@@ -9056,25 +10115,350 @@
               <a:rPr lang="en-US" altLang="zh-CN" dirty="0"/>
               <a:t>)</a:t>
             </a:r>
-            <a:endParaRPr lang="en-US" altLang="zh-CN" dirty="0" smtClean="0"/>
-          </a:p>
-        </p:txBody>
-      </p:sp>
-      <p:sp>
-        <p:nvSpPr>
-          <p:cNvPr id="2" name="文本框 1"/>
-          <p:cNvSpPr txBox="1"/>
+          </a:p>
+          <a:p>
+            <a:pPr marL="285750" indent="-285750">
+              <a:lnSpc>
+                <a:spcPct val="150000"/>
+              </a:lnSpc>
+              <a:buFont typeface="Arial" panose="020B0604020202020204" pitchFamily="34" charset="0"/>
+              <a:buChar char="•"/>
+            </a:pPr>
+            <a:r>
+              <a:rPr lang="en-US" altLang="zh-CN" dirty="0" err="1"/>
+              <a:t>SaveFxTemplate</a:t>
+            </a:r>
+            <a:r>
+              <a:rPr lang="en-US" altLang="zh-CN" dirty="0"/>
+              <a:t>(</a:t>
+            </a:r>
+            <a:r>
+              <a:rPr lang="en-US" altLang="zh-CN" dirty="0" err="1"/>
+              <a:t>const</a:t>
+            </a:r>
+            <a:r>
+              <a:rPr lang="en-US" altLang="zh-CN" dirty="0"/>
+              <a:t> </a:t>
+            </a:r>
+            <a:r>
+              <a:rPr lang="en-US" altLang="zh-CN" dirty="0" err="1"/>
+              <a:t>xchar</a:t>
+            </a:r>
+            <a:r>
+              <a:rPr lang="en-US" altLang="zh-CN" dirty="0"/>
+              <a:t>* </a:t>
+            </a:r>
+            <a:r>
+              <a:rPr lang="en-US" altLang="zh-CN" dirty="0" err="1"/>
+              <a:t>szFxTemplateFile</a:t>
+            </a:r>
+            <a:r>
+              <a:rPr lang="en-US" altLang="zh-CN" dirty="0"/>
+              <a:t>, </a:t>
+            </a:r>
+            <a:r>
+              <a:rPr lang="en-US" altLang="zh-CN" dirty="0" err="1"/>
+              <a:t>IFxTemplate</a:t>
+            </a:r>
+            <a:r>
+              <a:rPr lang="en-US" altLang="zh-CN" dirty="0"/>
+              <a:t>* </a:t>
+            </a:r>
+            <a:r>
+              <a:rPr lang="en-US" altLang="zh-CN" dirty="0" err="1"/>
+              <a:t>pTemplate</a:t>
+            </a:r>
+            <a:r>
+              <a:rPr lang="en-US" altLang="zh-CN" dirty="0"/>
+              <a:t>)</a:t>
+            </a:r>
+          </a:p>
+        </p:txBody>
+      </p:sp>
+    </p:spTree>
+    <p:extLst>
+      <p:ext uri="{BB962C8B-B14F-4D97-AF65-F5344CB8AC3E}">
+        <p14:creationId xmlns:p14="http://schemas.microsoft.com/office/powerpoint/2010/main" val="458281471"/>
+      </p:ext>
+    </p:extLst>
+  </p:cSld>
+  <p:clrMapOvr>
+    <a:masterClrMapping/>
+  </p:clrMapOvr>
+</p:sld>
+</file>
+
+<file path=ppt/slides/slide6.xml><?xml version="1.0" encoding="utf-8"?>
+<p:sld xmlns:a="http://schemas.openxmlformats.org/drawingml/2006/main" xmlns:r="http://schemas.openxmlformats.org/officeDocument/2006/relationships" xmlns:p="http://schemas.openxmlformats.org/presentationml/2006/main">
+  <p:cSld>
+    <p:spTree>
+      <p:nvGrpSpPr>
+        <p:cNvPr id="1" name=""/>
+        <p:cNvGrpSpPr/>
+        <p:nvPr/>
+      </p:nvGrpSpPr>
+      <p:grpSpPr>
+        <a:xfrm>
+          <a:off x="0" y="0"/>
+          <a:ext cx="0" cy="0"/>
+          <a:chOff x="0" y="0"/>
+          <a:chExt cx="0" cy="0"/>
+        </a:xfrm>
+      </p:grpSpPr>
+      <p:sp>
+        <p:nvSpPr>
+          <p:cNvPr id="4" name="矩形 3"/>
+          <p:cNvSpPr/>
           <p:nvPr/>
         </p:nvSpPr>
         <p:spPr>
           <a:xfrm>
-            <a:off x="733647" y="1212111"/>
-            <a:ext cx="2646878" cy="461665"/>
+            <a:off x="4848446" y="382485"/>
+            <a:ext cx="2317898" cy="531916"/>
           </a:xfrm>
           <a:prstGeom prst="rect">
             <a:avLst/>
           </a:prstGeom>
           <a:noFill/>
+          <a:ln w="9525" cap="flat" cmpd="sng" algn="ctr">
+            <a:solidFill>
+              <a:schemeClr val="accent2"/>
+            </a:solidFill>
+            <a:prstDash val="solid"/>
+            <a:round/>
+            <a:headEnd type="none" w="med" len="med"/>
+            <a:tailEnd type="none" w="med" len="med"/>
+          </a:ln>
+        </p:spPr>
+        <p:style>
+          <a:lnRef idx="0">
+            <a:scrgbClr r="0" g="0" b="0"/>
+          </a:lnRef>
+          <a:fillRef idx="0">
+            <a:scrgbClr r="0" g="0" b="0"/>
+          </a:fillRef>
+          <a:effectRef idx="0">
+            <a:scrgbClr r="0" g="0" b="0"/>
+          </a:effectRef>
+          <a:fontRef idx="minor">
+            <a:schemeClr val="accent2"/>
+          </a:fontRef>
+        </p:style>
+        <p:txBody>
+          <a:bodyPr rtlCol="0" anchor="ctr"/>
+          <a:lstStyle/>
+          <a:p>
+            <a:pPr algn="ctr"/>
+            <a:r>
+              <a:rPr lang="en-US" altLang="zh-CN" sz="2800" dirty="0" err="1"/>
+              <a:t>FxManager</a:t>
+            </a:r>
+            <a:endParaRPr lang="zh-CN" altLang="en-US" sz="2800" dirty="0"/>
+          </a:p>
+        </p:txBody>
+      </p:sp>
+      <p:sp>
+        <p:nvSpPr>
+          <p:cNvPr id="5" name="文本框 4"/>
+          <p:cNvSpPr txBox="1"/>
+          <p:nvPr/>
+        </p:nvSpPr>
+        <p:spPr>
+          <a:xfrm>
+            <a:off x="733647" y="1722475"/>
+            <a:ext cx="8739962" cy="1754326"/>
+          </a:xfrm>
+          <a:prstGeom prst="rect">
+            <a:avLst/>
+          </a:prstGeom>
+          <a:noFill/>
+        </p:spPr>
+        <p:txBody>
+          <a:bodyPr wrap="square" rtlCol="0">
+            <a:spAutoFit/>
+          </a:bodyPr>
+          <a:lstStyle/>
+          <a:p>
+            <a:pPr marL="285750" indent="-285750">
+              <a:lnSpc>
+                <a:spcPct val="150000"/>
+              </a:lnSpc>
+              <a:buFont typeface="Arial" panose="020B0604020202020204" pitchFamily="34" charset="0"/>
+              <a:buChar char="•"/>
+            </a:pPr>
+            <a:r>
+              <a:rPr lang="en-US" altLang="zh-CN" dirty="0" err="1"/>
+              <a:t>OnElementAdded</a:t>
+            </a:r>
+            <a:r>
+              <a:rPr lang="en-US" altLang="zh-CN" dirty="0"/>
+              <a:t>(</a:t>
+            </a:r>
+            <a:r>
+              <a:rPr lang="en-US" altLang="zh-CN" dirty="0" err="1"/>
+              <a:t>FxTemplate</a:t>
+            </a:r>
+            <a:r>
+              <a:rPr lang="en-US" altLang="zh-CN" dirty="0"/>
+              <a:t>* </a:t>
+            </a:r>
+            <a:r>
+              <a:rPr lang="en-US" altLang="zh-CN" dirty="0" err="1"/>
+              <a:t>pFxTemplate</a:t>
+            </a:r>
+            <a:r>
+              <a:rPr lang="en-US" altLang="zh-CN" dirty="0"/>
+              <a:t>, </a:t>
+            </a:r>
+            <a:r>
+              <a:rPr lang="en-US" altLang="zh-CN" dirty="0" err="1"/>
+              <a:t>FxElement</a:t>
+            </a:r>
+            <a:r>
+              <a:rPr lang="en-US" altLang="zh-CN" dirty="0"/>
+              <a:t>* </a:t>
+            </a:r>
+            <a:r>
+              <a:rPr lang="en-US" altLang="zh-CN" dirty="0" err="1"/>
+              <a:t>pFxElement</a:t>
+            </a:r>
+            <a:r>
+              <a:rPr lang="en-US" altLang="zh-CN" dirty="0"/>
+              <a:t>)</a:t>
+            </a:r>
+          </a:p>
+          <a:p>
+            <a:pPr marL="285750" indent="-285750">
+              <a:lnSpc>
+                <a:spcPct val="150000"/>
+              </a:lnSpc>
+              <a:buFont typeface="Arial" panose="020B0604020202020204" pitchFamily="34" charset="0"/>
+              <a:buChar char="•"/>
+            </a:pPr>
+            <a:r>
+              <a:rPr lang="en-US" altLang="zh-CN" dirty="0" err="1"/>
+              <a:t>OnElementRemoved</a:t>
+            </a:r>
+            <a:r>
+              <a:rPr lang="en-US" altLang="zh-CN" dirty="0"/>
+              <a:t>(</a:t>
+            </a:r>
+            <a:r>
+              <a:rPr lang="en-US" altLang="zh-CN" dirty="0" err="1"/>
+              <a:t>FxTemplate</a:t>
+            </a:r>
+            <a:r>
+              <a:rPr lang="en-US" altLang="zh-CN" dirty="0"/>
+              <a:t>* </a:t>
+            </a:r>
+            <a:r>
+              <a:rPr lang="en-US" altLang="zh-CN" dirty="0" err="1"/>
+              <a:t>pFxTemplate</a:t>
+            </a:r>
+            <a:r>
+              <a:rPr lang="en-US" altLang="zh-CN" dirty="0"/>
+              <a:t>, </a:t>
+            </a:r>
+            <a:r>
+              <a:rPr lang="en-US" altLang="zh-CN" dirty="0" err="1"/>
+              <a:t>FxElement</a:t>
+            </a:r>
+            <a:r>
+              <a:rPr lang="en-US" altLang="zh-CN" dirty="0"/>
+              <a:t>* </a:t>
+            </a:r>
+            <a:r>
+              <a:rPr lang="en-US" altLang="zh-CN" dirty="0" err="1"/>
+              <a:t>pFxElement</a:t>
+            </a:r>
+            <a:r>
+              <a:rPr lang="en-US" altLang="zh-CN" dirty="0"/>
+              <a:t>)</a:t>
+            </a:r>
+          </a:p>
+          <a:p>
+            <a:pPr marL="285750" indent="-285750">
+              <a:lnSpc>
+                <a:spcPct val="150000"/>
+              </a:lnSpc>
+              <a:buFont typeface="Arial" panose="020B0604020202020204" pitchFamily="34" charset="0"/>
+              <a:buChar char="•"/>
+            </a:pPr>
+            <a:r>
+              <a:rPr lang="en-US" altLang="zh-CN" dirty="0" err="1"/>
+              <a:t>OnElementDumplicate</a:t>
+            </a:r>
+            <a:r>
+              <a:rPr lang="en-US" altLang="zh-CN" dirty="0"/>
+              <a:t>(</a:t>
+            </a:r>
+            <a:r>
+              <a:rPr lang="en-US" altLang="zh-CN" dirty="0" err="1"/>
+              <a:t>FxTemplate</a:t>
+            </a:r>
+            <a:r>
+              <a:rPr lang="en-US" altLang="zh-CN" dirty="0"/>
+              <a:t>* </a:t>
+            </a:r>
+            <a:r>
+              <a:rPr lang="en-US" altLang="zh-CN" dirty="0" err="1"/>
+              <a:t>pFxTemplate</a:t>
+            </a:r>
+            <a:r>
+              <a:rPr lang="en-US" altLang="zh-CN" dirty="0"/>
+              <a:t>)</a:t>
+            </a:r>
+          </a:p>
+          <a:p>
+            <a:pPr marL="285750" indent="-285750">
+              <a:lnSpc>
+                <a:spcPct val="150000"/>
+              </a:lnSpc>
+              <a:buFont typeface="Arial" panose="020B0604020202020204" pitchFamily="34" charset="0"/>
+              <a:buChar char="•"/>
+            </a:pPr>
+            <a:r>
+              <a:rPr lang="en-US" altLang="zh-CN" dirty="0" err="1"/>
+              <a:t>OnElemntMoved</a:t>
+            </a:r>
+            <a:r>
+              <a:rPr lang="en-US" altLang="zh-CN" dirty="0"/>
+              <a:t>(</a:t>
+            </a:r>
+            <a:r>
+              <a:rPr lang="en-US" altLang="zh-CN" dirty="0" err="1"/>
+              <a:t>FxTemplate</a:t>
+            </a:r>
+            <a:r>
+              <a:rPr lang="en-US" altLang="zh-CN" dirty="0"/>
+              <a:t>* </a:t>
+            </a:r>
+            <a:r>
+              <a:rPr lang="en-US" altLang="zh-CN" dirty="0" err="1"/>
+              <a:t>pFxTemplate</a:t>
+            </a:r>
+            <a:r>
+              <a:rPr lang="en-US" altLang="zh-CN" dirty="0"/>
+              <a:t>)</a:t>
+            </a:r>
+          </a:p>
+        </p:txBody>
+      </p:sp>
+      <p:sp>
+        <p:nvSpPr>
+          <p:cNvPr id="2" name="文本框 1"/>
+          <p:cNvSpPr txBox="1"/>
+          <p:nvPr/>
+        </p:nvSpPr>
+        <p:spPr>
+          <a:xfrm>
+            <a:off x="733647" y="1212111"/>
+            <a:ext cx="2646878" cy="461665"/>
+          </a:xfrm>
+          <a:prstGeom prst="rect">
+            <a:avLst/>
+          </a:prstGeom>
+          <a:noFill/>
         </p:spPr>
         <p:txBody>
           <a:bodyPr wrap="none" rtlCol="0">
@@ -9083,14 +10467,13 @@
           <a:lstStyle/>
           <a:p>
             <a:r>
-              <a:rPr lang="zh-CN" altLang="en-US" sz="2400" b="1" dirty="0" smtClean="0"/>
+              <a:rPr lang="zh-CN" altLang="en-US" sz="2400" b="1" dirty="0"/>
               <a:t>发射器相关接口</a:t>
             </a:r>
             <a:r>
-              <a:rPr lang="zh-CN" altLang="en-US" sz="2400" dirty="0" smtClean="0"/>
+              <a:rPr lang="zh-CN" altLang="en-US" sz="2400" dirty="0"/>
               <a:t>：</a:t>
             </a:r>
-            <a:endParaRPr lang="zh-CN" altLang="en-US" sz="2400" dirty="0"/>
           </a:p>
         </p:txBody>
       </p:sp>
@@ -9104,13 +10487,6 @@
   <p:clrMapOvr>
     <a:masterClrMapping/>
   </p:clrMapOvr>
-  <p:timing>
-    <p:tnLst>
-      <p:par>
-        <p:cTn id="1" dur="indefinite" restart="never" nodeType="tmRoot"/>
-      </p:par>
-    </p:tnLst>
-  </p:timing>
 </p:sld>
 </file>
 

--- a/engine/粒子系统/Particle.pptx
+++ b/engine/粒子系统/Particle.pptx
@@ -7,10 +7,16 @@
   <p:sldIdLst>
     <p:sldId id="256" r:id="rId2"/>
     <p:sldId id="261" r:id="rId3"/>
-    <p:sldId id="257" r:id="rId4"/>
-    <p:sldId id="258" r:id="rId5"/>
-    <p:sldId id="259" r:id="rId6"/>
-    <p:sldId id="260" r:id="rId7"/>
+    <p:sldId id="263" r:id="rId4"/>
+    <p:sldId id="262" r:id="rId5"/>
+    <p:sldId id="264" r:id="rId6"/>
+    <p:sldId id="265" r:id="rId7"/>
+    <p:sldId id="266" r:id="rId8"/>
+    <p:sldId id="267" r:id="rId9"/>
+    <p:sldId id="257" r:id="rId10"/>
+    <p:sldId id="258" r:id="rId11"/>
+    <p:sldId id="259" r:id="rId12"/>
+    <p:sldId id="260" r:id="rId13"/>
   </p:sldIdLst>
   <p:sldSz cx="12192000" cy="6858000"/>
   <p:notesSz cx="6858000" cy="9144000"/>
@@ -288,7 +294,7 @@
           <a:p>
             <a:fld id="{48A87A34-81AB-432B-8DAE-1953F412C126}" type="datetimeFigureOut">
               <a:rPr lang="en-US" dirty="0"/>
-              <a:t>7/19/20</a:t>
+              <a:t>7/20/2020</a:t>
             </a:fld>
             <a:endParaRPr lang="en-US" dirty="0"/>
           </a:p>
@@ -598,7 +604,7 @@
           <a:p>
             <a:fld id="{48A87A34-81AB-432B-8DAE-1953F412C126}" type="datetimeFigureOut">
               <a:rPr lang="en-US" dirty="0"/>
-              <a:t>7/19/20</a:t>
+              <a:t>7/20/2020</a:t>
             </a:fld>
             <a:endParaRPr lang="en-US" dirty="0"/>
           </a:p>
@@ -815,7 +821,7 @@
           <a:p>
             <a:fld id="{48A87A34-81AB-432B-8DAE-1953F412C126}" type="datetimeFigureOut">
               <a:rPr lang="en-US" dirty="0"/>
-              <a:t>7/19/20</a:t>
+              <a:t>7/20/2020</a:t>
             </a:fld>
             <a:endParaRPr lang="en-US" dirty="0"/>
           </a:p>
@@ -1101,7 +1107,7 @@
           <a:p>
             <a:fld id="{48A87A34-81AB-432B-8DAE-1953F412C126}" type="datetimeFigureOut">
               <a:rPr lang="en-US" dirty="0"/>
-              <a:t>7/19/20</a:t>
+              <a:t>7/20/2020</a:t>
             </a:fld>
             <a:endParaRPr lang="en-US" dirty="0"/>
           </a:p>
@@ -1550,7 +1556,7 @@
           <a:p>
             <a:fld id="{48A87A34-81AB-432B-8DAE-1953F412C126}" type="datetimeFigureOut">
               <a:rPr lang="en-US" dirty="0"/>
-              <a:t>7/19/20</a:t>
+              <a:t>7/20/2020</a:t>
             </a:fld>
             <a:endParaRPr lang="en-US" dirty="0"/>
           </a:p>
@@ -2121,7 +2127,7 @@
           <a:p>
             <a:fld id="{48A87A34-81AB-432B-8DAE-1953F412C126}" type="datetimeFigureOut">
               <a:rPr lang="en-US" dirty="0"/>
-              <a:t>7/19/20</a:t>
+              <a:t>7/20/2020</a:t>
             </a:fld>
             <a:endParaRPr lang="en-US" dirty="0"/>
           </a:p>
@@ -2977,7 +2983,7 @@
           <a:p>
             <a:fld id="{48A87A34-81AB-432B-8DAE-1953F412C126}" type="datetimeFigureOut">
               <a:rPr lang="en-US" dirty="0"/>
-              <a:t>7/19/20</a:t>
+              <a:t>7/20/2020</a:t>
             </a:fld>
             <a:endParaRPr lang="en-US" dirty="0"/>
           </a:p>
@@ -3177,7 +3183,7 @@
           <a:p>
             <a:fld id="{48A87A34-81AB-432B-8DAE-1953F412C126}" type="datetimeFigureOut">
               <a:rPr lang="en-US" dirty="0"/>
-              <a:t>7/19/20</a:t>
+              <a:t>7/20/2020</a:t>
             </a:fld>
             <a:endParaRPr lang="en-US" dirty="0"/>
           </a:p>
@@ -3386,7 +3392,7 @@
           <a:p>
             <a:fld id="{48A87A34-81AB-432B-8DAE-1953F412C126}" type="datetimeFigureOut">
               <a:rPr lang="en-US" dirty="0"/>
-              <a:t>7/19/20</a:t>
+              <a:t>7/20/2020</a:t>
             </a:fld>
             <a:endParaRPr lang="en-US" dirty="0"/>
           </a:p>
@@ -3586,7 +3592,7 @@
           <a:p>
             <a:fld id="{48A87A34-81AB-432B-8DAE-1953F412C126}" type="datetimeFigureOut">
               <a:rPr lang="en-US" dirty="0"/>
-              <a:t>7/19/20</a:t>
+              <a:t>7/20/2020</a:t>
             </a:fld>
             <a:endParaRPr lang="en-US" dirty="0"/>
           </a:p>
@@ -3861,7 +3867,7 @@
           <a:p>
             <a:fld id="{48A87A34-81AB-432B-8DAE-1953F412C126}" type="datetimeFigureOut">
               <a:rPr lang="en-US" dirty="0"/>
-              <a:t>7/19/20</a:t>
+              <a:t>7/20/2020</a:t>
             </a:fld>
             <a:endParaRPr lang="en-US" dirty="0"/>
           </a:p>
@@ -4123,7 +4129,7 @@
           <a:p>
             <a:fld id="{48A87A34-81AB-432B-8DAE-1953F412C126}" type="datetimeFigureOut">
               <a:rPr lang="en-US" dirty="0"/>
-              <a:t>7/19/20</a:t>
+              <a:t>7/20/2020</a:t>
             </a:fld>
             <a:endParaRPr lang="en-US" dirty="0"/>
           </a:p>
@@ -4533,7 +4539,7 @@
           <a:p>
             <a:fld id="{48A87A34-81AB-432B-8DAE-1953F412C126}" type="datetimeFigureOut">
               <a:rPr lang="en-US" dirty="0"/>
-              <a:t>7/19/20</a:t>
+              <a:t>7/20/2020</a:t>
             </a:fld>
             <a:endParaRPr lang="en-US" dirty="0"/>
           </a:p>
@@ -4676,7 +4682,7 @@
           <a:p>
             <a:fld id="{48A87A34-81AB-432B-8DAE-1953F412C126}" type="datetimeFigureOut">
               <a:rPr lang="en-US" dirty="0"/>
-              <a:t>7/19/20</a:t>
+              <a:t>7/20/2020</a:t>
             </a:fld>
             <a:endParaRPr lang="en-US" dirty="0"/>
           </a:p>
@@ -4796,7 +4802,7 @@
           <a:p>
             <a:fld id="{48A87A34-81AB-432B-8DAE-1953F412C126}" type="datetimeFigureOut">
               <a:rPr lang="en-US" dirty="0"/>
-              <a:t>7/19/20</a:t>
+              <a:t>7/20/2020</a:t>
             </a:fld>
             <a:endParaRPr lang="en-US" dirty="0"/>
           </a:p>
@@ -5070,7 +5076,7 @@
           <a:p>
             <a:fld id="{48A87A34-81AB-432B-8DAE-1953F412C126}" type="datetimeFigureOut">
               <a:rPr lang="en-US" dirty="0"/>
-              <a:t>7/19/20</a:t>
+              <a:t>7/20/2020</a:t>
             </a:fld>
             <a:endParaRPr lang="en-US" dirty="0"/>
           </a:p>
@@ -5380,7 +5386,7 @@
           <a:p>
             <a:fld id="{48A87A34-81AB-432B-8DAE-1953F412C126}" type="datetimeFigureOut">
               <a:rPr lang="en-US" dirty="0"/>
-              <a:t>7/19/20</a:t>
+              <a:t>7/20/2020</a:t>
             </a:fld>
             <a:endParaRPr lang="en-US" dirty="0"/>
           </a:p>
@@ -5629,7 +5635,7 @@
             <a:fld id="{48A87A34-81AB-432B-8DAE-1953F412C126}" type="datetimeFigureOut">
               <a:rPr lang="en-US" dirty="0"/>
               <a:pPr/>
-              <a:t>7/19/20</a:t>
+              <a:t>7/20/2020</a:t>
             </a:fld>
             <a:endParaRPr lang="en-US" dirty="0"/>
           </a:p>
@@ -6137,7 +6143,7 @@
         </p:nvSpPr>
         <p:spPr>
           <a:xfrm>
-            <a:off x="800989" y="324552"/>
+            <a:off x="800989" y="980261"/>
             <a:ext cx="2030818" cy="537169"/>
           </a:xfrm>
           <a:prstGeom prst="rect">
@@ -6189,7 +6195,7 @@
         </p:nvSpPr>
         <p:spPr>
           <a:xfrm>
-            <a:off x="767318" y="2013340"/>
+            <a:off x="725755" y="2538017"/>
             <a:ext cx="2030818" cy="542547"/>
           </a:xfrm>
           <a:prstGeom prst="rect">
@@ -6241,7 +6247,7 @@
         </p:nvSpPr>
         <p:spPr>
           <a:xfrm>
-            <a:off x="800989" y="4708455"/>
+            <a:off x="800989" y="4966149"/>
             <a:ext cx="2030818" cy="485840"/>
           </a:xfrm>
           <a:prstGeom prst="rect">
@@ -6293,7 +6299,7 @@
         </p:nvSpPr>
         <p:spPr>
           <a:xfrm>
-            <a:off x="4109485" y="1225957"/>
+            <a:off x="4067922" y="1750634"/>
             <a:ext cx="1889052" cy="542548"/>
           </a:xfrm>
           <a:prstGeom prst="rect">
@@ -6348,7 +6354,7 @@
         </p:nvCxnSpPr>
         <p:spPr>
           <a:xfrm flipV="1">
-            <a:off x="2798136" y="1497231"/>
+            <a:off x="2756573" y="2021908"/>
             <a:ext cx="1311349" cy="787383"/>
           </a:xfrm>
           <a:prstGeom prst="straightConnector1">
@@ -6387,7 +6393,7 @@
         </p:nvSpPr>
         <p:spPr>
           <a:xfrm>
-            <a:off x="6990909" y="1225957"/>
+            <a:off x="7140539" y="1118866"/>
             <a:ext cx="1889052" cy="542548"/>
           </a:xfrm>
           <a:prstGeom prst="rect">
@@ -6440,9 +6446,9 @@
           <p:nvPr/>
         </p:nvCxnSpPr>
         <p:spPr>
-          <a:xfrm>
-            <a:off x="5998537" y="1497231"/>
-            <a:ext cx="992372" cy="0"/>
+          <a:xfrm flipV="1">
+            <a:off x="5956974" y="1390140"/>
+            <a:ext cx="1183565" cy="631768"/>
           </a:xfrm>
           <a:prstGeom prst="straightConnector1">
             <a:avLst/>
@@ -6480,7 +6486,7 @@
         </p:nvSpPr>
         <p:spPr>
           <a:xfrm>
-            <a:off x="4109485" y="1931250"/>
+            <a:off x="4067922" y="2455927"/>
             <a:ext cx="1889052" cy="542548"/>
           </a:xfrm>
           <a:prstGeom prst="rect">
@@ -6535,7 +6541,7 @@
         </p:nvCxnSpPr>
         <p:spPr>
           <a:xfrm flipV="1">
-            <a:off x="2798136" y="2202524"/>
+            <a:off x="2756573" y="2727201"/>
             <a:ext cx="1311349" cy="82090"/>
           </a:xfrm>
           <a:prstGeom prst="straightConnector1">
@@ -6574,7 +6580,7 @@
         </p:nvSpPr>
         <p:spPr>
           <a:xfrm>
-            <a:off x="4109485" y="2659807"/>
+            <a:off x="4067922" y="3184484"/>
             <a:ext cx="1889052" cy="542548"/>
           </a:xfrm>
           <a:prstGeom prst="rect">
@@ -6629,7 +6635,7 @@
         </p:nvCxnSpPr>
         <p:spPr>
           <a:xfrm>
-            <a:off x="2798136" y="2284614"/>
+            <a:off x="2756573" y="2809291"/>
             <a:ext cx="1311349" cy="646467"/>
           </a:xfrm>
           <a:prstGeom prst="straightConnector1">
@@ -6668,7 +6674,7 @@
         </p:nvSpPr>
         <p:spPr>
           <a:xfrm>
-            <a:off x="4109485" y="324552"/>
+            <a:off x="4109485" y="980261"/>
             <a:ext cx="1889052" cy="542548"/>
           </a:xfrm>
           <a:prstGeom prst="rect">
@@ -6723,7 +6729,7 @@
         </p:nvCxnSpPr>
         <p:spPr>
           <a:xfrm>
-            <a:off x="2831807" y="593137"/>
+            <a:off x="2831807" y="1248846"/>
             <a:ext cx="1277678" cy="2689"/>
           </a:xfrm>
           <a:prstGeom prst="straightConnector1">
@@ -6762,7 +6768,7 @@
         </p:nvSpPr>
         <p:spPr>
           <a:xfrm>
-            <a:off x="4061640" y="3707506"/>
+            <a:off x="4061640" y="3965200"/>
             <a:ext cx="1889052" cy="542548"/>
           </a:xfrm>
           <a:prstGeom prst="rect">
@@ -6814,7 +6820,7 @@
         </p:nvSpPr>
         <p:spPr>
           <a:xfrm>
-            <a:off x="4061640" y="4391535"/>
+            <a:off x="4061640" y="4649229"/>
             <a:ext cx="1889052" cy="542548"/>
           </a:xfrm>
           <a:prstGeom prst="rect">
@@ -6866,7 +6872,7 @@
         </p:nvSpPr>
         <p:spPr>
           <a:xfrm>
-            <a:off x="4061640" y="5181889"/>
+            <a:off x="4061640" y="5439583"/>
             <a:ext cx="1889052" cy="542548"/>
           </a:xfrm>
           <a:prstGeom prst="rect">
@@ -6918,7 +6924,7 @@
         </p:nvSpPr>
         <p:spPr>
           <a:xfrm>
-            <a:off x="4061640" y="5834019"/>
+            <a:off x="4061640" y="6091713"/>
             <a:ext cx="1889052" cy="542548"/>
           </a:xfrm>
           <a:prstGeom prst="rect">
@@ -6973,7 +6979,7 @@
         </p:nvCxnSpPr>
         <p:spPr>
           <a:xfrm>
-            <a:off x="2831807" y="4951375"/>
+            <a:off x="2831807" y="5209069"/>
             <a:ext cx="1229833" cy="1153918"/>
           </a:xfrm>
           <a:prstGeom prst="straightConnector1">
@@ -7015,7 +7021,7 @@
         </p:nvCxnSpPr>
         <p:spPr>
           <a:xfrm>
-            <a:off x="2831807" y="4951375"/>
+            <a:off x="2831807" y="5209069"/>
             <a:ext cx="1229833" cy="501788"/>
           </a:xfrm>
           <a:prstGeom prst="straightConnector1">
@@ -7057,7 +7063,7 @@
         </p:nvCxnSpPr>
         <p:spPr>
           <a:xfrm flipV="1">
-            <a:off x="2831807" y="4662809"/>
+            <a:off x="2831807" y="4920503"/>
             <a:ext cx="1229833" cy="288566"/>
           </a:xfrm>
           <a:prstGeom prst="straightConnector1">
@@ -7099,7 +7105,7 @@
         </p:nvCxnSpPr>
         <p:spPr>
           <a:xfrm flipV="1">
-            <a:off x="2831807" y="3978780"/>
+            <a:off x="2831807" y="4236474"/>
             <a:ext cx="1229833" cy="972595"/>
           </a:xfrm>
           <a:prstGeom prst="straightConnector1">
@@ -7130,10 +7136,1467 @@
           </a:fontRef>
         </p:style>
       </p:cxnSp>
+      <p:sp>
+        <p:nvSpPr>
+          <p:cNvPr id="24" name="文本框 23"/>
+          <p:cNvSpPr txBox="1"/>
+          <p:nvPr/>
+        </p:nvSpPr>
+        <p:spPr>
+          <a:xfrm>
+            <a:off x="615142" y="374073"/>
+            <a:ext cx="2468880" cy="369332"/>
+          </a:xfrm>
+          <a:prstGeom prst="rect">
+            <a:avLst/>
+          </a:prstGeom>
+          <a:noFill/>
+        </p:spPr>
+        <p:txBody>
+          <a:bodyPr wrap="square" rtlCol="0">
+            <a:spAutoFit/>
+          </a:bodyPr>
+          <a:lstStyle/>
+          <a:p>
+            <a:r>
+              <a:rPr lang="zh-CN" altLang="en-US" dirty="0"/>
+              <a:t>类关系</a:t>
+            </a:r>
+            <a:r>
+              <a:rPr lang="zh-CN" altLang="en-US" dirty="0" smtClean="0"/>
+              <a:t>：</a:t>
+            </a:r>
+            <a:endParaRPr lang="zh-CN" altLang="en-US" dirty="0"/>
+          </a:p>
+        </p:txBody>
+      </p:sp>
     </p:spTree>
     <p:extLst>
       <p:ext uri="{BB962C8B-B14F-4D97-AF65-F5344CB8AC3E}">
         <p14:creationId xmlns:p14="http://schemas.microsoft.com/office/powerpoint/2010/main" val="3531126599"/>
+      </p:ext>
+    </p:extLst>
+  </p:cSld>
+  <p:clrMapOvr>
+    <a:masterClrMapping/>
+  </p:clrMapOvr>
+</p:sld>
+</file>
+
+<file path=ppt/slides/slide10.xml><?xml version="1.0" encoding="utf-8"?>
+<p:sld xmlns:a="http://schemas.openxmlformats.org/drawingml/2006/main" xmlns:r="http://schemas.openxmlformats.org/officeDocument/2006/relationships" xmlns:p="http://schemas.openxmlformats.org/presentationml/2006/main">
+  <p:cSld>
+    <p:spTree>
+      <p:nvGrpSpPr>
+        <p:cNvPr id="1" name=""/>
+        <p:cNvGrpSpPr/>
+        <p:nvPr/>
+      </p:nvGrpSpPr>
+      <p:grpSpPr>
+        <a:xfrm>
+          <a:off x="0" y="0"/>
+          <a:ext cx="0" cy="0"/>
+          <a:chOff x="0" y="0"/>
+          <a:chExt cx="0" cy="0"/>
+        </a:xfrm>
+      </p:grpSpPr>
+      <p:sp>
+        <p:nvSpPr>
+          <p:cNvPr id="4" name="矩形 3"/>
+          <p:cNvSpPr/>
+          <p:nvPr/>
+        </p:nvSpPr>
+        <p:spPr>
+          <a:xfrm>
+            <a:off x="4848446" y="382484"/>
+            <a:ext cx="2030818" cy="542547"/>
+          </a:xfrm>
+          <a:prstGeom prst="rect">
+            <a:avLst/>
+          </a:prstGeom>
+          <a:noFill/>
+          <a:ln w="9525" cap="flat" cmpd="sng" algn="ctr">
+            <a:solidFill>
+              <a:schemeClr val="accent2"/>
+            </a:solidFill>
+            <a:prstDash val="solid"/>
+            <a:round/>
+            <a:headEnd type="none" w="med" len="med"/>
+            <a:tailEnd type="none" w="med" len="med"/>
+          </a:ln>
+        </p:spPr>
+        <p:style>
+          <a:lnRef idx="0">
+            <a:scrgbClr r="0" g="0" b="0"/>
+          </a:lnRef>
+          <a:fillRef idx="0">
+            <a:scrgbClr r="0" g="0" b="0"/>
+          </a:fillRef>
+          <a:effectRef idx="0">
+            <a:scrgbClr r="0" g="0" b="0"/>
+          </a:effectRef>
+          <a:fontRef idx="minor">
+            <a:schemeClr val="accent2"/>
+          </a:fontRef>
+        </p:style>
+        <p:txBody>
+          <a:bodyPr rtlCol="0" anchor="ctr"/>
+          <a:lstStyle/>
+          <a:p>
+            <a:pPr algn="ctr"/>
+            <a:r>
+              <a:rPr lang="en-US" altLang="zh-CN" sz="2800" dirty="0" err="1"/>
+              <a:t>FxInstance</a:t>
+            </a:r>
+            <a:endParaRPr lang="zh-CN" altLang="en-US" sz="2800" dirty="0"/>
+          </a:p>
+        </p:txBody>
+      </p:sp>
+      <p:sp>
+        <p:nvSpPr>
+          <p:cNvPr id="5" name="文本框 4"/>
+          <p:cNvSpPr txBox="1"/>
+          <p:nvPr/>
+        </p:nvSpPr>
+        <p:spPr>
+          <a:xfrm>
+            <a:off x="733648" y="1212112"/>
+            <a:ext cx="4880344" cy="5493812"/>
+          </a:xfrm>
+          <a:prstGeom prst="rect">
+            <a:avLst/>
+          </a:prstGeom>
+          <a:noFill/>
+        </p:spPr>
+        <p:txBody>
+          <a:bodyPr wrap="square" rtlCol="0">
+            <a:spAutoFit/>
+          </a:bodyPr>
+          <a:lstStyle/>
+          <a:p>
+            <a:pPr marL="285750" indent="-285750">
+              <a:lnSpc>
+                <a:spcPct val="150000"/>
+              </a:lnSpc>
+              <a:buFont typeface="Arial" panose="020B0604020202020204" pitchFamily="34" charset="0"/>
+              <a:buChar char="•"/>
+            </a:pPr>
+            <a:r>
+              <a:rPr lang="en-US" altLang="zh-CN" dirty="0"/>
+              <a:t>Tick</a:t>
+            </a:r>
+          </a:p>
+          <a:p>
+            <a:pPr marL="285750" indent="-285750">
+              <a:lnSpc>
+                <a:spcPct val="150000"/>
+              </a:lnSpc>
+              <a:buFont typeface="Arial" panose="020B0604020202020204" pitchFamily="34" charset="0"/>
+              <a:buChar char="•"/>
+            </a:pPr>
+            <a:r>
+              <a:rPr lang="en-US" altLang="zh-CN" dirty="0"/>
+              <a:t>Render</a:t>
+            </a:r>
+          </a:p>
+          <a:p>
+            <a:pPr marL="285750" indent="-285750">
+              <a:lnSpc>
+                <a:spcPct val="150000"/>
+              </a:lnSpc>
+              <a:buFont typeface="Arial" panose="020B0604020202020204" pitchFamily="34" charset="0"/>
+              <a:buChar char="•"/>
+            </a:pPr>
+            <a:r>
+              <a:rPr lang="en-US" altLang="zh-CN" dirty="0"/>
+              <a:t>Play</a:t>
+            </a:r>
+          </a:p>
+          <a:p>
+            <a:pPr marL="285750" indent="-285750">
+              <a:lnSpc>
+                <a:spcPct val="150000"/>
+              </a:lnSpc>
+              <a:buFont typeface="Arial" panose="020B0604020202020204" pitchFamily="34" charset="0"/>
+              <a:buChar char="•"/>
+            </a:pPr>
+            <a:r>
+              <a:rPr lang="en-US" altLang="zh-CN" dirty="0"/>
+              <a:t>Pause</a:t>
+            </a:r>
+          </a:p>
+          <a:p>
+            <a:pPr marL="285750" indent="-285750">
+              <a:lnSpc>
+                <a:spcPct val="150000"/>
+              </a:lnSpc>
+              <a:buFont typeface="Arial" panose="020B0604020202020204" pitchFamily="34" charset="0"/>
+              <a:buChar char="•"/>
+            </a:pPr>
+            <a:r>
+              <a:rPr lang="en-US" altLang="zh-CN" dirty="0" err="1"/>
+              <a:t>IsPaused</a:t>
+            </a:r>
+            <a:endParaRPr lang="en-US" altLang="zh-CN" dirty="0"/>
+          </a:p>
+          <a:p>
+            <a:pPr marL="285750" indent="-285750">
+              <a:lnSpc>
+                <a:spcPct val="150000"/>
+              </a:lnSpc>
+              <a:buFont typeface="Arial" panose="020B0604020202020204" pitchFamily="34" charset="0"/>
+              <a:buChar char="•"/>
+            </a:pPr>
+            <a:r>
+              <a:rPr lang="en-US" altLang="zh-CN" dirty="0"/>
+              <a:t>Stop</a:t>
+            </a:r>
+          </a:p>
+          <a:p>
+            <a:pPr marL="285750" indent="-285750">
+              <a:lnSpc>
+                <a:spcPct val="150000"/>
+              </a:lnSpc>
+              <a:buFont typeface="Arial" panose="020B0604020202020204" pitchFamily="34" charset="0"/>
+              <a:buChar char="•"/>
+            </a:pPr>
+            <a:r>
+              <a:rPr lang="en-US" altLang="zh-CN" dirty="0"/>
+              <a:t>Restart</a:t>
+            </a:r>
+          </a:p>
+          <a:p>
+            <a:pPr marL="285750" indent="-285750">
+              <a:lnSpc>
+                <a:spcPct val="150000"/>
+              </a:lnSpc>
+              <a:buFont typeface="Arial" panose="020B0604020202020204" pitchFamily="34" charset="0"/>
+              <a:buChar char="•"/>
+            </a:pPr>
+            <a:r>
+              <a:rPr lang="en-US" altLang="zh-CN" dirty="0" err="1"/>
+              <a:t>GetFxTemplate</a:t>
+            </a:r>
+            <a:endParaRPr lang="en-US" altLang="zh-CN" dirty="0"/>
+          </a:p>
+          <a:p>
+            <a:pPr marL="285750" indent="-285750">
+              <a:lnSpc>
+                <a:spcPct val="150000"/>
+              </a:lnSpc>
+              <a:buFont typeface="Arial" panose="020B0604020202020204" pitchFamily="34" charset="0"/>
+              <a:buChar char="•"/>
+            </a:pPr>
+            <a:r>
+              <a:rPr lang="en-US" altLang="zh-CN" dirty="0" err="1"/>
+              <a:t>IsCompleted</a:t>
+            </a:r>
+            <a:endParaRPr lang="en-US" altLang="zh-CN" dirty="0"/>
+          </a:p>
+          <a:p>
+            <a:pPr marL="285750" indent="-285750">
+              <a:lnSpc>
+                <a:spcPct val="150000"/>
+              </a:lnSpc>
+              <a:buFont typeface="Arial" panose="020B0604020202020204" pitchFamily="34" charset="0"/>
+              <a:buChar char="•"/>
+            </a:pPr>
+            <a:r>
+              <a:rPr lang="en-US" altLang="zh-CN" dirty="0" err="1"/>
+              <a:t>GetParticleNum</a:t>
+            </a:r>
+            <a:r>
+              <a:rPr lang="en-US" altLang="zh-CN" dirty="0"/>
+              <a:t>(xint32 </a:t>
+            </a:r>
+            <a:r>
+              <a:rPr lang="en-US" altLang="zh-CN" dirty="0" err="1"/>
+              <a:t>nElementIndex</a:t>
+            </a:r>
+            <a:r>
+              <a:rPr lang="en-US" altLang="zh-CN" dirty="0"/>
+              <a:t>) </a:t>
+            </a:r>
+          </a:p>
+          <a:p>
+            <a:pPr marL="285750" indent="-285750">
+              <a:lnSpc>
+                <a:spcPct val="150000"/>
+              </a:lnSpc>
+              <a:buFont typeface="Arial" panose="020B0604020202020204" pitchFamily="34" charset="0"/>
+              <a:buChar char="•"/>
+            </a:pPr>
+            <a:r>
+              <a:rPr lang="en-US" altLang="zh-CN" dirty="0" err="1"/>
+              <a:t>GetParticleNum</a:t>
+            </a:r>
+            <a:r>
+              <a:rPr lang="en-US" altLang="zh-CN" dirty="0"/>
+              <a:t>(</a:t>
+            </a:r>
+            <a:r>
+              <a:rPr lang="en-US" altLang="zh-CN" dirty="0" err="1"/>
+              <a:t>FxElement</a:t>
+            </a:r>
+            <a:r>
+              <a:rPr lang="en-US" altLang="zh-CN" dirty="0"/>
+              <a:t>* </a:t>
+            </a:r>
+            <a:r>
+              <a:rPr lang="en-US" altLang="zh-CN" dirty="0" err="1"/>
+              <a:t>pElement</a:t>
+            </a:r>
+            <a:r>
+              <a:rPr lang="en-US" altLang="zh-CN" dirty="0"/>
+              <a:t>)</a:t>
+            </a:r>
+          </a:p>
+          <a:p>
+            <a:pPr marL="285750" indent="-285750">
+              <a:lnSpc>
+                <a:spcPct val="150000"/>
+              </a:lnSpc>
+              <a:buFont typeface="Arial" panose="020B0604020202020204" pitchFamily="34" charset="0"/>
+              <a:buChar char="•"/>
+            </a:pPr>
+            <a:r>
+              <a:rPr lang="en-US" altLang="zh-CN" dirty="0"/>
+              <a:t>Set2DMode(</a:t>
+            </a:r>
+            <a:r>
+              <a:rPr lang="en-US" altLang="zh-CN" dirty="0" err="1"/>
+              <a:t>xbool</a:t>
+            </a:r>
+            <a:r>
+              <a:rPr lang="en-US" altLang="zh-CN" dirty="0"/>
+              <a:t> b2DRenderMode)</a:t>
+            </a:r>
+          </a:p>
+          <a:p>
+            <a:pPr marL="285750" indent="-285750">
+              <a:lnSpc>
+                <a:spcPct val="150000"/>
+              </a:lnSpc>
+              <a:buFont typeface="Arial" panose="020B0604020202020204" pitchFamily="34" charset="0"/>
+              <a:buChar char="•"/>
+            </a:pPr>
+            <a:r>
+              <a:rPr lang="en-US" altLang="zh-CN" dirty="0"/>
+              <a:t>Is2DMode</a:t>
+            </a:r>
+          </a:p>
+        </p:txBody>
+      </p:sp>
+      <p:sp>
+        <p:nvSpPr>
+          <p:cNvPr id="6" name="文本框 5"/>
+          <p:cNvSpPr txBox="1"/>
+          <p:nvPr/>
+        </p:nvSpPr>
+        <p:spPr>
+          <a:xfrm>
+            <a:off x="5532474" y="1212112"/>
+            <a:ext cx="6354726" cy="5493812"/>
+          </a:xfrm>
+          <a:prstGeom prst="rect">
+            <a:avLst/>
+          </a:prstGeom>
+          <a:noFill/>
+        </p:spPr>
+        <p:txBody>
+          <a:bodyPr wrap="square" rtlCol="0">
+            <a:spAutoFit/>
+          </a:bodyPr>
+          <a:lstStyle/>
+          <a:p>
+            <a:pPr marL="285750" indent="-285750">
+              <a:lnSpc>
+                <a:spcPct val="150000"/>
+              </a:lnSpc>
+              <a:buFont typeface="Arial" panose="020B0604020202020204" pitchFamily="34" charset="0"/>
+              <a:buChar char="•"/>
+            </a:pPr>
+            <a:r>
+              <a:rPr lang="en-US" altLang="zh-CN" dirty="0"/>
+              <a:t>Set2DModeLayerMask(</a:t>
+            </a:r>
+            <a:r>
+              <a:rPr lang="en-US" altLang="zh-CN" dirty="0" err="1"/>
+              <a:t>FxRenderLayerOrder</a:t>
+            </a:r>
+            <a:r>
+              <a:rPr lang="en-US" altLang="zh-CN" dirty="0"/>
+              <a:t> </a:t>
+            </a:r>
+            <a:r>
+              <a:rPr lang="en-US" altLang="zh-CN" dirty="0" err="1"/>
+              <a:t>pLayer</a:t>
+            </a:r>
+            <a:r>
+              <a:rPr lang="en-US" altLang="zh-CN" dirty="0"/>
+              <a:t>)</a:t>
+            </a:r>
+          </a:p>
+          <a:p>
+            <a:pPr marL="285750" indent="-285750">
+              <a:lnSpc>
+                <a:spcPct val="150000"/>
+              </a:lnSpc>
+              <a:buFont typeface="Arial" panose="020B0604020202020204" pitchFamily="34" charset="0"/>
+              <a:buChar char="•"/>
+            </a:pPr>
+            <a:r>
+              <a:rPr lang="en-US" altLang="zh-CN" dirty="0"/>
+              <a:t>Get2DModeLayerMask()</a:t>
+            </a:r>
+          </a:p>
+          <a:p>
+            <a:pPr marL="285750" indent="-285750">
+              <a:lnSpc>
+                <a:spcPct val="150000"/>
+              </a:lnSpc>
+              <a:buFont typeface="Arial" panose="020B0604020202020204" pitchFamily="34" charset="0"/>
+              <a:buChar char="•"/>
+            </a:pPr>
+            <a:r>
+              <a:rPr lang="en-US" altLang="zh-CN" dirty="0" err="1"/>
+              <a:t>InitSeedPool</a:t>
+            </a:r>
+            <a:endParaRPr lang="en-US" altLang="zh-CN" dirty="0"/>
+          </a:p>
+          <a:p>
+            <a:pPr marL="285750" indent="-285750">
+              <a:lnSpc>
+                <a:spcPct val="150000"/>
+              </a:lnSpc>
+              <a:buFont typeface="Arial" panose="020B0604020202020204" pitchFamily="34" charset="0"/>
+              <a:buChar char="•"/>
+            </a:pPr>
+            <a:r>
+              <a:rPr lang="en-US" altLang="zh-CN" dirty="0" err="1"/>
+              <a:t>GetAABB</a:t>
+            </a:r>
+            <a:r>
+              <a:rPr lang="en-US" altLang="zh-CN" dirty="0"/>
+              <a:t>()</a:t>
+            </a:r>
+          </a:p>
+          <a:p>
+            <a:pPr marL="285750" indent="-285750">
+              <a:lnSpc>
+                <a:spcPct val="150000"/>
+              </a:lnSpc>
+              <a:buFont typeface="Arial" panose="020B0604020202020204" pitchFamily="34" charset="0"/>
+              <a:buChar char="•"/>
+            </a:pPr>
+            <a:r>
+              <a:rPr lang="en-US" altLang="zh-CN" dirty="0" err="1"/>
+              <a:t>SetAnimTrailBindingSkeletonAndBones</a:t>
+            </a:r>
+            <a:r>
+              <a:rPr lang="en-US" altLang="zh-CN" dirty="0"/>
+              <a:t>(</a:t>
+            </a:r>
+            <a:r>
+              <a:rPr lang="en-US" altLang="zh-CN" dirty="0" err="1"/>
+              <a:t>XSkeleton</a:t>
+            </a:r>
+            <a:r>
+              <a:rPr lang="en-US" altLang="zh-CN" dirty="0"/>
+              <a:t>* </a:t>
+            </a:r>
+            <a:r>
+              <a:rPr lang="en-US" altLang="zh-CN" dirty="0" err="1"/>
+              <a:t>pSkeleton</a:t>
+            </a:r>
+            <a:r>
+              <a:rPr lang="en-US" altLang="zh-CN" dirty="0"/>
+              <a:t>, </a:t>
+            </a:r>
+            <a:r>
+              <a:rPr lang="en-US" altLang="zh-CN" dirty="0" err="1"/>
+              <a:t>const</a:t>
+            </a:r>
+            <a:r>
+              <a:rPr lang="en-US" altLang="zh-CN" dirty="0"/>
+              <a:t> </a:t>
+            </a:r>
+            <a:r>
+              <a:rPr lang="en-US" altLang="zh-CN" dirty="0" err="1"/>
+              <a:t>XString</a:t>
+            </a:r>
+            <a:r>
+              <a:rPr lang="en-US" altLang="zh-CN" dirty="0"/>
+              <a:t>&amp; </a:t>
+            </a:r>
+            <a:r>
+              <a:rPr lang="en-US" altLang="zh-CN" dirty="0" err="1"/>
+              <a:t>FirstBoneName</a:t>
+            </a:r>
+            <a:r>
+              <a:rPr lang="en-US" altLang="zh-CN" dirty="0"/>
+              <a:t>, </a:t>
+            </a:r>
+            <a:r>
+              <a:rPr lang="en-US" altLang="zh-CN" dirty="0" err="1"/>
+              <a:t>const</a:t>
+            </a:r>
+            <a:r>
+              <a:rPr lang="en-US" altLang="zh-CN" dirty="0"/>
+              <a:t> </a:t>
+            </a:r>
+            <a:r>
+              <a:rPr lang="en-US" altLang="zh-CN" dirty="0" err="1"/>
+              <a:t>XString</a:t>
+            </a:r>
+            <a:r>
+              <a:rPr lang="en-US" altLang="zh-CN" dirty="0"/>
+              <a:t>&amp; </a:t>
+            </a:r>
+            <a:r>
+              <a:rPr lang="en-US" altLang="zh-CN" dirty="0" err="1"/>
+              <a:t>SecondBoneName</a:t>
+            </a:r>
+            <a:r>
+              <a:rPr lang="en-US" altLang="zh-CN" dirty="0"/>
+              <a:t>)</a:t>
+            </a:r>
+          </a:p>
+          <a:p>
+            <a:pPr marL="285750" indent="-285750">
+              <a:lnSpc>
+                <a:spcPct val="150000"/>
+              </a:lnSpc>
+              <a:buFont typeface="Arial" panose="020B0604020202020204" pitchFamily="34" charset="0"/>
+              <a:buChar char="•"/>
+            </a:pPr>
+            <a:r>
+              <a:rPr lang="en-US" altLang="zh-CN" dirty="0" err="1"/>
+              <a:t>GetElementData</a:t>
+            </a:r>
+            <a:r>
+              <a:rPr lang="en-US" altLang="zh-CN" dirty="0"/>
+              <a:t>(</a:t>
+            </a:r>
+            <a:r>
+              <a:rPr lang="en-US" altLang="zh-CN" dirty="0" err="1"/>
+              <a:t>FxElement</a:t>
+            </a:r>
+            <a:r>
+              <a:rPr lang="en-US" altLang="zh-CN" dirty="0"/>
+              <a:t>* </a:t>
+            </a:r>
+            <a:r>
+              <a:rPr lang="en-US" altLang="zh-CN" dirty="0" err="1"/>
+              <a:t>pElement</a:t>
+            </a:r>
+            <a:r>
+              <a:rPr lang="en-US" altLang="zh-CN" dirty="0"/>
+              <a:t>)</a:t>
+            </a:r>
+          </a:p>
+          <a:p>
+            <a:pPr marL="285750" indent="-285750">
+              <a:lnSpc>
+                <a:spcPct val="150000"/>
+              </a:lnSpc>
+              <a:buFont typeface="Arial" panose="020B0604020202020204" pitchFamily="34" charset="0"/>
+              <a:buChar char="•"/>
+            </a:pPr>
+            <a:r>
+              <a:rPr lang="en-US" altLang="zh-CN" dirty="0" err="1"/>
+              <a:t>AddElementData</a:t>
+            </a:r>
+            <a:r>
+              <a:rPr lang="en-US" altLang="zh-CN" dirty="0"/>
+              <a:t>(</a:t>
+            </a:r>
+            <a:r>
+              <a:rPr lang="en-US" altLang="zh-CN" dirty="0" err="1"/>
+              <a:t>FxElement</a:t>
+            </a:r>
+            <a:r>
+              <a:rPr lang="en-US" altLang="zh-CN" dirty="0"/>
+              <a:t>* </a:t>
+            </a:r>
+            <a:r>
+              <a:rPr lang="en-US" altLang="zh-CN" dirty="0" err="1"/>
+              <a:t>pElement</a:t>
+            </a:r>
+            <a:r>
+              <a:rPr lang="en-US" altLang="zh-CN" dirty="0"/>
+              <a:t>)</a:t>
+            </a:r>
+          </a:p>
+          <a:p>
+            <a:pPr marL="285750" indent="-285750">
+              <a:lnSpc>
+                <a:spcPct val="150000"/>
+              </a:lnSpc>
+              <a:buFont typeface="Arial" panose="020B0604020202020204" pitchFamily="34" charset="0"/>
+              <a:buChar char="•"/>
+            </a:pPr>
+            <a:r>
+              <a:rPr lang="en-US" altLang="zh-CN" dirty="0" err="1"/>
+              <a:t>RemoveElementData</a:t>
+            </a:r>
+            <a:r>
+              <a:rPr lang="en-US" altLang="zh-CN" dirty="0"/>
+              <a:t>(</a:t>
+            </a:r>
+            <a:r>
+              <a:rPr lang="en-US" altLang="zh-CN" dirty="0" err="1"/>
+              <a:t>FxElement</a:t>
+            </a:r>
+            <a:r>
+              <a:rPr lang="en-US" altLang="zh-CN" dirty="0"/>
+              <a:t>* </a:t>
+            </a:r>
+            <a:r>
+              <a:rPr lang="en-US" altLang="zh-CN" dirty="0" err="1"/>
+              <a:t>pElement</a:t>
+            </a:r>
+            <a:r>
+              <a:rPr lang="en-US" altLang="zh-CN" dirty="0"/>
+              <a:t>)</a:t>
+            </a:r>
+          </a:p>
+          <a:p>
+            <a:pPr marL="285750" indent="-285750">
+              <a:lnSpc>
+                <a:spcPct val="150000"/>
+              </a:lnSpc>
+              <a:buFont typeface="Arial" panose="020B0604020202020204" pitchFamily="34" charset="0"/>
+              <a:buChar char="•"/>
+            </a:pPr>
+            <a:r>
+              <a:rPr lang="en-US" altLang="zh-CN" dirty="0" err="1"/>
+              <a:t>GetAllElementPrimitive</a:t>
+            </a:r>
+            <a:r>
+              <a:rPr lang="en-US" altLang="zh-CN" dirty="0"/>
+              <a:t>()</a:t>
+            </a:r>
+          </a:p>
+          <a:p>
+            <a:pPr marL="285750" indent="-285750">
+              <a:lnSpc>
+                <a:spcPct val="150000"/>
+              </a:lnSpc>
+              <a:buFont typeface="Arial" panose="020B0604020202020204" pitchFamily="34" charset="0"/>
+              <a:buChar char="•"/>
+            </a:pPr>
+            <a:r>
+              <a:rPr lang="en-US" altLang="zh-CN" dirty="0" err="1"/>
+              <a:t>GetScaleInMatrix</a:t>
+            </a:r>
+            <a:r>
+              <a:rPr lang="en-US" altLang="zh-CN" dirty="0"/>
+              <a:t>()</a:t>
+            </a:r>
+          </a:p>
+          <a:p>
+            <a:pPr marL="285750" indent="-285750">
+              <a:lnSpc>
+                <a:spcPct val="150000"/>
+              </a:lnSpc>
+              <a:buFont typeface="Arial" panose="020B0604020202020204" pitchFamily="34" charset="0"/>
+              <a:buChar char="•"/>
+            </a:pPr>
+            <a:r>
+              <a:rPr lang="en-US" altLang="zh-CN" dirty="0" err="1"/>
+              <a:t>GetAbsoluteMatrixNoScale</a:t>
+            </a:r>
+            <a:r>
+              <a:rPr lang="en-US" altLang="zh-CN" dirty="0"/>
+              <a:t>()</a:t>
+            </a:r>
+          </a:p>
+        </p:txBody>
+      </p:sp>
+    </p:spTree>
+    <p:extLst>
+      <p:ext uri="{BB962C8B-B14F-4D97-AF65-F5344CB8AC3E}">
+        <p14:creationId xmlns:p14="http://schemas.microsoft.com/office/powerpoint/2010/main" val="2454647676"/>
+      </p:ext>
+    </p:extLst>
+  </p:cSld>
+  <p:clrMapOvr>
+    <a:masterClrMapping/>
+  </p:clrMapOvr>
+</p:sld>
+</file>
+
+<file path=ppt/slides/slide11.xml><?xml version="1.0" encoding="utf-8"?>
+<p:sld xmlns:a="http://schemas.openxmlformats.org/drawingml/2006/main" xmlns:r="http://schemas.openxmlformats.org/officeDocument/2006/relationships" xmlns:p="http://schemas.openxmlformats.org/presentationml/2006/main">
+  <p:cSld>
+    <p:spTree>
+      <p:nvGrpSpPr>
+        <p:cNvPr id="1" name=""/>
+        <p:cNvGrpSpPr/>
+        <p:nvPr/>
+      </p:nvGrpSpPr>
+      <p:grpSpPr>
+        <a:xfrm>
+          <a:off x="0" y="0"/>
+          <a:ext cx="0" cy="0"/>
+          <a:chOff x="0" y="0"/>
+          <a:chExt cx="0" cy="0"/>
+        </a:xfrm>
+      </p:grpSpPr>
+      <p:sp>
+        <p:nvSpPr>
+          <p:cNvPr id="4" name="矩形 3"/>
+          <p:cNvSpPr/>
+          <p:nvPr/>
+        </p:nvSpPr>
+        <p:spPr>
+          <a:xfrm>
+            <a:off x="4848446" y="382485"/>
+            <a:ext cx="2317898" cy="531916"/>
+          </a:xfrm>
+          <a:prstGeom prst="rect">
+            <a:avLst/>
+          </a:prstGeom>
+          <a:noFill/>
+          <a:ln w="9525" cap="flat" cmpd="sng" algn="ctr">
+            <a:solidFill>
+              <a:schemeClr val="accent2"/>
+            </a:solidFill>
+            <a:prstDash val="solid"/>
+            <a:round/>
+            <a:headEnd type="none" w="med" len="med"/>
+            <a:tailEnd type="none" w="med" len="med"/>
+          </a:ln>
+        </p:spPr>
+        <p:style>
+          <a:lnRef idx="0">
+            <a:scrgbClr r="0" g="0" b="0"/>
+          </a:lnRef>
+          <a:fillRef idx="0">
+            <a:scrgbClr r="0" g="0" b="0"/>
+          </a:fillRef>
+          <a:effectRef idx="0">
+            <a:scrgbClr r="0" g="0" b="0"/>
+          </a:effectRef>
+          <a:fontRef idx="minor">
+            <a:schemeClr val="accent2"/>
+          </a:fontRef>
+        </p:style>
+        <p:txBody>
+          <a:bodyPr rtlCol="0" anchor="ctr"/>
+          <a:lstStyle/>
+          <a:p>
+            <a:pPr algn="ctr"/>
+            <a:r>
+              <a:rPr lang="en-US" altLang="zh-CN" sz="2800" dirty="0" err="1"/>
+              <a:t>FxManager</a:t>
+            </a:r>
+            <a:endParaRPr lang="zh-CN" altLang="en-US" sz="2800" dirty="0"/>
+          </a:p>
+        </p:txBody>
+      </p:sp>
+      <p:sp>
+        <p:nvSpPr>
+          <p:cNvPr id="5" name="文本框 4"/>
+          <p:cNvSpPr txBox="1"/>
+          <p:nvPr/>
+        </p:nvSpPr>
+        <p:spPr>
+          <a:xfrm>
+            <a:off x="733647" y="1212112"/>
+            <a:ext cx="8739962" cy="4662815"/>
+          </a:xfrm>
+          <a:prstGeom prst="rect">
+            <a:avLst/>
+          </a:prstGeom>
+          <a:noFill/>
+        </p:spPr>
+        <p:txBody>
+          <a:bodyPr wrap="square" rtlCol="0">
+            <a:spAutoFit/>
+          </a:bodyPr>
+          <a:lstStyle/>
+          <a:p>
+            <a:pPr marL="285750" indent="-285750">
+              <a:lnSpc>
+                <a:spcPct val="150000"/>
+              </a:lnSpc>
+              <a:buFont typeface="Arial" panose="020B0604020202020204" pitchFamily="34" charset="0"/>
+              <a:buChar char="•"/>
+            </a:pPr>
+            <a:r>
+              <a:rPr lang="en-US" altLang="zh-CN" dirty="0" err="1"/>
+              <a:t>XHashTable</a:t>
+            </a:r>
+            <a:r>
+              <a:rPr lang="en-US" altLang="zh-CN" dirty="0"/>
+              <a:t>&lt;</a:t>
+            </a:r>
+            <a:r>
+              <a:rPr lang="en-US" altLang="zh-CN" dirty="0" err="1"/>
+              <a:t>XString</a:t>
+            </a:r>
+            <a:r>
+              <a:rPr lang="en-US" altLang="zh-CN" dirty="0"/>
+              <a:t>, </a:t>
+            </a:r>
+            <a:r>
+              <a:rPr lang="en-US" altLang="zh-CN" dirty="0" err="1"/>
+              <a:t>FxTemplate</a:t>
+            </a:r>
+            <a:r>
+              <a:rPr lang="en-US" altLang="zh-CN" dirty="0"/>
+              <a:t>*&gt;</a:t>
+            </a:r>
+            <a:r>
+              <a:rPr lang="en-US" altLang="zh-CN" dirty="0" err="1"/>
+              <a:t>m_mapFxTemplates</a:t>
+            </a:r>
+            <a:endParaRPr lang="en-US" altLang="zh-CN" dirty="0"/>
+          </a:p>
+          <a:p>
+            <a:pPr marL="285750" indent="-285750">
+              <a:lnSpc>
+                <a:spcPct val="150000"/>
+              </a:lnSpc>
+              <a:buFont typeface="Arial" panose="020B0604020202020204" pitchFamily="34" charset="0"/>
+              <a:buChar char="•"/>
+            </a:pPr>
+            <a:r>
+              <a:rPr lang="en-US" altLang="zh-CN" dirty="0" err="1"/>
+              <a:t>XHashTable</a:t>
+            </a:r>
+            <a:r>
+              <a:rPr lang="en-US" altLang="zh-CN" dirty="0"/>
+              <a:t>&lt;</a:t>
+            </a:r>
+            <a:r>
+              <a:rPr lang="en-US" altLang="zh-CN" dirty="0" err="1"/>
+              <a:t>FxTemplate</a:t>
+            </a:r>
+            <a:r>
+              <a:rPr lang="en-US" altLang="zh-CN" dirty="0"/>
+              <a:t>*, </a:t>
+            </a:r>
+            <a:r>
+              <a:rPr lang="en-US" altLang="zh-CN" dirty="0" err="1"/>
+              <a:t>XArray</a:t>
+            </a:r>
+            <a:r>
+              <a:rPr lang="en-US" altLang="zh-CN" dirty="0"/>
+              <a:t>&lt;</a:t>
+            </a:r>
+            <a:r>
+              <a:rPr lang="en-US" altLang="zh-CN" dirty="0" err="1"/>
+              <a:t>FxInstance</a:t>
+            </a:r>
+            <a:r>
+              <a:rPr lang="en-US" altLang="zh-CN" dirty="0"/>
+              <a:t>*&gt;&gt;</a:t>
+            </a:r>
+            <a:r>
+              <a:rPr lang="en-US" altLang="zh-CN" dirty="0" err="1"/>
+              <a:t>m_mapFxInstances</a:t>
+            </a:r>
+            <a:endParaRPr lang="en-US" altLang="zh-CN" dirty="0"/>
+          </a:p>
+          <a:p>
+            <a:pPr marL="285750" indent="-285750">
+              <a:lnSpc>
+                <a:spcPct val="150000"/>
+              </a:lnSpc>
+              <a:buFont typeface="Arial" panose="020B0604020202020204" pitchFamily="34" charset="0"/>
+              <a:buChar char="•"/>
+            </a:pPr>
+            <a:r>
+              <a:rPr lang="en-US" altLang="zh-CN" dirty="0" err="1"/>
+              <a:t>FxParticlePool</a:t>
+            </a:r>
+            <a:r>
+              <a:rPr lang="en-US" altLang="zh-CN" dirty="0"/>
+              <a:t>*</a:t>
+            </a:r>
+            <a:r>
+              <a:rPr lang="en-US" altLang="zh-CN" dirty="0" err="1"/>
+              <a:t>m_pParticlePool</a:t>
+            </a:r>
+            <a:endParaRPr lang="en-US" altLang="zh-CN" dirty="0"/>
+          </a:p>
+          <a:p>
+            <a:pPr marL="285750" indent="-285750">
+              <a:lnSpc>
+                <a:spcPct val="150000"/>
+              </a:lnSpc>
+              <a:buFont typeface="Arial" panose="020B0604020202020204" pitchFamily="34" charset="0"/>
+              <a:buChar char="•"/>
+            </a:pPr>
+            <a:endParaRPr lang="en-US" altLang="zh-CN" dirty="0"/>
+          </a:p>
+          <a:p>
+            <a:pPr marL="285750" indent="-285750">
+              <a:lnSpc>
+                <a:spcPct val="150000"/>
+              </a:lnSpc>
+              <a:buFont typeface="Arial" panose="020B0604020202020204" pitchFamily="34" charset="0"/>
+              <a:buChar char="•"/>
+            </a:pPr>
+            <a:r>
+              <a:rPr lang="en-US" altLang="zh-CN" dirty="0" err="1"/>
+              <a:t>CreateFxInstance</a:t>
+            </a:r>
+            <a:r>
+              <a:rPr lang="en-US" altLang="zh-CN" dirty="0"/>
+              <a:t>(</a:t>
+            </a:r>
+            <a:r>
+              <a:rPr lang="en-US" altLang="zh-CN" dirty="0" err="1"/>
+              <a:t>const</a:t>
+            </a:r>
+            <a:r>
+              <a:rPr lang="en-US" altLang="zh-CN" dirty="0"/>
+              <a:t> </a:t>
+            </a:r>
+            <a:r>
+              <a:rPr lang="en-US" altLang="zh-CN" dirty="0" err="1"/>
+              <a:t>xchar</a:t>
+            </a:r>
+            <a:r>
+              <a:rPr lang="en-US" altLang="zh-CN" dirty="0"/>
+              <a:t>* </a:t>
+            </a:r>
+            <a:r>
+              <a:rPr lang="en-US" altLang="zh-CN" dirty="0" err="1"/>
+              <a:t>szNewFxTemplateFile</a:t>
+            </a:r>
+            <a:r>
+              <a:rPr lang="en-US" altLang="zh-CN" dirty="0"/>
+              <a:t>)</a:t>
+            </a:r>
+          </a:p>
+          <a:p>
+            <a:pPr marL="285750" indent="-285750">
+              <a:lnSpc>
+                <a:spcPct val="150000"/>
+              </a:lnSpc>
+              <a:buFont typeface="Arial" panose="020B0604020202020204" pitchFamily="34" charset="0"/>
+              <a:buChar char="•"/>
+            </a:pPr>
+            <a:r>
+              <a:rPr lang="en-US" altLang="zh-CN" dirty="0" err="1"/>
+              <a:t>GetFxInstance</a:t>
+            </a:r>
+            <a:r>
+              <a:rPr lang="en-US" altLang="zh-CN" dirty="0"/>
+              <a:t>(</a:t>
+            </a:r>
+            <a:r>
+              <a:rPr lang="en-US" altLang="zh-CN" dirty="0" err="1"/>
+              <a:t>const</a:t>
+            </a:r>
+            <a:r>
+              <a:rPr lang="en-US" altLang="zh-CN" dirty="0"/>
+              <a:t> </a:t>
+            </a:r>
+            <a:r>
+              <a:rPr lang="en-US" altLang="zh-CN" dirty="0" err="1"/>
+              <a:t>xchar</a:t>
+            </a:r>
+            <a:r>
+              <a:rPr lang="en-US" altLang="zh-CN" dirty="0"/>
+              <a:t>* </a:t>
+            </a:r>
+            <a:r>
+              <a:rPr lang="en-US" altLang="zh-CN" dirty="0" err="1"/>
+              <a:t>szFxTemplateFile</a:t>
+            </a:r>
+            <a:r>
+              <a:rPr lang="en-US" altLang="zh-CN" dirty="0"/>
+              <a:t>)</a:t>
+            </a:r>
+          </a:p>
+          <a:p>
+            <a:pPr marL="285750" indent="-285750">
+              <a:lnSpc>
+                <a:spcPct val="150000"/>
+              </a:lnSpc>
+              <a:buFont typeface="Arial" panose="020B0604020202020204" pitchFamily="34" charset="0"/>
+              <a:buChar char="•"/>
+            </a:pPr>
+            <a:r>
+              <a:rPr lang="en-US" altLang="zh-CN" dirty="0" err="1"/>
+              <a:t>ReleaseFxInstance</a:t>
+            </a:r>
+            <a:r>
+              <a:rPr lang="en-US" altLang="zh-CN" dirty="0"/>
+              <a:t>(</a:t>
+            </a:r>
+            <a:r>
+              <a:rPr lang="en-US" altLang="zh-CN" dirty="0" err="1"/>
+              <a:t>FxInstance</a:t>
+            </a:r>
+            <a:r>
+              <a:rPr lang="en-US" altLang="zh-CN" dirty="0"/>
+              <a:t>* </a:t>
+            </a:r>
+            <a:r>
+              <a:rPr lang="en-US" altLang="zh-CN" dirty="0" err="1"/>
+              <a:t>pFxInstance</a:t>
+            </a:r>
+            <a:r>
+              <a:rPr lang="en-US" altLang="zh-CN" dirty="0"/>
+              <a:t>)</a:t>
+            </a:r>
+          </a:p>
+          <a:p>
+            <a:pPr marL="285750" indent="-285750">
+              <a:lnSpc>
+                <a:spcPct val="150000"/>
+              </a:lnSpc>
+              <a:buFont typeface="Arial" panose="020B0604020202020204" pitchFamily="34" charset="0"/>
+              <a:buChar char="•"/>
+            </a:pPr>
+            <a:endParaRPr lang="en-US" altLang="zh-CN" dirty="0"/>
+          </a:p>
+          <a:p>
+            <a:pPr marL="285750" indent="-285750">
+              <a:lnSpc>
+                <a:spcPct val="150000"/>
+              </a:lnSpc>
+              <a:buFont typeface="Arial" panose="020B0604020202020204" pitchFamily="34" charset="0"/>
+              <a:buChar char="•"/>
+            </a:pPr>
+            <a:r>
+              <a:rPr lang="en-US" altLang="zh-CN" dirty="0" err="1"/>
+              <a:t>GetFxTemplate</a:t>
+            </a:r>
+            <a:r>
+              <a:rPr lang="en-US" altLang="zh-CN" dirty="0"/>
+              <a:t>(</a:t>
+            </a:r>
+            <a:r>
+              <a:rPr lang="en-US" altLang="zh-CN" dirty="0" err="1"/>
+              <a:t>const</a:t>
+            </a:r>
+            <a:r>
+              <a:rPr lang="en-US" altLang="zh-CN" dirty="0"/>
+              <a:t> </a:t>
+            </a:r>
+            <a:r>
+              <a:rPr lang="en-US" altLang="zh-CN" dirty="0" err="1"/>
+              <a:t>xchar</a:t>
+            </a:r>
+            <a:r>
+              <a:rPr lang="en-US" altLang="zh-CN" dirty="0"/>
+              <a:t>* </a:t>
+            </a:r>
+            <a:r>
+              <a:rPr lang="en-US" altLang="zh-CN" dirty="0" err="1"/>
+              <a:t>szTemplateFile</a:t>
+            </a:r>
+            <a:r>
+              <a:rPr lang="en-US" altLang="zh-CN" dirty="0"/>
+              <a:t>)</a:t>
+            </a:r>
+          </a:p>
+          <a:p>
+            <a:pPr marL="285750" indent="-285750">
+              <a:lnSpc>
+                <a:spcPct val="150000"/>
+              </a:lnSpc>
+              <a:buFont typeface="Arial" panose="020B0604020202020204" pitchFamily="34" charset="0"/>
+              <a:buChar char="•"/>
+            </a:pPr>
+            <a:r>
+              <a:rPr lang="en-US" altLang="zh-CN" dirty="0" err="1"/>
+              <a:t>ReleaseFxTemplate</a:t>
+            </a:r>
+            <a:r>
+              <a:rPr lang="en-US" altLang="zh-CN" dirty="0"/>
+              <a:t>(</a:t>
+            </a:r>
+            <a:r>
+              <a:rPr lang="en-US" altLang="zh-CN" dirty="0" err="1"/>
+              <a:t>FxTemplate</a:t>
+            </a:r>
+            <a:r>
+              <a:rPr lang="en-US" altLang="zh-CN" dirty="0"/>
+              <a:t>* </a:t>
+            </a:r>
+            <a:r>
+              <a:rPr lang="en-US" altLang="zh-CN" dirty="0" err="1"/>
+              <a:t>pFxTemplate</a:t>
+            </a:r>
+            <a:r>
+              <a:rPr lang="en-US" altLang="zh-CN" dirty="0"/>
+              <a:t>)</a:t>
+            </a:r>
+          </a:p>
+          <a:p>
+            <a:pPr marL="285750" indent="-285750">
+              <a:lnSpc>
+                <a:spcPct val="150000"/>
+              </a:lnSpc>
+              <a:buFont typeface="Arial" panose="020B0604020202020204" pitchFamily="34" charset="0"/>
+              <a:buChar char="•"/>
+            </a:pPr>
+            <a:r>
+              <a:rPr lang="en-US" altLang="zh-CN" dirty="0" err="1"/>
+              <a:t>SaveFxTemplate</a:t>
+            </a:r>
+            <a:r>
+              <a:rPr lang="en-US" altLang="zh-CN" dirty="0"/>
+              <a:t>(</a:t>
+            </a:r>
+            <a:r>
+              <a:rPr lang="en-US" altLang="zh-CN" dirty="0" err="1"/>
+              <a:t>const</a:t>
+            </a:r>
+            <a:r>
+              <a:rPr lang="en-US" altLang="zh-CN" dirty="0"/>
+              <a:t> </a:t>
+            </a:r>
+            <a:r>
+              <a:rPr lang="en-US" altLang="zh-CN" dirty="0" err="1"/>
+              <a:t>xchar</a:t>
+            </a:r>
+            <a:r>
+              <a:rPr lang="en-US" altLang="zh-CN" dirty="0"/>
+              <a:t>* </a:t>
+            </a:r>
+            <a:r>
+              <a:rPr lang="en-US" altLang="zh-CN" dirty="0" err="1"/>
+              <a:t>szFxTemplateFile</a:t>
+            </a:r>
+            <a:r>
+              <a:rPr lang="en-US" altLang="zh-CN" dirty="0"/>
+              <a:t>, </a:t>
+            </a:r>
+            <a:r>
+              <a:rPr lang="en-US" altLang="zh-CN" dirty="0" err="1"/>
+              <a:t>IFxTemplate</a:t>
+            </a:r>
+            <a:r>
+              <a:rPr lang="en-US" altLang="zh-CN" dirty="0"/>
+              <a:t>* </a:t>
+            </a:r>
+            <a:r>
+              <a:rPr lang="en-US" altLang="zh-CN" dirty="0" err="1"/>
+              <a:t>pTemplate</a:t>
+            </a:r>
+            <a:r>
+              <a:rPr lang="en-US" altLang="zh-CN" dirty="0"/>
+              <a:t>)</a:t>
+            </a:r>
+          </a:p>
+        </p:txBody>
+      </p:sp>
+    </p:spTree>
+    <p:extLst>
+      <p:ext uri="{BB962C8B-B14F-4D97-AF65-F5344CB8AC3E}">
+        <p14:creationId xmlns:p14="http://schemas.microsoft.com/office/powerpoint/2010/main" val="458281471"/>
+      </p:ext>
+    </p:extLst>
+  </p:cSld>
+  <p:clrMapOvr>
+    <a:masterClrMapping/>
+  </p:clrMapOvr>
+</p:sld>
+</file>
+
+<file path=ppt/slides/slide12.xml><?xml version="1.0" encoding="utf-8"?>
+<p:sld xmlns:a="http://schemas.openxmlformats.org/drawingml/2006/main" xmlns:r="http://schemas.openxmlformats.org/officeDocument/2006/relationships" xmlns:p="http://schemas.openxmlformats.org/presentationml/2006/main">
+  <p:cSld>
+    <p:spTree>
+      <p:nvGrpSpPr>
+        <p:cNvPr id="1" name=""/>
+        <p:cNvGrpSpPr/>
+        <p:nvPr/>
+      </p:nvGrpSpPr>
+      <p:grpSpPr>
+        <a:xfrm>
+          <a:off x="0" y="0"/>
+          <a:ext cx="0" cy="0"/>
+          <a:chOff x="0" y="0"/>
+          <a:chExt cx="0" cy="0"/>
+        </a:xfrm>
+      </p:grpSpPr>
+      <p:sp>
+        <p:nvSpPr>
+          <p:cNvPr id="4" name="矩形 3"/>
+          <p:cNvSpPr/>
+          <p:nvPr/>
+        </p:nvSpPr>
+        <p:spPr>
+          <a:xfrm>
+            <a:off x="4848446" y="382485"/>
+            <a:ext cx="2317898" cy="531916"/>
+          </a:xfrm>
+          <a:prstGeom prst="rect">
+            <a:avLst/>
+          </a:prstGeom>
+          <a:noFill/>
+          <a:ln w="9525" cap="flat" cmpd="sng" algn="ctr">
+            <a:solidFill>
+              <a:schemeClr val="accent2"/>
+            </a:solidFill>
+            <a:prstDash val="solid"/>
+            <a:round/>
+            <a:headEnd type="none" w="med" len="med"/>
+            <a:tailEnd type="none" w="med" len="med"/>
+          </a:ln>
+        </p:spPr>
+        <p:style>
+          <a:lnRef idx="0">
+            <a:scrgbClr r="0" g="0" b="0"/>
+          </a:lnRef>
+          <a:fillRef idx="0">
+            <a:scrgbClr r="0" g="0" b="0"/>
+          </a:fillRef>
+          <a:effectRef idx="0">
+            <a:scrgbClr r="0" g="0" b="0"/>
+          </a:effectRef>
+          <a:fontRef idx="minor">
+            <a:schemeClr val="accent2"/>
+          </a:fontRef>
+        </p:style>
+        <p:txBody>
+          <a:bodyPr rtlCol="0" anchor="ctr"/>
+          <a:lstStyle/>
+          <a:p>
+            <a:pPr algn="ctr"/>
+            <a:r>
+              <a:rPr lang="en-US" altLang="zh-CN" sz="2800" dirty="0" err="1"/>
+              <a:t>FxManager</a:t>
+            </a:r>
+            <a:endParaRPr lang="zh-CN" altLang="en-US" sz="2800" dirty="0"/>
+          </a:p>
+        </p:txBody>
+      </p:sp>
+      <p:sp>
+        <p:nvSpPr>
+          <p:cNvPr id="5" name="文本框 4"/>
+          <p:cNvSpPr txBox="1"/>
+          <p:nvPr/>
+        </p:nvSpPr>
+        <p:spPr>
+          <a:xfrm>
+            <a:off x="733647" y="1722475"/>
+            <a:ext cx="8739962" cy="1754326"/>
+          </a:xfrm>
+          <a:prstGeom prst="rect">
+            <a:avLst/>
+          </a:prstGeom>
+          <a:noFill/>
+        </p:spPr>
+        <p:txBody>
+          <a:bodyPr wrap="square" rtlCol="0">
+            <a:spAutoFit/>
+          </a:bodyPr>
+          <a:lstStyle/>
+          <a:p>
+            <a:pPr marL="285750" indent="-285750">
+              <a:lnSpc>
+                <a:spcPct val="150000"/>
+              </a:lnSpc>
+              <a:buFont typeface="Arial" panose="020B0604020202020204" pitchFamily="34" charset="0"/>
+              <a:buChar char="•"/>
+            </a:pPr>
+            <a:r>
+              <a:rPr lang="en-US" altLang="zh-CN" dirty="0" err="1"/>
+              <a:t>OnElementAdded</a:t>
+            </a:r>
+            <a:r>
+              <a:rPr lang="en-US" altLang="zh-CN" dirty="0"/>
+              <a:t>(</a:t>
+            </a:r>
+            <a:r>
+              <a:rPr lang="en-US" altLang="zh-CN" dirty="0" err="1"/>
+              <a:t>FxTemplate</a:t>
+            </a:r>
+            <a:r>
+              <a:rPr lang="en-US" altLang="zh-CN" dirty="0"/>
+              <a:t>* </a:t>
+            </a:r>
+            <a:r>
+              <a:rPr lang="en-US" altLang="zh-CN" dirty="0" err="1"/>
+              <a:t>pFxTemplate</a:t>
+            </a:r>
+            <a:r>
+              <a:rPr lang="en-US" altLang="zh-CN" dirty="0"/>
+              <a:t>, </a:t>
+            </a:r>
+            <a:r>
+              <a:rPr lang="en-US" altLang="zh-CN" dirty="0" err="1"/>
+              <a:t>FxElement</a:t>
+            </a:r>
+            <a:r>
+              <a:rPr lang="en-US" altLang="zh-CN" dirty="0"/>
+              <a:t>* </a:t>
+            </a:r>
+            <a:r>
+              <a:rPr lang="en-US" altLang="zh-CN" dirty="0" err="1"/>
+              <a:t>pFxElement</a:t>
+            </a:r>
+            <a:r>
+              <a:rPr lang="en-US" altLang="zh-CN" dirty="0"/>
+              <a:t>)</a:t>
+            </a:r>
+          </a:p>
+          <a:p>
+            <a:pPr marL="285750" indent="-285750">
+              <a:lnSpc>
+                <a:spcPct val="150000"/>
+              </a:lnSpc>
+              <a:buFont typeface="Arial" panose="020B0604020202020204" pitchFamily="34" charset="0"/>
+              <a:buChar char="•"/>
+            </a:pPr>
+            <a:r>
+              <a:rPr lang="en-US" altLang="zh-CN" dirty="0" err="1"/>
+              <a:t>OnElementRemoved</a:t>
+            </a:r>
+            <a:r>
+              <a:rPr lang="en-US" altLang="zh-CN" dirty="0"/>
+              <a:t>(</a:t>
+            </a:r>
+            <a:r>
+              <a:rPr lang="en-US" altLang="zh-CN" dirty="0" err="1"/>
+              <a:t>FxTemplate</a:t>
+            </a:r>
+            <a:r>
+              <a:rPr lang="en-US" altLang="zh-CN" dirty="0"/>
+              <a:t>* </a:t>
+            </a:r>
+            <a:r>
+              <a:rPr lang="en-US" altLang="zh-CN" dirty="0" err="1"/>
+              <a:t>pFxTemplate</a:t>
+            </a:r>
+            <a:r>
+              <a:rPr lang="en-US" altLang="zh-CN" dirty="0"/>
+              <a:t>, </a:t>
+            </a:r>
+            <a:r>
+              <a:rPr lang="en-US" altLang="zh-CN" dirty="0" err="1"/>
+              <a:t>FxElement</a:t>
+            </a:r>
+            <a:r>
+              <a:rPr lang="en-US" altLang="zh-CN" dirty="0"/>
+              <a:t>* </a:t>
+            </a:r>
+            <a:r>
+              <a:rPr lang="en-US" altLang="zh-CN" dirty="0" err="1"/>
+              <a:t>pFxElement</a:t>
+            </a:r>
+            <a:r>
+              <a:rPr lang="en-US" altLang="zh-CN" dirty="0"/>
+              <a:t>)</a:t>
+            </a:r>
+          </a:p>
+          <a:p>
+            <a:pPr marL="285750" indent="-285750">
+              <a:lnSpc>
+                <a:spcPct val="150000"/>
+              </a:lnSpc>
+              <a:buFont typeface="Arial" panose="020B0604020202020204" pitchFamily="34" charset="0"/>
+              <a:buChar char="•"/>
+            </a:pPr>
+            <a:r>
+              <a:rPr lang="en-US" altLang="zh-CN" dirty="0" err="1"/>
+              <a:t>OnElementDumplicate</a:t>
+            </a:r>
+            <a:r>
+              <a:rPr lang="en-US" altLang="zh-CN" dirty="0"/>
+              <a:t>(</a:t>
+            </a:r>
+            <a:r>
+              <a:rPr lang="en-US" altLang="zh-CN" dirty="0" err="1"/>
+              <a:t>FxTemplate</a:t>
+            </a:r>
+            <a:r>
+              <a:rPr lang="en-US" altLang="zh-CN" dirty="0"/>
+              <a:t>* </a:t>
+            </a:r>
+            <a:r>
+              <a:rPr lang="en-US" altLang="zh-CN" dirty="0" err="1"/>
+              <a:t>pFxTemplate</a:t>
+            </a:r>
+            <a:r>
+              <a:rPr lang="en-US" altLang="zh-CN" dirty="0"/>
+              <a:t>)</a:t>
+            </a:r>
+          </a:p>
+          <a:p>
+            <a:pPr marL="285750" indent="-285750">
+              <a:lnSpc>
+                <a:spcPct val="150000"/>
+              </a:lnSpc>
+              <a:buFont typeface="Arial" panose="020B0604020202020204" pitchFamily="34" charset="0"/>
+              <a:buChar char="•"/>
+            </a:pPr>
+            <a:r>
+              <a:rPr lang="en-US" altLang="zh-CN" dirty="0" err="1"/>
+              <a:t>OnElemntMoved</a:t>
+            </a:r>
+            <a:r>
+              <a:rPr lang="en-US" altLang="zh-CN" dirty="0"/>
+              <a:t>(</a:t>
+            </a:r>
+            <a:r>
+              <a:rPr lang="en-US" altLang="zh-CN" dirty="0" err="1"/>
+              <a:t>FxTemplate</a:t>
+            </a:r>
+            <a:r>
+              <a:rPr lang="en-US" altLang="zh-CN" dirty="0"/>
+              <a:t>* </a:t>
+            </a:r>
+            <a:r>
+              <a:rPr lang="en-US" altLang="zh-CN" dirty="0" err="1"/>
+              <a:t>pFxTemplate</a:t>
+            </a:r>
+            <a:r>
+              <a:rPr lang="en-US" altLang="zh-CN" dirty="0"/>
+              <a:t>)</a:t>
+            </a:r>
+          </a:p>
+        </p:txBody>
+      </p:sp>
+      <p:sp>
+        <p:nvSpPr>
+          <p:cNvPr id="2" name="文本框 1"/>
+          <p:cNvSpPr txBox="1"/>
+          <p:nvPr/>
+        </p:nvSpPr>
+        <p:spPr>
+          <a:xfrm>
+            <a:off x="733647" y="1212111"/>
+            <a:ext cx="2646878" cy="461665"/>
+          </a:xfrm>
+          <a:prstGeom prst="rect">
+            <a:avLst/>
+          </a:prstGeom>
+          <a:noFill/>
+        </p:spPr>
+        <p:txBody>
+          <a:bodyPr wrap="none" rtlCol="0">
+            <a:spAutoFit/>
+          </a:bodyPr>
+          <a:lstStyle/>
+          <a:p>
+            <a:r>
+              <a:rPr lang="zh-CN" altLang="en-US" sz="2400" b="1" dirty="0"/>
+              <a:t>发射器相关接口</a:t>
+            </a:r>
+            <a:r>
+              <a:rPr lang="zh-CN" altLang="en-US" sz="2400" dirty="0"/>
+              <a:t>：</a:t>
+            </a:r>
+          </a:p>
+        </p:txBody>
+      </p:sp>
+    </p:spTree>
+    <p:extLst>
+      <p:ext uri="{BB962C8B-B14F-4D97-AF65-F5344CB8AC3E}">
+        <p14:creationId xmlns:p14="http://schemas.microsoft.com/office/powerpoint/2010/main" val="1705737119"/>
       </p:ext>
     </p:extLst>
   </p:cSld>
@@ -7168,7 +8631,7 @@
         </p:nvSpPr>
         <p:spPr>
           <a:xfrm>
-            <a:off x="776275" y="670541"/>
+            <a:off x="797068" y="885890"/>
             <a:ext cx="2030818" cy="537169"/>
           </a:xfrm>
           <a:prstGeom prst="rect">
@@ -7220,7 +8683,7 @@
         </p:nvSpPr>
         <p:spPr>
           <a:xfrm>
-            <a:off x="776275" y="2468063"/>
+            <a:off x="797068" y="2683412"/>
             <a:ext cx="2030818" cy="542547"/>
           </a:xfrm>
           <a:prstGeom prst="rect">
@@ -7276,7 +8739,7 @@
         </p:nvCxnSpPr>
         <p:spPr>
           <a:xfrm>
-            <a:off x="1791684" y="1207710"/>
+            <a:off x="1812477" y="1423059"/>
             <a:ext cx="0" cy="1260353"/>
           </a:xfrm>
           <a:prstGeom prst="straightConnector1">
@@ -7321,7 +8784,7 @@
         </p:nvSpPr>
         <p:spPr>
           <a:xfrm>
-            <a:off x="1791684" y="1328483"/>
+            <a:off x="1812477" y="1543832"/>
             <a:ext cx="741976" cy="369332"/>
           </a:xfrm>
           <a:prstGeom prst="rect">
@@ -7357,7 +8820,7 @@
         </p:nvSpPr>
         <p:spPr>
           <a:xfrm>
-            <a:off x="1825263" y="1984135"/>
+            <a:off x="1846056" y="2199484"/>
             <a:ext cx="741976" cy="369332"/>
           </a:xfrm>
           <a:prstGeom prst="rect">
@@ -7393,7 +8856,7 @@
         </p:nvSpPr>
         <p:spPr>
           <a:xfrm>
-            <a:off x="776275" y="4069884"/>
+            <a:off x="797068" y="4285233"/>
             <a:ext cx="2030818" cy="542547"/>
           </a:xfrm>
           <a:prstGeom prst="rect">
@@ -7455,7 +8918,7 @@
         </p:nvCxnSpPr>
         <p:spPr>
           <a:xfrm>
-            <a:off x="1791684" y="3010610"/>
+            <a:off x="1812477" y="3225959"/>
             <a:ext cx="0" cy="1059274"/>
           </a:xfrm>
           <a:prstGeom prst="straightConnector1">
@@ -7500,7 +8963,7 @@
         </p:nvSpPr>
         <p:spPr>
           <a:xfrm>
-            <a:off x="1791684" y="3076211"/>
+            <a:off x="1812477" y="3291560"/>
             <a:ext cx="741976" cy="369332"/>
           </a:xfrm>
           <a:prstGeom prst="rect">
@@ -7536,7 +8999,7 @@
         </p:nvSpPr>
         <p:spPr>
           <a:xfrm>
-            <a:off x="1829659" y="3703224"/>
+            <a:off x="1850452" y="3918573"/>
             <a:ext cx="741976" cy="369332"/>
           </a:xfrm>
           <a:prstGeom prst="rect">
@@ -7634,8 +9097,8 @@
         </p:nvCxnSpPr>
         <p:spPr>
           <a:xfrm flipV="1">
-            <a:off x="2807093" y="2915030"/>
-            <a:ext cx="1835858" cy="1426128"/>
+            <a:off x="2827886" y="2915030"/>
+            <a:ext cx="1815065" cy="1641477"/>
           </a:xfrm>
           <a:prstGeom prst="straightConnector1">
             <a:avLst/>
@@ -7679,7 +9142,7 @@
         </p:nvSpPr>
         <p:spPr>
           <a:xfrm>
-            <a:off x="2709538" y="3700552"/>
+            <a:off x="2730331" y="3915901"/>
             <a:ext cx="466148" cy="369332"/>
           </a:xfrm>
           <a:prstGeom prst="rect">
@@ -7751,8 +9214,8 @@
         </p:nvSpPr>
         <p:spPr>
           <a:xfrm>
-            <a:off x="776275" y="5398083"/>
-            <a:ext cx="2030818" cy="542547"/>
+            <a:off x="733418" y="5615780"/>
+            <a:ext cx="2158118" cy="542547"/>
           </a:xfrm>
           <a:prstGeom prst="rect">
             <a:avLst/>
@@ -7813,8 +9276,8 @@
         </p:nvCxnSpPr>
         <p:spPr>
           <a:xfrm flipV="1">
-            <a:off x="1791684" y="4612431"/>
-            <a:ext cx="0" cy="785652"/>
+            <a:off x="1812477" y="4827780"/>
+            <a:ext cx="0" cy="788000"/>
           </a:xfrm>
           <a:prstGeom prst="straightConnector1">
             <a:avLst/>
@@ -7858,8 +9321,8 @@
         </p:nvSpPr>
         <p:spPr>
           <a:xfrm>
-            <a:off x="4642950" y="1155268"/>
-            <a:ext cx="2030818" cy="542547"/>
+            <a:off x="4592397" y="1154475"/>
+            <a:ext cx="2131923" cy="542547"/>
           </a:xfrm>
           <a:prstGeom prst="rect">
             <a:avLst/>
@@ -7920,8 +9383,8 @@
         </p:nvCxnSpPr>
         <p:spPr>
           <a:xfrm flipH="1" flipV="1">
-            <a:off x="5658359" y="1697815"/>
-            <a:ext cx="1" cy="945941"/>
+            <a:off x="5658359" y="1697022"/>
+            <a:ext cx="1" cy="946734"/>
           </a:xfrm>
           <a:prstGeom prst="straightConnector1">
             <a:avLst/>
@@ -8108,7 +9571,7 @@
         </p:nvSpPr>
         <p:spPr>
           <a:xfrm>
-            <a:off x="5753519" y="3810643"/>
+            <a:off x="5663153" y="3815946"/>
             <a:ext cx="370988" cy="369332"/>
           </a:xfrm>
           <a:prstGeom prst="rect">
@@ -8345,7 +9808,7 @@
         </p:nvSpPr>
         <p:spPr>
           <a:xfrm>
-            <a:off x="9447063" y="2233684"/>
+            <a:off x="9379357" y="2246136"/>
             <a:ext cx="370988" cy="369332"/>
           </a:xfrm>
           <a:prstGeom prst="rect">
@@ -8524,7 +9987,7 @@
         </p:nvSpPr>
         <p:spPr>
           <a:xfrm>
-            <a:off x="9441770" y="3901406"/>
+            <a:off x="9351402" y="3910325"/>
             <a:ext cx="370988" cy="369332"/>
           </a:xfrm>
           <a:prstGeom prst="rect">
@@ -8543,6 +10006,44 @@
               <a:t>n</a:t>
             </a:r>
             <a:endParaRPr kumimoji="1" lang="zh-CN" altLang="en-US" dirty="0"/>
+          </a:p>
+        </p:txBody>
+      </p:sp>
+      <p:sp>
+        <p:nvSpPr>
+          <p:cNvPr id="36" name="文本框 35"/>
+          <p:cNvSpPr txBox="1"/>
+          <p:nvPr/>
+        </p:nvSpPr>
+        <p:spPr>
+          <a:xfrm>
+            <a:off x="615142" y="374073"/>
+            <a:ext cx="2468880" cy="369332"/>
+          </a:xfrm>
+          <a:prstGeom prst="rect">
+            <a:avLst/>
+          </a:prstGeom>
+          <a:noFill/>
+        </p:spPr>
+        <p:txBody>
+          <a:bodyPr wrap="square" rtlCol="0">
+            <a:spAutoFit/>
+          </a:bodyPr>
+          <a:lstStyle/>
+          <a:p>
+            <a:r>
+              <a:rPr lang="zh-CN" altLang="en-US" dirty="0" smtClean="0"/>
+              <a:t>类依赖关系</a:t>
+            </a:r>
+            <a:r>
+              <a:rPr lang="en-US" altLang="zh-CN" dirty="0"/>
+              <a:t>(Core)</a:t>
+            </a:r>
+            <a:r>
+              <a:rPr lang="zh-CN" altLang="en-US" dirty="0" smtClean="0"/>
+              <a:t>：</a:t>
+            </a:r>
+            <a:endParaRPr lang="zh-CN" altLang="en-US" dirty="0"/>
           </a:p>
         </p:txBody>
       </p:sp>
@@ -8578,14 +10079,14 @@
       </p:grpSpPr>
       <p:sp>
         <p:nvSpPr>
-          <p:cNvPr id="5" name="矩形 4"/>
+          <p:cNvPr id="64" name="矩形 63"/>
           <p:cNvSpPr/>
           <p:nvPr/>
         </p:nvSpPr>
         <p:spPr>
           <a:xfrm>
-            <a:off x="4818323" y="394906"/>
-            <a:ext cx="2624468" cy="537169"/>
+            <a:off x="4494875" y="1836290"/>
+            <a:ext cx="2407581" cy="537169"/>
           </a:xfrm>
           <a:prstGeom prst="rect">
             <a:avLst/>
@@ -8621,23 +10122,575 @@
           <a:p>
             <a:pPr algn="ctr"/>
             <a:r>
-              <a:rPr lang="en-US" altLang="zh-CN" sz="2800" b="1" dirty="0" err="1"/>
-              <a:t>FxTemplate</a:t>
-            </a:r>
-            <a:endParaRPr lang="zh-CN" altLang="en-US" sz="2800" b="1" dirty="0"/>
-          </a:p>
-        </p:txBody>
-      </p:sp>
-      <p:sp>
-        <p:nvSpPr>
-          <p:cNvPr id="6" name="文本框 5"/>
+              <a:rPr lang="en-US" altLang="zh-CN" dirty="0" err="1"/>
+              <a:t>FxParticleSystem</a:t>
+            </a:r>
+            <a:endParaRPr lang="zh-CN" altLang="en-US" dirty="0"/>
+          </a:p>
+        </p:txBody>
+      </p:sp>
+      <p:sp>
+        <p:nvSpPr>
+          <p:cNvPr id="66" name="矩形 65">
+            <a:extLst>
+              <a:ext uri="{FF2B5EF4-FFF2-40B4-BE49-F238E27FC236}">
+                <a16:creationId xmlns:a16="http://schemas.microsoft.com/office/drawing/2014/main" id="{98343188-6B65-D046-B4ED-0D7B916142E0}"/>
+              </a:ext>
+            </a:extLst>
+          </p:cNvPr>
+          <p:cNvSpPr/>
+          <p:nvPr/>
+        </p:nvSpPr>
+        <p:spPr>
+          <a:xfrm>
+            <a:off x="4683257" y="495411"/>
+            <a:ext cx="2030818" cy="542547"/>
+          </a:xfrm>
+          <a:prstGeom prst="rect">
+            <a:avLst/>
+          </a:prstGeom>
+          <a:noFill/>
+          <a:ln w="9525" cap="flat" cmpd="sng" algn="ctr">
+            <a:solidFill>
+              <a:schemeClr val="accent2"/>
+            </a:solidFill>
+            <a:prstDash val="solid"/>
+            <a:round/>
+            <a:headEnd type="none" w="med" len="med"/>
+            <a:tailEnd type="none" w="med" len="med"/>
+          </a:ln>
+        </p:spPr>
+        <p:style>
+          <a:lnRef idx="0">
+            <a:scrgbClr r="0" g="0" b="0"/>
+          </a:lnRef>
+          <a:fillRef idx="0">
+            <a:scrgbClr r="0" g="0" b="0"/>
+          </a:fillRef>
+          <a:effectRef idx="0">
+            <a:scrgbClr r="0" g="0" b="0"/>
+          </a:effectRef>
+          <a:fontRef idx="minor">
+            <a:schemeClr val="accent2"/>
+          </a:fontRef>
+        </p:style>
+        <p:txBody>
+          <a:bodyPr rtlCol="0" anchor="ctr"/>
+          <a:lstStyle/>
+          <a:p>
+            <a:pPr algn="ctr"/>
+            <a:r>
+              <a:rPr lang="en-US" altLang="zh-CN" dirty="0" err="1"/>
+              <a:t>FxElement</a:t>
+            </a:r>
+            <a:endParaRPr lang="en-US" altLang="zh-CN" dirty="0"/>
+          </a:p>
+        </p:txBody>
+      </p:sp>
+      <p:sp>
+        <p:nvSpPr>
+          <p:cNvPr id="18" name="矩形 17"/>
+          <p:cNvSpPr/>
+          <p:nvPr/>
+        </p:nvSpPr>
+        <p:spPr>
+          <a:xfrm>
+            <a:off x="1274152" y="3036370"/>
+            <a:ext cx="2820447" cy="537169"/>
+          </a:xfrm>
+          <a:prstGeom prst="rect">
+            <a:avLst/>
+          </a:prstGeom>
+          <a:noFill/>
+          <a:ln w="9525" cap="flat" cmpd="sng" algn="ctr">
+            <a:solidFill>
+              <a:schemeClr val="accent2"/>
+            </a:solidFill>
+            <a:prstDash val="solid"/>
+            <a:round/>
+            <a:headEnd type="none" w="med" len="med"/>
+            <a:tailEnd type="none" w="med" len="med"/>
+          </a:ln>
+        </p:spPr>
+        <p:style>
+          <a:lnRef idx="0">
+            <a:scrgbClr r="0" g="0" b="0"/>
+          </a:lnRef>
+          <a:fillRef idx="0">
+            <a:scrgbClr r="0" g="0" b="0"/>
+          </a:fillRef>
+          <a:effectRef idx="0">
+            <a:scrgbClr r="0" g="0" b="0"/>
+          </a:effectRef>
+          <a:fontRef idx="minor">
+            <a:schemeClr val="accent2"/>
+          </a:fontRef>
+        </p:style>
+        <p:txBody>
+          <a:bodyPr rtlCol="0" anchor="ctr"/>
+          <a:lstStyle/>
+          <a:p>
+            <a:pPr algn="ctr"/>
+            <a:r>
+              <a:rPr lang="en-US" altLang="zh-CN" dirty="0" err="1"/>
+              <a:t>FxParticleSystemSprite</a:t>
+            </a:r>
+            <a:endParaRPr lang="zh-CN" altLang="en-US" dirty="0"/>
+          </a:p>
+        </p:txBody>
+      </p:sp>
+      <p:sp>
+        <p:nvSpPr>
+          <p:cNvPr id="19" name="矩形 18"/>
+          <p:cNvSpPr/>
+          <p:nvPr/>
+        </p:nvSpPr>
+        <p:spPr>
+          <a:xfrm>
+            <a:off x="6175429" y="5262102"/>
+            <a:ext cx="3194400" cy="537169"/>
+          </a:xfrm>
+          <a:prstGeom prst="rect">
+            <a:avLst/>
+          </a:prstGeom>
+          <a:noFill/>
+          <a:ln w="9525" cap="flat" cmpd="sng" algn="ctr">
+            <a:solidFill>
+              <a:schemeClr val="accent2"/>
+            </a:solidFill>
+            <a:prstDash val="solid"/>
+            <a:round/>
+            <a:headEnd type="none" w="med" len="med"/>
+            <a:tailEnd type="none" w="med" len="med"/>
+          </a:ln>
+        </p:spPr>
+        <p:style>
+          <a:lnRef idx="0">
+            <a:scrgbClr r="0" g="0" b="0"/>
+          </a:lnRef>
+          <a:fillRef idx="0">
+            <a:scrgbClr r="0" g="0" b="0"/>
+          </a:fillRef>
+          <a:effectRef idx="0">
+            <a:scrgbClr r="0" g="0" b="0"/>
+          </a:effectRef>
+          <a:fontRef idx="minor">
+            <a:schemeClr val="accent2"/>
+          </a:fontRef>
+        </p:style>
+        <p:txBody>
+          <a:bodyPr rtlCol="0" anchor="ctr"/>
+          <a:lstStyle/>
+          <a:p>
+            <a:pPr algn="ctr"/>
+            <a:r>
+              <a:rPr lang="en-US" altLang="zh-CN" dirty="0" err="1"/>
+              <a:t>FxParticleSystemAnimTrail</a:t>
+            </a:r>
+            <a:endParaRPr lang="zh-CN" altLang="en-US" dirty="0"/>
+          </a:p>
+        </p:txBody>
+      </p:sp>
+      <p:sp>
+        <p:nvSpPr>
+          <p:cNvPr id="20" name="矩形 19"/>
+          <p:cNvSpPr/>
+          <p:nvPr/>
+        </p:nvSpPr>
+        <p:spPr>
+          <a:xfrm>
+            <a:off x="2749201" y="4353581"/>
+            <a:ext cx="3014290" cy="537169"/>
+          </a:xfrm>
+          <a:prstGeom prst="rect">
+            <a:avLst/>
+          </a:prstGeom>
+          <a:noFill/>
+          <a:ln w="9525" cap="flat" cmpd="sng" algn="ctr">
+            <a:solidFill>
+              <a:schemeClr val="accent2"/>
+            </a:solidFill>
+            <a:prstDash val="solid"/>
+            <a:round/>
+            <a:headEnd type="none" w="med" len="med"/>
+            <a:tailEnd type="none" w="med" len="med"/>
+          </a:ln>
+        </p:spPr>
+        <p:style>
+          <a:lnRef idx="0">
+            <a:scrgbClr r="0" g="0" b="0"/>
+          </a:lnRef>
+          <a:fillRef idx="0">
+            <a:scrgbClr r="0" g="0" b="0"/>
+          </a:fillRef>
+          <a:effectRef idx="0">
+            <a:scrgbClr r="0" g="0" b="0"/>
+          </a:effectRef>
+          <a:fontRef idx="minor">
+            <a:schemeClr val="accent2"/>
+          </a:fontRef>
+        </p:style>
+        <p:txBody>
+          <a:bodyPr rtlCol="0" anchor="ctr"/>
+          <a:lstStyle/>
+          <a:p>
+            <a:pPr algn="ctr"/>
+            <a:r>
+              <a:rPr lang="en-US" altLang="zh-CN" dirty="0" err="1"/>
+              <a:t>FxParticleSystemModel</a:t>
+            </a:r>
+            <a:endParaRPr lang="zh-CN" altLang="en-US" dirty="0"/>
+          </a:p>
+        </p:txBody>
+      </p:sp>
+      <p:sp>
+        <p:nvSpPr>
+          <p:cNvPr id="21" name="矩形 20"/>
+          <p:cNvSpPr/>
+          <p:nvPr/>
+        </p:nvSpPr>
+        <p:spPr>
+          <a:xfrm>
+            <a:off x="7772629" y="3026753"/>
+            <a:ext cx="3014290" cy="537169"/>
+          </a:xfrm>
+          <a:prstGeom prst="rect">
+            <a:avLst/>
+          </a:prstGeom>
+          <a:noFill/>
+          <a:ln w="9525" cap="flat" cmpd="sng" algn="ctr">
+            <a:solidFill>
+              <a:schemeClr val="accent2"/>
+            </a:solidFill>
+            <a:prstDash val="solid"/>
+            <a:round/>
+            <a:headEnd type="none" w="med" len="med"/>
+            <a:tailEnd type="none" w="med" len="med"/>
+          </a:ln>
+        </p:spPr>
+        <p:style>
+          <a:lnRef idx="0">
+            <a:scrgbClr r="0" g="0" b="0"/>
+          </a:lnRef>
+          <a:fillRef idx="0">
+            <a:scrgbClr r="0" g="0" b="0"/>
+          </a:fillRef>
+          <a:effectRef idx="0">
+            <a:scrgbClr r="0" g="0" b="0"/>
+          </a:effectRef>
+          <a:fontRef idx="minor">
+            <a:schemeClr val="accent2"/>
+          </a:fontRef>
+        </p:style>
+        <p:txBody>
+          <a:bodyPr rtlCol="0" anchor="ctr"/>
+          <a:lstStyle/>
+          <a:p>
+            <a:pPr algn="ctr"/>
+            <a:r>
+              <a:rPr lang="en-US" altLang="zh-CN" dirty="0" err="1"/>
+              <a:t>FxParticleSystemBeam</a:t>
+            </a:r>
+            <a:endParaRPr lang="zh-CN" altLang="en-US" dirty="0"/>
+          </a:p>
+        </p:txBody>
+      </p:sp>
+      <p:sp>
+        <p:nvSpPr>
+          <p:cNvPr id="22" name="矩形 21"/>
+          <p:cNvSpPr/>
+          <p:nvPr/>
+        </p:nvSpPr>
+        <p:spPr>
+          <a:xfrm>
+            <a:off x="6265484" y="4101091"/>
+            <a:ext cx="3014290" cy="537169"/>
+          </a:xfrm>
+          <a:prstGeom prst="rect">
+            <a:avLst/>
+          </a:prstGeom>
+          <a:noFill/>
+          <a:ln w="9525" cap="flat" cmpd="sng" algn="ctr">
+            <a:solidFill>
+              <a:schemeClr val="accent2"/>
+            </a:solidFill>
+            <a:prstDash val="solid"/>
+            <a:round/>
+            <a:headEnd type="none" w="med" len="med"/>
+            <a:tailEnd type="none" w="med" len="med"/>
+          </a:ln>
+        </p:spPr>
+        <p:style>
+          <a:lnRef idx="0">
+            <a:scrgbClr r="0" g="0" b="0"/>
+          </a:lnRef>
+          <a:fillRef idx="0">
+            <a:scrgbClr r="0" g="0" b="0"/>
+          </a:fillRef>
+          <a:effectRef idx="0">
+            <a:scrgbClr r="0" g="0" b="0"/>
+          </a:effectRef>
+          <a:fontRef idx="minor">
+            <a:schemeClr val="accent2"/>
+          </a:fontRef>
+        </p:style>
+        <p:txBody>
+          <a:bodyPr rtlCol="0" anchor="ctr"/>
+          <a:lstStyle/>
+          <a:p>
+            <a:pPr algn="ctr"/>
+            <a:r>
+              <a:rPr lang="en-US" altLang="zh-CN" dirty="0" err="1"/>
+              <a:t>FxParticleSystemRibbon</a:t>
+            </a:r>
+            <a:endParaRPr lang="zh-CN" altLang="en-US" dirty="0"/>
+          </a:p>
+        </p:txBody>
+      </p:sp>
+      <p:cxnSp>
+        <p:nvCxnSpPr>
+          <p:cNvPr id="23" name="直接箭头连接符 22"/>
+          <p:cNvCxnSpPr>
+            <a:stCxn id="64" idx="0"/>
+            <a:endCxn id="66" idx="2"/>
+          </p:cNvCxnSpPr>
+          <p:nvPr/>
+        </p:nvCxnSpPr>
+        <p:spPr>
+          <a:xfrm flipV="1">
+            <a:off x="5698666" y="1037958"/>
+            <a:ext cx="0" cy="798332"/>
+          </a:xfrm>
+          <a:prstGeom prst="straightConnector1">
+            <a:avLst/>
+          </a:prstGeom>
+          <a:ln w="28575">
+            <a:solidFill>
+              <a:schemeClr val="tx1"/>
+            </a:solidFill>
+            <a:tailEnd type="triangle"/>
+          </a:ln>
+        </p:spPr>
+        <p:style>
+          <a:lnRef idx="1">
+            <a:schemeClr val="accent1"/>
+          </a:lnRef>
+          <a:fillRef idx="0">
+            <a:schemeClr val="accent1"/>
+          </a:fillRef>
+          <a:effectRef idx="0">
+            <a:schemeClr val="accent1"/>
+          </a:effectRef>
+          <a:fontRef idx="minor">
+            <a:schemeClr val="tx1"/>
+          </a:fontRef>
+        </p:style>
+      </p:cxnSp>
+      <p:cxnSp>
+        <p:nvCxnSpPr>
+          <p:cNvPr id="28" name="直接箭头连接符 27"/>
+          <p:cNvCxnSpPr>
+            <a:stCxn id="18" idx="0"/>
+            <a:endCxn id="64" idx="2"/>
+          </p:cNvCxnSpPr>
+          <p:nvPr/>
+        </p:nvCxnSpPr>
+        <p:spPr>
+          <a:xfrm flipV="1">
+            <a:off x="2684376" y="2373459"/>
+            <a:ext cx="3014290" cy="662911"/>
+          </a:xfrm>
+          <a:prstGeom prst="straightConnector1">
+            <a:avLst/>
+          </a:prstGeom>
+          <a:ln w="28575">
+            <a:solidFill>
+              <a:schemeClr val="tx1"/>
+            </a:solidFill>
+            <a:tailEnd type="triangle"/>
+          </a:ln>
+        </p:spPr>
+        <p:style>
+          <a:lnRef idx="1">
+            <a:schemeClr val="accent1"/>
+          </a:lnRef>
+          <a:fillRef idx="0">
+            <a:schemeClr val="accent1"/>
+          </a:fillRef>
+          <a:effectRef idx="0">
+            <a:schemeClr val="accent1"/>
+          </a:effectRef>
+          <a:fontRef idx="minor">
+            <a:schemeClr val="tx1"/>
+          </a:fontRef>
+        </p:style>
+      </p:cxnSp>
+      <p:cxnSp>
+        <p:nvCxnSpPr>
+          <p:cNvPr id="31" name="直接箭头连接符 30"/>
+          <p:cNvCxnSpPr>
+            <a:stCxn id="20" idx="0"/>
+            <a:endCxn id="64" idx="2"/>
+          </p:cNvCxnSpPr>
+          <p:nvPr/>
+        </p:nvCxnSpPr>
+        <p:spPr>
+          <a:xfrm flipV="1">
+            <a:off x="4256346" y="2373459"/>
+            <a:ext cx="1442320" cy="1980122"/>
+          </a:xfrm>
+          <a:prstGeom prst="straightConnector1">
+            <a:avLst/>
+          </a:prstGeom>
+          <a:ln w="28575">
+            <a:solidFill>
+              <a:schemeClr val="tx1"/>
+            </a:solidFill>
+            <a:tailEnd type="triangle"/>
+          </a:ln>
+        </p:spPr>
+        <p:style>
+          <a:lnRef idx="1">
+            <a:schemeClr val="accent1"/>
+          </a:lnRef>
+          <a:fillRef idx="0">
+            <a:schemeClr val="accent1"/>
+          </a:fillRef>
+          <a:effectRef idx="0">
+            <a:schemeClr val="accent1"/>
+          </a:effectRef>
+          <a:fontRef idx="minor">
+            <a:schemeClr val="tx1"/>
+          </a:fontRef>
+        </p:style>
+      </p:cxnSp>
+      <p:cxnSp>
+        <p:nvCxnSpPr>
+          <p:cNvPr id="35" name="直接箭头连接符 34"/>
+          <p:cNvCxnSpPr>
+            <a:stCxn id="22" idx="0"/>
+            <a:endCxn id="64" idx="2"/>
+          </p:cNvCxnSpPr>
+          <p:nvPr/>
+        </p:nvCxnSpPr>
+        <p:spPr>
+          <a:xfrm flipH="1" flipV="1">
+            <a:off x="5698666" y="2373459"/>
+            <a:ext cx="2073963" cy="1727632"/>
+          </a:xfrm>
+          <a:prstGeom prst="straightConnector1">
+            <a:avLst/>
+          </a:prstGeom>
+          <a:ln w="28575">
+            <a:solidFill>
+              <a:schemeClr val="tx1"/>
+            </a:solidFill>
+            <a:tailEnd type="triangle"/>
+          </a:ln>
+        </p:spPr>
+        <p:style>
+          <a:lnRef idx="1">
+            <a:schemeClr val="accent1"/>
+          </a:lnRef>
+          <a:fillRef idx="0">
+            <a:schemeClr val="accent1"/>
+          </a:fillRef>
+          <a:effectRef idx="0">
+            <a:schemeClr val="accent1"/>
+          </a:effectRef>
+          <a:fontRef idx="minor">
+            <a:schemeClr val="tx1"/>
+          </a:fontRef>
+        </p:style>
+      </p:cxnSp>
+      <p:cxnSp>
+        <p:nvCxnSpPr>
+          <p:cNvPr id="40" name="直接箭头连接符 39"/>
+          <p:cNvCxnSpPr>
+            <a:stCxn id="21" idx="0"/>
+            <a:endCxn id="64" idx="2"/>
+          </p:cNvCxnSpPr>
+          <p:nvPr/>
+        </p:nvCxnSpPr>
+        <p:spPr>
+          <a:xfrm flipH="1" flipV="1">
+            <a:off x="5698666" y="2373459"/>
+            <a:ext cx="3581108" cy="653294"/>
+          </a:xfrm>
+          <a:prstGeom prst="straightConnector1">
+            <a:avLst/>
+          </a:prstGeom>
+          <a:ln w="28575">
+            <a:solidFill>
+              <a:schemeClr val="tx1"/>
+            </a:solidFill>
+            <a:tailEnd type="triangle"/>
+          </a:ln>
+        </p:spPr>
+        <p:style>
+          <a:lnRef idx="1">
+            <a:schemeClr val="accent1"/>
+          </a:lnRef>
+          <a:fillRef idx="0">
+            <a:schemeClr val="accent1"/>
+          </a:fillRef>
+          <a:effectRef idx="0">
+            <a:schemeClr val="accent1"/>
+          </a:effectRef>
+          <a:fontRef idx="minor">
+            <a:schemeClr val="tx1"/>
+          </a:fontRef>
+        </p:style>
+      </p:cxnSp>
+      <p:cxnSp>
+        <p:nvCxnSpPr>
+          <p:cNvPr id="42" name="直接箭头连接符 41"/>
+          <p:cNvCxnSpPr>
+            <a:stCxn id="19" idx="0"/>
+            <a:endCxn id="22" idx="2"/>
+          </p:cNvCxnSpPr>
+          <p:nvPr/>
+        </p:nvCxnSpPr>
+        <p:spPr>
+          <a:xfrm flipV="1">
+            <a:off x="7772629" y="4638260"/>
+            <a:ext cx="0" cy="623842"/>
+          </a:xfrm>
+          <a:prstGeom prst="straightConnector1">
+            <a:avLst/>
+          </a:prstGeom>
+          <a:ln w="28575">
+            <a:solidFill>
+              <a:schemeClr val="tx1"/>
+            </a:solidFill>
+            <a:tailEnd type="triangle"/>
+          </a:ln>
+        </p:spPr>
+        <p:style>
+          <a:lnRef idx="1">
+            <a:schemeClr val="accent1"/>
+          </a:lnRef>
+          <a:fillRef idx="0">
+            <a:schemeClr val="accent1"/>
+          </a:fillRef>
+          <a:effectRef idx="0">
+            <a:schemeClr val="accent1"/>
+          </a:effectRef>
+          <a:fontRef idx="minor">
+            <a:schemeClr val="tx1"/>
+          </a:fontRef>
+        </p:style>
+      </p:cxnSp>
+      <p:sp>
+        <p:nvSpPr>
+          <p:cNvPr id="50" name="文本框 49"/>
           <p:cNvSpPr txBox="1"/>
           <p:nvPr/>
         </p:nvSpPr>
         <p:spPr>
           <a:xfrm>
-            <a:off x="1543733" y="781924"/>
-            <a:ext cx="8506047" cy="4628190"/>
+            <a:off x="615142" y="374073"/>
+            <a:ext cx="2468880" cy="369332"/>
           </a:xfrm>
           <a:prstGeom prst="rect">
             <a:avLst/>
@@ -8650,414 +10703,89 @@
           </a:bodyPr>
           <a:lstStyle/>
           <a:p>
-            <a:pPr marL="285750" indent="-285750">
-              <a:lnSpc>
-                <a:spcPct val="150000"/>
-              </a:lnSpc>
-              <a:buFont typeface="Arial" panose="020B0604020202020204" pitchFamily="34" charset="0"/>
-              <a:buChar char="•"/>
-            </a:pPr>
-            <a:r>
-              <a:rPr lang="en-US" altLang="zh-CN" dirty="0"/>
-              <a:t>GetName</a:t>
-            </a:r>
-          </a:p>
-          <a:p>
-            <a:pPr marL="285750" indent="-285750">
-              <a:lnSpc>
-                <a:spcPct val="150000"/>
-              </a:lnSpc>
-              <a:buFont typeface="Arial" panose="020B0604020202020204" pitchFamily="34" charset="0"/>
-              <a:buChar char="•"/>
-            </a:pPr>
-            <a:r>
-              <a:rPr lang="en-US" altLang="zh-CN" dirty="0"/>
-              <a:t>GetElementNum</a:t>
-            </a:r>
-          </a:p>
-          <a:p>
-            <a:pPr marL="285750" indent="-285750">
-              <a:lnSpc>
-                <a:spcPct val="150000"/>
-              </a:lnSpc>
-              <a:buFont typeface="Arial" panose="020B0604020202020204" pitchFamily="34" charset="0"/>
-              <a:buChar char="•"/>
-            </a:pPr>
-            <a:r>
-              <a:rPr lang="en-US" altLang="zh-CN" dirty="0" err="1"/>
-              <a:t>GetElement</a:t>
-            </a:r>
-            <a:r>
-              <a:rPr lang="en-US" altLang="zh-CN" dirty="0"/>
-              <a:t>(xint32 </a:t>
-            </a:r>
-            <a:r>
-              <a:rPr lang="en-US" altLang="zh-CN" dirty="0" err="1"/>
-              <a:t>nIndex</a:t>
-            </a:r>
-            <a:r>
-              <a:rPr lang="en-US" altLang="zh-CN" dirty="0"/>
-              <a:t>)</a:t>
-            </a:r>
-          </a:p>
-          <a:p>
-            <a:pPr marL="285750" indent="-285750">
-              <a:lnSpc>
-                <a:spcPct val="150000"/>
-              </a:lnSpc>
-              <a:buFont typeface="Arial" panose="020B0604020202020204" pitchFamily="34" charset="0"/>
-              <a:buChar char="•"/>
-            </a:pPr>
-            <a:r>
-              <a:rPr lang="en-US" altLang="zh-CN" dirty="0" err="1"/>
-              <a:t>AddElement</a:t>
-            </a:r>
-            <a:r>
-              <a:rPr lang="en-US" altLang="zh-CN" dirty="0"/>
-              <a:t>(</a:t>
-            </a:r>
-            <a:r>
-              <a:rPr lang="en-US" altLang="zh-CN" dirty="0" err="1"/>
-              <a:t>const</a:t>
-            </a:r>
-            <a:r>
-              <a:rPr lang="en-US" altLang="zh-CN" dirty="0"/>
-              <a:t> </a:t>
-            </a:r>
-            <a:r>
-              <a:rPr lang="en-US" altLang="zh-CN" dirty="0" err="1"/>
-              <a:t>xchar</a:t>
-            </a:r>
-            <a:r>
-              <a:rPr lang="en-US" altLang="zh-CN" dirty="0"/>
-              <a:t>* </a:t>
-            </a:r>
-            <a:r>
-              <a:rPr lang="en-US" altLang="zh-CN" dirty="0" err="1"/>
-              <a:t>szName</a:t>
-            </a:r>
-            <a:r>
-              <a:rPr lang="en-US" altLang="zh-CN" dirty="0"/>
-              <a:t>, </a:t>
-            </a:r>
-            <a:r>
-              <a:rPr lang="en-US" altLang="zh-CN" dirty="0" err="1"/>
-              <a:t>FxElementType</a:t>
-            </a:r>
-            <a:r>
-              <a:rPr lang="en-US" altLang="zh-CN" dirty="0"/>
-              <a:t> </a:t>
-            </a:r>
-            <a:r>
-              <a:rPr lang="en-US" altLang="zh-CN" dirty="0" err="1"/>
-              <a:t>eType</a:t>
-            </a:r>
-            <a:r>
-              <a:rPr lang="en-US" altLang="zh-CN" dirty="0"/>
-              <a:t>)</a:t>
-            </a:r>
-          </a:p>
-          <a:p>
-            <a:pPr marL="285750" indent="-285750">
-              <a:lnSpc>
-                <a:spcPct val="150000"/>
-              </a:lnSpc>
-              <a:buFont typeface="Arial" panose="020B0604020202020204" pitchFamily="34" charset="0"/>
-              <a:buChar char="•"/>
-            </a:pPr>
-            <a:r>
-              <a:rPr lang="en-US" altLang="zh-CN" dirty="0" err="1"/>
-              <a:t>AddElement</a:t>
-            </a:r>
-            <a:r>
-              <a:rPr lang="en-US" altLang="zh-CN" dirty="0"/>
-              <a:t>(</a:t>
-            </a:r>
-            <a:r>
-              <a:rPr lang="en-US" altLang="zh-CN" dirty="0" err="1"/>
-              <a:t>FxElement</a:t>
-            </a:r>
-            <a:r>
-              <a:rPr lang="en-US" altLang="zh-CN" dirty="0"/>
-              <a:t>* </a:t>
-            </a:r>
-            <a:r>
-              <a:rPr lang="en-US" altLang="zh-CN" dirty="0" err="1"/>
-              <a:t>pElement</a:t>
-            </a:r>
-            <a:r>
-              <a:rPr lang="en-US" altLang="zh-CN" dirty="0"/>
-              <a:t>)</a:t>
-            </a:r>
-          </a:p>
-          <a:p>
-            <a:pPr marL="285750" indent="-285750">
-              <a:lnSpc>
-                <a:spcPct val="150000"/>
-              </a:lnSpc>
-              <a:buFont typeface="Arial" panose="020B0604020202020204" pitchFamily="34" charset="0"/>
-              <a:buChar char="•"/>
-            </a:pPr>
-            <a:r>
-              <a:rPr lang="en-US" altLang="zh-CN" dirty="0" err="1"/>
-              <a:t>RemoveElement</a:t>
-            </a:r>
-            <a:r>
-              <a:rPr lang="en-US" altLang="zh-CN" dirty="0"/>
-              <a:t>(xint32 </a:t>
-            </a:r>
-            <a:r>
-              <a:rPr lang="en-US" altLang="zh-CN" dirty="0" err="1"/>
-              <a:t>nIndex</a:t>
-            </a:r>
-            <a:r>
-              <a:rPr lang="en-US" altLang="zh-CN" dirty="0"/>
-              <a:t>, </a:t>
-            </a:r>
-            <a:r>
-              <a:rPr lang="en-US" altLang="zh-CN" dirty="0" err="1"/>
-              <a:t>xbool</a:t>
-            </a:r>
-            <a:r>
-              <a:rPr lang="en-US" altLang="zh-CN" dirty="0"/>
-              <a:t> </a:t>
-            </a:r>
-            <a:r>
-              <a:rPr lang="en-US" altLang="zh-CN" dirty="0" err="1"/>
-              <a:t>bDelete</a:t>
-            </a:r>
-            <a:r>
-              <a:rPr lang="en-US" altLang="zh-CN" dirty="0"/>
-              <a:t> = </a:t>
-            </a:r>
-            <a:r>
-              <a:rPr lang="en-US" altLang="zh-CN" dirty="0" err="1"/>
-              <a:t>xtrue</a:t>
-            </a:r>
-            <a:r>
-              <a:rPr lang="en-US" altLang="zh-CN" dirty="0"/>
-              <a:t>)</a:t>
-            </a:r>
-          </a:p>
-          <a:p>
-            <a:pPr marL="285750" indent="-285750">
-              <a:lnSpc>
-                <a:spcPct val="150000"/>
-              </a:lnSpc>
-              <a:buFont typeface="Arial" panose="020B0604020202020204" pitchFamily="34" charset="0"/>
-              <a:buChar char="•"/>
-            </a:pPr>
-            <a:r>
-              <a:rPr lang="en-US" altLang="zh-CN" dirty="0" err="1"/>
-              <a:t>RemoveElement</a:t>
-            </a:r>
-            <a:r>
-              <a:rPr lang="en-US" altLang="zh-CN" dirty="0"/>
-              <a:t>(</a:t>
-            </a:r>
-            <a:r>
-              <a:rPr lang="en-US" altLang="zh-CN" dirty="0" err="1"/>
-              <a:t>FxElement</a:t>
-            </a:r>
-            <a:r>
-              <a:rPr lang="en-US" altLang="zh-CN" dirty="0"/>
-              <a:t>* </a:t>
-            </a:r>
-            <a:r>
-              <a:rPr lang="en-US" altLang="zh-CN" dirty="0" err="1"/>
-              <a:t>pElement</a:t>
-            </a:r>
-            <a:r>
-              <a:rPr lang="en-US" altLang="zh-CN" dirty="0"/>
-              <a:t>, </a:t>
-            </a:r>
-            <a:r>
-              <a:rPr lang="en-US" altLang="zh-CN" dirty="0" err="1"/>
-              <a:t>xbool</a:t>
-            </a:r>
-            <a:r>
-              <a:rPr lang="en-US" altLang="zh-CN" dirty="0"/>
-              <a:t> </a:t>
-            </a:r>
-            <a:r>
-              <a:rPr lang="en-US" altLang="zh-CN" dirty="0" err="1"/>
-              <a:t>bDelete</a:t>
-            </a:r>
-            <a:r>
-              <a:rPr lang="en-US" altLang="zh-CN" dirty="0"/>
-              <a:t> = </a:t>
-            </a:r>
-            <a:r>
-              <a:rPr lang="en-US" altLang="zh-CN" dirty="0" err="1"/>
-              <a:t>xtrue</a:t>
-            </a:r>
-            <a:r>
-              <a:rPr lang="en-US" altLang="zh-CN" dirty="0"/>
-              <a:t>)</a:t>
-            </a:r>
-          </a:p>
-          <a:p>
-            <a:pPr marL="285750" indent="-285750">
-              <a:lnSpc>
-                <a:spcPct val="150000"/>
-              </a:lnSpc>
-              <a:buFont typeface="Arial" panose="020B0604020202020204" pitchFamily="34" charset="0"/>
-              <a:buChar char="•"/>
-            </a:pPr>
-            <a:r>
-              <a:rPr lang="en-US" altLang="zh-CN" dirty="0" err="1"/>
-              <a:t>MoveElement</a:t>
-            </a:r>
-            <a:r>
-              <a:rPr lang="en-US" altLang="zh-CN" dirty="0"/>
-              <a:t>(</a:t>
-            </a:r>
-            <a:r>
-              <a:rPr lang="en-US" altLang="zh-CN" dirty="0" err="1"/>
-              <a:t>FxElement</a:t>
-            </a:r>
-            <a:r>
-              <a:rPr lang="en-US" altLang="zh-CN" dirty="0"/>
-              <a:t>* </a:t>
-            </a:r>
-            <a:r>
-              <a:rPr lang="en-US" altLang="zh-CN" dirty="0" err="1"/>
-              <a:t>pElement</a:t>
-            </a:r>
-            <a:r>
-              <a:rPr lang="en-US" altLang="zh-CN" dirty="0"/>
-              <a:t>, xint32 </a:t>
-            </a:r>
-            <a:r>
-              <a:rPr lang="en-US" altLang="zh-CN" dirty="0" err="1"/>
-              <a:t>nMoveAmount</a:t>
-            </a:r>
-            <a:r>
-              <a:rPr lang="en-US" altLang="zh-CN" dirty="0"/>
-              <a:t>)</a:t>
-            </a:r>
-          </a:p>
-          <a:p>
-            <a:pPr marL="285750" indent="-285750">
-              <a:lnSpc>
-                <a:spcPct val="150000"/>
-              </a:lnSpc>
-              <a:buFont typeface="Arial" panose="020B0604020202020204" pitchFamily="34" charset="0"/>
-              <a:buChar char="•"/>
-            </a:pPr>
-            <a:r>
-              <a:rPr lang="en-US" altLang="zh-CN" dirty="0" err="1"/>
-              <a:t>DumplicateElement</a:t>
-            </a:r>
-            <a:r>
-              <a:rPr lang="en-US" altLang="zh-CN" dirty="0"/>
-              <a:t>(xint32 </a:t>
-            </a:r>
-            <a:r>
-              <a:rPr lang="en-US" altLang="zh-CN" dirty="0" err="1"/>
-              <a:t>nIndex</a:t>
-            </a:r>
-            <a:r>
-              <a:rPr lang="en-US" altLang="zh-CN" dirty="0"/>
-              <a:t>)</a:t>
-            </a:r>
-          </a:p>
-          <a:p>
-            <a:pPr marL="285750" indent="-285750">
-              <a:lnSpc>
-                <a:spcPct val="150000"/>
-              </a:lnSpc>
-              <a:buFont typeface="Arial" panose="020B0604020202020204" pitchFamily="34" charset="0"/>
-              <a:buChar char="•"/>
-            </a:pPr>
-            <a:r>
-              <a:rPr lang="en-US" altLang="zh-CN" dirty="0" err="1"/>
-              <a:t>DumplicateElement</a:t>
-            </a:r>
-            <a:r>
-              <a:rPr lang="en-US" altLang="zh-CN" dirty="0"/>
-              <a:t>(</a:t>
-            </a:r>
-            <a:r>
-              <a:rPr lang="en-US" altLang="zh-CN" dirty="0" err="1"/>
-              <a:t>FxElement</a:t>
-            </a:r>
-            <a:r>
-              <a:rPr lang="en-US" altLang="zh-CN" dirty="0"/>
-              <a:t>* </a:t>
-            </a:r>
-            <a:r>
-              <a:rPr lang="en-US" altLang="zh-CN" dirty="0" err="1"/>
-              <a:t>pElement</a:t>
-            </a:r>
-            <a:r>
-              <a:rPr lang="en-US" altLang="zh-CN" dirty="0"/>
-              <a:t>)</a:t>
-            </a:r>
-          </a:p>
-          <a:p>
-            <a:pPr marL="285750" indent="-285750">
-              <a:lnSpc>
-                <a:spcPct val="150000"/>
-              </a:lnSpc>
-              <a:buFont typeface="Arial" panose="020B0604020202020204" pitchFamily="34" charset="0"/>
-              <a:buChar char="•"/>
-            </a:pPr>
-            <a:r>
-              <a:rPr lang="en-US" altLang="zh-CN" dirty="0" err="1"/>
-              <a:t>AddEmptyElement</a:t>
-            </a:r>
-            <a:r>
-              <a:rPr lang="en-US" altLang="zh-CN" dirty="0"/>
-              <a:t>(</a:t>
-            </a:r>
-            <a:r>
-              <a:rPr lang="en-US" altLang="zh-CN" dirty="0" err="1"/>
-              <a:t>const</a:t>
-            </a:r>
-            <a:r>
-              <a:rPr lang="en-US" altLang="zh-CN" dirty="0"/>
-              <a:t> </a:t>
-            </a:r>
-            <a:r>
-              <a:rPr lang="en-US" altLang="zh-CN" dirty="0" err="1"/>
-              <a:t>xchar</a:t>
-            </a:r>
-            <a:r>
-              <a:rPr lang="en-US" altLang="zh-CN" dirty="0"/>
-              <a:t>* </a:t>
-            </a:r>
-            <a:r>
-              <a:rPr lang="en-US" altLang="zh-CN" dirty="0" err="1"/>
-              <a:t>szName</a:t>
-            </a:r>
-            <a:r>
-              <a:rPr lang="en-US" altLang="zh-CN" dirty="0"/>
-              <a:t>, </a:t>
-            </a:r>
-            <a:r>
-              <a:rPr lang="en-US" altLang="zh-CN" dirty="0" err="1"/>
-              <a:t>FxElementType</a:t>
-            </a:r>
-            <a:r>
-              <a:rPr lang="en-US" altLang="zh-CN" dirty="0"/>
-              <a:t> </a:t>
-            </a:r>
-            <a:r>
-              <a:rPr lang="en-US" altLang="zh-CN" dirty="0" err="1"/>
-              <a:t>eType</a:t>
-            </a:r>
-            <a:r>
-              <a:rPr lang="en-US" altLang="zh-CN" dirty="0"/>
-              <a:t>)</a:t>
-            </a:r>
+            <a:r>
+              <a:rPr lang="zh-CN" altLang="en-US" dirty="0" smtClean="0"/>
+              <a:t>发射器</a:t>
+            </a:r>
+            <a:r>
+              <a:rPr lang="en-US" altLang="zh-CN" dirty="0" smtClean="0"/>
+              <a:t>(Element)</a:t>
+            </a:r>
+            <a:r>
+              <a:rPr lang="zh-CN" altLang="en-US" dirty="0" smtClean="0"/>
+              <a:t>：</a:t>
+            </a:r>
+            <a:endParaRPr lang="zh-CN" altLang="en-US" dirty="0"/>
+          </a:p>
+        </p:txBody>
+      </p:sp>
+      <p:cxnSp>
+        <p:nvCxnSpPr>
+          <p:cNvPr id="52" name="直接连接符 51"/>
+          <p:cNvCxnSpPr>
+            <a:stCxn id="66" idx="3"/>
+            <a:endCxn id="55" idx="1"/>
+          </p:cNvCxnSpPr>
+          <p:nvPr/>
+        </p:nvCxnSpPr>
+        <p:spPr>
+          <a:xfrm flipV="1">
+            <a:off x="6714075" y="766684"/>
+            <a:ext cx="1691478" cy="1"/>
+          </a:xfrm>
+          <a:prstGeom prst="line">
+            <a:avLst/>
+          </a:prstGeom>
+        </p:spPr>
+        <p:style>
+          <a:lnRef idx="1">
+            <a:schemeClr val="accent1"/>
+          </a:lnRef>
+          <a:fillRef idx="0">
+            <a:schemeClr val="accent1"/>
+          </a:fillRef>
+          <a:effectRef idx="0">
+            <a:schemeClr val="accent1"/>
+          </a:effectRef>
+          <a:fontRef idx="minor">
+            <a:schemeClr val="tx1"/>
+          </a:fontRef>
+        </p:style>
+      </p:cxnSp>
+      <p:sp>
+        <p:nvSpPr>
+          <p:cNvPr id="55" name="文本框 54"/>
+          <p:cNvSpPr txBox="1"/>
+          <p:nvPr/>
+        </p:nvSpPr>
+        <p:spPr>
+          <a:xfrm>
+            <a:off x="8405553" y="582018"/>
+            <a:ext cx="1928552" cy="369332"/>
+          </a:xfrm>
+          <a:prstGeom prst="rect">
+            <a:avLst/>
+          </a:prstGeom>
+          <a:noFill/>
+        </p:spPr>
+        <p:txBody>
+          <a:bodyPr wrap="square" rtlCol="0">
+            <a:spAutoFit/>
+          </a:bodyPr>
+          <a:lstStyle/>
+          <a:p>
+            <a:r>
+              <a:rPr lang="zh-CN" altLang="en-US" dirty="0" smtClean="0"/>
+              <a:t>创建发射器数据</a:t>
+            </a:r>
+            <a:endParaRPr lang="zh-CN" altLang="en-US" dirty="0"/>
           </a:p>
         </p:txBody>
       </p:sp>
     </p:spTree>
     <p:extLst>
       <p:ext uri="{BB962C8B-B14F-4D97-AF65-F5344CB8AC3E}">
-        <p14:creationId xmlns:p14="http://schemas.microsoft.com/office/powerpoint/2010/main" val="1225918548"/>
+        <p14:creationId xmlns:p14="http://schemas.microsoft.com/office/powerpoint/2010/main" val="2885201382"/>
       </p:ext>
     </p:extLst>
   </p:cSld>
@@ -9086,14 +10814,14 @@
       </p:grpSpPr>
       <p:sp>
         <p:nvSpPr>
-          <p:cNvPr id="4" name="矩形 3"/>
+          <p:cNvPr id="12" name="矩形 11"/>
           <p:cNvSpPr/>
           <p:nvPr/>
         </p:nvSpPr>
         <p:spPr>
           <a:xfrm>
-            <a:off x="4848446" y="382484"/>
-            <a:ext cx="2030818" cy="542547"/>
+            <a:off x="4705343" y="728730"/>
+            <a:ext cx="2030818" cy="537169"/>
           </a:xfrm>
           <a:prstGeom prst="rect">
             <a:avLst/>
@@ -9129,23 +10857,114 @@
           <a:p>
             <a:pPr algn="ctr"/>
             <a:r>
-              <a:rPr lang="en-US" altLang="zh-CN" sz="2800" dirty="0" err="1"/>
-              <a:t>FxInstance</a:t>
-            </a:r>
-            <a:endParaRPr lang="zh-CN" altLang="en-US" sz="2800" dirty="0"/>
-          </a:p>
-        </p:txBody>
-      </p:sp>
-      <p:sp>
-        <p:nvSpPr>
-          <p:cNvPr id="5" name="文本框 4"/>
+              <a:rPr lang="en-US" altLang="zh-CN" dirty="0" err="1"/>
+              <a:t>FxElementData</a:t>
+            </a:r>
+            <a:endParaRPr lang="zh-CN" altLang="en-US" dirty="0"/>
+          </a:p>
+        </p:txBody>
+      </p:sp>
+      <p:sp>
+        <p:nvSpPr>
+          <p:cNvPr id="32" name="矩形 31"/>
+          <p:cNvSpPr/>
+          <p:nvPr/>
+        </p:nvSpPr>
+        <p:spPr>
+          <a:xfrm>
+            <a:off x="4400624" y="1936848"/>
+            <a:ext cx="2640256" cy="537169"/>
+          </a:xfrm>
+          <a:prstGeom prst="rect">
+            <a:avLst/>
+          </a:prstGeom>
+          <a:noFill/>
+          <a:ln w="9525" cap="flat" cmpd="sng" algn="ctr">
+            <a:solidFill>
+              <a:schemeClr val="accent2"/>
+            </a:solidFill>
+            <a:prstDash val="solid"/>
+            <a:round/>
+            <a:headEnd type="none" w="med" len="med"/>
+            <a:tailEnd type="none" w="med" len="med"/>
+          </a:ln>
+        </p:spPr>
+        <p:style>
+          <a:lnRef idx="0">
+            <a:scrgbClr r="0" g="0" b="0"/>
+          </a:lnRef>
+          <a:fillRef idx="0">
+            <a:scrgbClr r="0" g="0" b="0"/>
+          </a:fillRef>
+          <a:effectRef idx="0">
+            <a:scrgbClr r="0" g="0" b="0"/>
+          </a:effectRef>
+          <a:fontRef idx="minor">
+            <a:schemeClr val="accent2"/>
+          </a:fontRef>
+        </p:style>
+        <p:txBody>
+          <a:bodyPr rtlCol="0" anchor="ctr"/>
+          <a:lstStyle/>
+          <a:p>
+            <a:pPr algn="ctr"/>
+            <a:r>
+              <a:rPr lang="en-US" altLang="zh-CN" dirty="0" err="1"/>
+              <a:t>FxParticleSystemData</a:t>
+            </a:r>
+            <a:endParaRPr lang="zh-CN" altLang="en-US" dirty="0"/>
+          </a:p>
+        </p:txBody>
+      </p:sp>
+      <p:cxnSp>
+        <p:nvCxnSpPr>
+          <p:cNvPr id="3" name="直接箭头连接符 2"/>
+          <p:cNvCxnSpPr>
+            <a:stCxn id="32" idx="0"/>
+            <a:endCxn id="12" idx="2"/>
+          </p:cNvCxnSpPr>
+          <p:nvPr/>
+        </p:nvCxnSpPr>
+        <p:spPr>
+          <a:xfrm flipV="1">
+            <a:off x="5720752" y="1265899"/>
+            <a:ext cx="0" cy="670949"/>
+          </a:xfrm>
+          <a:prstGeom prst="straightConnector1">
+            <a:avLst/>
+          </a:prstGeom>
+          <a:ln w="28575">
+            <a:solidFill>
+              <a:schemeClr val="tx1"/>
+            </a:solidFill>
+            <a:tailEnd type="triangle"/>
+          </a:ln>
+        </p:spPr>
+        <p:style>
+          <a:lnRef idx="1">
+            <a:schemeClr val="accent1"/>
+          </a:lnRef>
+          <a:fillRef idx="0">
+            <a:schemeClr val="accent1"/>
+          </a:fillRef>
+          <a:effectRef idx="0">
+            <a:schemeClr val="accent1"/>
+          </a:effectRef>
+          <a:fontRef idx="minor">
+            <a:schemeClr val="tx1"/>
+          </a:fontRef>
+        </p:style>
+      </p:cxnSp>
+      <p:sp>
+        <p:nvSpPr>
+          <p:cNvPr id="67" name="文本框 66"/>
           <p:cNvSpPr txBox="1"/>
           <p:nvPr/>
         </p:nvSpPr>
         <p:spPr>
           <a:xfrm>
-            <a:off x="733648" y="1212112"/>
-            <a:ext cx="4880344" cy="5493812"/>
+            <a:off x="615142" y="374073"/>
+            <a:ext cx="2468880" cy="369332"/>
           </a:xfrm>
           <a:prstGeom prst="rect">
             <a:avLst/>
@@ -9158,550 +10977,382 @@
           </a:bodyPr>
           <a:lstStyle/>
           <a:p>
-            <a:pPr marL="285750" indent="-285750">
-              <a:lnSpc>
-                <a:spcPct val="150000"/>
-              </a:lnSpc>
-              <a:buFont typeface="Arial" panose="020B0604020202020204" pitchFamily="34" charset="0"/>
-              <a:buChar char="•"/>
-            </a:pPr>
-            <a:r>
-              <a:rPr lang="en-US" altLang="zh-CN" dirty="0"/>
-              <a:t>Tick</a:t>
-            </a:r>
-          </a:p>
-          <a:p>
-            <a:pPr marL="285750" indent="-285750">
-              <a:lnSpc>
-                <a:spcPct val="150000"/>
-              </a:lnSpc>
-              <a:buFont typeface="Arial" panose="020B0604020202020204" pitchFamily="34" charset="0"/>
-              <a:buChar char="•"/>
-            </a:pPr>
-            <a:r>
-              <a:rPr lang="en-US" altLang="zh-CN" dirty="0"/>
-              <a:t>Render</a:t>
-            </a:r>
-          </a:p>
-          <a:p>
-            <a:pPr marL="285750" indent="-285750">
-              <a:lnSpc>
-                <a:spcPct val="150000"/>
-              </a:lnSpc>
-              <a:buFont typeface="Arial" panose="020B0604020202020204" pitchFamily="34" charset="0"/>
-              <a:buChar char="•"/>
-            </a:pPr>
-            <a:r>
-              <a:rPr lang="en-US" altLang="zh-CN" dirty="0"/>
-              <a:t>Play</a:t>
-            </a:r>
-          </a:p>
-          <a:p>
-            <a:pPr marL="285750" indent="-285750">
-              <a:lnSpc>
-                <a:spcPct val="150000"/>
-              </a:lnSpc>
-              <a:buFont typeface="Arial" panose="020B0604020202020204" pitchFamily="34" charset="0"/>
-              <a:buChar char="•"/>
-            </a:pPr>
-            <a:r>
-              <a:rPr lang="en-US" altLang="zh-CN" dirty="0"/>
-              <a:t>Pause</a:t>
-            </a:r>
-          </a:p>
-          <a:p>
-            <a:pPr marL="285750" indent="-285750">
-              <a:lnSpc>
-                <a:spcPct val="150000"/>
-              </a:lnSpc>
-              <a:buFont typeface="Arial" panose="020B0604020202020204" pitchFamily="34" charset="0"/>
-              <a:buChar char="•"/>
-            </a:pPr>
-            <a:r>
-              <a:rPr lang="en-US" altLang="zh-CN" dirty="0" err="1"/>
-              <a:t>IsPaused</a:t>
-            </a:r>
-            <a:endParaRPr lang="en-US" altLang="zh-CN" dirty="0"/>
-          </a:p>
-          <a:p>
-            <a:pPr marL="285750" indent="-285750">
-              <a:lnSpc>
-                <a:spcPct val="150000"/>
-              </a:lnSpc>
-              <a:buFont typeface="Arial" panose="020B0604020202020204" pitchFamily="34" charset="0"/>
-              <a:buChar char="•"/>
-            </a:pPr>
-            <a:r>
-              <a:rPr lang="en-US" altLang="zh-CN" dirty="0"/>
-              <a:t>Stop</a:t>
-            </a:r>
-          </a:p>
-          <a:p>
-            <a:pPr marL="285750" indent="-285750">
-              <a:lnSpc>
-                <a:spcPct val="150000"/>
-              </a:lnSpc>
-              <a:buFont typeface="Arial" panose="020B0604020202020204" pitchFamily="34" charset="0"/>
-              <a:buChar char="•"/>
-            </a:pPr>
-            <a:r>
-              <a:rPr lang="en-US" altLang="zh-CN" dirty="0"/>
-              <a:t>Restart</a:t>
-            </a:r>
-          </a:p>
-          <a:p>
-            <a:pPr marL="285750" indent="-285750">
-              <a:lnSpc>
-                <a:spcPct val="150000"/>
-              </a:lnSpc>
-              <a:buFont typeface="Arial" panose="020B0604020202020204" pitchFamily="34" charset="0"/>
-              <a:buChar char="•"/>
-            </a:pPr>
-            <a:r>
-              <a:rPr lang="en-US" altLang="zh-CN" dirty="0" err="1"/>
-              <a:t>GetFxTemplate</a:t>
-            </a:r>
-            <a:endParaRPr lang="en-US" altLang="zh-CN" dirty="0"/>
-          </a:p>
-          <a:p>
-            <a:pPr marL="285750" indent="-285750">
-              <a:lnSpc>
-                <a:spcPct val="150000"/>
-              </a:lnSpc>
-              <a:buFont typeface="Arial" panose="020B0604020202020204" pitchFamily="34" charset="0"/>
-              <a:buChar char="•"/>
-            </a:pPr>
-            <a:r>
-              <a:rPr lang="en-US" altLang="zh-CN" dirty="0" err="1"/>
-              <a:t>IsCompleted</a:t>
-            </a:r>
-            <a:endParaRPr lang="en-US" altLang="zh-CN" dirty="0"/>
-          </a:p>
-          <a:p>
-            <a:pPr marL="285750" indent="-285750">
-              <a:lnSpc>
-                <a:spcPct val="150000"/>
-              </a:lnSpc>
-              <a:buFont typeface="Arial" panose="020B0604020202020204" pitchFamily="34" charset="0"/>
-              <a:buChar char="•"/>
-            </a:pPr>
-            <a:r>
-              <a:rPr lang="en-US" altLang="zh-CN" dirty="0" err="1"/>
-              <a:t>GetParticleNum</a:t>
-            </a:r>
-            <a:r>
-              <a:rPr lang="en-US" altLang="zh-CN" dirty="0"/>
-              <a:t>(xint32 </a:t>
-            </a:r>
-            <a:r>
-              <a:rPr lang="en-US" altLang="zh-CN" dirty="0" err="1"/>
-              <a:t>nElementIndex</a:t>
-            </a:r>
-            <a:r>
-              <a:rPr lang="en-US" altLang="zh-CN" dirty="0"/>
-              <a:t>) </a:t>
-            </a:r>
-          </a:p>
-          <a:p>
-            <a:pPr marL="285750" indent="-285750">
-              <a:lnSpc>
-                <a:spcPct val="150000"/>
-              </a:lnSpc>
-              <a:buFont typeface="Arial" panose="020B0604020202020204" pitchFamily="34" charset="0"/>
-              <a:buChar char="•"/>
-            </a:pPr>
-            <a:r>
-              <a:rPr lang="en-US" altLang="zh-CN" dirty="0" err="1"/>
-              <a:t>GetParticleNum</a:t>
-            </a:r>
-            <a:r>
-              <a:rPr lang="en-US" altLang="zh-CN" dirty="0"/>
-              <a:t>(</a:t>
-            </a:r>
-            <a:r>
-              <a:rPr lang="en-US" altLang="zh-CN" dirty="0" err="1"/>
-              <a:t>FxElement</a:t>
-            </a:r>
-            <a:r>
-              <a:rPr lang="en-US" altLang="zh-CN" dirty="0"/>
-              <a:t>* </a:t>
-            </a:r>
-            <a:r>
-              <a:rPr lang="en-US" altLang="zh-CN" dirty="0" err="1"/>
-              <a:t>pElement</a:t>
-            </a:r>
-            <a:r>
-              <a:rPr lang="en-US" altLang="zh-CN" dirty="0"/>
-              <a:t>)</a:t>
-            </a:r>
-          </a:p>
-          <a:p>
-            <a:pPr marL="285750" indent="-285750">
-              <a:lnSpc>
-                <a:spcPct val="150000"/>
-              </a:lnSpc>
-              <a:buFont typeface="Arial" panose="020B0604020202020204" pitchFamily="34" charset="0"/>
-              <a:buChar char="•"/>
-            </a:pPr>
-            <a:r>
-              <a:rPr lang="en-US" altLang="zh-CN" dirty="0"/>
-              <a:t>Set2DMode(</a:t>
-            </a:r>
-            <a:r>
-              <a:rPr lang="en-US" altLang="zh-CN" dirty="0" err="1"/>
-              <a:t>xbool</a:t>
-            </a:r>
-            <a:r>
-              <a:rPr lang="en-US" altLang="zh-CN" dirty="0"/>
-              <a:t> b2DRenderMode)</a:t>
-            </a:r>
-          </a:p>
-          <a:p>
-            <a:pPr marL="285750" indent="-285750">
-              <a:lnSpc>
-                <a:spcPct val="150000"/>
-              </a:lnSpc>
-              <a:buFont typeface="Arial" panose="020B0604020202020204" pitchFamily="34" charset="0"/>
-              <a:buChar char="•"/>
-            </a:pPr>
-            <a:r>
-              <a:rPr lang="en-US" altLang="zh-CN" dirty="0"/>
-              <a:t>Is2DMode</a:t>
-            </a:r>
-          </a:p>
-        </p:txBody>
-      </p:sp>
-      <p:sp>
-        <p:nvSpPr>
-          <p:cNvPr id="6" name="文本框 5"/>
-          <p:cNvSpPr txBox="1"/>
-          <p:nvPr/>
-        </p:nvSpPr>
-        <p:spPr>
-          <a:xfrm>
-            <a:off x="5532474" y="1212112"/>
-            <a:ext cx="6354726" cy="5493812"/>
+            <a:r>
+              <a:rPr lang="zh-CN" altLang="en-US" dirty="0" smtClean="0"/>
+              <a:t>发射器数据：</a:t>
+            </a:r>
+            <a:endParaRPr lang="zh-CN" altLang="en-US" dirty="0"/>
+          </a:p>
+        </p:txBody>
+      </p:sp>
+      <p:sp>
+        <p:nvSpPr>
+          <p:cNvPr id="69" name="矩形 68"/>
+          <p:cNvSpPr/>
+          <p:nvPr/>
+        </p:nvSpPr>
+        <p:spPr>
+          <a:xfrm>
+            <a:off x="1069990" y="3260165"/>
+            <a:ext cx="3435507" cy="537169"/>
           </a:xfrm>
           <a:prstGeom prst="rect">
             <a:avLst/>
           </a:prstGeom>
           <a:noFill/>
-        </p:spPr>
-        <p:txBody>
-          <a:bodyPr wrap="square" rtlCol="0">
-            <a:spAutoFit/>
-          </a:bodyPr>
-          <a:lstStyle/>
-          <a:p>
-            <a:pPr marL="285750" indent="-285750">
-              <a:lnSpc>
-                <a:spcPct val="150000"/>
-              </a:lnSpc>
-              <a:buFont typeface="Arial" panose="020B0604020202020204" pitchFamily="34" charset="0"/>
-              <a:buChar char="•"/>
-            </a:pPr>
-            <a:r>
-              <a:rPr lang="en-US" altLang="zh-CN" dirty="0"/>
-              <a:t>Set2DModeLayerMask(</a:t>
-            </a:r>
-            <a:r>
-              <a:rPr lang="en-US" altLang="zh-CN" dirty="0" err="1"/>
-              <a:t>FxRenderLayerOrder</a:t>
-            </a:r>
-            <a:r>
-              <a:rPr lang="en-US" altLang="zh-CN" dirty="0"/>
-              <a:t> </a:t>
-            </a:r>
-            <a:r>
-              <a:rPr lang="en-US" altLang="zh-CN" dirty="0" err="1"/>
-              <a:t>pLayer</a:t>
-            </a:r>
-            <a:r>
-              <a:rPr lang="en-US" altLang="zh-CN" dirty="0"/>
-              <a:t>)</a:t>
-            </a:r>
-          </a:p>
-          <a:p>
-            <a:pPr marL="285750" indent="-285750">
-              <a:lnSpc>
-                <a:spcPct val="150000"/>
-              </a:lnSpc>
-              <a:buFont typeface="Arial" panose="020B0604020202020204" pitchFamily="34" charset="0"/>
-              <a:buChar char="•"/>
-            </a:pPr>
-            <a:r>
-              <a:rPr lang="en-US" altLang="zh-CN" dirty="0"/>
-              <a:t>Get2DModeLayerMask()</a:t>
-            </a:r>
-          </a:p>
-          <a:p>
-            <a:pPr marL="285750" indent="-285750">
-              <a:lnSpc>
-                <a:spcPct val="150000"/>
-              </a:lnSpc>
-              <a:buFont typeface="Arial" panose="020B0604020202020204" pitchFamily="34" charset="0"/>
-              <a:buChar char="•"/>
-            </a:pPr>
-            <a:r>
-              <a:rPr lang="en-US" altLang="zh-CN" dirty="0" err="1"/>
-              <a:t>InitSeedPool</a:t>
-            </a:r>
-            <a:endParaRPr lang="en-US" altLang="zh-CN" dirty="0"/>
-          </a:p>
-          <a:p>
-            <a:pPr marL="285750" indent="-285750">
-              <a:lnSpc>
-                <a:spcPct val="150000"/>
-              </a:lnSpc>
-              <a:buFont typeface="Arial" panose="020B0604020202020204" pitchFamily="34" charset="0"/>
-              <a:buChar char="•"/>
-            </a:pPr>
-            <a:r>
-              <a:rPr lang="en-US" altLang="zh-CN" dirty="0" err="1"/>
-              <a:t>GetAABB</a:t>
-            </a:r>
-            <a:r>
-              <a:rPr lang="en-US" altLang="zh-CN" dirty="0"/>
-              <a:t>()</a:t>
-            </a:r>
-          </a:p>
-          <a:p>
-            <a:pPr marL="285750" indent="-285750">
-              <a:lnSpc>
-                <a:spcPct val="150000"/>
-              </a:lnSpc>
-              <a:buFont typeface="Arial" panose="020B0604020202020204" pitchFamily="34" charset="0"/>
-              <a:buChar char="•"/>
-            </a:pPr>
-            <a:r>
-              <a:rPr lang="en-US" altLang="zh-CN" dirty="0" err="1"/>
-              <a:t>SetAnimTrailBindingSkeletonAndBones</a:t>
-            </a:r>
-            <a:r>
-              <a:rPr lang="en-US" altLang="zh-CN" dirty="0"/>
-              <a:t>(</a:t>
-            </a:r>
-            <a:r>
-              <a:rPr lang="en-US" altLang="zh-CN" dirty="0" err="1"/>
-              <a:t>XSkeleton</a:t>
-            </a:r>
-            <a:r>
-              <a:rPr lang="en-US" altLang="zh-CN" dirty="0"/>
-              <a:t>* </a:t>
-            </a:r>
-            <a:r>
-              <a:rPr lang="en-US" altLang="zh-CN" dirty="0" err="1"/>
-              <a:t>pSkeleton</a:t>
-            </a:r>
-            <a:r>
-              <a:rPr lang="en-US" altLang="zh-CN" dirty="0"/>
-              <a:t>, </a:t>
-            </a:r>
-            <a:r>
-              <a:rPr lang="en-US" altLang="zh-CN" dirty="0" err="1"/>
-              <a:t>const</a:t>
-            </a:r>
-            <a:r>
-              <a:rPr lang="en-US" altLang="zh-CN" dirty="0"/>
-              <a:t> </a:t>
-            </a:r>
-            <a:r>
-              <a:rPr lang="en-US" altLang="zh-CN" dirty="0" err="1"/>
-              <a:t>XString</a:t>
-            </a:r>
-            <a:r>
-              <a:rPr lang="en-US" altLang="zh-CN" dirty="0"/>
-              <a:t>&amp; </a:t>
-            </a:r>
-            <a:r>
-              <a:rPr lang="en-US" altLang="zh-CN" dirty="0" err="1"/>
-              <a:t>FirstBoneName</a:t>
-            </a:r>
-            <a:r>
-              <a:rPr lang="en-US" altLang="zh-CN" dirty="0"/>
-              <a:t>, </a:t>
-            </a:r>
-            <a:r>
-              <a:rPr lang="en-US" altLang="zh-CN" dirty="0" err="1"/>
-              <a:t>const</a:t>
-            </a:r>
-            <a:r>
-              <a:rPr lang="en-US" altLang="zh-CN" dirty="0"/>
-              <a:t> </a:t>
-            </a:r>
-            <a:r>
-              <a:rPr lang="en-US" altLang="zh-CN" dirty="0" err="1"/>
-              <a:t>XString</a:t>
-            </a:r>
-            <a:r>
-              <a:rPr lang="en-US" altLang="zh-CN" dirty="0"/>
-              <a:t>&amp; </a:t>
-            </a:r>
-            <a:r>
-              <a:rPr lang="en-US" altLang="zh-CN" dirty="0" err="1"/>
-              <a:t>SecondBoneName</a:t>
-            </a:r>
-            <a:r>
-              <a:rPr lang="en-US" altLang="zh-CN" dirty="0"/>
-              <a:t>)</a:t>
-            </a:r>
-          </a:p>
-          <a:p>
-            <a:pPr marL="285750" indent="-285750">
-              <a:lnSpc>
-                <a:spcPct val="150000"/>
-              </a:lnSpc>
-              <a:buFont typeface="Arial" panose="020B0604020202020204" pitchFamily="34" charset="0"/>
-              <a:buChar char="•"/>
-            </a:pPr>
-            <a:r>
-              <a:rPr lang="en-US" altLang="zh-CN" dirty="0" err="1"/>
-              <a:t>GetElementData</a:t>
-            </a:r>
-            <a:r>
-              <a:rPr lang="en-US" altLang="zh-CN" dirty="0"/>
-              <a:t>(</a:t>
-            </a:r>
-            <a:r>
-              <a:rPr lang="en-US" altLang="zh-CN" dirty="0" err="1"/>
-              <a:t>FxElement</a:t>
-            </a:r>
-            <a:r>
-              <a:rPr lang="en-US" altLang="zh-CN" dirty="0"/>
-              <a:t>* </a:t>
-            </a:r>
-            <a:r>
-              <a:rPr lang="en-US" altLang="zh-CN" dirty="0" err="1"/>
-              <a:t>pElement</a:t>
-            </a:r>
-            <a:r>
-              <a:rPr lang="en-US" altLang="zh-CN" dirty="0"/>
-              <a:t>)</a:t>
-            </a:r>
-          </a:p>
-          <a:p>
-            <a:pPr marL="285750" indent="-285750">
-              <a:lnSpc>
-                <a:spcPct val="150000"/>
-              </a:lnSpc>
-              <a:buFont typeface="Arial" panose="020B0604020202020204" pitchFamily="34" charset="0"/>
-              <a:buChar char="•"/>
-            </a:pPr>
-            <a:r>
-              <a:rPr lang="en-US" altLang="zh-CN" dirty="0" err="1"/>
-              <a:t>AddElementData</a:t>
-            </a:r>
-            <a:r>
-              <a:rPr lang="en-US" altLang="zh-CN" dirty="0"/>
-              <a:t>(</a:t>
-            </a:r>
-            <a:r>
-              <a:rPr lang="en-US" altLang="zh-CN" dirty="0" err="1"/>
-              <a:t>FxElement</a:t>
-            </a:r>
-            <a:r>
-              <a:rPr lang="en-US" altLang="zh-CN" dirty="0"/>
-              <a:t>* </a:t>
-            </a:r>
-            <a:r>
-              <a:rPr lang="en-US" altLang="zh-CN" dirty="0" err="1"/>
-              <a:t>pElement</a:t>
-            </a:r>
-            <a:r>
-              <a:rPr lang="en-US" altLang="zh-CN" dirty="0"/>
-              <a:t>)</a:t>
-            </a:r>
-          </a:p>
-          <a:p>
-            <a:pPr marL="285750" indent="-285750">
-              <a:lnSpc>
-                <a:spcPct val="150000"/>
-              </a:lnSpc>
-              <a:buFont typeface="Arial" panose="020B0604020202020204" pitchFamily="34" charset="0"/>
-              <a:buChar char="•"/>
-            </a:pPr>
-            <a:r>
-              <a:rPr lang="en-US" altLang="zh-CN" dirty="0" err="1"/>
-              <a:t>RemoveElementData</a:t>
-            </a:r>
-            <a:r>
-              <a:rPr lang="en-US" altLang="zh-CN" dirty="0"/>
-              <a:t>(</a:t>
-            </a:r>
-            <a:r>
-              <a:rPr lang="en-US" altLang="zh-CN" dirty="0" err="1"/>
-              <a:t>FxElement</a:t>
-            </a:r>
-            <a:r>
-              <a:rPr lang="en-US" altLang="zh-CN" dirty="0"/>
-              <a:t>* </a:t>
-            </a:r>
-            <a:r>
-              <a:rPr lang="en-US" altLang="zh-CN" dirty="0" err="1"/>
-              <a:t>pElement</a:t>
-            </a:r>
-            <a:r>
-              <a:rPr lang="en-US" altLang="zh-CN" dirty="0"/>
-              <a:t>)</a:t>
-            </a:r>
-          </a:p>
-          <a:p>
-            <a:pPr marL="285750" indent="-285750">
-              <a:lnSpc>
-                <a:spcPct val="150000"/>
-              </a:lnSpc>
-              <a:buFont typeface="Arial" panose="020B0604020202020204" pitchFamily="34" charset="0"/>
-              <a:buChar char="•"/>
-            </a:pPr>
-            <a:r>
-              <a:rPr lang="en-US" altLang="zh-CN" dirty="0" err="1"/>
-              <a:t>GetAllElementPrimitive</a:t>
-            </a:r>
-            <a:r>
-              <a:rPr lang="en-US" altLang="zh-CN" dirty="0"/>
-              <a:t>()</a:t>
-            </a:r>
-          </a:p>
-          <a:p>
-            <a:pPr marL="285750" indent="-285750">
-              <a:lnSpc>
-                <a:spcPct val="150000"/>
-              </a:lnSpc>
-              <a:buFont typeface="Arial" panose="020B0604020202020204" pitchFamily="34" charset="0"/>
-              <a:buChar char="•"/>
-            </a:pPr>
-            <a:r>
-              <a:rPr lang="en-US" altLang="zh-CN" dirty="0" err="1"/>
-              <a:t>GetScaleInMatrix</a:t>
-            </a:r>
-            <a:r>
-              <a:rPr lang="en-US" altLang="zh-CN" dirty="0"/>
-              <a:t>()</a:t>
-            </a:r>
-          </a:p>
-          <a:p>
-            <a:pPr marL="285750" indent="-285750">
-              <a:lnSpc>
-                <a:spcPct val="150000"/>
-              </a:lnSpc>
-              <a:buFont typeface="Arial" panose="020B0604020202020204" pitchFamily="34" charset="0"/>
-              <a:buChar char="•"/>
-            </a:pPr>
-            <a:r>
-              <a:rPr lang="en-US" altLang="zh-CN" dirty="0" err="1"/>
-              <a:t>GetAbsoluteMatrixNoScale</a:t>
-            </a:r>
-            <a:r>
-              <a:rPr lang="en-US" altLang="zh-CN" dirty="0"/>
-              <a:t>()</a:t>
-            </a:r>
-          </a:p>
-        </p:txBody>
-      </p:sp>
+          <a:ln w="9525" cap="flat" cmpd="sng" algn="ctr">
+            <a:solidFill>
+              <a:schemeClr val="accent2"/>
+            </a:solidFill>
+            <a:prstDash val="solid"/>
+            <a:round/>
+            <a:headEnd type="none" w="med" len="med"/>
+            <a:tailEnd type="none" w="med" len="med"/>
+          </a:ln>
+        </p:spPr>
+        <p:style>
+          <a:lnRef idx="0">
+            <a:scrgbClr r="0" g="0" b="0"/>
+          </a:lnRef>
+          <a:fillRef idx="0">
+            <a:scrgbClr r="0" g="0" b="0"/>
+          </a:fillRef>
+          <a:effectRef idx="0">
+            <a:scrgbClr r="0" g="0" b="0"/>
+          </a:effectRef>
+          <a:fontRef idx="minor">
+            <a:schemeClr val="accent2"/>
+          </a:fontRef>
+        </p:style>
+        <p:txBody>
+          <a:bodyPr rtlCol="0" anchor="ctr"/>
+          <a:lstStyle/>
+          <a:p>
+            <a:pPr algn="ctr"/>
+            <a:r>
+              <a:rPr lang="en-US" altLang="zh-CN" dirty="0" err="1"/>
+              <a:t>FxParticleSystemModelData</a:t>
+            </a:r>
+            <a:endParaRPr lang="zh-CN" altLang="en-US" dirty="0"/>
+          </a:p>
+        </p:txBody>
+      </p:sp>
+      <p:sp>
+        <p:nvSpPr>
+          <p:cNvPr id="70" name="矩形 69"/>
+          <p:cNvSpPr/>
+          <p:nvPr/>
+        </p:nvSpPr>
+        <p:spPr>
+          <a:xfrm>
+            <a:off x="2369628" y="4540695"/>
+            <a:ext cx="3435507" cy="537169"/>
+          </a:xfrm>
+          <a:prstGeom prst="rect">
+            <a:avLst/>
+          </a:prstGeom>
+          <a:noFill/>
+          <a:ln w="9525" cap="flat" cmpd="sng" algn="ctr">
+            <a:solidFill>
+              <a:schemeClr val="accent2"/>
+            </a:solidFill>
+            <a:prstDash val="solid"/>
+            <a:round/>
+            <a:headEnd type="none" w="med" len="med"/>
+            <a:tailEnd type="none" w="med" len="med"/>
+          </a:ln>
+        </p:spPr>
+        <p:style>
+          <a:lnRef idx="0">
+            <a:scrgbClr r="0" g="0" b="0"/>
+          </a:lnRef>
+          <a:fillRef idx="0">
+            <a:scrgbClr r="0" g="0" b="0"/>
+          </a:fillRef>
+          <a:effectRef idx="0">
+            <a:scrgbClr r="0" g="0" b="0"/>
+          </a:effectRef>
+          <a:fontRef idx="minor">
+            <a:schemeClr val="accent2"/>
+          </a:fontRef>
+        </p:style>
+        <p:txBody>
+          <a:bodyPr rtlCol="0" anchor="ctr"/>
+          <a:lstStyle/>
+          <a:p>
+            <a:pPr algn="ctr"/>
+            <a:r>
+              <a:rPr lang="en-US" altLang="zh-CN" dirty="0" err="1"/>
+              <a:t>FxParticleSystemRibbonData</a:t>
+            </a:r>
+            <a:endParaRPr lang="zh-CN" altLang="en-US" dirty="0"/>
+          </a:p>
+        </p:txBody>
+      </p:sp>
+      <p:sp>
+        <p:nvSpPr>
+          <p:cNvPr id="73" name="矩形 72"/>
+          <p:cNvSpPr/>
+          <p:nvPr/>
+        </p:nvSpPr>
+        <p:spPr>
+          <a:xfrm>
+            <a:off x="5560942" y="5363910"/>
+            <a:ext cx="3435507" cy="537169"/>
+          </a:xfrm>
+          <a:prstGeom prst="rect">
+            <a:avLst/>
+          </a:prstGeom>
+          <a:noFill/>
+          <a:ln w="9525" cap="flat" cmpd="sng" algn="ctr">
+            <a:solidFill>
+              <a:schemeClr val="accent2"/>
+            </a:solidFill>
+            <a:prstDash val="solid"/>
+            <a:round/>
+            <a:headEnd type="none" w="med" len="med"/>
+            <a:tailEnd type="none" w="med" len="med"/>
+          </a:ln>
+        </p:spPr>
+        <p:style>
+          <a:lnRef idx="0">
+            <a:scrgbClr r="0" g="0" b="0"/>
+          </a:lnRef>
+          <a:fillRef idx="0">
+            <a:scrgbClr r="0" g="0" b="0"/>
+          </a:fillRef>
+          <a:effectRef idx="0">
+            <a:scrgbClr r="0" g="0" b="0"/>
+          </a:effectRef>
+          <a:fontRef idx="minor">
+            <a:schemeClr val="accent2"/>
+          </a:fontRef>
+        </p:style>
+        <p:txBody>
+          <a:bodyPr rtlCol="0" anchor="ctr"/>
+          <a:lstStyle/>
+          <a:p>
+            <a:pPr algn="ctr"/>
+            <a:r>
+              <a:rPr lang="en-US" altLang="zh-CN" dirty="0" err="1"/>
+              <a:t>FxParticleSystemBeamData</a:t>
+            </a:r>
+            <a:endParaRPr lang="zh-CN" altLang="en-US" dirty="0"/>
+          </a:p>
+        </p:txBody>
+      </p:sp>
+      <p:sp>
+        <p:nvSpPr>
+          <p:cNvPr id="74" name="矩形 73"/>
+          <p:cNvSpPr/>
+          <p:nvPr/>
+        </p:nvSpPr>
+        <p:spPr>
+          <a:xfrm>
+            <a:off x="7193410" y="3777788"/>
+            <a:ext cx="3756932" cy="537169"/>
+          </a:xfrm>
+          <a:prstGeom prst="rect">
+            <a:avLst/>
+          </a:prstGeom>
+          <a:noFill/>
+          <a:ln w="9525" cap="flat" cmpd="sng" algn="ctr">
+            <a:solidFill>
+              <a:schemeClr val="accent2"/>
+            </a:solidFill>
+            <a:prstDash val="solid"/>
+            <a:round/>
+            <a:headEnd type="none" w="med" len="med"/>
+            <a:tailEnd type="none" w="med" len="med"/>
+          </a:ln>
+        </p:spPr>
+        <p:style>
+          <a:lnRef idx="0">
+            <a:scrgbClr r="0" g="0" b="0"/>
+          </a:lnRef>
+          <a:fillRef idx="0">
+            <a:scrgbClr r="0" g="0" b="0"/>
+          </a:fillRef>
+          <a:effectRef idx="0">
+            <a:scrgbClr r="0" g="0" b="0"/>
+          </a:effectRef>
+          <a:fontRef idx="minor">
+            <a:schemeClr val="accent2"/>
+          </a:fontRef>
+        </p:style>
+        <p:txBody>
+          <a:bodyPr rtlCol="0" anchor="ctr"/>
+          <a:lstStyle/>
+          <a:p>
+            <a:pPr algn="ctr"/>
+            <a:r>
+              <a:rPr lang="en-US" altLang="zh-CN" dirty="0" err="1"/>
+              <a:t>FxParticleSystemAnimTrailData</a:t>
+            </a:r>
+            <a:endParaRPr lang="zh-CN" altLang="en-US" dirty="0"/>
+          </a:p>
+        </p:txBody>
+      </p:sp>
+      <p:cxnSp>
+        <p:nvCxnSpPr>
+          <p:cNvPr id="75" name="直接箭头连接符 74"/>
+          <p:cNvCxnSpPr>
+            <a:stCxn id="69" idx="0"/>
+            <a:endCxn id="32" idx="2"/>
+          </p:cNvCxnSpPr>
+          <p:nvPr/>
+        </p:nvCxnSpPr>
+        <p:spPr>
+          <a:xfrm flipV="1">
+            <a:off x="2787744" y="2474017"/>
+            <a:ext cx="2933008" cy="786148"/>
+          </a:xfrm>
+          <a:prstGeom prst="straightConnector1">
+            <a:avLst/>
+          </a:prstGeom>
+          <a:ln w="28575">
+            <a:solidFill>
+              <a:schemeClr val="tx1"/>
+            </a:solidFill>
+            <a:tailEnd type="triangle"/>
+          </a:ln>
+        </p:spPr>
+        <p:style>
+          <a:lnRef idx="1">
+            <a:schemeClr val="accent1"/>
+          </a:lnRef>
+          <a:fillRef idx="0">
+            <a:schemeClr val="accent1"/>
+          </a:fillRef>
+          <a:effectRef idx="0">
+            <a:schemeClr val="accent1"/>
+          </a:effectRef>
+          <a:fontRef idx="minor">
+            <a:schemeClr val="tx1"/>
+          </a:fontRef>
+        </p:style>
+      </p:cxnSp>
+      <p:cxnSp>
+        <p:nvCxnSpPr>
+          <p:cNvPr id="81" name="直接箭头连接符 80"/>
+          <p:cNvCxnSpPr>
+            <a:stCxn id="74" idx="0"/>
+            <a:endCxn id="32" idx="2"/>
+          </p:cNvCxnSpPr>
+          <p:nvPr/>
+        </p:nvCxnSpPr>
+        <p:spPr>
+          <a:xfrm flipH="1" flipV="1">
+            <a:off x="5720752" y="2474017"/>
+            <a:ext cx="3351124" cy="1303771"/>
+          </a:xfrm>
+          <a:prstGeom prst="straightConnector1">
+            <a:avLst/>
+          </a:prstGeom>
+          <a:ln w="28575">
+            <a:solidFill>
+              <a:schemeClr val="tx1"/>
+            </a:solidFill>
+            <a:tailEnd type="triangle"/>
+          </a:ln>
+        </p:spPr>
+        <p:style>
+          <a:lnRef idx="1">
+            <a:schemeClr val="accent1"/>
+          </a:lnRef>
+          <a:fillRef idx="0">
+            <a:schemeClr val="accent1"/>
+          </a:fillRef>
+          <a:effectRef idx="0">
+            <a:schemeClr val="accent1"/>
+          </a:effectRef>
+          <a:fontRef idx="minor">
+            <a:schemeClr val="tx1"/>
+          </a:fontRef>
+        </p:style>
+      </p:cxnSp>
+      <p:cxnSp>
+        <p:nvCxnSpPr>
+          <p:cNvPr id="82" name="直接箭头连接符 81"/>
+          <p:cNvCxnSpPr>
+            <a:stCxn id="73" idx="0"/>
+            <a:endCxn id="32" idx="2"/>
+          </p:cNvCxnSpPr>
+          <p:nvPr/>
+        </p:nvCxnSpPr>
+        <p:spPr>
+          <a:xfrm flipH="1" flipV="1">
+            <a:off x="5720752" y="2474017"/>
+            <a:ext cx="1557944" cy="2889893"/>
+          </a:xfrm>
+          <a:prstGeom prst="straightConnector1">
+            <a:avLst/>
+          </a:prstGeom>
+          <a:ln w="28575">
+            <a:solidFill>
+              <a:schemeClr val="tx1"/>
+            </a:solidFill>
+            <a:tailEnd type="triangle"/>
+          </a:ln>
+        </p:spPr>
+        <p:style>
+          <a:lnRef idx="1">
+            <a:schemeClr val="accent1"/>
+          </a:lnRef>
+          <a:fillRef idx="0">
+            <a:schemeClr val="accent1"/>
+          </a:fillRef>
+          <a:effectRef idx="0">
+            <a:schemeClr val="accent1"/>
+          </a:effectRef>
+          <a:fontRef idx="minor">
+            <a:schemeClr val="tx1"/>
+          </a:fontRef>
+        </p:style>
+      </p:cxnSp>
+      <p:cxnSp>
+        <p:nvCxnSpPr>
+          <p:cNvPr id="83" name="直接箭头连接符 82"/>
+          <p:cNvCxnSpPr>
+            <a:stCxn id="70" idx="0"/>
+            <a:endCxn id="32" idx="2"/>
+          </p:cNvCxnSpPr>
+          <p:nvPr/>
+        </p:nvCxnSpPr>
+        <p:spPr>
+          <a:xfrm flipV="1">
+            <a:off x="4087382" y="2474017"/>
+            <a:ext cx="1633370" cy="2066678"/>
+          </a:xfrm>
+          <a:prstGeom prst="straightConnector1">
+            <a:avLst/>
+          </a:prstGeom>
+          <a:ln w="28575">
+            <a:solidFill>
+              <a:schemeClr val="tx1"/>
+            </a:solidFill>
+            <a:tailEnd type="triangle"/>
+          </a:ln>
+        </p:spPr>
+        <p:style>
+          <a:lnRef idx="1">
+            <a:schemeClr val="accent1"/>
+          </a:lnRef>
+          <a:fillRef idx="0">
+            <a:schemeClr val="accent1"/>
+          </a:fillRef>
+          <a:effectRef idx="0">
+            <a:schemeClr val="accent1"/>
+          </a:effectRef>
+          <a:fontRef idx="minor">
+            <a:schemeClr val="tx1"/>
+          </a:fontRef>
+        </p:style>
+      </p:cxnSp>
     </p:spTree>
     <p:extLst>
       <p:ext uri="{BB962C8B-B14F-4D97-AF65-F5344CB8AC3E}">
-        <p14:creationId xmlns:p14="http://schemas.microsoft.com/office/powerpoint/2010/main" val="2454647676"/>
+        <p14:creationId xmlns:p14="http://schemas.microsoft.com/office/powerpoint/2010/main" val="3744565033"/>
       </p:ext>
     </p:extLst>
   </p:cSld>
@@ -9730,14 +11381,14 @@
       </p:grpSpPr>
       <p:sp>
         <p:nvSpPr>
-          <p:cNvPr id="4" name="矩形 3"/>
+          <p:cNvPr id="36" name="矩形 35"/>
           <p:cNvSpPr/>
           <p:nvPr/>
         </p:nvSpPr>
         <p:spPr>
           <a:xfrm>
-            <a:off x="4848446" y="382485"/>
-            <a:ext cx="2317898" cy="531916"/>
+            <a:off x="3893466" y="1102801"/>
+            <a:ext cx="2030818" cy="537169"/>
           </a:xfrm>
           <a:prstGeom prst="rect">
             <a:avLst/>
@@ -9773,23 +11424,478 @@
           <a:p>
             <a:pPr algn="ctr"/>
             <a:r>
-              <a:rPr lang="en-US" altLang="zh-CN" sz="2800" dirty="0" err="1"/>
-              <a:t>FxManager</a:t>
-            </a:r>
-            <a:endParaRPr lang="zh-CN" altLang="en-US" sz="2800" dirty="0"/>
-          </a:p>
-        </p:txBody>
-      </p:sp>
-      <p:sp>
-        <p:nvSpPr>
-          <p:cNvPr id="5" name="文本框 4"/>
+              <a:rPr lang="en-US" altLang="zh-CN" dirty="0" err="1"/>
+              <a:t>FxPrimitive</a:t>
+            </a:r>
+            <a:endParaRPr lang="zh-CN" altLang="en-US" dirty="0"/>
+          </a:p>
+        </p:txBody>
+      </p:sp>
+      <p:sp>
+        <p:nvSpPr>
+          <p:cNvPr id="37" name="矩形 36"/>
+          <p:cNvSpPr/>
+          <p:nvPr/>
+        </p:nvSpPr>
+        <p:spPr>
+          <a:xfrm>
+            <a:off x="5502023" y="2946463"/>
+            <a:ext cx="2030818" cy="537169"/>
+          </a:xfrm>
+          <a:prstGeom prst="rect">
+            <a:avLst/>
+          </a:prstGeom>
+          <a:noFill/>
+          <a:ln w="9525" cap="flat" cmpd="sng" algn="ctr">
+            <a:solidFill>
+              <a:schemeClr val="accent2"/>
+            </a:solidFill>
+            <a:prstDash val="solid"/>
+            <a:round/>
+            <a:headEnd type="none" w="med" len="med"/>
+            <a:tailEnd type="none" w="med" len="med"/>
+          </a:ln>
+        </p:spPr>
+        <p:style>
+          <a:lnRef idx="0">
+            <a:scrgbClr r="0" g="0" b="0"/>
+          </a:lnRef>
+          <a:fillRef idx="0">
+            <a:scrgbClr r="0" g="0" b="0"/>
+          </a:fillRef>
+          <a:effectRef idx="0">
+            <a:scrgbClr r="0" g="0" b="0"/>
+          </a:effectRef>
+          <a:fontRef idx="minor">
+            <a:schemeClr val="accent2"/>
+          </a:fontRef>
+        </p:style>
+        <p:txBody>
+          <a:bodyPr rtlCol="0" anchor="ctr"/>
+          <a:lstStyle/>
+          <a:p>
+            <a:pPr algn="ctr"/>
+            <a:r>
+              <a:rPr lang="en-US" altLang="zh-CN" dirty="0" err="1"/>
+              <a:t>XBeamPrimitive</a:t>
+            </a:r>
+            <a:endParaRPr lang="zh-CN" altLang="en-US" dirty="0"/>
+          </a:p>
+        </p:txBody>
+      </p:sp>
+      <p:sp>
+        <p:nvSpPr>
+          <p:cNvPr id="38" name="矩形 37"/>
+          <p:cNvSpPr/>
+          <p:nvPr/>
+        </p:nvSpPr>
+        <p:spPr>
+          <a:xfrm>
+            <a:off x="679319" y="2284293"/>
+            <a:ext cx="2407581" cy="537169"/>
+          </a:xfrm>
+          <a:prstGeom prst="rect">
+            <a:avLst/>
+          </a:prstGeom>
+          <a:noFill/>
+          <a:ln w="9525" cap="flat" cmpd="sng" algn="ctr">
+            <a:solidFill>
+              <a:schemeClr val="accent2"/>
+            </a:solidFill>
+            <a:prstDash val="solid"/>
+            <a:round/>
+            <a:headEnd type="none" w="med" len="med"/>
+            <a:tailEnd type="none" w="med" len="med"/>
+          </a:ln>
+        </p:spPr>
+        <p:style>
+          <a:lnRef idx="0">
+            <a:scrgbClr r="0" g="0" b="0"/>
+          </a:lnRef>
+          <a:fillRef idx="0">
+            <a:scrgbClr r="0" g="0" b="0"/>
+          </a:fillRef>
+          <a:effectRef idx="0">
+            <a:scrgbClr r="0" g="0" b="0"/>
+          </a:effectRef>
+          <a:fontRef idx="minor">
+            <a:schemeClr val="accent2"/>
+          </a:fontRef>
+        </p:style>
+        <p:txBody>
+          <a:bodyPr rtlCol="0" anchor="ctr"/>
+          <a:lstStyle/>
+          <a:p>
+            <a:pPr algn="ctr"/>
+            <a:r>
+              <a:rPr lang="en-US" altLang="zh-CN" dirty="0" err="1"/>
+              <a:t>XSpritePrimitive</a:t>
+            </a:r>
+            <a:endParaRPr lang="zh-CN" altLang="en-US" dirty="0"/>
+          </a:p>
+        </p:txBody>
+      </p:sp>
+      <p:sp>
+        <p:nvSpPr>
+          <p:cNvPr id="39" name="矩形 38"/>
+          <p:cNvSpPr/>
+          <p:nvPr/>
+        </p:nvSpPr>
+        <p:spPr>
+          <a:xfrm>
+            <a:off x="1670479" y="3288012"/>
+            <a:ext cx="2407581" cy="537169"/>
+          </a:xfrm>
+          <a:prstGeom prst="rect">
+            <a:avLst/>
+          </a:prstGeom>
+          <a:noFill/>
+          <a:ln w="9525" cap="flat" cmpd="sng" algn="ctr">
+            <a:solidFill>
+              <a:schemeClr val="accent2"/>
+            </a:solidFill>
+            <a:prstDash val="solid"/>
+            <a:round/>
+            <a:headEnd type="none" w="med" len="med"/>
+            <a:tailEnd type="none" w="med" len="med"/>
+          </a:ln>
+        </p:spPr>
+        <p:style>
+          <a:lnRef idx="0">
+            <a:scrgbClr r="0" g="0" b="0"/>
+          </a:lnRef>
+          <a:fillRef idx="0">
+            <a:scrgbClr r="0" g="0" b="0"/>
+          </a:fillRef>
+          <a:effectRef idx="0">
+            <a:scrgbClr r="0" g="0" b="0"/>
+          </a:effectRef>
+          <a:fontRef idx="minor">
+            <a:schemeClr val="accent2"/>
+          </a:fontRef>
+        </p:style>
+        <p:txBody>
+          <a:bodyPr rtlCol="0" anchor="ctr"/>
+          <a:lstStyle/>
+          <a:p>
+            <a:pPr algn="ctr"/>
+            <a:r>
+              <a:rPr lang="en-US" altLang="zh-CN" dirty="0" err="1"/>
+              <a:t>FxBatchedPrimitive</a:t>
+            </a:r>
+            <a:endParaRPr lang="zh-CN" altLang="en-US" dirty="0"/>
+          </a:p>
+        </p:txBody>
+      </p:sp>
+      <p:sp>
+        <p:nvSpPr>
+          <p:cNvPr id="41" name="矩形 40"/>
+          <p:cNvSpPr/>
+          <p:nvPr/>
+        </p:nvSpPr>
+        <p:spPr>
+          <a:xfrm>
+            <a:off x="3995861" y="5321640"/>
+            <a:ext cx="2407581" cy="537169"/>
+          </a:xfrm>
+          <a:prstGeom prst="rect">
+            <a:avLst/>
+          </a:prstGeom>
+          <a:noFill/>
+          <a:ln w="9525" cap="flat" cmpd="sng" algn="ctr">
+            <a:solidFill>
+              <a:schemeClr val="accent2"/>
+            </a:solidFill>
+            <a:prstDash val="solid"/>
+            <a:round/>
+            <a:headEnd type="none" w="med" len="med"/>
+            <a:tailEnd type="none" w="med" len="med"/>
+          </a:ln>
+        </p:spPr>
+        <p:style>
+          <a:lnRef idx="0">
+            <a:scrgbClr r="0" g="0" b="0"/>
+          </a:lnRef>
+          <a:fillRef idx="0">
+            <a:scrgbClr r="0" g="0" b="0"/>
+          </a:fillRef>
+          <a:effectRef idx="0">
+            <a:scrgbClr r="0" g="0" b="0"/>
+          </a:effectRef>
+          <a:fontRef idx="minor">
+            <a:schemeClr val="accent2"/>
+          </a:fontRef>
+        </p:style>
+        <p:txBody>
+          <a:bodyPr rtlCol="0" anchor="ctr"/>
+          <a:lstStyle/>
+          <a:p>
+            <a:pPr algn="ctr"/>
+            <a:r>
+              <a:rPr lang="en-US" altLang="zh-CN" dirty="0" err="1"/>
+              <a:t>XAnimTrailPrimitive</a:t>
+            </a:r>
+            <a:endParaRPr lang="zh-CN" altLang="en-US" dirty="0"/>
+          </a:p>
+        </p:txBody>
+      </p:sp>
+      <p:sp>
+        <p:nvSpPr>
+          <p:cNvPr id="46" name="矩形 45"/>
+          <p:cNvSpPr/>
+          <p:nvPr/>
+        </p:nvSpPr>
+        <p:spPr>
+          <a:xfrm>
+            <a:off x="3995860" y="4096301"/>
+            <a:ext cx="2407581" cy="537169"/>
+          </a:xfrm>
+          <a:prstGeom prst="rect">
+            <a:avLst/>
+          </a:prstGeom>
+          <a:noFill/>
+          <a:ln w="9525" cap="flat" cmpd="sng" algn="ctr">
+            <a:solidFill>
+              <a:schemeClr val="accent2"/>
+            </a:solidFill>
+            <a:prstDash val="solid"/>
+            <a:round/>
+            <a:headEnd type="none" w="med" len="med"/>
+            <a:tailEnd type="none" w="med" len="med"/>
+          </a:ln>
+        </p:spPr>
+        <p:style>
+          <a:lnRef idx="0">
+            <a:scrgbClr r="0" g="0" b="0"/>
+          </a:lnRef>
+          <a:fillRef idx="0">
+            <a:scrgbClr r="0" g="0" b="0"/>
+          </a:fillRef>
+          <a:effectRef idx="0">
+            <a:scrgbClr r="0" g="0" b="0"/>
+          </a:effectRef>
+          <a:fontRef idx="minor">
+            <a:schemeClr val="accent2"/>
+          </a:fontRef>
+        </p:style>
+        <p:txBody>
+          <a:bodyPr rtlCol="0" anchor="ctr"/>
+          <a:lstStyle/>
+          <a:p>
+            <a:pPr algn="ctr"/>
+            <a:r>
+              <a:rPr lang="en-US" altLang="zh-CN" dirty="0" err="1"/>
+              <a:t>XRibbonPrimitive</a:t>
+            </a:r>
+            <a:endParaRPr lang="zh-CN" altLang="en-US" dirty="0"/>
+          </a:p>
+        </p:txBody>
+      </p:sp>
+      <p:cxnSp>
+        <p:nvCxnSpPr>
+          <p:cNvPr id="47" name="直接箭头连接符 46"/>
+          <p:cNvCxnSpPr>
+            <a:stCxn id="37" idx="0"/>
+            <a:endCxn id="36" idx="2"/>
+          </p:cNvCxnSpPr>
+          <p:nvPr/>
+        </p:nvCxnSpPr>
+        <p:spPr>
+          <a:xfrm flipH="1" flipV="1">
+            <a:off x="4908875" y="1639970"/>
+            <a:ext cx="1608557" cy="1306493"/>
+          </a:xfrm>
+          <a:prstGeom prst="straightConnector1">
+            <a:avLst/>
+          </a:prstGeom>
+          <a:ln w="28575">
+            <a:solidFill>
+              <a:schemeClr val="tx1"/>
+            </a:solidFill>
+            <a:tailEnd type="triangle"/>
+          </a:ln>
+        </p:spPr>
+        <p:style>
+          <a:lnRef idx="1">
+            <a:schemeClr val="accent1"/>
+          </a:lnRef>
+          <a:fillRef idx="0">
+            <a:schemeClr val="accent1"/>
+          </a:fillRef>
+          <a:effectRef idx="0">
+            <a:schemeClr val="accent1"/>
+          </a:effectRef>
+          <a:fontRef idx="minor">
+            <a:schemeClr val="tx1"/>
+          </a:fontRef>
+        </p:style>
+      </p:cxnSp>
+      <p:cxnSp>
+        <p:nvCxnSpPr>
+          <p:cNvPr id="48" name="直接箭头连接符 47"/>
+          <p:cNvCxnSpPr>
+            <a:stCxn id="39" idx="0"/>
+            <a:endCxn id="36" idx="2"/>
+          </p:cNvCxnSpPr>
+          <p:nvPr/>
+        </p:nvCxnSpPr>
+        <p:spPr>
+          <a:xfrm flipV="1">
+            <a:off x="2874270" y="1639970"/>
+            <a:ext cx="2034605" cy="1648042"/>
+          </a:xfrm>
+          <a:prstGeom prst="straightConnector1">
+            <a:avLst/>
+          </a:prstGeom>
+          <a:ln w="28575">
+            <a:solidFill>
+              <a:schemeClr val="tx1"/>
+            </a:solidFill>
+            <a:tailEnd type="triangle"/>
+          </a:ln>
+        </p:spPr>
+        <p:style>
+          <a:lnRef idx="1">
+            <a:schemeClr val="accent1"/>
+          </a:lnRef>
+          <a:fillRef idx="0">
+            <a:schemeClr val="accent1"/>
+          </a:fillRef>
+          <a:effectRef idx="0">
+            <a:schemeClr val="accent1"/>
+          </a:effectRef>
+          <a:fontRef idx="minor">
+            <a:schemeClr val="tx1"/>
+          </a:fontRef>
+        </p:style>
+      </p:cxnSp>
+      <p:cxnSp>
+        <p:nvCxnSpPr>
+          <p:cNvPr id="49" name="直接箭头连接符 48"/>
+          <p:cNvCxnSpPr>
+            <a:stCxn id="46" idx="0"/>
+            <a:endCxn id="36" idx="2"/>
+          </p:cNvCxnSpPr>
+          <p:nvPr/>
+        </p:nvCxnSpPr>
+        <p:spPr>
+          <a:xfrm flipH="1" flipV="1">
+            <a:off x="4908875" y="1639970"/>
+            <a:ext cx="290776" cy="2456331"/>
+          </a:xfrm>
+          <a:prstGeom prst="straightConnector1">
+            <a:avLst/>
+          </a:prstGeom>
+          <a:ln w="28575">
+            <a:solidFill>
+              <a:schemeClr val="tx1"/>
+            </a:solidFill>
+            <a:tailEnd type="triangle"/>
+          </a:ln>
+        </p:spPr>
+        <p:style>
+          <a:lnRef idx="1">
+            <a:schemeClr val="accent1"/>
+          </a:lnRef>
+          <a:fillRef idx="0">
+            <a:schemeClr val="accent1"/>
+          </a:fillRef>
+          <a:effectRef idx="0">
+            <a:schemeClr val="accent1"/>
+          </a:effectRef>
+          <a:fontRef idx="minor">
+            <a:schemeClr val="tx1"/>
+          </a:fontRef>
+        </p:style>
+      </p:cxnSp>
+      <p:cxnSp>
+        <p:nvCxnSpPr>
+          <p:cNvPr id="53" name="直接箭头连接符 52"/>
+          <p:cNvCxnSpPr>
+            <a:stCxn id="38" idx="0"/>
+            <a:endCxn id="36" idx="2"/>
+          </p:cNvCxnSpPr>
+          <p:nvPr/>
+        </p:nvCxnSpPr>
+        <p:spPr>
+          <a:xfrm flipV="1">
+            <a:off x="1883110" y="1639970"/>
+            <a:ext cx="3025765" cy="644323"/>
+          </a:xfrm>
+          <a:prstGeom prst="straightConnector1">
+            <a:avLst/>
+          </a:prstGeom>
+          <a:ln w="28575">
+            <a:solidFill>
+              <a:schemeClr val="tx1"/>
+            </a:solidFill>
+            <a:tailEnd type="triangle"/>
+          </a:ln>
+        </p:spPr>
+        <p:style>
+          <a:lnRef idx="1">
+            <a:schemeClr val="accent1"/>
+          </a:lnRef>
+          <a:fillRef idx="0">
+            <a:schemeClr val="accent1"/>
+          </a:fillRef>
+          <a:effectRef idx="0">
+            <a:schemeClr val="accent1"/>
+          </a:effectRef>
+          <a:fontRef idx="minor">
+            <a:schemeClr val="tx1"/>
+          </a:fontRef>
+        </p:style>
+      </p:cxnSp>
+      <p:cxnSp>
+        <p:nvCxnSpPr>
+          <p:cNvPr id="56" name="直接箭头连接符 55"/>
+          <p:cNvCxnSpPr>
+            <a:stCxn id="41" idx="0"/>
+            <a:endCxn id="46" idx="2"/>
+          </p:cNvCxnSpPr>
+          <p:nvPr/>
+        </p:nvCxnSpPr>
+        <p:spPr>
+          <a:xfrm flipH="1" flipV="1">
+            <a:off x="5199651" y="4633470"/>
+            <a:ext cx="1" cy="688170"/>
+          </a:xfrm>
+          <a:prstGeom prst="straightConnector1">
+            <a:avLst/>
+          </a:prstGeom>
+          <a:ln w="28575">
+            <a:solidFill>
+              <a:schemeClr val="tx1"/>
+            </a:solidFill>
+            <a:tailEnd type="triangle"/>
+          </a:ln>
+        </p:spPr>
+        <p:style>
+          <a:lnRef idx="1">
+            <a:schemeClr val="accent1"/>
+          </a:lnRef>
+          <a:fillRef idx="0">
+            <a:schemeClr val="accent1"/>
+          </a:fillRef>
+          <a:effectRef idx="0">
+            <a:schemeClr val="accent1"/>
+          </a:effectRef>
+          <a:fontRef idx="minor">
+            <a:schemeClr val="tx1"/>
+          </a:fontRef>
+        </p:style>
+      </p:cxnSp>
+      <p:sp>
+        <p:nvSpPr>
+          <p:cNvPr id="28" name="文本框 27"/>
           <p:cNvSpPr txBox="1"/>
           <p:nvPr/>
         </p:nvSpPr>
         <p:spPr>
           <a:xfrm>
-            <a:off x="733647" y="1212112"/>
-            <a:ext cx="8739962" cy="4662815"/>
+            <a:off x="615142" y="374073"/>
+            <a:ext cx="2468880" cy="369332"/>
           </a:xfrm>
           <a:prstGeom prst="rect">
             <a:avLst/>
@@ -9802,383 +11908,172 @@
           </a:bodyPr>
           <a:lstStyle/>
           <a:p>
-            <a:pPr marL="285750" indent="-285750">
-              <a:lnSpc>
-                <a:spcPct val="150000"/>
-              </a:lnSpc>
-              <a:buFont typeface="Arial" panose="020B0604020202020204" pitchFamily="34" charset="0"/>
-              <a:buChar char="•"/>
-            </a:pPr>
-            <a:r>
-              <a:rPr lang="en-US" altLang="zh-CN" dirty="0" err="1"/>
-              <a:t>XHashTable</a:t>
-            </a:r>
-            <a:r>
-              <a:rPr lang="en-US" altLang="zh-CN" dirty="0"/>
-              <a:t>&lt;</a:t>
-            </a:r>
-            <a:r>
-              <a:rPr lang="en-US" altLang="zh-CN" dirty="0" err="1"/>
-              <a:t>XString</a:t>
-            </a:r>
-            <a:r>
-              <a:rPr lang="en-US" altLang="zh-CN" dirty="0"/>
-              <a:t>, </a:t>
-            </a:r>
-            <a:r>
-              <a:rPr lang="en-US" altLang="zh-CN" dirty="0" err="1"/>
-              <a:t>FxTemplate</a:t>
-            </a:r>
-            <a:r>
-              <a:rPr lang="en-US" altLang="zh-CN" dirty="0"/>
-              <a:t>*&gt;</a:t>
-            </a:r>
-            <a:r>
-              <a:rPr lang="en-US" altLang="zh-CN" dirty="0" err="1"/>
-              <a:t>m_mapFxTemplates</a:t>
-            </a:r>
-            <a:endParaRPr lang="en-US" altLang="zh-CN" dirty="0"/>
-          </a:p>
-          <a:p>
-            <a:pPr marL="285750" indent="-285750">
-              <a:lnSpc>
-                <a:spcPct val="150000"/>
-              </a:lnSpc>
-              <a:buFont typeface="Arial" panose="020B0604020202020204" pitchFamily="34" charset="0"/>
-              <a:buChar char="•"/>
-            </a:pPr>
-            <a:r>
-              <a:rPr lang="en-US" altLang="zh-CN" dirty="0" err="1"/>
-              <a:t>XHashTable</a:t>
-            </a:r>
-            <a:r>
-              <a:rPr lang="en-US" altLang="zh-CN" dirty="0"/>
-              <a:t>&lt;</a:t>
-            </a:r>
-            <a:r>
-              <a:rPr lang="en-US" altLang="zh-CN" dirty="0" err="1"/>
-              <a:t>FxTemplate</a:t>
-            </a:r>
-            <a:r>
-              <a:rPr lang="en-US" altLang="zh-CN" dirty="0"/>
-              <a:t>*, </a:t>
-            </a:r>
-            <a:r>
-              <a:rPr lang="en-US" altLang="zh-CN" dirty="0" err="1"/>
-              <a:t>XArray</a:t>
-            </a:r>
-            <a:r>
-              <a:rPr lang="en-US" altLang="zh-CN" dirty="0"/>
-              <a:t>&lt;</a:t>
-            </a:r>
-            <a:r>
-              <a:rPr lang="en-US" altLang="zh-CN" dirty="0" err="1"/>
-              <a:t>FxInstance</a:t>
-            </a:r>
-            <a:r>
-              <a:rPr lang="en-US" altLang="zh-CN" dirty="0"/>
-              <a:t>*&gt;&gt;</a:t>
-            </a:r>
-            <a:r>
-              <a:rPr lang="en-US" altLang="zh-CN" dirty="0" err="1"/>
-              <a:t>m_mapFxInstances</a:t>
-            </a:r>
-            <a:endParaRPr lang="en-US" altLang="zh-CN" dirty="0"/>
-          </a:p>
-          <a:p>
-            <a:pPr marL="285750" indent="-285750">
-              <a:lnSpc>
-                <a:spcPct val="150000"/>
-              </a:lnSpc>
-              <a:buFont typeface="Arial" panose="020B0604020202020204" pitchFamily="34" charset="0"/>
-              <a:buChar char="•"/>
-            </a:pPr>
-            <a:r>
-              <a:rPr lang="en-US" altLang="zh-CN" dirty="0" err="1"/>
-              <a:t>FxParticlePool</a:t>
-            </a:r>
-            <a:r>
-              <a:rPr lang="en-US" altLang="zh-CN" dirty="0"/>
-              <a:t>*</a:t>
-            </a:r>
-            <a:r>
-              <a:rPr lang="en-US" altLang="zh-CN" dirty="0" err="1"/>
-              <a:t>m_pParticlePool</a:t>
-            </a:r>
-            <a:endParaRPr lang="en-US" altLang="zh-CN" dirty="0"/>
-          </a:p>
-          <a:p>
-            <a:pPr marL="285750" indent="-285750">
-              <a:lnSpc>
-                <a:spcPct val="150000"/>
-              </a:lnSpc>
-              <a:buFont typeface="Arial" panose="020B0604020202020204" pitchFamily="34" charset="0"/>
-              <a:buChar char="•"/>
-            </a:pPr>
-            <a:endParaRPr lang="en-US" altLang="zh-CN" dirty="0"/>
-          </a:p>
-          <a:p>
-            <a:pPr marL="285750" indent="-285750">
-              <a:lnSpc>
-                <a:spcPct val="150000"/>
-              </a:lnSpc>
-              <a:buFont typeface="Arial" panose="020B0604020202020204" pitchFamily="34" charset="0"/>
-              <a:buChar char="•"/>
-            </a:pPr>
-            <a:r>
-              <a:rPr lang="en-US" altLang="zh-CN" dirty="0" err="1"/>
-              <a:t>CreateFxInstance</a:t>
-            </a:r>
-            <a:r>
-              <a:rPr lang="en-US" altLang="zh-CN" dirty="0"/>
-              <a:t>(</a:t>
-            </a:r>
-            <a:r>
-              <a:rPr lang="en-US" altLang="zh-CN" dirty="0" err="1"/>
-              <a:t>const</a:t>
-            </a:r>
-            <a:r>
-              <a:rPr lang="en-US" altLang="zh-CN" dirty="0"/>
-              <a:t> </a:t>
-            </a:r>
-            <a:r>
-              <a:rPr lang="en-US" altLang="zh-CN" dirty="0" err="1"/>
-              <a:t>xchar</a:t>
-            </a:r>
-            <a:r>
-              <a:rPr lang="en-US" altLang="zh-CN" dirty="0"/>
-              <a:t>* </a:t>
-            </a:r>
-            <a:r>
-              <a:rPr lang="en-US" altLang="zh-CN" dirty="0" err="1"/>
-              <a:t>szNewFxTemplateFile</a:t>
-            </a:r>
-            <a:r>
-              <a:rPr lang="en-US" altLang="zh-CN" dirty="0"/>
-              <a:t>)</a:t>
-            </a:r>
-          </a:p>
-          <a:p>
-            <a:pPr marL="285750" indent="-285750">
-              <a:lnSpc>
-                <a:spcPct val="150000"/>
-              </a:lnSpc>
-              <a:buFont typeface="Arial" panose="020B0604020202020204" pitchFamily="34" charset="0"/>
-              <a:buChar char="•"/>
-            </a:pPr>
-            <a:r>
-              <a:rPr lang="en-US" altLang="zh-CN" dirty="0" err="1"/>
-              <a:t>GetFxInstance</a:t>
-            </a:r>
-            <a:r>
-              <a:rPr lang="en-US" altLang="zh-CN" dirty="0"/>
-              <a:t>(</a:t>
-            </a:r>
-            <a:r>
-              <a:rPr lang="en-US" altLang="zh-CN" dirty="0" err="1"/>
-              <a:t>const</a:t>
-            </a:r>
-            <a:r>
-              <a:rPr lang="en-US" altLang="zh-CN" dirty="0"/>
-              <a:t> </a:t>
-            </a:r>
-            <a:r>
-              <a:rPr lang="en-US" altLang="zh-CN" dirty="0" err="1"/>
-              <a:t>xchar</a:t>
-            </a:r>
-            <a:r>
-              <a:rPr lang="en-US" altLang="zh-CN" dirty="0"/>
-              <a:t>* </a:t>
-            </a:r>
-            <a:r>
-              <a:rPr lang="en-US" altLang="zh-CN" dirty="0" err="1"/>
-              <a:t>szFxTemplateFile</a:t>
-            </a:r>
-            <a:r>
-              <a:rPr lang="en-US" altLang="zh-CN" dirty="0"/>
-              <a:t>)</a:t>
-            </a:r>
-          </a:p>
-          <a:p>
-            <a:pPr marL="285750" indent="-285750">
-              <a:lnSpc>
-                <a:spcPct val="150000"/>
-              </a:lnSpc>
-              <a:buFont typeface="Arial" panose="020B0604020202020204" pitchFamily="34" charset="0"/>
-              <a:buChar char="•"/>
-            </a:pPr>
-            <a:r>
-              <a:rPr lang="en-US" altLang="zh-CN" dirty="0" err="1"/>
-              <a:t>ReleaseFxInstance</a:t>
-            </a:r>
-            <a:r>
-              <a:rPr lang="en-US" altLang="zh-CN" dirty="0"/>
-              <a:t>(</a:t>
-            </a:r>
-            <a:r>
-              <a:rPr lang="en-US" altLang="zh-CN" dirty="0" err="1"/>
-              <a:t>FxInstance</a:t>
-            </a:r>
-            <a:r>
-              <a:rPr lang="en-US" altLang="zh-CN" dirty="0"/>
-              <a:t>* </a:t>
-            </a:r>
-            <a:r>
-              <a:rPr lang="en-US" altLang="zh-CN" dirty="0" err="1"/>
-              <a:t>pFxInstance</a:t>
-            </a:r>
-            <a:r>
-              <a:rPr lang="en-US" altLang="zh-CN" dirty="0"/>
-              <a:t>)</a:t>
-            </a:r>
-          </a:p>
-          <a:p>
-            <a:pPr marL="285750" indent="-285750">
-              <a:lnSpc>
-                <a:spcPct val="150000"/>
-              </a:lnSpc>
-              <a:buFont typeface="Arial" panose="020B0604020202020204" pitchFamily="34" charset="0"/>
-              <a:buChar char="•"/>
-            </a:pPr>
-            <a:endParaRPr lang="en-US" altLang="zh-CN" dirty="0"/>
-          </a:p>
-          <a:p>
-            <a:pPr marL="285750" indent="-285750">
-              <a:lnSpc>
-                <a:spcPct val="150000"/>
-              </a:lnSpc>
-              <a:buFont typeface="Arial" panose="020B0604020202020204" pitchFamily="34" charset="0"/>
-              <a:buChar char="•"/>
-            </a:pPr>
-            <a:r>
-              <a:rPr lang="en-US" altLang="zh-CN" dirty="0" err="1"/>
-              <a:t>GetFxTemplate</a:t>
-            </a:r>
-            <a:r>
-              <a:rPr lang="en-US" altLang="zh-CN" dirty="0"/>
-              <a:t>(</a:t>
-            </a:r>
-            <a:r>
-              <a:rPr lang="en-US" altLang="zh-CN" dirty="0" err="1"/>
-              <a:t>const</a:t>
-            </a:r>
-            <a:r>
-              <a:rPr lang="en-US" altLang="zh-CN" dirty="0"/>
-              <a:t> </a:t>
-            </a:r>
-            <a:r>
-              <a:rPr lang="en-US" altLang="zh-CN" dirty="0" err="1"/>
-              <a:t>xchar</a:t>
-            </a:r>
-            <a:r>
-              <a:rPr lang="en-US" altLang="zh-CN" dirty="0"/>
-              <a:t>* </a:t>
-            </a:r>
-            <a:r>
-              <a:rPr lang="en-US" altLang="zh-CN" dirty="0" err="1"/>
-              <a:t>szTemplateFile</a:t>
-            </a:r>
-            <a:r>
-              <a:rPr lang="en-US" altLang="zh-CN" dirty="0"/>
-              <a:t>)</a:t>
-            </a:r>
-          </a:p>
-          <a:p>
-            <a:pPr marL="285750" indent="-285750">
-              <a:lnSpc>
-                <a:spcPct val="150000"/>
-              </a:lnSpc>
-              <a:buFont typeface="Arial" panose="020B0604020202020204" pitchFamily="34" charset="0"/>
-              <a:buChar char="•"/>
-            </a:pPr>
-            <a:r>
-              <a:rPr lang="en-US" altLang="zh-CN" dirty="0" err="1"/>
-              <a:t>ReleaseFxTemplate</a:t>
-            </a:r>
-            <a:r>
-              <a:rPr lang="en-US" altLang="zh-CN" dirty="0"/>
-              <a:t>(</a:t>
-            </a:r>
-            <a:r>
-              <a:rPr lang="en-US" altLang="zh-CN" dirty="0" err="1"/>
-              <a:t>FxTemplate</a:t>
-            </a:r>
-            <a:r>
-              <a:rPr lang="en-US" altLang="zh-CN" dirty="0"/>
-              <a:t>* </a:t>
-            </a:r>
-            <a:r>
-              <a:rPr lang="en-US" altLang="zh-CN" dirty="0" err="1"/>
-              <a:t>pFxTemplate</a:t>
-            </a:r>
-            <a:r>
-              <a:rPr lang="en-US" altLang="zh-CN" dirty="0"/>
-              <a:t>)</a:t>
-            </a:r>
-          </a:p>
-          <a:p>
-            <a:pPr marL="285750" indent="-285750">
-              <a:lnSpc>
-                <a:spcPct val="150000"/>
-              </a:lnSpc>
-              <a:buFont typeface="Arial" panose="020B0604020202020204" pitchFamily="34" charset="0"/>
-              <a:buChar char="•"/>
-            </a:pPr>
-            <a:r>
-              <a:rPr lang="en-US" altLang="zh-CN" dirty="0" err="1"/>
-              <a:t>SaveFxTemplate</a:t>
-            </a:r>
-            <a:r>
-              <a:rPr lang="en-US" altLang="zh-CN" dirty="0"/>
-              <a:t>(</a:t>
-            </a:r>
-            <a:r>
-              <a:rPr lang="en-US" altLang="zh-CN" dirty="0" err="1"/>
-              <a:t>const</a:t>
-            </a:r>
-            <a:r>
-              <a:rPr lang="en-US" altLang="zh-CN" dirty="0"/>
-              <a:t> </a:t>
-            </a:r>
-            <a:r>
-              <a:rPr lang="en-US" altLang="zh-CN" dirty="0" err="1"/>
-              <a:t>xchar</a:t>
-            </a:r>
-            <a:r>
-              <a:rPr lang="en-US" altLang="zh-CN" dirty="0"/>
-              <a:t>* </a:t>
-            </a:r>
-            <a:r>
-              <a:rPr lang="en-US" altLang="zh-CN" dirty="0" err="1"/>
-              <a:t>szFxTemplateFile</a:t>
-            </a:r>
-            <a:r>
-              <a:rPr lang="en-US" altLang="zh-CN" dirty="0"/>
-              <a:t>, </a:t>
-            </a:r>
-            <a:r>
-              <a:rPr lang="en-US" altLang="zh-CN" dirty="0" err="1"/>
-              <a:t>IFxTemplate</a:t>
-            </a:r>
-            <a:r>
-              <a:rPr lang="en-US" altLang="zh-CN" dirty="0"/>
-              <a:t>* </a:t>
-            </a:r>
-            <a:r>
-              <a:rPr lang="en-US" altLang="zh-CN" dirty="0" err="1"/>
-              <a:t>pTemplate</a:t>
-            </a:r>
-            <a:r>
-              <a:rPr lang="en-US" altLang="zh-CN" dirty="0"/>
-              <a:t>)</a:t>
-            </a:r>
-          </a:p>
-        </p:txBody>
-      </p:sp>
+            <a:r>
+              <a:rPr lang="zh-CN" altLang="en-US" dirty="0" smtClean="0"/>
+              <a:t>渲染图元</a:t>
+            </a:r>
+            <a:r>
+              <a:rPr lang="en-US" altLang="zh-CN" dirty="0" smtClean="0"/>
+              <a:t>(Render)</a:t>
+            </a:r>
+            <a:r>
+              <a:rPr lang="zh-CN" altLang="en-US" dirty="0" smtClean="0"/>
+              <a:t>：</a:t>
+            </a:r>
+            <a:endParaRPr lang="zh-CN" altLang="en-US" dirty="0"/>
+          </a:p>
+        </p:txBody>
+      </p:sp>
+      <p:sp>
+        <p:nvSpPr>
+          <p:cNvPr id="29" name="矩形 28"/>
+          <p:cNvSpPr/>
+          <p:nvPr/>
+        </p:nvSpPr>
+        <p:spPr>
+          <a:xfrm>
+            <a:off x="8850623" y="1102800"/>
+            <a:ext cx="2030818" cy="537169"/>
+          </a:xfrm>
+          <a:prstGeom prst="rect">
+            <a:avLst/>
+          </a:prstGeom>
+          <a:noFill/>
+          <a:ln w="9525" cap="flat" cmpd="sng" algn="ctr">
+            <a:solidFill>
+              <a:schemeClr val="accent2"/>
+            </a:solidFill>
+            <a:prstDash val="solid"/>
+            <a:round/>
+            <a:headEnd type="none" w="med" len="med"/>
+            <a:tailEnd type="none" w="med" len="med"/>
+          </a:ln>
+        </p:spPr>
+        <p:style>
+          <a:lnRef idx="0">
+            <a:scrgbClr r="0" g="0" b="0"/>
+          </a:lnRef>
+          <a:fillRef idx="0">
+            <a:scrgbClr r="0" g="0" b="0"/>
+          </a:fillRef>
+          <a:effectRef idx="0">
+            <a:scrgbClr r="0" g="0" b="0"/>
+          </a:effectRef>
+          <a:fontRef idx="minor">
+            <a:schemeClr val="accent2"/>
+          </a:fontRef>
+        </p:style>
+        <p:txBody>
+          <a:bodyPr rtlCol="0" anchor="ctr"/>
+          <a:lstStyle/>
+          <a:p>
+            <a:pPr algn="ctr"/>
+            <a:r>
+              <a:rPr lang="en-US" altLang="zh-CN" dirty="0" err="1"/>
+              <a:t>FxRenderer</a:t>
+            </a:r>
+            <a:endParaRPr lang="zh-CN" altLang="en-US" dirty="0"/>
+          </a:p>
+        </p:txBody>
+      </p:sp>
+      <p:sp>
+        <p:nvSpPr>
+          <p:cNvPr id="30" name="矩形 29"/>
+          <p:cNvSpPr/>
+          <p:nvPr/>
+        </p:nvSpPr>
+        <p:spPr>
+          <a:xfrm>
+            <a:off x="8850623" y="2849972"/>
+            <a:ext cx="2030818" cy="537169"/>
+          </a:xfrm>
+          <a:prstGeom prst="rect">
+            <a:avLst/>
+          </a:prstGeom>
+          <a:noFill/>
+          <a:ln w="9525" cap="flat" cmpd="sng" algn="ctr">
+            <a:solidFill>
+              <a:schemeClr val="accent2"/>
+            </a:solidFill>
+            <a:prstDash val="solid"/>
+            <a:round/>
+            <a:headEnd type="none" w="med" len="med"/>
+            <a:tailEnd type="none" w="med" len="med"/>
+          </a:ln>
+        </p:spPr>
+        <p:style>
+          <a:lnRef idx="0">
+            <a:scrgbClr r="0" g="0" b="0"/>
+          </a:lnRef>
+          <a:fillRef idx="0">
+            <a:scrgbClr r="0" g="0" b="0"/>
+          </a:fillRef>
+          <a:effectRef idx="0">
+            <a:scrgbClr r="0" g="0" b="0"/>
+          </a:effectRef>
+          <a:fontRef idx="minor">
+            <a:schemeClr val="accent2"/>
+          </a:fontRef>
+        </p:style>
+        <p:txBody>
+          <a:bodyPr rtlCol="0" anchor="ctr"/>
+          <a:lstStyle/>
+          <a:p>
+            <a:pPr algn="ctr"/>
+            <a:r>
+              <a:rPr lang="en-US" altLang="zh-CN" dirty="0" err="1"/>
+              <a:t>FxElementData</a:t>
+            </a:r>
+            <a:endParaRPr lang="zh-CN" altLang="en-US" dirty="0"/>
+          </a:p>
+        </p:txBody>
+      </p:sp>
+      <p:cxnSp>
+        <p:nvCxnSpPr>
+          <p:cNvPr id="17" name="直接箭头连接符 16"/>
+          <p:cNvCxnSpPr>
+            <a:stCxn id="29" idx="2"/>
+            <a:endCxn id="30" idx="0"/>
+          </p:cNvCxnSpPr>
+          <p:nvPr/>
+        </p:nvCxnSpPr>
+        <p:spPr>
+          <a:xfrm>
+            <a:off x="9866032" y="1639969"/>
+            <a:ext cx="0" cy="1210003"/>
+          </a:xfrm>
+          <a:prstGeom prst="straightConnector1">
+            <a:avLst/>
+          </a:prstGeom>
+          <a:ln w="38100" cap="flat" cmpd="sng" algn="ctr">
+            <a:solidFill>
+              <a:schemeClr val="accent1"/>
+            </a:solidFill>
+            <a:prstDash val="solid"/>
+            <a:round/>
+            <a:headEnd type="none" w="med" len="med"/>
+            <a:tailEnd type="arrow" w="med" len="med"/>
+          </a:ln>
+        </p:spPr>
+        <p:style>
+          <a:lnRef idx="0">
+            <a:scrgbClr r="0" g="0" b="0"/>
+          </a:lnRef>
+          <a:fillRef idx="0">
+            <a:scrgbClr r="0" g="0" b="0"/>
+          </a:fillRef>
+          <a:effectRef idx="0">
+            <a:scrgbClr r="0" g="0" b="0"/>
+          </a:effectRef>
+          <a:fontRef idx="minor">
+            <a:schemeClr val="tx1"/>
+          </a:fontRef>
+        </p:style>
+      </p:cxnSp>
     </p:spTree>
     <p:extLst>
       <p:ext uri="{BB962C8B-B14F-4D97-AF65-F5344CB8AC3E}">
-        <p14:creationId xmlns:p14="http://schemas.microsoft.com/office/powerpoint/2010/main" val="458281471"/>
+        <p14:creationId xmlns:p14="http://schemas.microsoft.com/office/powerpoint/2010/main" val="947645282"/>
       </p:ext>
     </p:extLst>
   </p:cSld>
@@ -10207,14 +12102,14 @@
       </p:grpSpPr>
       <p:sp>
         <p:nvSpPr>
-          <p:cNvPr id="4" name="矩形 3"/>
+          <p:cNvPr id="36" name="矩形 35"/>
           <p:cNvSpPr/>
           <p:nvPr/>
         </p:nvSpPr>
         <p:spPr>
           <a:xfrm>
-            <a:off x="4848446" y="382485"/>
-            <a:ext cx="2317898" cy="531916"/>
+            <a:off x="4904102" y="1240266"/>
+            <a:ext cx="2030818" cy="537169"/>
           </a:xfrm>
           <a:prstGeom prst="rect">
             <a:avLst/>
@@ -10250,23 +12145,3736 @@
           <a:p>
             <a:pPr algn="ctr"/>
             <a:r>
-              <a:rPr lang="en-US" altLang="zh-CN" sz="2800" dirty="0" err="1"/>
-              <a:t>FxManager</a:t>
-            </a:r>
-            <a:endParaRPr lang="zh-CN" altLang="en-US" sz="2800" dirty="0"/>
-          </a:p>
-        </p:txBody>
-      </p:sp>
-      <p:sp>
-        <p:nvSpPr>
-          <p:cNvPr id="5" name="文本框 4"/>
+              <a:rPr lang="en-US" altLang="zh-CN" dirty="0" err="1"/>
+              <a:t>FxModule</a:t>
+            </a:r>
+            <a:endParaRPr lang="zh-CN" altLang="en-US" dirty="0"/>
+          </a:p>
+        </p:txBody>
+      </p:sp>
+      <p:sp>
+        <p:nvSpPr>
+          <p:cNvPr id="37" name="矩形 36"/>
+          <p:cNvSpPr/>
+          <p:nvPr/>
+        </p:nvSpPr>
+        <p:spPr>
+          <a:xfrm>
+            <a:off x="772688" y="3961902"/>
+            <a:ext cx="2847136" cy="537169"/>
+          </a:xfrm>
+          <a:prstGeom prst="rect">
+            <a:avLst/>
+          </a:prstGeom>
+          <a:noFill/>
+          <a:ln w="9525" cap="flat" cmpd="sng" algn="ctr">
+            <a:solidFill>
+              <a:schemeClr val="accent2"/>
+            </a:solidFill>
+            <a:prstDash val="solid"/>
+            <a:round/>
+            <a:headEnd type="none" w="med" len="med"/>
+            <a:tailEnd type="none" w="med" len="med"/>
+          </a:ln>
+        </p:spPr>
+        <p:style>
+          <a:lnRef idx="0">
+            <a:scrgbClr r="0" g="0" b="0"/>
+          </a:lnRef>
+          <a:fillRef idx="0">
+            <a:scrgbClr r="0" g="0" b="0"/>
+          </a:fillRef>
+          <a:effectRef idx="0">
+            <a:scrgbClr r="0" g="0" b="0"/>
+          </a:effectRef>
+          <a:fontRef idx="minor">
+            <a:schemeClr val="accent2"/>
+          </a:fontRef>
+        </p:style>
+        <p:txBody>
+          <a:bodyPr rtlCol="0" anchor="ctr"/>
+          <a:lstStyle/>
+          <a:p>
+            <a:pPr algn="ctr"/>
+            <a:r>
+              <a:rPr lang="en-US" altLang="zh-CN" dirty="0" err="1"/>
+              <a:t>FxModuleLifeTime</a:t>
+            </a:r>
+            <a:endParaRPr lang="zh-CN" altLang="en-US" dirty="0"/>
+          </a:p>
+        </p:txBody>
+      </p:sp>
+      <p:sp>
+        <p:nvSpPr>
+          <p:cNvPr id="38" name="矩形 37"/>
+          <p:cNvSpPr/>
+          <p:nvPr/>
+        </p:nvSpPr>
+        <p:spPr>
+          <a:xfrm>
+            <a:off x="772688" y="1953678"/>
+            <a:ext cx="2847136" cy="537169"/>
+          </a:xfrm>
+          <a:prstGeom prst="rect">
+            <a:avLst/>
+          </a:prstGeom>
+          <a:noFill/>
+          <a:ln w="9525" cap="flat" cmpd="sng" algn="ctr">
+            <a:solidFill>
+              <a:schemeClr val="accent2"/>
+            </a:solidFill>
+            <a:prstDash val="solid"/>
+            <a:round/>
+            <a:headEnd type="none" w="med" len="med"/>
+            <a:tailEnd type="none" w="med" len="med"/>
+          </a:ln>
+        </p:spPr>
+        <p:style>
+          <a:lnRef idx="0">
+            <a:scrgbClr r="0" g="0" b="0"/>
+          </a:lnRef>
+          <a:fillRef idx="0">
+            <a:scrgbClr r="0" g="0" b="0"/>
+          </a:fillRef>
+          <a:effectRef idx="0">
+            <a:scrgbClr r="0" g="0" b="0"/>
+          </a:effectRef>
+          <a:fontRef idx="minor">
+            <a:schemeClr val="accent2"/>
+          </a:fontRef>
+        </p:style>
+        <p:txBody>
+          <a:bodyPr rtlCol="0" anchor="ctr"/>
+          <a:lstStyle/>
+          <a:p>
+            <a:pPr algn="ctr"/>
+            <a:r>
+              <a:rPr lang="en-US" altLang="zh-CN" dirty="0" err="1"/>
+              <a:t>FxModuleRequired</a:t>
+            </a:r>
+            <a:endParaRPr lang="zh-CN" altLang="en-US" dirty="0"/>
+          </a:p>
+        </p:txBody>
+      </p:sp>
+      <p:sp>
+        <p:nvSpPr>
+          <p:cNvPr id="39" name="矩形 38"/>
+          <p:cNvSpPr/>
+          <p:nvPr/>
+        </p:nvSpPr>
+        <p:spPr>
+          <a:xfrm>
+            <a:off x="772688" y="2600375"/>
+            <a:ext cx="2847136" cy="537169"/>
+          </a:xfrm>
+          <a:prstGeom prst="rect">
+            <a:avLst/>
+          </a:prstGeom>
+          <a:noFill/>
+          <a:ln w="9525" cap="flat" cmpd="sng" algn="ctr">
+            <a:solidFill>
+              <a:schemeClr val="accent2"/>
+            </a:solidFill>
+            <a:prstDash val="solid"/>
+            <a:round/>
+            <a:headEnd type="none" w="med" len="med"/>
+            <a:tailEnd type="none" w="med" len="med"/>
+          </a:ln>
+        </p:spPr>
+        <p:style>
+          <a:lnRef idx="0">
+            <a:scrgbClr r="0" g="0" b="0"/>
+          </a:lnRef>
+          <a:fillRef idx="0">
+            <a:scrgbClr r="0" g="0" b="0"/>
+          </a:fillRef>
+          <a:effectRef idx="0">
+            <a:scrgbClr r="0" g="0" b="0"/>
+          </a:effectRef>
+          <a:fontRef idx="minor">
+            <a:schemeClr val="accent2"/>
+          </a:fontRef>
+        </p:style>
+        <p:txBody>
+          <a:bodyPr rtlCol="0" anchor="ctr"/>
+          <a:lstStyle/>
+          <a:p>
+            <a:pPr algn="ctr"/>
+            <a:r>
+              <a:rPr lang="en-US" altLang="zh-CN" dirty="0" err="1"/>
+              <a:t>FxModuleSpawn</a:t>
+            </a:r>
+            <a:endParaRPr lang="zh-CN" altLang="en-US" dirty="0"/>
+          </a:p>
+        </p:txBody>
+      </p:sp>
+      <p:sp>
+        <p:nvSpPr>
+          <p:cNvPr id="41" name="矩形 40"/>
+          <p:cNvSpPr/>
+          <p:nvPr/>
+        </p:nvSpPr>
+        <p:spPr>
+          <a:xfrm>
+            <a:off x="772688" y="3267341"/>
+            <a:ext cx="2847136" cy="537169"/>
+          </a:xfrm>
+          <a:prstGeom prst="rect">
+            <a:avLst/>
+          </a:prstGeom>
+          <a:noFill/>
+          <a:ln w="9525" cap="flat" cmpd="sng" algn="ctr">
+            <a:solidFill>
+              <a:schemeClr val="accent2"/>
+            </a:solidFill>
+            <a:prstDash val="solid"/>
+            <a:round/>
+            <a:headEnd type="none" w="med" len="med"/>
+            <a:tailEnd type="none" w="med" len="med"/>
+          </a:ln>
+        </p:spPr>
+        <p:style>
+          <a:lnRef idx="0">
+            <a:scrgbClr r="0" g="0" b="0"/>
+          </a:lnRef>
+          <a:fillRef idx="0">
+            <a:scrgbClr r="0" g="0" b="0"/>
+          </a:fillRef>
+          <a:effectRef idx="0">
+            <a:scrgbClr r="0" g="0" b="0"/>
+          </a:effectRef>
+          <a:fontRef idx="minor">
+            <a:schemeClr val="accent2"/>
+          </a:fontRef>
+        </p:style>
+        <p:txBody>
+          <a:bodyPr rtlCol="0" anchor="ctr"/>
+          <a:lstStyle/>
+          <a:p>
+            <a:pPr algn="ctr"/>
+            <a:r>
+              <a:rPr lang="en-US" altLang="zh-CN" dirty="0" err="1"/>
+              <a:t>FxModuleInitialPosition</a:t>
+            </a:r>
+            <a:endParaRPr lang="zh-CN" altLang="en-US" dirty="0"/>
+          </a:p>
+        </p:txBody>
+      </p:sp>
+      <p:sp>
+        <p:nvSpPr>
+          <p:cNvPr id="46" name="矩形 45"/>
+          <p:cNvSpPr/>
+          <p:nvPr/>
+        </p:nvSpPr>
+        <p:spPr>
+          <a:xfrm>
+            <a:off x="772687" y="4664322"/>
+            <a:ext cx="2847137" cy="537169"/>
+          </a:xfrm>
+          <a:prstGeom prst="rect">
+            <a:avLst/>
+          </a:prstGeom>
+          <a:noFill/>
+          <a:ln w="9525" cap="flat" cmpd="sng" algn="ctr">
+            <a:solidFill>
+              <a:schemeClr val="accent2"/>
+            </a:solidFill>
+            <a:prstDash val="solid"/>
+            <a:round/>
+            <a:headEnd type="none" w="med" len="med"/>
+            <a:tailEnd type="none" w="med" len="med"/>
+          </a:ln>
+        </p:spPr>
+        <p:style>
+          <a:lnRef idx="0">
+            <a:scrgbClr r="0" g="0" b="0"/>
+          </a:lnRef>
+          <a:fillRef idx="0">
+            <a:scrgbClr r="0" g="0" b="0"/>
+          </a:fillRef>
+          <a:effectRef idx="0">
+            <a:scrgbClr r="0" g="0" b="0"/>
+          </a:effectRef>
+          <a:fontRef idx="minor">
+            <a:schemeClr val="accent2"/>
+          </a:fontRef>
+        </p:style>
+        <p:txBody>
+          <a:bodyPr rtlCol="0" anchor="ctr"/>
+          <a:lstStyle/>
+          <a:p>
+            <a:pPr algn="ctr"/>
+            <a:r>
+              <a:rPr lang="en-US" altLang="zh-CN" dirty="0" err="1"/>
+              <a:t>FxModuleInitialSize</a:t>
+            </a:r>
+            <a:endParaRPr lang="zh-CN" altLang="en-US" dirty="0"/>
+          </a:p>
+        </p:txBody>
+      </p:sp>
+      <p:sp>
+        <p:nvSpPr>
+          <p:cNvPr id="28" name="文本框 27"/>
           <p:cNvSpPr txBox="1"/>
           <p:nvPr/>
         </p:nvSpPr>
         <p:spPr>
           <a:xfrm>
-            <a:off x="733647" y="1722475"/>
-            <a:ext cx="8739962" cy="1754326"/>
+            <a:off x="615142" y="374073"/>
+            <a:ext cx="2468880" cy="369332"/>
+          </a:xfrm>
+          <a:prstGeom prst="rect">
+            <a:avLst/>
+          </a:prstGeom>
+          <a:noFill/>
+        </p:spPr>
+        <p:txBody>
+          <a:bodyPr wrap="square" rtlCol="0">
+            <a:spAutoFit/>
+          </a:bodyPr>
+          <a:lstStyle/>
+          <a:p>
+            <a:r>
+              <a:rPr lang="zh-CN" altLang="en-US" dirty="0"/>
+              <a:t>模块</a:t>
+            </a:r>
+            <a:r>
+              <a:rPr lang="en-US" altLang="zh-CN" dirty="0" smtClean="0"/>
+              <a:t>(Module)</a:t>
+            </a:r>
+            <a:r>
+              <a:rPr lang="zh-CN" altLang="en-US" dirty="0" smtClean="0"/>
+              <a:t>：</a:t>
+            </a:r>
+            <a:endParaRPr lang="zh-CN" altLang="en-US" dirty="0"/>
+          </a:p>
+        </p:txBody>
+      </p:sp>
+      <p:sp>
+        <p:nvSpPr>
+          <p:cNvPr id="18" name="矩形 17">
+            <a:extLst>
+              <a:ext uri="{FF2B5EF4-FFF2-40B4-BE49-F238E27FC236}">
+                <a16:creationId xmlns:a16="http://schemas.microsoft.com/office/drawing/2014/main" id="{BFA0C7D8-0C8F-CE45-B34A-49B7149C7159}"/>
+              </a:ext>
+            </a:extLst>
+          </p:cNvPr>
+          <p:cNvSpPr/>
+          <p:nvPr/>
+        </p:nvSpPr>
+        <p:spPr>
+          <a:xfrm>
+            <a:off x="4855443" y="398761"/>
+            <a:ext cx="2131923" cy="542547"/>
+          </a:xfrm>
+          <a:prstGeom prst="rect">
+            <a:avLst/>
+          </a:prstGeom>
+          <a:noFill/>
+          <a:ln w="9525" cap="flat" cmpd="sng" algn="ctr">
+            <a:solidFill>
+              <a:schemeClr val="accent2"/>
+            </a:solidFill>
+            <a:prstDash val="solid"/>
+            <a:round/>
+            <a:headEnd type="none" w="med" len="med"/>
+            <a:tailEnd type="none" w="med" len="med"/>
+          </a:ln>
+        </p:spPr>
+        <p:style>
+          <a:lnRef idx="0">
+            <a:scrgbClr r="0" g="0" b="0"/>
+          </a:lnRef>
+          <a:fillRef idx="0">
+            <a:scrgbClr r="0" g="0" b="0"/>
+          </a:fillRef>
+          <a:effectRef idx="0">
+            <a:scrgbClr r="0" g="0" b="0"/>
+          </a:effectRef>
+          <a:fontRef idx="minor">
+            <a:schemeClr val="accent2"/>
+          </a:fontRef>
+        </p:style>
+        <p:txBody>
+          <a:bodyPr rtlCol="0" anchor="ctr"/>
+          <a:lstStyle/>
+          <a:p>
+            <a:pPr algn="ctr"/>
+            <a:r>
+              <a:rPr lang="en-US" altLang="zh-CN" dirty="0" err="1"/>
+              <a:t>FxPropertyObject</a:t>
+            </a:r>
+            <a:endParaRPr lang="zh-CN" altLang="en-US" dirty="0"/>
+          </a:p>
+        </p:txBody>
+      </p:sp>
+      <p:cxnSp>
+        <p:nvCxnSpPr>
+          <p:cNvPr id="19" name="直接箭头连接符 41">
+            <a:extLst>
+              <a:ext uri="{FF2B5EF4-FFF2-40B4-BE49-F238E27FC236}">
+                <a16:creationId xmlns:a16="http://schemas.microsoft.com/office/drawing/2014/main" id="{A8A99159-8C7F-3540-8D99-5AECABA777F7}"/>
+              </a:ext>
+            </a:extLst>
+          </p:cNvPr>
+          <p:cNvCxnSpPr>
+            <a:cxnSpLocks/>
+            <a:stCxn id="36" idx="0"/>
+            <a:endCxn id="18" idx="2"/>
+          </p:cNvCxnSpPr>
+          <p:nvPr/>
+        </p:nvCxnSpPr>
+        <p:spPr>
+          <a:xfrm flipV="1">
+            <a:off x="5919511" y="941308"/>
+            <a:ext cx="1894" cy="298958"/>
+          </a:xfrm>
+          <a:prstGeom prst="straightConnector1">
+            <a:avLst/>
+          </a:prstGeom>
+          <a:ln w="19050" cap="flat" cmpd="sng" algn="ctr">
+            <a:solidFill>
+              <a:schemeClr val="tx1"/>
+            </a:solidFill>
+            <a:prstDash val="solid"/>
+            <a:round/>
+            <a:headEnd type="none" w="med" len="med"/>
+            <a:tailEnd type="triangle" w="med" len="med"/>
+          </a:ln>
+        </p:spPr>
+        <p:style>
+          <a:lnRef idx="0">
+            <a:scrgbClr r="0" g="0" b="0"/>
+          </a:lnRef>
+          <a:fillRef idx="0">
+            <a:scrgbClr r="0" g="0" b="0"/>
+          </a:fillRef>
+          <a:effectRef idx="0">
+            <a:scrgbClr r="0" g="0" b="0"/>
+          </a:effectRef>
+          <a:fontRef idx="minor">
+            <a:schemeClr val="tx1"/>
+          </a:fontRef>
+        </p:style>
+      </p:cxnSp>
+      <p:sp>
+        <p:nvSpPr>
+          <p:cNvPr id="27" name="矩形 26"/>
+          <p:cNvSpPr/>
+          <p:nvPr/>
+        </p:nvSpPr>
+        <p:spPr>
+          <a:xfrm>
+            <a:off x="4229652" y="1945551"/>
+            <a:ext cx="3379718" cy="537169"/>
+          </a:xfrm>
+          <a:prstGeom prst="rect">
+            <a:avLst/>
+          </a:prstGeom>
+          <a:noFill/>
+          <a:ln w="9525" cap="flat" cmpd="sng" algn="ctr">
+            <a:solidFill>
+              <a:schemeClr val="accent2"/>
+            </a:solidFill>
+            <a:prstDash val="solid"/>
+            <a:round/>
+            <a:headEnd type="none" w="med" len="med"/>
+            <a:tailEnd type="none" w="med" len="med"/>
+          </a:ln>
+        </p:spPr>
+        <p:style>
+          <a:lnRef idx="0">
+            <a:scrgbClr r="0" g="0" b="0"/>
+          </a:lnRef>
+          <a:fillRef idx="0">
+            <a:scrgbClr r="0" g="0" b="0"/>
+          </a:fillRef>
+          <a:effectRef idx="0">
+            <a:scrgbClr r="0" g="0" b="0"/>
+          </a:effectRef>
+          <a:fontRef idx="minor">
+            <a:schemeClr val="accent2"/>
+          </a:fontRef>
+        </p:style>
+        <p:txBody>
+          <a:bodyPr rtlCol="0" anchor="ctr"/>
+          <a:lstStyle/>
+          <a:p>
+            <a:pPr algn="ctr"/>
+            <a:r>
+              <a:rPr lang="en-US" altLang="zh-CN" dirty="0" err="1"/>
+              <a:t>FxModuleAccelerationConst</a:t>
+            </a:r>
+            <a:endParaRPr lang="zh-CN" altLang="en-US" dirty="0"/>
+          </a:p>
+        </p:txBody>
+      </p:sp>
+      <p:sp>
+        <p:nvSpPr>
+          <p:cNvPr id="31" name="矩形 30"/>
+          <p:cNvSpPr/>
+          <p:nvPr/>
+        </p:nvSpPr>
+        <p:spPr>
+          <a:xfrm>
+            <a:off x="772687" y="5412973"/>
+            <a:ext cx="2847137" cy="537169"/>
+          </a:xfrm>
+          <a:prstGeom prst="rect">
+            <a:avLst/>
+          </a:prstGeom>
+          <a:noFill/>
+          <a:ln w="9525" cap="flat" cmpd="sng" algn="ctr">
+            <a:solidFill>
+              <a:schemeClr val="accent2"/>
+            </a:solidFill>
+            <a:prstDash val="solid"/>
+            <a:round/>
+            <a:headEnd type="none" w="med" len="med"/>
+            <a:tailEnd type="none" w="med" len="med"/>
+          </a:ln>
+        </p:spPr>
+        <p:style>
+          <a:lnRef idx="0">
+            <a:scrgbClr r="0" g="0" b="0"/>
+          </a:lnRef>
+          <a:fillRef idx="0">
+            <a:scrgbClr r="0" g="0" b="0"/>
+          </a:fillRef>
+          <a:effectRef idx="0">
+            <a:scrgbClr r="0" g="0" b="0"/>
+          </a:effectRef>
+          <a:fontRef idx="minor">
+            <a:schemeClr val="accent2"/>
+          </a:fontRef>
+        </p:style>
+        <p:txBody>
+          <a:bodyPr rtlCol="0" anchor="ctr"/>
+          <a:lstStyle/>
+          <a:p>
+            <a:pPr algn="ctr"/>
+            <a:r>
+              <a:rPr lang="en-US" altLang="zh-CN" dirty="0" err="1"/>
+              <a:t>FxModuleAcceleration</a:t>
+            </a:r>
+            <a:endParaRPr lang="zh-CN" altLang="en-US" dirty="0"/>
+          </a:p>
+        </p:txBody>
+      </p:sp>
+      <p:sp>
+        <p:nvSpPr>
+          <p:cNvPr id="32" name="矩形 31"/>
+          <p:cNvSpPr/>
+          <p:nvPr/>
+        </p:nvSpPr>
+        <p:spPr>
+          <a:xfrm>
+            <a:off x="4229652" y="2607248"/>
+            <a:ext cx="3379718" cy="537169"/>
+          </a:xfrm>
+          <a:prstGeom prst="rect">
+            <a:avLst/>
+          </a:prstGeom>
+          <a:noFill/>
+          <a:ln w="9525" cap="flat" cmpd="sng" algn="ctr">
+            <a:solidFill>
+              <a:schemeClr val="accent2"/>
+            </a:solidFill>
+            <a:prstDash val="solid"/>
+            <a:round/>
+            <a:headEnd type="none" w="med" len="med"/>
+            <a:tailEnd type="none" w="med" len="med"/>
+          </a:ln>
+        </p:spPr>
+        <p:style>
+          <a:lnRef idx="0">
+            <a:scrgbClr r="0" g="0" b="0"/>
+          </a:lnRef>
+          <a:fillRef idx="0">
+            <a:scrgbClr r="0" g="0" b="0"/>
+          </a:fillRef>
+          <a:effectRef idx="0">
+            <a:scrgbClr r="0" g="0" b="0"/>
+          </a:effectRef>
+          <a:fontRef idx="minor">
+            <a:schemeClr val="accent2"/>
+          </a:fontRef>
+        </p:style>
+        <p:txBody>
+          <a:bodyPr rtlCol="0" anchor="ctr"/>
+          <a:lstStyle/>
+          <a:p>
+            <a:pPr algn="ctr"/>
+            <a:r>
+              <a:rPr lang="en-US" altLang="zh-CN" dirty="0" err="1"/>
+              <a:t>FxModuleAccelerationByLife</a:t>
+            </a:r>
+            <a:endParaRPr lang="zh-CN" altLang="en-US" dirty="0"/>
+          </a:p>
+        </p:txBody>
+      </p:sp>
+      <p:sp>
+        <p:nvSpPr>
+          <p:cNvPr id="33" name="矩形 32"/>
+          <p:cNvSpPr/>
+          <p:nvPr/>
+        </p:nvSpPr>
+        <p:spPr>
+          <a:xfrm>
+            <a:off x="4229652" y="3259213"/>
+            <a:ext cx="3379718" cy="537169"/>
+          </a:xfrm>
+          <a:prstGeom prst="rect">
+            <a:avLst/>
+          </a:prstGeom>
+          <a:noFill/>
+          <a:ln w="9525" cap="flat" cmpd="sng" algn="ctr">
+            <a:solidFill>
+              <a:schemeClr val="accent2"/>
+            </a:solidFill>
+            <a:prstDash val="solid"/>
+            <a:round/>
+            <a:headEnd type="none" w="med" len="med"/>
+            <a:tailEnd type="none" w="med" len="med"/>
+          </a:ln>
+        </p:spPr>
+        <p:style>
+          <a:lnRef idx="0">
+            <a:scrgbClr r="0" g="0" b="0"/>
+          </a:lnRef>
+          <a:fillRef idx="0">
+            <a:scrgbClr r="0" g="0" b="0"/>
+          </a:fillRef>
+          <a:effectRef idx="0">
+            <a:scrgbClr r="0" g="0" b="0"/>
+          </a:effectRef>
+          <a:fontRef idx="minor">
+            <a:schemeClr val="accent2"/>
+          </a:fontRef>
+        </p:style>
+        <p:txBody>
+          <a:bodyPr rtlCol="0" anchor="ctr"/>
+          <a:lstStyle/>
+          <a:p>
+            <a:pPr algn="ctr"/>
+            <a:r>
+              <a:rPr lang="en-US" altLang="zh-CN" dirty="0" err="1"/>
+              <a:t>FxModuleDragByLife</a:t>
+            </a:r>
+            <a:endParaRPr lang="zh-CN" altLang="en-US" dirty="0"/>
+          </a:p>
+        </p:txBody>
+      </p:sp>
+      <p:sp>
+        <p:nvSpPr>
+          <p:cNvPr id="35" name="矩形 34"/>
+          <p:cNvSpPr/>
+          <p:nvPr/>
+        </p:nvSpPr>
+        <p:spPr>
+          <a:xfrm>
+            <a:off x="4229651" y="3953774"/>
+            <a:ext cx="3379719" cy="537169"/>
+          </a:xfrm>
+          <a:prstGeom prst="rect">
+            <a:avLst/>
+          </a:prstGeom>
+          <a:noFill/>
+          <a:ln w="9525" cap="flat" cmpd="sng" algn="ctr">
+            <a:solidFill>
+              <a:schemeClr val="accent2"/>
+            </a:solidFill>
+            <a:prstDash val="solid"/>
+            <a:round/>
+            <a:headEnd type="none" w="med" len="med"/>
+            <a:tailEnd type="none" w="med" len="med"/>
+          </a:ln>
+        </p:spPr>
+        <p:style>
+          <a:lnRef idx="0">
+            <a:scrgbClr r="0" g="0" b="0"/>
+          </a:lnRef>
+          <a:fillRef idx="0">
+            <a:scrgbClr r="0" g="0" b="0"/>
+          </a:fillRef>
+          <a:effectRef idx="0">
+            <a:scrgbClr r="0" g="0" b="0"/>
+          </a:effectRef>
+          <a:fontRef idx="minor">
+            <a:schemeClr val="accent2"/>
+          </a:fontRef>
+        </p:style>
+        <p:txBody>
+          <a:bodyPr rtlCol="0" anchor="ctr"/>
+          <a:lstStyle/>
+          <a:p>
+            <a:pPr algn="ctr"/>
+            <a:r>
+              <a:rPr lang="en-US" altLang="zh-CN" dirty="0" err="1"/>
+              <a:t>FxModuleAttractorLine</a:t>
+            </a:r>
+            <a:endParaRPr lang="zh-CN" altLang="en-US" dirty="0"/>
+          </a:p>
+        </p:txBody>
+      </p:sp>
+      <p:sp>
+        <p:nvSpPr>
+          <p:cNvPr id="40" name="矩形 39"/>
+          <p:cNvSpPr/>
+          <p:nvPr/>
+        </p:nvSpPr>
+        <p:spPr>
+          <a:xfrm>
+            <a:off x="4229651" y="4656195"/>
+            <a:ext cx="3379719" cy="537169"/>
+          </a:xfrm>
+          <a:prstGeom prst="rect">
+            <a:avLst/>
+          </a:prstGeom>
+          <a:noFill/>
+          <a:ln w="9525" cap="flat" cmpd="sng" algn="ctr">
+            <a:solidFill>
+              <a:schemeClr val="accent2"/>
+            </a:solidFill>
+            <a:prstDash val="solid"/>
+            <a:round/>
+            <a:headEnd type="none" w="med" len="med"/>
+            <a:tailEnd type="none" w="med" len="med"/>
+          </a:ln>
+        </p:spPr>
+        <p:style>
+          <a:lnRef idx="0">
+            <a:scrgbClr r="0" g="0" b="0"/>
+          </a:lnRef>
+          <a:fillRef idx="0">
+            <a:scrgbClr r="0" g="0" b="0"/>
+          </a:fillRef>
+          <a:effectRef idx="0">
+            <a:scrgbClr r="0" g="0" b="0"/>
+          </a:effectRef>
+          <a:fontRef idx="minor">
+            <a:schemeClr val="accent2"/>
+          </a:fontRef>
+        </p:style>
+        <p:txBody>
+          <a:bodyPr rtlCol="0" anchor="ctr"/>
+          <a:lstStyle/>
+          <a:p>
+            <a:pPr algn="ctr"/>
+            <a:r>
+              <a:rPr lang="en-US" altLang="zh-CN" dirty="0" err="1"/>
+              <a:t>FxModuleAttractorPoint</a:t>
+            </a:r>
+            <a:endParaRPr lang="zh-CN" altLang="en-US" dirty="0"/>
+          </a:p>
+        </p:txBody>
+      </p:sp>
+      <p:sp>
+        <p:nvSpPr>
+          <p:cNvPr id="42" name="矩形 41"/>
+          <p:cNvSpPr/>
+          <p:nvPr/>
+        </p:nvSpPr>
+        <p:spPr>
+          <a:xfrm>
+            <a:off x="8219199" y="1945551"/>
+            <a:ext cx="3216216" cy="537169"/>
+          </a:xfrm>
+          <a:prstGeom prst="rect">
+            <a:avLst/>
+          </a:prstGeom>
+          <a:noFill/>
+          <a:ln w="9525" cap="flat" cmpd="sng" algn="ctr">
+            <a:solidFill>
+              <a:schemeClr val="accent2"/>
+            </a:solidFill>
+            <a:prstDash val="solid"/>
+            <a:round/>
+            <a:headEnd type="none" w="med" len="med"/>
+            <a:tailEnd type="none" w="med" len="med"/>
+          </a:ln>
+        </p:spPr>
+        <p:style>
+          <a:lnRef idx="0">
+            <a:scrgbClr r="0" g="0" b="0"/>
+          </a:lnRef>
+          <a:fillRef idx="0">
+            <a:scrgbClr r="0" g="0" b="0"/>
+          </a:fillRef>
+          <a:effectRef idx="0">
+            <a:scrgbClr r="0" g="0" b="0"/>
+          </a:effectRef>
+          <a:fontRef idx="minor">
+            <a:schemeClr val="accent2"/>
+          </a:fontRef>
+        </p:style>
+        <p:txBody>
+          <a:bodyPr rtlCol="0" anchor="ctr"/>
+          <a:lstStyle/>
+          <a:p>
+            <a:pPr algn="ctr"/>
+            <a:r>
+              <a:rPr lang="en-US" altLang="zh-CN" dirty="0" err="1"/>
+              <a:t>FxModuleSizeBySpeed</a:t>
+            </a:r>
+            <a:endParaRPr lang="zh-CN" altLang="en-US" dirty="0"/>
+          </a:p>
+        </p:txBody>
+      </p:sp>
+      <p:sp>
+        <p:nvSpPr>
+          <p:cNvPr id="43" name="矩形 42"/>
+          <p:cNvSpPr/>
+          <p:nvPr/>
+        </p:nvSpPr>
+        <p:spPr>
+          <a:xfrm>
+            <a:off x="4229650" y="5404845"/>
+            <a:ext cx="3379720" cy="537169"/>
+          </a:xfrm>
+          <a:prstGeom prst="rect">
+            <a:avLst/>
+          </a:prstGeom>
+          <a:noFill/>
+          <a:ln w="9525" cap="flat" cmpd="sng" algn="ctr">
+            <a:solidFill>
+              <a:schemeClr val="accent2"/>
+            </a:solidFill>
+            <a:prstDash val="solid"/>
+            <a:round/>
+            <a:headEnd type="none" w="med" len="med"/>
+            <a:tailEnd type="none" w="med" len="med"/>
+          </a:ln>
+        </p:spPr>
+        <p:style>
+          <a:lnRef idx="0">
+            <a:scrgbClr r="0" g="0" b="0"/>
+          </a:lnRef>
+          <a:fillRef idx="0">
+            <a:scrgbClr r="0" g="0" b="0"/>
+          </a:fillRef>
+          <a:effectRef idx="0">
+            <a:scrgbClr r="0" g="0" b="0"/>
+          </a:effectRef>
+          <a:fontRef idx="minor">
+            <a:schemeClr val="accent2"/>
+          </a:fontRef>
+        </p:style>
+        <p:txBody>
+          <a:bodyPr rtlCol="0" anchor="ctr"/>
+          <a:lstStyle/>
+          <a:p>
+            <a:pPr algn="ctr"/>
+            <a:r>
+              <a:rPr lang="en-US" altLang="zh-CN" dirty="0" err="1"/>
+              <a:t>FxModuleSizeByLife</a:t>
+            </a:r>
+            <a:endParaRPr lang="zh-CN" altLang="en-US" dirty="0"/>
+          </a:p>
+        </p:txBody>
+      </p:sp>
+      <p:sp>
+        <p:nvSpPr>
+          <p:cNvPr id="44" name="矩形 43"/>
+          <p:cNvSpPr/>
+          <p:nvPr/>
+        </p:nvSpPr>
+        <p:spPr>
+          <a:xfrm>
+            <a:off x="8219199" y="2607248"/>
+            <a:ext cx="3216216" cy="537169"/>
+          </a:xfrm>
+          <a:prstGeom prst="rect">
+            <a:avLst/>
+          </a:prstGeom>
+          <a:noFill/>
+          <a:ln w="9525" cap="flat" cmpd="sng" algn="ctr">
+            <a:solidFill>
+              <a:schemeClr val="accent2"/>
+            </a:solidFill>
+            <a:prstDash val="solid"/>
+            <a:round/>
+            <a:headEnd type="none" w="med" len="med"/>
+            <a:tailEnd type="none" w="med" len="med"/>
+          </a:ln>
+        </p:spPr>
+        <p:style>
+          <a:lnRef idx="0">
+            <a:scrgbClr r="0" g="0" b="0"/>
+          </a:lnRef>
+          <a:fillRef idx="0">
+            <a:scrgbClr r="0" g="0" b="0"/>
+          </a:fillRef>
+          <a:effectRef idx="0">
+            <a:scrgbClr r="0" g="0" b="0"/>
+          </a:effectRef>
+          <a:fontRef idx="minor">
+            <a:schemeClr val="accent2"/>
+          </a:fontRef>
+        </p:style>
+        <p:txBody>
+          <a:bodyPr rtlCol="0" anchor="ctr"/>
+          <a:lstStyle/>
+          <a:p>
+            <a:pPr algn="ctr"/>
+            <a:r>
+              <a:rPr lang="en-US" altLang="zh-CN" dirty="0" err="1"/>
+              <a:t>FxModulePayloadSubUV</a:t>
+            </a:r>
+            <a:endParaRPr lang="zh-CN" altLang="en-US" dirty="0"/>
+          </a:p>
+        </p:txBody>
+      </p:sp>
+      <p:sp>
+        <p:nvSpPr>
+          <p:cNvPr id="45" name="矩形 44"/>
+          <p:cNvSpPr/>
+          <p:nvPr/>
+        </p:nvSpPr>
+        <p:spPr>
+          <a:xfrm>
+            <a:off x="8219198" y="3259212"/>
+            <a:ext cx="3216217" cy="537169"/>
+          </a:xfrm>
+          <a:prstGeom prst="rect">
+            <a:avLst/>
+          </a:prstGeom>
+          <a:noFill/>
+          <a:ln w="9525" cap="flat" cmpd="sng" algn="ctr">
+            <a:solidFill>
+              <a:schemeClr val="accent2"/>
+            </a:solidFill>
+            <a:prstDash val="solid"/>
+            <a:round/>
+            <a:headEnd type="none" w="med" len="med"/>
+            <a:tailEnd type="none" w="med" len="med"/>
+          </a:ln>
+        </p:spPr>
+        <p:style>
+          <a:lnRef idx="0">
+            <a:scrgbClr r="0" g="0" b="0"/>
+          </a:lnRef>
+          <a:fillRef idx="0">
+            <a:scrgbClr r="0" g="0" b="0"/>
+          </a:fillRef>
+          <a:effectRef idx="0">
+            <a:scrgbClr r="0" g="0" b="0"/>
+          </a:effectRef>
+          <a:fontRef idx="minor">
+            <a:schemeClr val="accent2"/>
+          </a:fontRef>
+        </p:style>
+        <p:txBody>
+          <a:bodyPr rtlCol="0" anchor="ctr"/>
+          <a:lstStyle/>
+          <a:p>
+            <a:pPr algn="ctr"/>
+            <a:r>
+              <a:rPr lang="en-US" altLang="zh-CN" dirty="0" err="1"/>
+              <a:t>FxModuleSubUV</a:t>
+            </a:r>
+            <a:endParaRPr lang="zh-CN" altLang="en-US" dirty="0"/>
+          </a:p>
+        </p:txBody>
+      </p:sp>
+      <p:sp>
+        <p:nvSpPr>
+          <p:cNvPr id="50" name="矩形 49"/>
+          <p:cNvSpPr/>
+          <p:nvPr/>
+        </p:nvSpPr>
+        <p:spPr>
+          <a:xfrm>
+            <a:off x="8219197" y="3953773"/>
+            <a:ext cx="3216219" cy="537169"/>
+          </a:xfrm>
+          <a:prstGeom prst="rect">
+            <a:avLst/>
+          </a:prstGeom>
+          <a:noFill/>
+          <a:ln w="9525" cap="flat" cmpd="sng" algn="ctr">
+            <a:solidFill>
+              <a:schemeClr val="accent2"/>
+            </a:solidFill>
+            <a:prstDash val="solid"/>
+            <a:round/>
+            <a:headEnd type="none" w="med" len="med"/>
+            <a:tailEnd type="none" w="med" len="med"/>
+          </a:ln>
+        </p:spPr>
+        <p:style>
+          <a:lnRef idx="0">
+            <a:scrgbClr r="0" g="0" b="0"/>
+          </a:lnRef>
+          <a:fillRef idx="0">
+            <a:scrgbClr r="0" g="0" b="0"/>
+          </a:fillRef>
+          <a:effectRef idx="0">
+            <a:scrgbClr r="0" g="0" b="0"/>
+          </a:effectRef>
+          <a:fontRef idx="minor">
+            <a:schemeClr val="accent2"/>
+          </a:fontRef>
+        </p:style>
+        <p:txBody>
+          <a:bodyPr rtlCol="0" anchor="ctr"/>
+          <a:lstStyle/>
+          <a:p>
+            <a:pPr algn="ctr"/>
+            <a:r>
+              <a:rPr lang="en-US" altLang="zh-CN" dirty="0" err="1"/>
+              <a:t>FxModulePayloadUVPanner</a:t>
+            </a:r>
+            <a:endParaRPr lang="zh-CN" altLang="en-US" dirty="0"/>
+          </a:p>
+        </p:txBody>
+      </p:sp>
+      <p:sp>
+        <p:nvSpPr>
+          <p:cNvPr id="51" name="矩形 50"/>
+          <p:cNvSpPr/>
+          <p:nvPr/>
+        </p:nvSpPr>
+        <p:spPr>
+          <a:xfrm>
+            <a:off x="8219197" y="4656195"/>
+            <a:ext cx="3216219" cy="537169"/>
+          </a:xfrm>
+          <a:prstGeom prst="rect">
+            <a:avLst/>
+          </a:prstGeom>
+          <a:noFill/>
+          <a:ln w="9525" cap="flat" cmpd="sng" algn="ctr">
+            <a:solidFill>
+              <a:schemeClr val="accent2"/>
+            </a:solidFill>
+            <a:prstDash val="solid"/>
+            <a:round/>
+            <a:headEnd type="none" w="med" len="med"/>
+            <a:tailEnd type="none" w="med" len="med"/>
+          </a:ln>
+        </p:spPr>
+        <p:style>
+          <a:lnRef idx="0">
+            <a:scrgbClr r="0" g="0" b="0"/>
+          </a:lnRef>
+          <a:fillRef idx="0">
+            <a:scrgbClr r="0" g="0" b="0"/>
+          </a:fillRef>
+          <a:effectRef idx="0">
+            <a:scrgbClr r="0" g="0" b="0"/>
+          </a:effectRef>
+          <a:fontRef idx="minor">
+            <a:schemeClr val="accent2"/>
+          </a:fontRef>
+        </p:style>
+        <p:txBody>
+          <a:bodyPr rtlCol="0" anchor="ctr"/>
+          <a:lstStyle/>
+          <a:p>
+            <a:pPr algn="ctr"/>
+            <a:r>
+              <a:rPr lang="en-US" altLang="zh-CN" dirty="0" err="1"/>
+              <a:t>FxModuleUVPanner</a:t>
+            </a:r>
+            <a:endParaRPr lang="zh-CN" altLang="en-US" dirty="0"/>
+          </a:p>
+        </p:txBody>
+      </p:sp>
+      <p:sp>
+        <p:nvSpPr>
+          <p:cNvPr id="52" name="矩形 51"/>
+          <p:cNvSpPr/>
+          <p:nvPr/>
+        </p:nvSpPr>
+        <p:spPr>
+          <a:xfrm>
+            <a:off x="8219196" y="5404844"/>
+            <a:ext cx="3216219" cy="537169"/>
+          </a:xfrm>
+          <a:prstGeom prst="rect">
+            <a:avLst/>
+          </a:prstGeom>
+          <a:noFill/>
+          <a:ln w="9525" cap="flat" cmpd="sng" algn="ctr">
+            <a:solidFill>
+              <a:schemeClr val="accent2"/>
+            </a:solidFill>
+            <a:prstDash val="solid"/>
+            <a:round/>
+            <a:headEnd type="none" w="med" len="med"/>
+            <a:tailEnd type="none" w="med" len="med"/>
+          </a:ln>
+        </p:spPr>
+        <p:style>
+          <a:lnRef idx="0">
+            <a:scrgbClr r="0" g="0" b="0"/>
+          </a:lnRef>
+          <a:fillRef idx="0">
+            <a:scrgbClr r="0" g="0" b="0"/>
+          </a:fillRef>
+          <a:effectRef idx="0">
+            <a:scrgbClr r="0" g="0" b="0"/>
+          </a:effectRef>
+          <a:fontRef idx="minor">
+            <a:schemeClr val="accent2"/>
+          </a:fontRef>
+        </p:style>
+        <p:txBody>
+          <a:bodyPr rtlCol="0" anchor="ctr"/>
+          <a:lstStyle/>
+          <a:p>
+            <a:pPr algn="ctr"/>
+            <a:r>
+              <a:rPr lang="en-US" altLang="zh-CN" dirty="0" err="1"/>
+              <a:t>FxModuleSpawnPerUnit</a:t>
+            </a:r>
+            <a:endParaRPr lang="zh-CN" altLang="en-US" dirty="0"/>
+          </a:p>
+        </p:txBody>
+      </p:sp>
+      <p:sp>
+        <p:nvSpPr>
+          <p:cNvPr id="54" name="矩形 53"/>
+          <p:cNvSpPr/>
+          <p:nvPr/>
+        </p:nvSpPr>
+        <p:spPr>
+          <a:xfrm>
+            <a:off x="772688" y="6191100"/>
+            <a:ext cx="2847136" cy="537169"/>
+          </a:xfrm>
+          <a:prstGeom prst="rect">
+            <a:avLst/>
+          </a:prstGeom>
+          <a:noFill/>
+          <a:ln w="9525" cap="flat" cmpd="sng" algn="ctr">
+            <a:solidFill>
+              <a:schemeClr val="accent2"/>
+            </a:solidFill>
+            <a:prstDash val="solid"/>
+            <a:round/>
+            <a:headEnd type="none" w="med" len="med"/>
+            <a:tailEnd type="none" w="med" len="med"/>
+          </a:ln>
+        </p:spPr>
+        <p:style>
+          <a:lnRef idx="0">
+            <a:scrgbClr r="0" g="0" b="0"/>
+          </a:lnRef>
+          <a:fillRef idx="0">
+            <a:scrgbClr r="0" g="0" b="0"/>
+          </a:fillRef>
+          <a:effectRef idx="0">
+            <a:scrgbClr r="0" g="0" b="0"/>
+          </a:effectRef>
+          <a:fontRef idx="minor">
+            <a:schemeClr val="accent2"/>
+          </a:fontRef>
+        </p:style>
+        <p:txBody>
+          <a:bodyPr rtlCol="0" anchor="ctr"/>
+          <a:lstStyle/>
+          <a:p>
+            <a:pPr algn="ctr"/>
+            <a:r>
+              <a:rPr lang="en-US" altLang="zh-CN" dirty="0" err="1"/>
+              <a:t>FxModuleKillBox</a:t>
+            </a:r>
+            <a:endParaRPr lang="zh-CN" altLang="en-US" dirty="0"/>
+          </a:p>
+        </p:txBody>
+      </p:sp>
+      <p:sp>
+        <p:nvSpPr>
+          <p:cNvPr id="55" name="矩形 54"/>
+          <p:cNvSpPr/>
+          <p:nvPr/>
+        </p:nvSpPr>
+        <p:spPr>
+          <a:xfrm>
+            <a:off x="4229650" y="6171150"/>
+            <a:ext cx="3379720" cy="537169"/>
+          </a:xfrm>
+          <a:prstGeom prst="rect">
+            <a:avLst/>
+          </a:prstGeom>
+          <a:noFill/>
+          <a:ln w="9525" cap="flat" cmpd="sng" algn="ctr">
+            <a:solidFill>
+              <a:schemeClr val="accent2"/>
+            </a:solidFill>
+            <a:prstDash val="solid"/>
+            <a:round/>
+            <a:headEnd type="none" w="med" len="med"/>
+            <a:tailEnd type="none" w="med" len="med"/>
+          </a:ln>
+        </p:spPr>
+        <p:style>
+          <a:lnRef idx="0">
+            <a:scrgbClr r="0" g="0" b="0"/>
+          </a:lnRef>
+          <a:fillRef idx="0">
+            <a:scrgbClr r="0" g="0" b="0"/>
+          </a:fillRef>
+          <a:effectRef idx="0">
+            <a:scrgbClr r="0" g="0" b="0"/>
+          </a:effectRef>
+          <a:fontRef idx="minor">
+            <a:schemeClr val="accent2"/>
+          </a:fontRef>
+        </p:style>
+        <p:txBody>
+          <a:bodyPr rtlCol="0" anchor="ctr"/>
+          <a:lstStyle/>
+          <a:p>
+            <a:pPr algn="ctr"/>
+            <a:r>
+              <a:rPr lang="en-US" altLang="zh-CN" dirty="0" err="1"/>
+              <a:t>FxModuleKillHeight</a:t>
+            </a:r>
+            <a:endParaRPr lang="zh-CN" altLang="en-US" dirty="0"/>
+          </a:p>
+        </p:txBody>
+      </p:sp>
+      <p:sp>
+        <p:nvSpPr>
+          <p:cNvPr id="58" name="矩形 57"/>
+          <p:cNvSpPr/>
+          <p:nvPr/>
+        </p:nvSpPr>
+        <p:spPr>
+          <a:xfrm>
+            <a:off x="7876925" y="6170755"/>
+            <a:ext cx="4251344" cy="537169"/>
+          </a:xfrm>
+          <a:prstGeom prst="rect">
+            <a:avLst/>
+          </a:prstGeom>
+          <a:noFill/>
+          <a:ln w="9525" cap="flat" cmpd="sng" algn="ctr">
+            <a:solidFill>
+              <a:schemeClr val="accent2"/>
+            </a:solidFill>
+            <a:prstDash val="solid"/>
+            <a:round/>
+            <a:headEnd type="none" w="med" len="med"/>
+            <a:tailEnd type="none" w="med" len="med"/>
+          </a:ln>
+        </p:spPr>
+        <p:style>
+          <a:lnRef idx="0">
+            <a:scrgbClr r="0" g="0" b="0"/>
+          </a:lnRef>
+          <a:fillRef idx="0">
+            <a:scrgbClr r="0" g="0" b="0"/>
+          </a:fillRef>
+          <a:effectRef idx="0">
+            <a:scrgbClr r="0" g="0" b="0"/>
+          </a:effectRef>
+          <a:fontRef idx="minor">
+            <a:schemeClr val="accent2"/>
+          </a:fontRef>
+        </p:style>
+        <p:txBody>
+          <a:bodyPr rtlCol="0" anchor="ctr"/>
+          <a:lstStyle/>
+          <a:p>
+            <a:pPr algn="ctr"/>
+            <a:r>
+              <a:rPr lang="en-US" altLang="zh-CN" dirty="0" err="1"/>
+              <a:t>FxModuleMaterialInstanceParameter</a:t>
+            </a:r>
+            <a:endParaRPr lang="zh-CN" altLang="en-US" dirty="0"/>
+          </a:p>
+        </p:txBody>
+      </p:sp>
+    </p:spTree>
+    <p:extLst>
+      <p:ext uri="{BB962C8B-B14F-4D97-AF65-F5344CB8AC3E}">
+        <p14:creationId xmlns:p14="http://schemas.microsoft.com/office/powerpoint/2010/main" val="1276640499"/>
+      </p:ext>
+    </p:extLst>
+  </p:cSld>
+  <p:clrMapOvr>
+    <a:masterClrMapping/>
+  </p:clrMapOvr>
+</p:sld>
+</file>
+
+<file path=ppt/slides/slide7.xml><?xml version="1.0" encoding="utf-8"?>
+<p:sld xmlns:a="http://schemas.openxmlformats.org/drawingml/2006/main" xmlns:r="http://schemas.openxmlformats.org/officeDocument/2006/relationships" xmlns:p="http://schemas.openxmlformats.org/presentationml/2006/main">
+  <p:cSld>
+    <p:spTree>
+      <p:nvGrpSpPr>
+        <p:cNvPr id="1" name=""/>
+        <p:cNvGrpSpPr/>
+        <p:nvPr/>
+      </p:nvGrpSpPr>
+      <p:grpSpPr>
+        <a:xfrm>
+          <a:off x="0" y="0"/>
+          <a:ext cx="0" cy="0"/>
+          <a:chOff x="0" y="0"/>
+          <a:chExt cx="0" cy="0"/>
+        </a:xfrm>
+      </p:grpSpPr>
+      <p:sp>
+        <p:nvSpPr>
+          <p:cNvPr id="38" name="矩形 37"/>
+          <p:cNvSpPr/>
+          <p:nvPr/>
+        </p:nvSpPr>
+        <p:spPr>
+          <a:xfrm>
+            <a:off x="708519" y="889649"/>
+            <a:ext cx="2847136" cy="537169"/>
+          </a:xfrm>
+          <a:prstGeom prst="rect">
+            <a:avLst/>
+          </a:prstGeom>
+          <a:noFill/>
+          <a:ln w="9525" cap="flat" cmpd="sng" algn="ctr">
+            <a:solidFill>
+              <a:schemeClr val="accent2"/>
+            </a:solidFill>
+            <a:prstDash val="solid"/>
+            <a:round/>
+            <a:headEnd type="none" w="med" len="med"/>
+            <a:tailEnd type="none" w="med" len="med"/>
+          </a:ln>
+        </p:spPr>
+        <p:style>
+          <a:lnRef idx="0">
+            <a:scrgbClr r="0" g="0" b="0"/>
+          </a:lnRef>
+          <a:fillRef idx="0">
+            <a:scrgbClr r="0" g="0" b="0"/>
+          </a:fillRef>
+          <a:effectRef idx="0">
+            <a:scrgbClr r="0" g="0" b="0"/>
+          </a:effectRef>
+          <a:fontRef idx="minor">
+            <a:schemeClr val="accent2"/>
+          </a:fontRef>
+        </p:style>
+        <p:txBody>
+          <a:bodyPr rtlCol="0" anchor="ctr"/>
+          <a:lstStyle/>
+          <a:p>
+            <a:pPr algn="ctr"/>
+            <a:r>
+              <a:rPr lang="en-US" altLang="zh-CN" dirty="0" err="1"/>
+              <a:t>FxModuleInitialVelocity</a:t>
+            </a:r>
+            <a:endParaRPr lang="zh-CN" altLang="en-US" dirty="0"/>
+          </a:p>
+        </p:txBody>
+      </p:sp>
+      <p:sp>
+        <p:nvSpPr>
+          <p:cNvPr id="39" name="矩形 38"/>
+          <p:cNvSpPr/>
+          <p:nvPr/>
+        </p:nvSpPr>
+        <p:spPr>
+          <a:xfrm>
+            <a:off x="708519" y="1536346"/>
+            <a:ext cx="2847136" cy="537169"/>
+          </a:xfrm>
+          <a:prstGeom prst="rect">
+            <a:avLst/>
+          </a:prstGeom>
+          <a:noFill/>
+          <a:ln w="9525" cap="flat" cmpd="sng" algn="ctr">
+            <a:solidFill>
+              <a:schemeClr val="accent2"/>
+            </a:solidFill>
+            <a:prstDash val="solid"/>
+            <a:round/>
+            <a:headEnd type="none" w="med" len="med"/>
+            <a:tailEnd type="none" w="med" len="med"/>
+          </a:ln>
+        </p:spPr>
+        <p:style>
+          <a:lnRef idx="0">
+            <a:scrgbClr r="0" g="0" b="0"/>
+          </a:lnRef>
+          <a:fillRef idx="0">
+            <a:scrgbClr r="0" g="0" b="0"/>
+          </a:fillRef>
+          <a:effectRef idx="0">
+            <a:scrgbClr r="0" g="0" b="0"/>
+          </a:effectRef>
+          <a:fontRef idx="minor">
+            <a:schemeClr val="accent2"/>
+          </a:fontRef>
+        </p:style>
+        <p:txBody>
+          <a:bodyPr rtlCol="0" anchor="ctr"/>
+          <a:lstStyle/>
+          <a:p>
+            <a:pPr algn="ctr"/>
+            <a:r>
+              <a:rPr lang="en-US" altLang="zh-CN" dirty="0" err="1"/>
+              <a:t>FxModuleVelocityCone</a:t>
+            </a:r>
+            <a:endParaRPr lang="zh-CN" altLang="en-US" dirty="0"/>
+          </a:p>
+        </p:txBody>
+      </p:sp>
+      <p:sp>
+        <p:nvSpPr>
+          <p:cNvPr id="41" name="矩形 40"/>
+          <p:cNvSpPr/>
+          <p:nvPr/>
+        </p:nvSpPr>
+        <p:spPr>
+          <a:xfrm>
+            <a:off x="708519" y="2203312"/>
+            <a:ext cx="2847136" cy="537169"/>
+          </a:xfrm>
+          <a:prstGeom prst="rect">
+            <a:avLst/>
+          </a:prstGeom>
+          <a:noFill/>
+          <a:ln w="9525" cap="flat" cmpd="sng" algn="ctr">
+            <a:solidFill>
+              <a:schemeClr val="accent2"/>
+            </a:solidFill>
+            <a:prstDash val="solid"/>
+            <a:round/>
+            <a:headEnd type="none" w="med" len="med"/>
+            <a:tailEnd type="none" w="med" len="med"/>
+          </a:ln>
+        </p:spPr>
+        <p:style>
+          <a:lnRef idx="0">
+            <a:scrgbClr r="0" g="0" b="0"/>
+          </a:lnRef>
+          <a:fillRef idx="0">
+            <a:scrgbClr r="0" g="0" b="0"/>
+          </a:fillRef>
+          <a:effectRef idx="0">
+            <a:scrgbClr r="0" g="0" b="0"/>
+          </a:effectRef>
+          <a:fontRef idx="minor">
+            <a:schemeClr val="accent2"/>
+          </a:fontRef>
+        </p:style>
+        <p:txBody>
+          <a:bodyPr rtlCol="0" anchor="ctr"/>
+          <a:lstStyle/>
+          <a:p>
+            <a:pPr algn="ctr"/>
+            <a:r>
+              <a:rPr lang="en-US" altLang="zh-CN" dirty="0" err="1"/>
+              <a:t>FxModuleVelocityByLife</a:t>
+            </a:r>
+            <a:endParaRPr lang="zh-CN" altLang="en-US" dirty="0"/>
+          </a:p>
+        </p:txBody>
+      </p:sp>
+      <p:sp>
+        <p:nvSpPr>
+          <p:cNvPr id="28" name="文本框 27"/>
+          <p:cNvSpPr txBox="1"/>
+          <p:nvPr/>
+        </p:nvSpPr>
+        <p:spPr>
+          <a:xfrm>
+            <a:off x="615142" y="374073"/>
+            <a:ext cx="2468880" cy="369332"/>
+          </a:xfrm>
+          <a:prstGeom prst="rect">
+            <a:avLst/>
+          </a:prstGeom>
+          <a:noFill/>
+        </p:spPr>
+        <p:txBody>
+          <a:bodyPr wrap="square" rtlCol="0">
+            <a:spAutoFit/>
+          </a:bodyPr>
+          <a:lstStyle/>
+          <a:p>
+            <a:r>
+              <a:rPr lang="en-US" altLang="zh-CN" dirty="0" err="1"/>
+              <a:t>FxModuleVelocity</a:t>
+            </a:r>
+            <a:r>
+              <a:rPr lang="zh-CN" altLang="en-US" dirty="0" smtClean="0"/>
+              <a:t>：</a:t>
+            </a:r>
+            <a:endParaRPr lang="zh-CN" altLang="en-US" dirty="0"/>
+          </a:p>
+        </p:txBody>
+      </p:sp>
+      <p:sp>
+        <p:nvSpPr>
+          <p:cNvPr id="27" name="矩形 26"/>
+          <p:cNvSpPr/>
+          <p:nvPr/>
+        </p:nvSpPr>
+        <p:spPr>
+          <a:xfrm>
+            <a:off x="4165483" y="881522"/>
+            <a:ext cx="3379718" cy="537169"/>
+          </a:xfrm>
+          <a:prstGeom prst="rect">
+            <a:avLst/>
+          </a:prstGeom>
+          <a:noFill/>
+          <a:ln w="9525" cap="flat" cmpd="sng" algn="ctr">
+            <a:solidFill>
+              <a:schemeClr val="accent2"/>
+            </a:solidFill>
+            <a:prstDash val="solid"/>
+            <a:round/>
+            <a:headEnd type="none" w="med" len="med"/>
+            <a:tailEnd type="none" w="med" len="med"/>
+          </a:ln>
+        </p:spPr>
+        <p:style>
+          <a:lnRef idx="0">
+            <a:scrgbClr r="0" g="0" b="0"/>
+          </a:lnRef>
+          <a:fillRef idx="0">
+            <a:scrgbClr r="0" g="0" b="0"/>
+          </a:fillRef>
+          <a:effectRef idx="0">
+            <a:scrgbClr r="0" g="0" b="0"/>
+          </a:effectRef>
+          <a:fontRef idx="minor">
+            <a:schemeClr val="accent2"/>
+          </a:fontRef>
+        </p:style>
+        <p:txBody>
+          <a:bodyPr rtlCol="0" anchor="ctr"/>
+          <a:lstStyle/>
+          <a:p>
+            <a:pPr algn="ctr"/>
+            <a:r>
+              <a:rPr lang="en-US" altLang="zh-CN" dirty="0" err="1"/>
+              <a:t>FxModuleMeshData</a:t>
+            </a:r>
+            <a:endParaRPr lang="zh-CN" altLang="en-US" dirty="0"/>
+          </a:p>
+        </p:txBody>
+      </p:sp>
+      <p:sp>
+        <p:nvSpPr>
+          <p:cNvPr id="32" name="矩形 31"/>
+          <p:cNvSpPr/>
+          <p:nvPr/>
+        </p:nvSpPr>
+        <p:spPr>
+          <a:xfrm>
+            <a:off x="4165483" y="1543219"/>
+            <a:ext cx="3379718" cy="537169"/>
+          </a:xfrm>
+          <a:prstGeom prst="rect">
+            <a:avLst/>
+          </a:prstGeom>
+          <a:noFill/>
+          <a:ln w="9525" cap="flat" cmpd="sng" algn="ctr">
+            <a:solidFill>
+              <a:schemeClr val="accent2"/>
+            </a:solidFill>
+            <a:prstDash val="solid"/>
+            <a:round/>
+            <a:headEnd type="none" w="med" len="med"/>
+            <a:tailEnd type="none" w="med" len="med"/>
+          </a:ln>
+        </p:spPr>
+        <p:style>
+          <a:lnRef idx="0">
+            <a:scrgbClr r="0" g="0" b="0"/>
+          </a:lnRef>
+          <a:fillRef idx="0">
+            <a:scrgbClr r="0" g="0" b="0"/>
+          </a:fillRef>
+          <a:effectRef idx="0">
+            <a:scrgbClr r="0" g="0" b="0"/>
+          </a:effectRef>
+          <a:fontRef idx="minor">
+            <a:schemeClr val="accent2"/>
+          </a:fontRef>
+        </p:style>
+        <p:txBody>
+          <a:bodyPr rtlCol="0" anchor="ctr"/>
+          <a:lstStyle/>
+          <a:p>
+            <a:pPr algn="ctr"/>
+            <a:r>
+              <a:rPr lang="en-US" altLang="zh-CN" dirty="0" err="1"/>
+              <a:t>FxModulePayloadTrail</a:t>
+            </a:r>
+            <a:endParaRPr lang="zh-CN" altLang="en-US" dirty="0"/>
+          </a:p>
+        </p:txBody>
+      </p:sp>
+      <p:sp>
+        <p:nvSpPr>
+          <p:cNvPr id="33" name="矩形 32"/>
+          <p:cNvSpPr/>
+          <p:nvPr/>
+        </p:nvSpPr>
+        <p:spPr>
+          <a:xfrm>
+            <a:off x="4165483" y="2195184"/>
+            <a:ext cx="3379718" cy="537169"/>
+          </a:xfrm>
+          <a:prstGeom prst="rect">
+            <a:avLst/>
+          </a:prstGeom>
+          <a:noFill/>
+          <a:ln w="9525" cap="flat" cmpd="sng" algn="ctr">
+            <a:solidFill>
+              <a:schemeClr val="accent2"/>
+            </a:solidFill>
+            <a:prstDash val="solid"/>
+            <a:round/>
+            <a:headEnd type="none" w="med" len="med"/>
+            <a:tailEnd type="none" w="med" len="med"/>
+          </a:ln>
+        </p:spPr>
+        <p:style>
+          <a:lnRef idx="0">
+            <a:scrgbClr r="0" g="0" b="0"/>
+          </a:lnRef>
+          <a:fillRef idx="0">
+            <a:scrgbClr r="0" g="0" b="0"/>
+          </a:fillRef>
+          <a:effectRef idx="0">
+            <a:scrgbClr r="0" g="0" b="0"/>
+          </a:effectRef>
+          <a:fontRef idx="minor">
+            <a:schemeClr val="accent2"/>
+          </a:fontRef>
+        </p:style>
+        <p:txBody>
+          <a:bodyPr rtlCol="0" anchor="ctr"/>
+          <a:lstStyle/>
+          <a:p>
+            <a:pPr algn="ctr"/>
+            <a:r>
+              <a:rPr lang="en-US" altLang="zh-CN" dirty="0" err="1"/>
+              <a:t>FxModulePayloadRibbon</a:t>
+            </a:r>
+            <a:endParaRPr lang="zh-CN" altLang="en-US" dirty="0"/>
+          </a:p>
+        </p:txBody>
+      </p:sp>
+      <p:sp>
+        <p:nvSpPr>
+          <p:cNvPr id="35" name="矩形 34"/>
+          <p:cNvSpPr/>
+          <p:nvPr/>
+        </p:nvSpPr>
+        <p:spPr>
+          <a:xfrm>
+            <a:off x="4165482" y="2889745"/>
+            <a:ext cx="3379719" cy="537169"/>
+          </a:xfrm>
+          <a:prstGeom prst="rect">
+            <a:avLst/>
+          </a:prstGeom>
+          <a:noFill/>
+          <a:ln w="9525" cap="flat" cmpd="sng" algn="ctr">
+            <a:solidFill>
+              <a:schemeClr val="accent2"/>
+            </a:solidFill>
+            <a:prstDash val="solid"/>
+            <a:round/>
+            <a:headEnd type="none" w="med" len="med"/>
+            <a:tailEnd type="none" w="med" len="med"/>
+          </a:ln>
+        </p:spPr>
+        <p:style>
+          <a:lnRef idx="0">
+            <a:scrgbClr r="0" g="0" b="0"/>
+          </a:lnRef>
+          <a:fillRef idx="0">
+            <a:scrgbClr r="0" g="0" b="0"/>
+          </a:fillRef>
+          <a:effectRef idx="0">
+            <a:scrgbClr r="0" g="0" b="0"/>
+          </a:effectRef>
+          <a:fontRef idx="minor">
+            <a:schemeClr val="accent2"/>
+          </a:fontRef>
+        </p:style>
+        <p:txBody>
+          <a:bodyPr rtlCol="0" anchor="ctr"/>
+          <a:lstStyle/>
+          <a:p>
+            <a:pPr algn="ctr"/>
+            <a:r>
+              <a:rPr lang="en-US" altLang="zh-CN" dirty="0" err="1"/>
+              <a:t>FxModulePayloadAnimTrail</a:t>
+            </a:r>
+            <a:endParaRPr lang="zh-CN" altLang="en-US" dirty="0"/>
+          </a:p>
+        </p:txBody>
+      </p:sp>
+      <p:sp>
+        <p:nvSpPr>
+          <p:cNvPr id="40" name="矩形 39"/>
+          <p:cNvSpPr/>
+          <p:nvPr/>
+        </p:nvSpPr>
+        <p:spPr>
+          <a:xfrm>
+            <a:off x="4165480" y="5063219"/>
+            <a:ext cx="3379719" cy="537169"/>
+          </a:xfrm>
+          <a:prstGeom prst="rect">
+            <a:avLst/>
+          </a:prstGeom>
+          <a:noFill/>
+          <a:ln w="9525" cap="flat" cmpd="sng" algn="ctr">
+            <a:solidFill>
+              <a:schemeClr val="accent2"/>
+            </a:solidFill>
+            <a:prstDash val="solid"/>
+            <a:round/>
+            <a:headEnd type="none" w="med" len="med"/>
+            <a:tailEnd type="none" w="med" len="med"/>
+          </a:ln>
+        </p:spPr>
+        <p:style>
+          <a:lnRef idx="0">
+            <a:scrgbClr r="0" g="0" b="0"/>
+          </a:lnRef>
+          <a:fillRef idx="0">
+            <a:scrgbClr r="0" g="0" b="0"/>
+          </a:fillRef>
+          <a:effectRef idx="0">
+            <a:scrgbClr r="0" g="0" b="0"/>
+          </a:effectRef>
+          <a:fontRef idx="minor">
+            <a:schemeClr val="accent2"/>
+          </a:fontRef>
+        </p:style>
+        <p:txBody>
+          <a:bodyPr rtlCol="0" anchor="ctr"/>
+          <a:lstStyle/>
+          <a:p>
+            <a:pPr algn="ctr"/>
+            <a:r>
+              <a:rPr lang="en-US" altLang="zh-CN" dirty="0" err="1"/>
+              <a:t>FxModuleRibbonData</a:t>
+            </a:r>
+            <a:endParaRPr lang="zh-CN" altLang="en-US" dirty="0"/>
+          </a:p>
+        </p:txBody>
+      </p:sp>
+      <p:sp>
+        <p:nvSpPr>
+          <p:cNvPr id="42" name="矩形 41"/>
+          <p:cNvSpPr/>
+          <p:nvPr/>
+        </p:nvSpPr>
+        <p:spPr>
+          <a:xfrm>
+            <a:off x="4165480" y="3592165"/>
+            <a:ext cx="3379719" cy="537169"/>
+          </a:xfrm>
+          <a:prstGeom prst="rect">
+            <a:avLst/>
+          </a:prstGeom>
+          <a:noFill/>
+          <a:ln w="9525" cap="flat" cmpd="sng" algn="ctr">
+            <a:solidFill>
+              <a:schemeClr val="accent2"/>
+            </a:solidFill>
+            <a:prstDash val="solid"/>
+            <a:round/>
+            <a:headEnd type="none" w="med" len="med"/>
+            <a:tailEnd type="none" w="med" len="med"/>
+          </a:ln>
+        </p:spPr>
+        <p:style>
+          <a:lnRef idx="0">
+            <a:scrgbClr r="0" g="0" b="0"/>
+          </a:lnRef>
+          <a:fillRef idx="0">
+            <a:scrgbClr r="0" g="0" b="0"/>
+          </a:fillRef>
+          <a:effectRef idx="0">
+            <a:scrgbClr r="0" g="0" b="0"/>
+          </a:effectRef>
+          <a:fontRef idx="minor">
+            <a:schemeClr val="accent2"/>
+          </a:fontRef>
+        </p:style>
+        <p:txBody>
+          <a:bodyPr rtlCol="0" anchor="ctr"/>
+          <a:lstStyle/>
+          <a:p>
+            <a:pPr algn="ctr"/>
+            <a:r>
+              <a:rPr lang="en-US" altLang="zh-CN" dirty="0" err="1"/>
+              <a:t>FxModulePayloadBeam</a:t>
+            </a:r>
+            <a:endParaRPr lang="zh-CN" altLang="en-US" dirty="0"/>
+          </a:p>
+        </p:txBody>
+      </p:sp>
+      <p:sp>
+        <p:nvSpPr>
+          <p:cNvPr id="43" name="矩形 42"/>
+          <p:cNvSpPr/>
+          <p:nvPr/>
+        </p:nvSpPr>
+        <p:spPr>
+          <a:xfrm>
+            <a:off x="4165481" y="4340816"/>
+            <a:ext cx="3379720" cy="537169"/>
+          </a:xfrm>
+          <a:prstGeom prst="rect">
+            <a:avLst/>
+          </a:prstGeom>
+          <a:noFill/>
+          <a:ln w="9525" cap="flat" cmpd="sng" algn="ctr">
+            <a:solidFill>
+              <a:schemeClr val="accent2"/>
+            </a:solidFill>
+            <a:prstDash val="solid"/>
+            <a:round/>
+            <a:headEnd type="none" w="med" len="med"/>
+            <a:tailEnd type="none" w="med" len="med"/>
+          </a:ln>
+        </p:spPr>
+        <p:style>
+          <a:lnRef idx="0">
+            <a:scrgbClr r="0" g="0" b="0"/>
+          </a:lnRef>
+          <a:fillRef idx="0">
+            <a:scrgbClr r="0" g="0" b="0"/>
+          </a:fillRef>
+          <a:effectRef idx="0">
+            <a:scrgbClr r="0" g="0" b="0"/>
+          </a:effectRef>
+          <a:fontRef idx="minor">
+            <a:schemeClr val="accent2"/>
+          </a:fontRef>
+        </p:style>
+        <p:txBody>
+          <a:bodyPr rtlCol="0" anchor="ctr"/>
+          <a:lstStyle/>
+          <a:p>
+            <a:pPr algn="ctr"/>
+            <a:r>
+              <a:rPr lang="en-US" altLang="zh-CN" dirty="0" err="1"/>
+              <a:t>FxModuleAnimTrailData</a:t>
+            </a:r>
+            <a:endParaRPr lang="zh-CN" altLang="en-US" dirty="0"/>
+          </a:p>
+        </p:txBody>
+      </p:sp>
+      <p:sp>
+        <p:nvSpPr>
+          <p:cNvPr id="44" name="矩形 43"/>
+          <p:cNvSpPr/>
+          <p:nvPr/>
+        </p:nvSpPr>
+        <p:spPr>
+          <a:xfrm>
+            <a:off x="4165479" y="5785622"/>
+            <a:ext cx="3379719" cy="537169"/>
+          </a:xfrm>
+          <a:prstGeom prst="rect">
+            <a:avLst/>
+          </a:prstGeom>
+          <a:noFill/>
+          <a:ln w="9525" cap="flat" cmpd="sng" algn="ctr">
+            <a:solidFill>
+              <a:schemeClr val="accent2"/>
+            </a:solidFill>
+            <a:prstDash val="solid"/>
+            <a:round/>
+            <a:headEnd type="none" w="med" len="med"/>
+            <a:tailEnd type="none" w="med" len="med"/>
+          </a:ln>
+        </p:spPr>
+        <p:style>
+          <a:lnRef idx="0">
+            <a:scrgbClr r="0" g="0" b="0"/>
+          </a:lnRef>
+          <a:fillRef idx="0">
+            <a:scrgbClr r="0" g="0" b="0"/>
+          </a:fillRef>
+          <a:effectRef idx="0">
+            <a:scrgbClr r="0" g="0" b="0"/>
+          </a:effectRef>
+          <a:fontRef idx="minor">
+            <a:schemeClr val="accent2"/>
+          </a:fontRef>
+        </p:style>
+        <p:txBody>
+          <a:bodyPr rtlCol="0" anchor="ctr"/>
+          <a:lstStyle/>
+          <a:p>
+            <a:pPr algn="ctr"/>
+            <a:r>
+              <a:rPr lang="en-US" altLang="zh-CN" dirty="0" err="1"/>
+              <a:t>FxModuleBeamData</a:t>
+            </a:r>
+            <a:endParaRPr lang="zh-CN" altLang="en-US" dirty="0"/>
+          </a:p>
+        </p:txBody>
+      </p:sp>
+      <p:sp>
+        <p:nvSpPr>
+          <p:cNvPr id="45" name="矩形 44"/>
+          <p:cNvSpPr/>
+          <p:nvPr/>
+        </p:nvSpPr>
+        <p:spPr>
+          <a:xfrm>
+            <a:off x="8155031" y="908658"/>
+            <a:ext cx="3216217" cy="537169"/>
+          </a:xfrm>
+          <a:prstGeom prst="rect">
+            <a:avLst/>
+          </a:prstGeom>
+          <a:noFill/>
+          <a:ln w="9525" cap="flat" cmpd="sng" algn="ctr">
+            <a:solidFill>
+              <a:schemeClr val="accent2"/>
+            </a:solidFill>
+            <a:prstDash val="solid"/>
+            <a:round/>
+            <a:headEnd type="none" w="med" len="med"/>
+            <a:tailEnd type="none" w="med" len="med"/>
+          </a:ln>
+        </p:spPr>
+        <p:style>
+          <a:lnRef idx="0">
+            <a:scrgbClr r="0" g="0" b="0"/>
+          </a:lnRef>
+          <a:fillRef idx="0">
+            <a:scrgbClr r="0" g="0" b="0"/>
+          </a:fillRef>
+          <a:effectRef idx="0">
+            <a:scrgbClr r="0" g="0" b="0"/>
+          </a:effectRef>
+          <a:fontRef idx="minor">
+            <a:schemeClr val="accent2"/>
+          </a:fontRef>
+        </p:style>
+        <p:txBody>
+          <a:bodyPr rtlCol="0" anchor="ctr"/>
+          <a:lstStyle/>
+          <a:p>
+            <a:pPr algn="ctr"/>
+            <a:r>
+              <a:rPr lang="en-US" altLang="zh-CN" dirty="0" err="1"/>
+              <a:t>FxModuleInitialRotation</a:t>
+            </a:r>
+            <a:endParaRPr lang="zh-CN" altLang="en-US" dirty="0"/>
+          </a:p>
+        </p:txBody>
+      </p:sp>
+      <p:sp>
+        <p:nvSpPr>
+          <p:cNvPr id="50" name="矩形 49"/>
+          <p:cNvSpPr/>
+          <p:nvPr/>
+        </p:nvSpPr>
+        <p:spPr>
+          <a:xfrm>
+            <a:off x="8155030" y="1603219"/>
+            <a:ext cx="3216219" cy="537169"/>
+          </a:xfrm>
+          <a:prstGeom prst="rect">
+            <a:avLst/>
+          </a:prstGeom>
+          <a:noFill/>
+          <a:ln w="9525" cap="flat" cmpd="sng" algn="ctr">
+            <a:solidFill>
+              <a:schemeClr val="accent2"/>
+            </a:solidFill>
+            <a:prstDash val="solid"/>
+            <a:round/>
+            <a:headEnd type="none" w="med" len="med"/>
+            <a:tailEnd type="none" w="med" len="med"/>
+          </a:ln>
+        </p:spPr>
+        <p:style>
+          <a:lnRef idx="0">
+            <a:scrgbClr r="0" g="0" b="0"/>
+          </a:lnRef>
+          <a:fillRef idx="0">
+            <a:scrgbClr r="0" g="0" b="0"/>
+          </a:fillRef>
+          <a:effectRef idx="0">
+            <a:scrgbClr r="0" g="0" b="0"/>
+          </a:effectRef>
+          <a:fontRef idx="minor">
+            <a:schemeClr val="accent2"/>
+          </a:fontRef>
+        </p:style>
+        <p:txBody>
+          <a:bodyPr rtlCol="0" anchor="ctr"/>
+          <a:lstStyle/>
+          <a:p>
+            <a:pPr algn="ctr"/>
+            <a:r>
+              <a:rPr lang="en-US" altLang="zh-CN" dirty="0" err="1"/>
+              <a:t>FxModuleRotationByLife</a:t>
+            </a:r>
+            <a:endParaRPr lang="zh-CN" altLang="en-US" dirty="0"/>
+          </a:p>
+        </p:txBody>
+      </p:sp>
+      <p:sp>
+        <p:nvSpPr>
+          <p:cNvPr id="51" name="矩形 50"/>
+          <p:cNvSpPr/>
+          <p:nvPr/>
+        </p:nvSpPr>
+        <p:spPr>
+          <a:xfrm>
+            <a:off x="8155030" y="2305641"/>
+            <a:ext cx="3299906" cy="537169"/>
+          </a:xfrm>
+          <a:prstGeom prst="rect">
+            <a:avLst/>
+          </a:prstGeom>
+          <a:noFill/>
+          <a:ln w="9525" cap="flat" cmpd="sng" algn="ctr">
+            <a:solidFill>
+              <a:schemeClr val="accent2"/>
+            </a:solidFill>
+            <a:prstDash val="solid"/>
+            <a:round/>
+            <a:headEnd type="none" w="med" len="med"/>
+            <a:tailEnd type="none" w="med" len="med"/>
+          </a:ln>
+        </p:spPr>
+        <p:style>
+          <a:lnRef idx="0">
+            <a:scrgbClr r="0" g="0" b="0"/>
+          </a:lnRef>
+          <a:fillRef idx="0">
+            <a:scrgbClr r="0" g="0" b="0"/>
+          </a:fillRef>
+          <a:effectRef idx="0">
+            <a:scrgbClr r="0" g="0" b="0"/>
+          </a:effectRef>
+          <a:fontRef idx="minor">
+            <a:schemeClr val="accent2"/>
+          </a:fontRef>
+        </p:style>
+        <p:txBody>
+          <a:bodyPr rtlCol="0" anchor="ctr"/>
+          <a:lstStyle/>
+          <a:p>
+            <a:pPr algn="ctr"/>
+            <a:r>
+              <a:rPr lang="en-US" altLang="zh-CN" dirty="0" err="1"/>
+              <a:t>FxModuleInitialRotationRate</a:t>
+            </a:r>
+            <a:endParaRPr lang="zh-CN" altLang="en-US" dirty="0"/>
+          </a:p>
+        </p:txBody>
+      </p:sp>
+      <p:sp>
+        <p:nvSpPr>
+          <p:cNvPr id="52" name="矩形 51"/>
+          <p:cNvSpPr/>
+          <p:nvPr/>
+        </p:nvSpPr>
+        <p:spPr>
+          <a:xfrm>
+            <a:off x="8155029" y="3054290"/>
+            <a:ext cx="3565914" cy="537169"/>
+          </a:xfrm>
+          <a:prstGeom prst="rect">
+            <a:avLst/>
+          </a:prstGeom>
+          <a:noFill/>
+          <a:ln w="9525" cap="flat" cmpd="sng" algn="ctr">
+            <a:solidFill>
+              <a:schemeClr val="accent2"/>
+            </a:solidFill>
+            <a:prstDash val="solid"/>
+            <a:round/>
+            <a:headEnd type="none" w="med" len="med"/>
+            <a:tailEnd type="none" w="med" len="med"/>
+          </a:ln>
+        </p:spPr>
+        <p:style>
+          <a:lnRef idx="0">
+            <a:scrgbClr r="0" g="0" b="0"/>
+          </a:lnRef>
+          <a:fillRef idx="0">
+            <a:scrgbClr r="0" g="0" b="0"/>
+          </a:fillRef>
+          <a:effectRef idx="0">
+            <a:scrgbClr r="0" g="0" b="0"/>
+          </a:effectRef>
+          <a:fontRef idx="minor">
+            <a:schemeClr val="accent2"/>
+          </a:fontRef>
+        </p:style>
+        <p:txBody>
+          <a:bodyPr rtlCol="0" anchor="ctr"/>
+          <a:lstStyle/>
+          <a:p>
+            <a:pPr algn="ctr"/>
+            <a:r>
+              <a:rPr lang="en-US" altLang="zh-CN" dirty="0" err="1"/>
+              <a:t>FxModuleRotationRateByLife</a:t>
+            </a:r>
+            <a:endParaRPr lang="zh-CN" altLang="en-US" dirty="0"/>
+          </a:p>
+        </p:txBody>
+      </p:sp>
+      <p:sp>
+        <p:nvSpPr>
+          <p:cNvPr id="24" name="文本框 23"/>
+          <p:cNvSpPr txBox="1"/>
+          <p:nvPr/>
+        </p:nvSpPr>
+        <p:spPr>
+          <a:xfrm>
+            <a:off x="4165483" y="374073"/>
+            <a:ext cx="2468880" cy="369332"/>
+          </a:xfrm>
+          <a:prstGeom prst="rect">
+            <a:avLst/>
+          </a:prstGeom>
+          <a:noFill/>
+        </p:spPr>
+        <p:txBody>
+          <a:bodyPr wrap="square" rtlCol="0">
+            <a:spAutoFit/>
+          </a:bodyPr>
+          <a:lstStyle/>
+          <a:p>
+            <a:r>
+              <a:rPr lang="en-US" altLang="zh-CN" dirty="0" err="1"/>
+              <a:t>FxModuleTypeData</a:t>
+            </a:r>
+            <a:r>
+              <a:rPr lang="zh-CN" altLang="en-US" dirty="0" smtClean="0"/>
+              <a:t>：</a:t>
+            </a:r>
+            <a:endParaRPr lang="zh-CN" altLang="en-US" dirty="0"/>
+          </a:p>
+        </p:txBody>
+      </p:sp>
+      <p:sp>
+        <p:nvSpPr>
+          <p:cNvPr id="25" name="文本框 24"/>
+          <p:cNvSpPr txBox="1"/>
+          <p:nvPr/>
+        </p:nvSpPr>
+        <p:spPr>
+          <a:xfrm>
+            <a:off x="676437" y="3971484"/>
+            <a:ext cx="2468880" cy="369332"/>
+          </a:xfrm>
+          <a:prstGeom prst="rect">
+            <a:avLst/>
+          </a:prstGeom>
+          <a:noFill/>
+        </p:spPr>
+        <p:txBody>
+          <a:bodyPr wrap="square" rtlCol="0">
+            <a:spAutoFit/>
+          </a:bodyPr>
+          <a:lstStyle/>
+          <a:p>
+            <a:r>
+              <a:rPr lang="en-US" altLang="zh-CN" dirty="0" err="1"/>
+              <a:t>FxModuleTrail</a:t>
+            </a:r>
+            <a:r>
+              <a:rPr lang="zh-CN" altLang="en-US" dirty="0" smtClean="0"/>
+              <a:t>：</a:t>
+            </a:r>
+            <a:endParaRPr lang="zh-CN" altLang="en-US" dirty="0"/>
+          </a:p>
+        </p:txBody>
+      </p:sp>
+      <p:sp>
+        <p:nvSpPr>
+          <p:cNvPr id="26" name="矩形 25"/>
+          <p:cNvSpPr/>
+          <p:nvPr/>
+        </p:nvSpPr>
+        <p:spPr>
+          <a:xfrm>
+            <a:off x="676437" y="4421852"/>
+            <a:ext cx="2879214" cy="537169"/>
+          </a:xfrm>
+          <a:prstGeom prst="rect">
+            <a:avLst/>
+          </a:prstGeom>
+          <a:noFill/>
+          <a:ln w="9525" cap="flat" cmpd="sng" algn="ctr">
+            <a:solidFill>
+              <a:schemeClr val="accent2"/>
+            </a:solidFill>
+            <a:prstDash val="solid"/>
+            <a:round/>
+            <a:headEnd type="none" w="med" len="med"/>
+            <a:tailEnd type="none" w="med" len="med"/>
+          </a:ln>
+        </p:spPr>
+        <p:style>
+          <a:lnRef idx="0">
+            <a:scrgbClr r="0" g="0" b="0"/>
+          </a:lnRef>
+          <a:fillRef idx="0">
+            <a:scrgbClr r="0" g="0" b="0"/>
+          </a:fillRef>
+          <a:effectRef idx="0">
+            <a:scrgbClr r="0" g="0" b="0"/>
+          </a:effectRef>
+          <a:fontRef idx="minor">
+            <a:schemeClr val="accent2"/>
+          </a:fontRef>
+        </p:style>
+        <p:txBody>
+          <a:bodyPr rtlCol="0" anchor="ctr"/>
+          <a:lstStyle/>
+          <a:p>
+            <a:pPr algn="ctr"/>
+            <a:r>
+              <a:rPr lang="en-US" altLang="zh-CN" dirty="0" err="1"/>
+              <a:t>FxModuleTrailSource</a:t>
+            </a:r>
+            <a:endParaRPr lang="zh-CN" altLang="en-US" dirty="0"/>
+          </a:p>
+        </p:txBody>
+      </p:sp>
+      <p:sp>
+        <p:nvSpPr>
+          <p:cNvPr id="29" name="文本框 28"/>
+          <p:cNvSpPr txBox="1"/>
+          <p:nvPr/>
+        </p:nvSpPr>
+        <p:spPr>
+          <a:xfrm>
+            <a:off x="8155027" y="374073"/>
+            <a:ext cx="2468880" cy="369332"/>
+          </a:xfrm>
+          <a:prstGeom prst="rect">
+            <a:avLst/>
+          </a:prstGeom>
+          <a:noFill/>
+        </p:spPr>
+        <p:txBody>
+          <a:bodyPr wrap="square" rtlCol="0">
+            <a:spAutoFit/>
+          </a:bodyPr>
+          <a:lstStyle/>
+          <a:p>
+            <a:r>
+              <a:rPr lang="en-US" altLang="zh-CN" dirty="0" err="1"/>
+              <a:t>FxModuleRotate</a:t>
+            </a:r>
+            <a:r>
+              <a:rPr lang="zh-CN" altLang="en-US" dirty="0" smtClean="0"/>
+              <a:t>：</a:t>
+            </a:r>
+            <a:endParaRPr lang="zh-CN" altLang="en-US" dirty="0"/>
+          </a:p>
+        </p:txBody>
+      </p:sp>
+      <p:sp>
+        <p:nvSpPr>
+          <p:cNvPr id="30" name="矩形 29"/>
+          <p:cNvSpPr/>
+          <p:nvPr/>
+        </p:nvSpPr>
+        <p:spPr>
+          <a:xfrm>
+            <a:off x="8155028" y="3914104"/>
+            <a:ext cx="4006490" cy="537169"/>
+          </a:xfrm>
+          <a:prstGeom prst="rect">
+            <a:avLst/>
+          </a:prstGeom>
+          <a:noFill/>
+          <a:ln w="9525" cap="flat" cmpd="sng" algn="ctr">
+            <a:solidFill>
+              <a:schemeClr val="accent2"/>
+            </a:solidFill>
+            <a:prstDash val="solid"/>
+            <a:round/>
+            <a:headEnd type="none" w="med" len="med"/>
+            <a:tailEnd type="none" w="med" len="med"/>
+          </a:ln>
+        </p:spPr>
+        <p:style>
+          <a:lnRef idx="0">
+            <a:scrgbClr r="0" g="0" b="0"/>
+          </a:lnRef>
+          <a:fillRef idx="0">
+            <a:scrgbClr r="0" g="0" b="0"/>
+          </a:fillRef>
+          <a:effectRef idx="0">
+            <a:scrgbClr r="0" g="0" b="0"/>
+          </a:effectRef>
+          <a:fontRef idx="minor">
+            <a:schemeClr val="accent2"/>
+          </a:fontRef>
+        </p:style>
+        <p:txBody>
+          <a:bodyPr rtlCol="0" anchor="ctr"/>
+          <a:lstStyle/>
+          <a:p>
+            <a:pPr algn="ctr"/>
+            <a:r>
+              <a:rPr lang="en-US" altLang="zh-CN" dirty="0" err="1"/>
+              <a:t>FxModulePayloadModelRotatation</a:t>
+            </a:r>
+            <a:endParaRPr lang="zh-CN" altLang="en-US" dirty="0"/>
+          </a:p>
+        </p:txBody>
+      </p:sp>
+      <p:sp>
+        <p:nvSpPr>
+          <p:cNvPr id="34" name="矩形 33"/>
+          <p:cNvSpPr/>
+          <p:nvPr/>
+        </p:nvSpPr>
+        <p:spPr>
+          <a:xfrm>
+            <a:off x="8155029" y="4616159"/>
+            <a:ext cx="3690606" cy="537169"/>
+          </a:xfrm>
+          <a:prstGeom prst="rect">
+            <a:avLst/>
+          </a:prstGeom>
+          <a:noFill/>
+          <a:ln w="9525" cap="flat" cmpd="sng" algn="ctr">
+            <a:solidFill>
+              <a:schemeClr val="accent2"/>
+            </a:solidFill>
+            <a:prstDash val="solid"/>
+            <a:round/>
+            <a:headEnd type="none" w="med" len="med"/>
+            <a:tailEnd type="none" w="med" len="med"/>
+          </a:ln>
+        </p:spPr>
+        <p:style>
+          <a:lnRef idx="0">
+            <a:scrgbClr r="0" g="0" b="0"/>
+          </a:lnRef>
+          <a:fillRef idx="0">
+            <a:scrgbClr r="0" g="0" b="0"/>
+          </a:fillRef>
+          <a:effectRef idx="0">
+            <a:scrgbClr r="0" g="0" b="0"/>
+          </a:effectRef>
+          <a:fontRef idx="minor">
+            <a:schemeClr val="accent2"/>
+          </a:fontRef>
+        </p:style>
+        <p:txBody>
+          <a:bodyPr rtlCol="0" anchor="ctr"/>
+          <a:lstStyle/>
+          <a:p>
+            <a:pPr algn="ctr"/>
+            <a:r>
+              <a:rPr lang="en-US" altLang="zh-CN" dirty="0" err="1"/>
+              <a:t>FxModuleInitialRotationModel</a:t>
+            </a:r>
+            <a:endParaRPr lang="zh-CN" altLang="en-US" dirty="0"/>
+          </a:p>
+        </p:txBody>
+      </p:sp>
+      <p:sp>
+        <p:nvSpPr>
+          <p:cNvPr id="47" name="矩形 46"/>
+          <p:cNvSpPr/>
+          <p:nvPr/>
+        </p:nvSpPr>
+        <p:spPr>
+          <a:xfrm>
+            <a:off x="8155026" y="5365175"/>
+            <a:ext cx="4036973" cy="537169"/>
+          </a:xfrm>
+          <a:prstGeom prst="rect">
+            <a:avLst/>
+          </a:prstGeom>
+          <a:noFill/>
+          <a:ln w="9525" cap="flat" cmpd="sng" algn="ctr">
+            <a:solidFill>
+              <a:schemeClr val="accent2"/>
+            </a:solidFill>
+            <a:prstDash val="solid"/>
+            <a:round/>
+            <a:headEnd type="none" w="med" len="med"/>
+            <a:tailEnd type="none" w="med" len="med"/>
+          </a:ln>
+        </p:spPr>
+        <p:style>
+          <a:lnRef idx="0">
+            <a:scrgbClr r="0" g="0" b="0"/>
+          </a:lnRef>
+          <a:fillRef idx="0">
+            <a:scrgbClr r="0" g="0" b="0"/>
+          </a:fillRef>
+          <a:effectRef idx="0">
+            <a:scrgbClr r="0" g="0" b="0"/>
+          </a:effectRef>
+          <a:fontRef idx="minor">
+            <a:schemeClr val="accent2"/>
+          </a:fontRef>
+        </p:style>
+        <p:txBody>
+          <a:bodyPr rtlCol="0" anchor="ctr"/>
+          <a:lstStyle/>
+          <a:p>
+            <a:pPr algn="ctr"/>
+            <a:r>
+              <a:rPr lang="en-US" altLang="zh-CN" dirty="0" err="1"/>
+              <a:t>FxModuleInitialRotationRateModel</a:t>
+            </a:r>
+            <a:endParaRPr lang="zh-CN" altLang="en-US" dirty="0"/>
+          </a:p>
+        </p:txBody>
+      </p:sp>
+      <p:sp>
+        <p:nvSpPr>
+          <p:cNvPr id="48" name="矩形 47"/>
+          <p:cNvSpPr/>
+          <p:nvPr/>
+        </p:nvSpPr>
+        <p:spPr>
+          <a:xfrm>
+            <a:off x="8155025" y="6067230"/>
+            <a:ext cx="4036973" cy="537169"/>
+          </a:xfrm>
+          <a:prstGeom prst="rect">
+            <a:avLst/>
+          </a:prstGeom>
+          <a:noFill/>
+          <a:ln w="9525" cap="flat" cmpd="sng" algn="ctr">
+            <a:solidFill>
+              <a:schemeClr val="accent2"/>
+            </a:solidFill>
+            <a:prstDash val="solid"/>
+            <a:round/>
+            <a:headEnd type="none" w="med" len="med"/>
+            <a:tailEnd type="none" w="med" len="med"/>
+          </a:ln>
+        </p:spPr>
+        <p:style>
+          <a:lnRef idx="0">
+            <a:scrgbClr r="0" g="0" b="0"/>
+          </a:lnRef>
+          <a:fillRef idx="0">
+            <a:scrgbClr r="0" g="0" b="0"/>
+          </a:fillRef>
+          <a:effectRef idx="0">
+            <a:scrgbClr r="0" g="0" b="0"/>
+          </a:effectRef>
+          <a:fontRef idx="minor">
+            <a:schemeClr val="accent2"/>
+          </a:fontRef>
+        </p:style>
+        <p:txBody>
+          <a:bodyPr rtlCol="0" anchor="ctr"/>
+          <a:lstStyle/>
+          <a:p>
+            <a:pPr algn="ctr"/>
+            <a:r>
+              <a:rPr lang="en-US" altLang="zh-CN" dirty="0" err="1"/>
+              <a:t>FxModuleRotationRateByLifeModel</a:t>
+            </a:r>
+            <a:endParaRPr lang="zh-CN" altLang="en-US" dirty="0"/>
+          </a:p>
+        </p:txBody>
+      </p:sp>
+    </p:spTree>
+    <p:extLst>
+      <p:ext uri="{BB962C8B-B14F-4D97-AF65-F5344CB8AC3E}">
+        <p14:creationId xmlns:p14="http://schemas.microsoft.com/office/powerpoint/2010/main" val="1539757340"/>
+      </p:ext>
+    </p:extLst>
+  </p:cSld>
+  <p:clrMapOvr>
+    <a:masterClrMapping/>
+  </p:clrMapOvr>
+</p:sld>
+</file>
+
+<file path=ppt/slides/slide8.xml><?xml version="1.0" encoding="utf-8"?>
+<p:sld xmlns:a="http://schemas.openxmlformats.org/drawingml/2006/main" xmlns:r="http://schemas.openxmlformats.org/officeDocument/2006/relationships" xmlns:p="http://schemas.openxmlformats.org/presentationml/2006/main">
+  <p:cSld>
+    <p:spTree>
+      <p:nvGrpSpPr>
+        <p:cNvPr id="1" name=""/>
+        <p:cNvGrpSpPr/>
+        <p:nvPr/>
+      </p:nvGrpSpPr>
+      <p:grpSpPr>
+        <a:xfrm>
+          <a:off x="0" y="0"/>
+          <a:ext cx="0" cy="0"/>
+          <a:chOff x="0" y="0"/>
+          <a:chExt cx="0" cy="0"/>
+        </a:xfrm>
+      </p:grpSpPr>
+      <p:sp>
+        <p:nvSpPr>
+          <p:cNvPr id="38" name="矩形 37"/>
+          <p:cNvSpPr/>
+          <p:nvPr/>
+        </p:nvSpPr>
+        <p:spPr>
+          <a:xfrm>
+            <a:off x="708519" y="889649"/>
+            <a:ext cx="2847136" cy="537169"/>
+          </a:xfrm>
+          <a:prstGeom prst="rect">
+            <a:avLst/>
+          </a:prstGeom>
+          <a:noFill/>
+          <a:ln w="9525" cap="flat" cmpd="sng" algn="ctr">
+            <a:solidFill>
+              <a:schemeClr val="accent2"/>
+            </a:solidFill>
+            <a:prstDash val="solid"/>
+            <a:round/>
+            <a:headEnd type="none" w="med" len="med"/>
+            <a:tailEnd type="none" w="med" len="med"/>
+          </a:ln>
+        </p:spPr>
+        <p:style>
+          <a:lnRef idx="0">
+            <a:scrgbClr r="0" g="0" b="0"/>
+          </a:lnRef>
+          <a:fillRef idx="0">
+            <a:scrgbClr r="0" g="0" b="0"/>
+          </a:fillRef>
+          <a:effectRef idx="0">
+            <a:scrgbClr r="0" g="0" b="0"/>
+          </a:effectRef>
+          <a:fontRef idx="minor">
+            <a:schemeClr val="accent2"/>
+          </a:fontRef>
+        </p:style>
+        <p:txBody>
+          <a:bodyPr rtlCol="0" anchor="ctr"/>
+          <a:lstStyle/>
+          <a:p>
+            <a:pPr algn="ctr"/>
+            <a:r>
+              <a:rPr lang="en-US" altLang="zh-CN" dirty="0" err="1"/>
+              <a:t>FxModuleOrbit</a:t>
+            </a:r>
+            <a:endParaRPr lang="zh-CN" altLang="en-US" dirty="0"/>
+          </a:p>
+        </p:txBody>
+      </p:sp>
+      <p:sp>
+        <p:nvSpPr>
+          <p:cNvPr id="39" name="矩形 38"/>
+          <p:cNvSpPr/>
+          <p:nvPr/>
+        </p:nvSpPr>
+        <p:spPr>
+          <a:xfrm>
+            <a:off x="708519" y="1536346"/>
+            <a:ext cx="2847136" cy="537169"/>
+          </a:xfrm>
+          <a:prstGeom prst="rect">
+            <a:avLst/>
+          </a:prstGeom>
+          <a:noFill/>
+          <a:ln w="9525" cap="flat" cmpd="sng" algn="ctr">
+            <a:solidFill>
+              <a:schemeClr val="accent2"/>
+            </a:solidFill>
+            <a:prstDash val="solid"/>
+            <a:round/>
+            <a:headEnd type="none" w="med" len="med"/>
+            <a:tailEnd type="none" w="med" len="med"/>
+          </a:ln>
+        </p:spPr>
+        <p:style>
+          <a:lnRef idx="0">
+            <a:scrgbClr r="0" g="0" b="0"/>
+          </a:lnRef>
+          <a:fillRef idx="0">
+            <a:scrgbClr r="0" g="0" b="0"/>
+          </a:fillRef>
+          <a:effectRef idx="0">
+            <a:scrgbClr r="0" g="0" b="0"/>
+          </a:effectRef>
+          <a:fontRef idx="minor">
+            <a:schemeClr val="accent2"/>
+          </a:fontRef>
+        </p:style>
+        <p:txBody>
+          <a:bodyPr rtlCol="0" anchor="ctr"/>
+          <a:lstStyle/>
+          <a:p>
+            <a:pPr algn="ctr"/>
+            <a:r>
+              <a:rPr lang="en-US" altLang="zh-CN" dirty="0" err="1"/>
+              <a:t>FxModulePayloadOrbit</a:t>
+            </a:r>
+            <a:endParaRPr lang="zh-CN" altLang="en-US" dirty="0"/>
+          </a:p>
+        </p:txBody>
+      </p:sp>
+      <p:sp>
+        <p:nvSpPr>
+          <p:cNvPr id="41" name="矩形 40"/>
+          <p:cNvSpPr/>
+          <p:nvPr/>
+        </p:nvSpPr>
+        <p:spPr>
+          <a:xfrm>
+            <a:off x="4165481" y="1517819"/>
+            <a:ext cx="3379716" cy="537169"/>
+          </a:xfrm>
+          <a:prstGeom prst="rect">
+            <a:avLst/>
+          </a:prstGeom>
+          <a:noFill/>
+          <a:ln w="9525" cap="flat" cmpd="sng" algn="ctr">
+            <a:solidFill>
+              <a:schemeClr val="accent2"/>
+            </a:solidFill>
+            <a:prstDash val="solid"/>
+            <a:round/>
+            <a:headEnd type="none" w="med" len="med"/>
+            <a:tailEnd type="none" w="med" len="med"/>
+          </a:ln>
+        </p:spPr>
+        <p:style>
+          <a:lnRef idx="0">
+            <a:scrgbClr r="0" g="0" b="0"/>
+          </a:lnRef>
+          <a:fillRef idx="0">
+            <a:scrgbClr r="0" g="0" b="0"/>
+          </a:fillRef>
+          <a:effectRef idx="0">
+            <a:scrgbClr r="0" g="0" b="0"/>
+          </a:effectRef>
+          <a:fontRef idx="minor">
+            <a:schemeClr val="accent2"/>
+          </a:fontRef>
+        </p:style>
+        <p:txBody>
+          <a:bodyPr rtlCol="0" anchor="ctr"/>
+          <a:lstStyle/>
+          <a:p>
+            <a:pPr algn="ctr"/>
+            <a:r>
+              <a:rPr lang="en-US" altLang="zh-CN" dirty="0" err="1"/>
+              <a:t>FxModuleLocationSphere</a:t>
+            </a:r>
+            <a:endParaRPr lang="zh-CN" altLang="en-US" dirty="0"/>
+          </a:p>
+        </p:txBody>
+      </p:sp>
+      <p:sp>
+        <p:nvSpPr>
+          <p:cNvPr id="28" name="文本框 27"/>
+          <p:cNvSpPr txBox="1"/>
+          <p:nvPr/>
+        </p:nvSpPr>
+        <p:spPr>
+          <a:xfrm>
+            <a:off x="615142" y="374073"/>
+            <a:ext cx="2468880" cy="369332"/>
+          </a:xfrm>
+          <a:prstGeom prst="rect">
+            <a:avLst/>
+          </a:prstGeom>
+          <a:noFill/>
+        </p:spPr>
+        <p:txBody>
+          <a:bodyPr wrap="square" rtlCol="0">
+            <a:spAutoFit/>
+          </a:bodyPr>
+          <a:lstStyle/>
+          <a:p>
+            <a:r>
+              <a:rPr lang="en-US" altLang="zh-CN" dirty="0" err="1"/>
+              <a:t>FxModuleOrbit</a:t>
+            </a:r>
+            <a:r>
+              <a:rPr lang="zh-CN" altLang="en-US" dirty="0" smtClean="0"/>
+              <a:t>：</a:t>
+            </a:r>
+            <a:endParaRPr lang="zh-CN" altLang="en-US" dirty="0"/>
+          </a:p>
+        </p:txBody>
+      </p:sp>
+      <p:sp>
+        <p:nvSpPr>
+          <p:cNvPr id="40" name="矩形 39"/>
+          <p:cNvSpPr/>
+          <p:nvPr/>
+        </p:nvSpPr>
+        <p:spPr>
+          <a:xfrm>
+            <a:off x="4165479" y="4616159"/>
+            <a:ext cx="3379719" cy="537169"/>
+          </a:xfrm>
+          <a:prstGeom prst="rect">
+            <a:avLst/>
+          </a:prstGeom>
+          <a:noFill/>
+          <a:ln w="9525" cap="flat" cmpd="sng" algn="ctr">
+            <a:solidFill>
+              <a:schemeClr val="accent2"/>
+            </a:solidFill>
+            <a:prstDash val="solid"/>
+            <a:round/>
+            <a:headEnd type="none" w="med" len="med"/>
+            <a:tailEnd type="none" w="med" len="med"/>
+          </a:ln>
+        </p:spPr>
+        <p:style>
+          <a:lnRef idx="0">
+            <a:scrgbClr r="0" g="0" b="0"/>
+          </a:lnRef>
+          <a:fillRef idx="0">
+            <a:scrgbClr r="0" g="0" b="0"/>
+          </a:fillRef>
+          <a:effectRef idx="0">
+            <a:scrgbClr r="0" g="0" b="0"/>
+          </a:effectRef>
+          <a:fontRef idx="minor">
+            <a:schemeClr val="accent2"/>
+          </a:fontRef>
+        </p:style>
+        <p:txBody>
+          <a:bodyPr rtlCol="0" anchor="ctr"/>
+          <a:lstStyle/>
+          <a:p>
+            <a:pPr algn="ctr"/>
+            <a:r>
+              <a:rPr lang="en-US" altLang="zh-CN" dirty="0" err="1"/>
+              <a:t>FxModulePayloadLocationDirect</a:t>
+            </a:r>
+            <a:endParaRPr lang="zh-CN" altLang="en-US" dirty="0"/>
+          </a:p>
+        </p:txBody>
+      </p:sp>
+      <p:sp>
+        <p:nvSpPr>
+          <p:cNvPr id="44" name="矩形 43"/>
+          <p:cNvSpPr/>
+          <p:nvPr/>
+        </p:nvSpPr>
+        <p:spPr>
+          <a:xfrm>
+            <a:off x="4165479" y="3858071"/>
+            <a:ext cx="3379719" cy="537169"/>
+          </a:xfrm>
+          <a:prstGeom prst="rect">
+            <a:avLst/>
+          </a:prstGeom>
+          <a:noFill/>
+          <a:ln w="9525" cap="flat" cmpd="sng" algn="ctr">
+            <a:solidFill>
+              <a:schemeClr val="accent2"/>
+            </a:solidFill>
+            <a:prstDash val="solid"/>
+            <a:round/>
+            <a:headEnd type="none" w="med" len="med"/>
+            <a:tailEnd type="none" w="med" len="med"/>
+          </a:ln>
+        </p:spPr>
+        <p:style>
+          <a:lnRef idx="0">
+            <a:scrgbClr r="0" g="0" b="0"/>
+          </a:lnRef>
+          <a:fillRef idx="0">
+            <a:scrgbClr r="0" g="0" b="0"/>
+          </a:fillRef>
+          <a:effectRef idx="0">
+            <a:scrgbClr r="0" g="0" b="0"/>
+          </a:effectRef>
+          <a:fontRef idx="minor">
+            <a:schemeClr val="accent2"/>
+          </a:fontRef>
+        </p:style>
+        <p:txBody>
+          <a:bodyPr rtlCol="0" anchor="ctr"/>
+          <a:lstStyle/>
+          <a:p>
+            <a:pPr algn="ctr"/>
+            <a:r>
+              <a:rPr lang="en-US" altLang="zh-CN" dirty="0" err="1"/>
+              <a:t>FxModuleLocationDirect</a:t>
+            </a:r>
+            <a:endParaRPr lang="zh-CN" altLang="en-US" dirty="0"/>
+          </a:p>
+        </p:txBody>
+      </p:sp>
+      <p:sp>
+        <p:nvSpPr>
+          <p:cNvPr id="45" name="矩形 44"/>
+          <p:cNvSpPr/>
+          <p:nvPr/>
+        </p:nvSpPr>
+        <p:spPr>
+          <a:xfrm>
+            <a:off x="8155031" y="908658"/>
+            <a:ext cx="3216217" cy="537169"/>
+          </a:xfrm>
+          <a:prstGeom prst="rect">
+            <a:avLst/>
+          </a:prstGeom>
+          <a:noFill/>
+          <a:ln w="9525" cap="flat" cmpd="sng" algn="ctr">
+            <a:solidFill>
+              <a:schemeClr val="accent2"/>
+            </a:solidFill>
+            <a:prstDash val="solid"/>
+            <a:round/>
+            <a:headEnd type="none" w="med" len="med"/>
+            <a:tailEnd type="none" w="med" len="med"/>
+          </a:ln>
+        </p:spPr>
+        <p:style>
+          <a:lnRef idx="0">
+            <a:scrgbClr r="0" g="0" b="0"/>
+          </a:lnRef>
+          <a:fillRef idx="0">
+            <a:scrgbClr r="0" g="0" b="0"/>
+          </a:fillRef>
+          <a:effectRef idx="0">
+            <a:scrgbClr r="0" g="0" b="0"/>
+          </a:effectRef>
+          <a:fontRef idx="minor">
+            <a:schemeClr val="accent2"/>
+          </a:fontRef>
+        </p:style>
+        <p:txBody>
+          <a:bodyPr rtlCol="0" anchor="ctr"/>
+          <a:lstStyle/>
+          <a:p>
+            <a:pPr algn="ctr"/>
+            <a:r>
+              <a:rPr lang="en-US" altLang="zh-CN" dirty="0" err="1"/>
+              <a:t>FxModuleBeamSource</a:t>
+            </a:r>
+            <a:endParaRPr lang="zh-CN" altLang="en-US" dirty="0"/>
+          </a:p>
+        </p:txBody>
+      </p:sp>
+      <p:sp>
+        <p:nvSpPr>
+          <p:cNvPr id="50" name="矩形 49"/>
+          <p:cNvSpPr/>
+          <p:nvPr/>
+        </p:nvSpPr>
+        <p:spPr>
+          <a:xfrm>
+            <a:off x="8155030" y="1603219"/>
+            <a:ext cx="3216219" cy="537169"/>
+          </a:xfrm>
+          <a:prstGeom prst="rect">
+            <a:avLst/>
+          </a:prstGeom>
+          <a:noFill/>
+          <a:ln w="9525" cap="flat" cmpd="sng" algn="ctr">
+            <a:solidFill>
+              <a:schemeClr val="accent2"/>
+            </a:solidFill>
+            <a:prstDash val="solid"/>
+            <a:round/>
+            <a:headEnd type="none" w="med" len="med"/>
+            <a:tailEnd type="none" w="med" len="med"/>
+          </a:ln>
+        </p:spPr>
+        <p:style>
+          <a:lnRef idx="0">
+            <a:scrgbClr r="0" g="0" b="0"/>
+          </a:lnRef>
+          <a:fillRef idx="0">
+            <a:scrgbClr r="0" g="0" b="0"/>
+          </a:fillRef>
+          <a:effectRef idx="0">
+            <a:scrgbClr r="0" g="0" b="0"/>
+          </a:effectRef>
+          <a:fontRef idx="minor">
+            <a:schemeClr val="accent2"/>
+          </a:fontRef>
+        </p:style>
+        <p:txBody>
+          <a:bodyPr rtlCol="0" anchor="ctr"/>
+          <a:lstStyle/>
+          <a:p>
+            <a:pPr algn="ctr"/>
+            <a:r>
+              <a:rPr lang="en-US" altLang="zh-CN" dirty="0" err="1"/>
+              <a:t>FxModuleBeamTarget</a:t>
+            </a:r>
+            <a:endParaRPr lang="zh-CN" altLang="en-US" dirty="0"/>
+          </a:p>
+        </p:txBody>
+      </p:sp>
+      <p:sp>
+        <p:nvSpPr>
+          <p:cNvPr id="51" name="矩形 50"/>
+          <p:cNvSpPr/>
+          <p:nvPr/>
+        </p:nvSpPr>
+        <p:spPr>
+          <a:xfrm>
+            <a:off x="8155030" y="2305641"/>
+            <a:ext cx="3299906" cy="537169"/>
+          </a:xfrm>
+          <a:prstGeom prst="rect">
+            <a:avLst/>
+          </a:prstGeom>
+          <a:noFill/>
+          <a:ln w="9525" cap="flat" cmpd="sng" algn="ctr">
+            <a:solidFill>
+              <a:schemeClr val="accent2"/>
+            </a:solidFill>
+            <a:prstDash val="solid"/>
+            <a:round/>
+            <a:headEnd type="none" w="med" len="med"/>
+            <a:tailEnd type="none" w="med" len="med"/>
+          </a:ln>
+        </p:spPr>
+        <p:style>
+          <a:lnRef idx="0">
+            <a:scrgbClr r="0" g="0" b="0"/>
+          </a:lnRef>
+          <a:fillRef idx="0">
+            <a:scrgbClr r="0" g="0" b="0"/>
+          </a:fillRef>
+          <a:effectRef idx="0">
+            <a:scrgbClr r="0" g="0" b="0"/>
+          </a:effectRef>
+          <a:fontRef idx="minor">
+            <a:schemeClr val="accent2"/>
+          </a:fontRef>
+        </p:style>
+        <p:txBody>
+          <a:bodyPr rtlCol="0" anchor="ctr"/>
+          <a:lstStyle/>
+          <a:p>
+            <a:pPr algn="ctr"/>
+            <a:r>
+              <a:rPr lang="en-US" altLang="zh-CN" dirty="0" err="1"/>
+              <a:t>FxModuleBeamNoise</a:t>
+            </a:r>
+            <a:endParaRPr lang="zh-CN" altLang="en-US" dirty="0"/>
+          </a:p>
+        </p:txBody>
+      </p:sp>
+      <p:sp>
+        <p:nvSpPr>
+          <p:cNvPr id="25" name="文本框 24"/>
+          <p:cNvSpPr txBox="1"/>
+          <p:nvPr/>
+        </p:nvSpPr>
+        <p:spPr>
+          <a:xfrm>
+            <a:off x="4165480" y="374073"/>
+            <a:ext cx="2463062" cy="369332"/>
+          </a:xfrm>
+          <a:prstGeom prst="rect">
+            <a:avLst/>
+          </a:prstGeom>
+          <a:noFill/>
+        </p:spPr>
+        <p:txBody>
+          <a:bodyPr wrap="square" rtlCol="0">
+            <a:spAutoFit/>
+          </a:bodyPr>
+          <a:lstStyle/>
+          <a:p>
+            <a:r>
+              <a:rPr lang="en-US" altLang="zh-CN" dirty="0" err="1"/>
+              <a:t>FxModuleLocation</a:t>
+            </a:r>
+            <a:r>
+              <a:rPr lang="zh-CN" altLang="en-US" dirty="0" smtClean="0"/>
+              <a:t>：</a:t>
+            </a:r>
+            <a:endParaRPr lang="zh-CN" altLang="en-US" dirty="0"/>
+          </a:p>
+        </p:txBody>
+      </p:sp>
+      <p:sp>
+        <p:nvSpPr>
+          <p:cNvPr id="26" name="矩形 25"/>
+          <p:cNvSpPr/>
+          <p:nvPr/>
+        </p:nvSpPr>
+        <p:spPr>
+          <a:xfrm>
+            <a:off x="4165480" y="824441"/>
+            <a:ext cx="3379717" cy="537169"/>
+          </a:xfrm>
+          <a:prstGeom prst="rect">
+            <a:avLst/>
+          </a:prstGeom>
+          <a:noFill/>
+          <a:ln w="9525" cap="flat" cmpd="sng" algn="ctr">
+            <a:solidFill>
+              <a:schemeClr val="accent2"/>
+            </a:solidFill>
+            <a:prstDash val="solid"/>
+            <a:round/>
+            <a:headEnd type="none" w="med" len="med"/>
+            <a:tailEnd type="none" w="med" len="med"/>
+          </a:ln>
+        </p:spPr>
+        <p:style>
+          <a:lnRef idx="0">
+            <a:scrgbClr r="0" g="0" b="0"/>
+          </a:lnRef>
+          <a:fillRef idx="0">
+            <a:scrgbClr r="0" g="0" b="0"/>
+          </a:fillRef>
+          <a:effectRef idx="0">
+            <a:scrgbClr r="0" g="0" b="0"/>
+          </a:effectRef>
+          <a:fontRef idx="minor">
+            <a:schemeClr val="accent2"/>
+          </a:fontRef>
+        </p:style>
+        <p:txBody>
+          <a:bodyPr rtlCol="0" anchor="ctr"/>
+          <a:lstStyle/>
+          <a:p>
+            <a:pPr algn="ctr"/>
+            <a:r>
+              <a:rPr lang="en-US" altLang="zh-CN" dirty="0" err="1"/>
+              <a:t>FxModuleLocation</a:t>
+            </a:r>
+            <a:endParaRPr lang="zh-CN" altLang="en-US" dirty="0"/>
+          </a:p>
+        </p:txBody>
+      </p:sp>
+      <p:sp>
+        <p:nvSpPr>
+          <p:cNvPr id="29" name="文本框 28"/>
+          <p:cNvSpPr txBox="1"/>
+          <p:nvPr/>
+        </p:nvSpPr>
+        <p:spPr>
+          <a:xfrm>
+            <a:off x="8155027" y="374073"/>
+            <a:ext cx="2468880" cy="369332"/>
+          </a:xfrm>
+          <a:prstGeom prst="rect">
+            <a:avLst/>
+          </a:prstGeom>
+          <a:noFill/>
+        </p:spPr>
+        <p:txBody>
+          <a:bodyPr wrap="square" rtlCol="0">
+            <a:spAutoFit/>
+          </a:bodyPr>
+          <a:lstStyle/>
+          <a:p>
+            <a:r>
+              <a:rPr lang="en-US" altLang="zh-CN" dirty="0" err="1"/>
+              <a:t>FxModuleBeam</a:t>
+            </a:r>
+            <a:r>
+              <a:rPr lang="zh-CN" altLang="en-US" dirty="0" smtClean="0"/>
+              <a:t>：</a:t>
+            </a:r>
+            <a:endParaRPr lang="zh-CN" altLang="en-US" dirty="0"/>
+          </a:p>
+        </p:txBody>
+      </p:sp>
+      <p:sp>
+        <p:nvSpPr>
+          <p:cNvPr id="30" name="矩形 29"/>
+          <p:cNvSpPr/>
+          <p:nvPr/>
+        </p:nvSpPr>
+        <p:spPr>
+          <a:xfrm>
+            <a:off x="8155028" y="3914104"/>
+            <a:ext cx="3299908" cy="537169"/>
+          </a:xfrm>
+          <a:prstGeom prst="rect">
+            <a:avLst/>
+          </a:prstGeom>
+          <a:noFill/>
+          <a:ln w="9525" cap="flat" cmpd="sng" algn="ctr">
+            <a:solidFill>
+              <a:schemeClr val="accent2"/>
+            </a:solidFill>
+            <a:prstDash val="solid"/>
+            <a:round/>
+            <a:headEnd type="none" w="med" len="med"/>
+            <a:tailEnd type="none" w="med" len="med"/>
+          </a:ln>
+        </p:spPr>
+        <p:style>
+          <a:lnRef idx="0">
+            <a:scrgbClr r="0" g="0" b="0"/>
+          </a:lnRef>
+          <a:fillRef idx="0">
+            <a:scrgbClr r="0" g="0" b="0"/>
+          </a:fillRef>
+          <a:effectRef idx="0">
+            <a:scrgbClr r="0" g="0" b="0"/>
+          </a:effectRef>
+          <a:fontRef idx="minor">
+            <a:schemeClr val="accent2"/>
+          </a:fontRef>
+        </p:style>
+        <p:txBody>
+          <a:bodyPr rtlCol="0" anchor="ctr"/>
+          <a:lstStyle/>
+          <a:p>
+            <a:pPr algn="ctr"/>
+            <a:r>
+              <a:rPr lang="en-US" altLang="zh-CN" dirty="0" err="1"/>
+              <a:t>FxModuleInitialColor</a:t>
+            </a:r>
+            <a:endParaRPr lang="zh-CN" altLang="en-US" dirty="0"/>
+          </a:p>
+        </p:txBody>
+      </p:sp>
+      <p:sp>
+        <p:nvSpPr>
+          <p:cNvPr id="34" name="矩形 33"/>
+          <p:cNvSpPr/>
+          <p:nvPr/>
+        </p:nvSpPr>
+        <p:spPr>
+          <a:xfrm>
+            <a:off x="8155029" y="4616159"/>
+            <a:ext cx="3299907" cy="537169"/>
+          </a:xfrm>
+          <a:prstGeom prst="rect">
+            <a:avLst/>
+          </a:prstGeom>
+          <a:noFill/>
+          <a:ln w="9525" cap="flat" cmpd="sng" algn="ctr">
+            <a:solidFill>
+              <a:schemeClr val="accent2"/>
+            </a:solidFill>
+            <a:prstDash val="solid"/>
+            <a:round/>
+            <a:headEnd type="none" w="med" len="med"/>
+            <a:tailEnd type="none" w="med" len="med"/>
+          </a:ln>
+        </p:spPr>
+        <p:style>
+          <a:lnRef idx="0">
+            <a:scrgbClr r="0" g="0" b="0"/>
+          </a:lnRef>
+          <a:fillRef idx="0">
+            <a:scrgbClr r="0" g="0" b="0"/>
+          </a:fillRef>
+          <a:effectRef idx="0">
+            <a:scrgbClr r="0" g="0" b="0"/>
+          </a:effectRef>
+          <a:fontRef idx="minor">
+            <a:schemeClr val="accent2"/>
+          </a:fontRef>
+        </p:style>
+        <p:txBody>
+          <a:bodyPr rtlCol="0" anchor="ctr"/>
+          <a:lstStyle/>
+          <a:p>
+            <a:pPr algn="ctr"/>
+            <a:r>
+              <a:rPr lang="en-US" altLang="zh-CN" dirty="0" err="1"/>
+              <a:t>FxModuleColorByLife</a:t>
+            </a:r>
+            <a:endParaRPr lang="zh-CN" altLang="en-US" dirty="0"/>
+          </a:p>
+        </p:txBody>
+      </p:sp>
+      <p:sp>
+        <p:nvSpPr>
+          <p:cNvPr id="47" name="矩形 46"/>
+          <p:cNvSpPr/>
+          <p:nvPr/>
+        </p:nvSpPr>
+        <p:spPr>
+          <a:xfrm>
+            <a:off x="8155027" y="5365175"/>
+            <a:ext cx="3299910" cy="537169"/>
+          </a:xfrm>
+          <a:prstGeom prst="rect">
+            <a:avLst/>
+          </a:prstGeom>
+          <a:noFill/>
+          <a:ln w="9525" cap="flat" cmpd="sng" algn="ctr">
+            <a:solidFill>
+              <a:schemeClr val="accent2"/>
+            </a:solidFill>
+            <a:prstDash val="solid"/>
+            <a:round/>
+            <a:headEnd type="none" w="med" len="med"/>
+            <a:tailEnd type="none" w="med" len="med"/>
+          </a:ln>
+        </p:spPr>
+        <p:style>
+          <a:lnRef idx="0">
+            <a:scrgbClr r="0" g="0" b="0"/>
+          </a:lnRef>
+          <a:fillRef idx="0">
+            <a:scrgbClr r="0" g="0" b="0"/>
+          </a:fillRef>
+          <a:effectRef idx="0">
+            <a:scrgbClr r="0" g="0" b="0"/>
+          </a:effectRef>
+          <a:fontRef idx="minor">
+            <a:schemeClr val="accent2"/>
+          </a:fontRef>
+        </p:style>
+        <p:txBody>
+          <a:bodyPr rtlCol="0" anchor="ctr"/>
+          <a:lstStyle/>
+          <a:p>
+            <a:pPr algn="ctr"/>
+            <a:r>
+              <a:rPr lang="en-US" altLang="zh-CN" dirty="0" err="1"/>
+              <a:t>FxModuleColorScaleByLife</a:t>
+            </a:r>
+            <a:endParaRPr lang="zh-CN" altLang="en-US" dirty="0"/>
+          </a:p>
+        </p:txBody>
+      </p:sp>
+      <p:sp>
+        <p:nvSpPr>
+          <p:cNvPr id="31" name="矩形 30"/>
+          <p:cNvSpPr/>
+          <p:nvPr/>
+        </p:nvSpPr>
+        <p:spPr>
+          <a:xfrm>
+            <a:off x="4165480" y="2304933"/>
+            <a:ext cx="3379717" cy="537169"/>
+          </a:xfrm>
+          <a:prstGeom prst="rect">
+            <a:avLst/>
+          </a:prstGeom>
+          <a:noFill/>
+          <a:ln w="9525" cap="flat" cmpd="sng" algn="ctr">
+            <a:solidFill>
+              <a:schemeClr val="accent2"/>
+            </a:solidFill>
+            <a:prstDash val="solid"/>
+            <a:round/>
+            <a:headEnd type="none" w="med" len="med"/>
+            <a:tailEnd type="none" w="med" len="med"/>
+          </a:ln>
+        </p:spPr>
+        <p:style>
+          <a:lnRef idx="0">
+            <a:scrgbClr r="0" g="0" b="0"/>
+          </a:lnRef>
+          <a:fillRef idx="0">
+            <a:scrgbClr r="0" g="0" b="0"/>
+          </a:fillRef>
+          <a:effectRef idx="0">
+            <a:scrgbClr r="0" g="0" b="0"/>
+          </a:effectRef>
+          <a:fontRef idx="minor">
+            <a:schemeClr val="accent2"/>
+          </a:fontRef>
+        </p:style>
+        <p:txBody>
+          <a:bodyPr rtlCol="0" anchor="ctr"/>
+          <a:lstStyle/>
+          <a:p>
+            <a:pPr algn="ctr"/>
+            <a:r>
+              <a:rPr lang="en-US" altLang="zh-CN" dirty="0" err="1"/>
+              <a:t>FxModuleLocationCylinder</a:t>
+            </a:r>
+            <a:endParaRPr lang="zh-CN" altLang="en-US" dirty="0"/>
+          </a:p>
+        </p:txBody>
+      </p:sp>
+      <p:sp>
+        <p:nvSpPr>
+          <p:cNvPr id="36" name="矩形 35"/>
+          <p:cNvSpPr/>
+          <p:nvPr/>
+        </p:nvSpPr>
+        <p:spPr>
+          <a:xfrm>
+            <a:off x="4165479" y="5387378"/>
+            <a:ext cx="3379718" cy="537169"/>
+          </a:xfrm>
+          <a:prstGeom prst="rect">
+            <a:avLst/>
+          </a:prstGeom>
+          <a:noFill/>
+          <a:ln w="9525" cap="flat" cmpd="sng" algn="ctr">
+            <a:solidFill>
+              <a:schemeClr val="accent2"/>
+            </a:solidFill>
+            <a:prstDash val="solid"/>
+            <a:round/>
+            <a:headEnd type="none" w="med" len="med"/>
+            <a:tailEnd type="none" w="med" len="med"/>
+          </a:ln>
+        </p:spPr>
+        <p:style>
+          <a:lnRef idx="0">
+            <a:scrgbClr r="0" g="0" b="0"/>
+          </a:lnRef>
+          <a:fillRef idx="0">
+            <a:scrgbClr r="0" g="0" b="0"/>
+          </a:fillRef>
+          <a:effectRef idx="0">
+            <a:scrgbClr r="0" g="0" b="0"/>
+          </a:effectRef>
+          <a:fontRef idx="minor">
+            <a:schemeClr val="accent2"/>
+          </a:fontRef>
+        </p:style>
+        <p:txBody>
+          <a:bodyPr rtlCol="0" anchor="ctr"/>
+          <a:lstStyle/>
+          <a:p>
+            <a:pPr algn="ctr"/>
+            <a:r>
+              <a:rPr lang="en-US" altLang="zh-CN" dirty="0" err="1"/>
+              <a:t>FxModulePayloadLocationEmitter</a:t>
+            </a:r>
+            <a:endParaRPr lang="zh-CN" altLang="en-US" dirty="0"/>
+          </a:p>
+        </p:txBody>
+      </p:sp>
+      <p:sp>
+        <p:nvSpPr>
+          <p:cNvPr id="37" name="矩形 36"/>
+          <p:cNvSpPr/>
+          <p:nvPr/>
+        </p:nvSpPr>
+        <p:spPr>
+          <a:xfrm>
+            <a:off x="4165479" y="3081502"/>
+            <a:ext cx="3379718" cy="537169"/>
+          </a:xfrm>
+          <a:prstGeom prst="rect">
+            <a:avLst/>
+          </a:prstGeom>
+          <a:noFill/>
+          <a:ln w="9525" cap="flat" cmpd="sng" algn="ctr">
+            <a:solidFill>
+              <a:schemeClr val="accent2"/>
+            </a:solidFill>
+            <a:prstDash val="solid"/>
+            <a:round/>
+            <a:headEnd type="none" w="med" len="med"/>
+            <a:tailEnd type="none" w="med" len="med"/>
+          </a:ln>
+        </p:spPr>
+        <p:style>
+          <a:lnRef idx="0">
+            <a:scrgbClr r="0" g="0" b="0"/>
+          </a:lnRef>
+          <a:fillRef idx="0">
+            <a:scrgbClr r="0" g="0" b="0"/>
+          </a:fillRef>
+          <a:effectRef idx="0">
+            <a:scrgbClr r="0" g="0" b="0"/>
+          </a:effectRef>
+          <a:fontRef idx="minor">
+            <a:schemeClr val="accent2"/>
+          </a:fontRef>
+        </p:style>
+        <p:txBody>
+          <a:bodyPr rtlCol="0" anchor="ctr"/>
+          <a:lstStyle/>
+          <a:p>
+            <a:pPr algn="ctr"/>
+            <a:r>
+              <a:rPr lang="en-US" altLang="zh-CN" dirty="0" err="1"/>
+              <a:t>FxModuleLocationEmitter</a:t>
+            </a:r>
+            <a:endParaRPr lang="zh-CN" altLang="en-US" dirty="0"/>
+          </a:p>
+        </p:txBody>
+      </p:sp>
+      <p:sp>
+        <p:nvSpPr>
+          <p:cNvPr id="46" name="矩形 45"/>
+          <p:cNvSpPr/>
+          <p:nvPr/>
+        </p:nvSpPr>
+        <p:spPr>
+          <a:xfrm>
+            <a:off x="615143" y="3922968"/>
+            <a:ext cx="3379716" cy="537169"/>
+          </a:xfrm>
+          <a:prstGeom prst="rect">
+            <a:avLst/>
+          </a:prstGeom>
+          <a:noFill/>
+          <a:ln w="9525" cap="flat" cmpd="sng" algn="ctr">
+            <a:solidFill>
+              <a:schemeClr val="accent2"/>
+            </a:solidFill>
+            <a:prstDash val="solid"/>
+            <a:round/>
+            <a:headEnd type="none" w="med" len="med"/>
+            <a:tailEnd type="none" w="med" len="med"/>
+          </a:ln>
+        </p:spPr>
+        <p:style>
+          <a:lnRef idx="0">
+            <a:scrgbClr r="0" g="0" b="0"/>
+          </a:lnRef>
+          <a:fillRef idx="0">
+            <a:scrgbClr r="0" g="0" b="0"/>
+          </a:fillRef>
+          <a:effectRef idx="0">
+            <a:scrgbClr r="0" g="0" b="0"/>
+          </a:effectRef>
+          <a:fontRef idx="minor">
+            <a:schemeClr val="accent2"/>
+          </a:fontRef>
+        </p:style>
+        <p:txBody>
+          <a:bodyPr rtlCol="0" anchor="ctr"/>
+          <a:lstStyle/>
+          <a:p>
+            <a:pPr algn="ctr"/>
+            <a:r>
+              <a:rPr lang="en-US" altLang="zh-CN" dirty="0" err="1"/>
+              <a:t>FxModuleEventGenerator</a:t>
+            </a:r>
+            <a:endParaRPr lang="zh-CN" altLang="en-US" dirty="0"/>
+          </a:p>
+        </p:txBody>
+      </p:sp>
+      <p:sp>
+        <p:nvSpPr>
+          <p:cNvPr id="49" name="文本框 48"/>
+          <p:cNvSpPr txBox="1"/>
+          <p:nvPr/>
+        </p:nvSpPr>
+        <p:spPr>
+          <a:xfrm>
+            <a:off x="615142" y="2779222"/>
+            <a:ext cx="2463062" cy="369332"/>
+          </a:xfrm>
+          <a:prstGeom prst="rect">
+            <a:avLst/>
+          </a:prstGeom>
+          <a:noFill/>
+        </p:spPr>
+        <p:txBody>
+          <a:bodyPr wrap="square" rtlCol="0">
+            <a:spAutoFit/>
+          </a:bodyPr>
+          <a:lstStyle/>
+          <a:p>
+            <a:r>
+              <a:rPr lang="en-US" altLang="zh-CN" dirty="0" err="1"/>
+              <a:t>FxModuleEvent</a:t>
+            </a:r>
+            <a:r>
+              <a:rPr lang="zh-CN" altLang="en-US" dirty="0" smtClean="0"/>
+              <a:t>：</a:t>
+            </a:r>
+            <a:endParaRPr lang="zh-CN" altLang="en-US" dirty="0"/>
+          </a:p>
+        </p:txBody>
+      </p:sp>
+      <p:sp>
+        <p:nvSpPr>
+          <p:cNvPr id="53" name="矩形 52"/>
+          <p:cNvSpPr/>
+          <p:nvPr/>
+        </p:nvSpPr>
+        <p:spPr>
+          <a:xfrm>
+            <a:off x="615142" y="3229590"/>
+            <a:ext cx="3379717" cy="537169"/>
+          </a:xfrm>
+          <a:prstGeom prst="rect">
+            <a:avLst/>
+          </a:prstGeom>
+          <a:noFill/>
+          <a:ln w="9525" cap="flat" cmpd="sng" algn="ctr">
+            <a:solidFill>
+              <a:schemeClr val="accent2"/>
+            </a:solidFill>
+            <a:prstDash val="solid"/>
+            <a:round/>
+            <a:headEnd type="none" w="med" len="med"/>
+            <a:tailEnd type="none" w="med" len="med"/>
+          </a:ln>
+        </p:spPr>
+        <p:style>
+          <a:lnRef idx="0">
+            <a:scrgbClr r="0" g="0" b="0"/>
+          </a:lnRef>
+          <a:fillRef idx="0">
+            <a:scrgbClr r="0" g="0" b="0"/>
+          </a:fillRef>
+          <a:effectRef idx="0">
+            <a:scrgbClr r="0" g="0" b="0"/>
+          </a:effectRef>
+          <a:fontRef idx="minor">
+            <a:schemeClr val="accent2"/>
+          </a:fontRef>
+        </p:style>
+        <p:txBody>
+          <a:bodyPr rtlCol="0" anchor="ctr"/>
+          <a:lstStyle/>
+          <a:p>
+            <a:pPr algn="ctr"/>
+            <a:r>
+              <a:rPr lang="en-US" altLang="zh-CN" dirty="0" err="1"/>
+              <a:t>FxModulePayloadEventGenerator</a:t>
+            </a:r>
+            <a:endParaRPr lang="zh-CN" altLang="en-US" dirty="0"/>
+          </a:p>
+        </p:txBody>
+      </p:sp>
+      <p:sp>
+        <p:nvSpPr>
+          <p:cNvPr id="54" name="矩形 53"/>
+          <p:cNvSpPr/>
+          <p:nvPr/>
+        </p:nvSpPr>
+        <p:spPr>
+          <a:xfrm>
+            <a:off x="615142" y="4710082"/>
+            <a:ext cx="3379717" cy="537169"/>
+          </a:xfrm>
+          <a:prstGeom prst="rect">
+            <a:avLst/>
+          </a:prstGeom>
+          <a:noFill/>
+          <a:ln w="9525" cap="flat" cmpd="sng" algn="ctr">
+            <a:solidFill>
+              <a:schemeClr val="accent2"/>
+            </a:solidFill>
+            <a:prstDash val="solid"/>
+            <a:round/>
+            <a:headEnd type="none" w="med" len="med"/>
+            <a:tailEnd type="none" w="med" len="med"/>
+          </a:ln>
+        </p:spPr>
+        <p:style>
+          <a:lnRef idx="0">
+            <a:scrgbClr r="0" g="0" b="0"/>
+          </a:lnRef>
+          <a:fillRef idx="0">
+            <a:scrgbClr r="0" g="0" b="0"/>
+          </a:fillRef>
+          <a:effectRef idx="0">
+            <a:scrgbClr r="0" g="0" b="0"/>
+          </a:effectRef>
+          <a:fontRef idx="minor">
+            <a:schemeClr val="accent2"/>
+          </a:fontRef>
+        </p:style>
+        <p:txBody>
+          <a:bodyPr rtlCol="0" anchor="ctr"/>
+          <a:lstStyle/>
+          <a:p>
+            <a:pPr algn="ctr"/>
+            <a:r>
+              <a:rPr lang="en-US" altLang="zh-CN" dirty="0" err="1"/>
+              <a:t>FxModuleEventReceiver</a:t>
+            </a:r>
+            <a:endParaRPr lang="zh-CN" altLang="en-US" dirty="0"/>
+          </a:p>
+        </p:txBody>
+      </p:sp>
+      <p:sp>
+        <p:nvSpPr>
+          <p:cNvPr id="55" name="矩形 54"/>
+          <p:cNvSpPr/>
+          <p:nvPr/>
+        </p:nvSpPr>
+        <p:spPr>
+          <a:xfrm>
+            <a:off x="615141" y="5486651"/>
+            <a:ext cx="3379718" cy="537169"/>
+          </a:xfrm>
+          <a:prstGeom prst="rect">
+            <a:avLst/>
+          </a:prstGeom>
+          <a:noFill/>
+          <a:ln w="9525" cap="flat" cmpd="sng" algn="ctr">
+            <a:solidFill>
+              <a:schemeClr val="accent2"/>
+            </a:solidFill>
+            <a:prstDash val="solid"/>
+            <a:round/>
+            <a:headEnd type="none" w="med" len="med"/>
+            <a:tailEnd type="none" w="med" len="med"/>
+          </a:ln>
+        </p:spPr>
+        <p:style>
+          <a:lnRef idx="0">
+            <a:scrgbClr r="0" g="0" b="0"/>
+          </a:lnRef>
+          <a:fillRef idx="0">
+            <a:scrgbClr r="0" g="0" b="0"/>
+          </a:fillRef>
+          <a:effectRef idx="0">
+            <a:scrgbClr r="0" g="0" b="0"/>
+          </a:effectRef>
+          <a:fontRef idx="minor">
+            <a:schemeClr val="accent2"/>
+          </a:fontRef>
+        </p:style>
+        <p:txBody>
+          <a:bodyPr rtlCol="0" anchor="ctr"/>
+          <a:lstStyle/>
+          <a:p>
+            <a:pPr algn="ctr"/>
+            <a:r>
+              <a:rPr lang="en-US" altLang="zh-CN" dirty="0" err="1"/>
+              <a:t>FxModuleEventReceiverSpawn</a:t>
+            </a:r>
+            <a:endParaRPr lang="zh-CN" altLang="en-US" dirty="0"/>
+          </a:p>
+        </p:txBody>
+      </p:sp>
+      <p:sp>
+        <p:nvSpPr>
+          <p:cNvPr id="56" name="文本框 55"/>
+          <p:cNvSpPr txBox="1"/>
+          <p:nvPr/>
+        </p:nvSpPr>
+        <p:spPr>
+          <a:xfrm>
+            <a:off x="8155027" y="3434005"/>
+            <a:ext cx="2468880" cy="369332"/>
+          </a:xfrm>
+          <a:prstGeom prst="rect">
+            <a:avLst/>
+          </a:prstGeom>
+          <a:noFill/>
+        </p:spPr>
+        <p:txBody>
+          <a:bodyPr wrap="square" rtlCol="0">
+            <a:spAutoFit/>
+          </a:bodyPr>
+          <a:lstStyle/>
+          <a:p>
+            <a:r>
+              <a:rPr lang="en-US" altLang="zh-CN" dirty="0" err="1"/>
+              <a:t>FxModuleColor</a:t>
+            </a:r>
+            <a:r>
+              <a:rPr lang="zh-CN" altLang="en-US" dirty="0" smtClean="0"/>
+              <a:t>：</a:t>
+            </a:r>
+            <a:endParaRPr lang="zh-CN" altLang="en-US" dirty="0"/>
+          </a:p>
+        </p:txBody>
+      </p:sp>
+    </p:spTree>
+    <p:extLst>
+      <p:ext uri="{BB962C8B-B14F-4D97-AF65-F5344CB8AC3E}">
+        <p14:creationId xmlns:p14="http://schemas.microsoft.com/office/powerpoint/2010/main" val="2877817475"/>
+      </p:ext>
+    </p:extLst>
+  </p:cSld>
+  <p:clrMapOvr>
+    <a:masterClrMapping/>
+  </p:clrMapOvr>
+</p:sld>
+</file>
+
+<file path=ppt/slides/slide9.xml><?xml version="1.0" encoding="utf-8"?>
+<p:sld xmlns:a="http://schemas.openxmlformats.org/drawingml/2006/main" xmlns:r="http://schemas.openxmlformats.org/officeDocument/2006/relationships" xmlns:p="http://schemas.openxmlformats.org/presentationml/2006/main">
+  <p:cSld>
+    <p:spTree>
+      <p:nvGrpSpPr>
+        <p:cNvPr id="1" name=""/>
+        <p:cNvGrpSpPr/>
+        <p:nvPr/>
+      </p:nvGrpSpPr>
+      <p:grpSpPr>
+        <a:xfrm>
+          <a:off x="0" y="0"/>
+          <a:ext cx="0" cy="0"/>
+          <a:chOff x="0" y="0"/>
+          <a:chExt cx="0" cy="0"/>
+        </a:xfrm>
+      </p:grpSpPr>
+      <p:sp>
+        <p:nvSpPr>
+          <p:cNvPr id="5" name="矩形 4"/>
+          <p:cNvSpPr/>
+          <p:nvPr/>
+        </p:nvSpPr>
+        <p:spPr>
+          <a:xfrm>
+            <a:off x="4818323" y="394906"/>
+            <a:ext cx="2624468" cy="537169"/>
+          </a:xfrm>
+          <a:prstGeom prst="rect">
+            <a:avLst/>
+          </a:prstGeom>
+          <a:noFill/>
+          <a:ln w="9525" cap="flat" cmpd="sng" algn="ctr">
+            <a:solidFill>
+              <a:schemeClr val="accent2"/>
+            </a:solidFill>
+            <a:prstDash val="solid"/>
+            <a:round/>
+            <a:headEnd type="none" w="med" len="med"/>
+            <a:tailEnd type="none" w="med" len="med"/>
+          </a:ln>
+        </p:spPr>
+        <p:style>
+          <a:lnRef idx="0">
+            <a:scrgbClr r="0" g="0" b="0"/>
+          </a:lnRef>
+          <a:fillRef idx="0">
+            <a:scrgbClr r="0" g="0" b="0"/>
+          </a:fillRef>
+          <a:effectRef idx="0">
+            <a:scrgbClr r="0" g="0" b="0"/>
+          </a:effectRef>
+          <a:fontRef idx="minor">
+            <a:schemeClr val="accent2"/>
+          </a:fontRef>
+        </p:style>
+        <p:txBody>
+          <a:bodyPr rtlCol="0" anchor="ctr"/>
+          <a:lstStyle/>
+          <a:p>
+            <a:pPr algn="ctr"/>
+            <a:r>
+              <a:rPr lang="en-US" altLang="zh-CN" sz="2800" b="1" dirty="0" err="1"/>
+              <a:t>FxTemplate</a:t>
+            </a:r>
+            <a:endParaRPr lang="zh-CN" altLang="en-US" sz="2800" b="1" dirty="0"/>
+          </a:p>
+        </p:txBody>
+      </p:sp>
+      <p:sp>
+        <p:nvSpPr>
+          <p:cNvPr id="6" name="文本框 5"/>
+          <p:cNvSpPr txBox="1"/>
+          <p:nvPr/>
+        </p:nvSpPr>
+        <p:spPr>
+          <a:xfrm>
+            <a:off x="895341" y="1330563"/>
+            <a:ext cx="8506047" cy="4628190"/>
           </a:xfrm>
           <a:prstGeom prst="rect">
             <a:avLst/>
@@ -10287,44 +15895,8 @@
               <a:buChar char="•"/>
             </a:pPr>
             <a:r>
-              <a:rPr lang="en-US" altLang="zh-CN" dirty="0" err="1"/>
-              <a:t>OnElementAdded</a:t>
-            </a:r>
-            <a:r>
               <a:rPr lang="en-US" altLang="zh-CN" dirty="0"/>
-              <a:t>(</a:t>
-            </a:r>
-            <a:r>
-              <a:rPr lang="en-US" altLang="zh-CN" dirty="0" err="1"/>
-              <a:t>FxTemplate</a:t>
-            </a:r>
-            <a:r>
-              <a:rPr lang="en-US" altLang="zh-CN" dirty="0"/>
-              <a:t>* </a:t>
-            </a:r>
-            <a:r>
-              <a:rPr lang="en-US" altLang="zh-CN" dirty="0" err="1"/>
-              <a:t>pFxTemplate</a:t>
-            </a:r>
-            <a:r>
-              <a:rPr lang="en-US" altLang="zh-CN" dirty="0"/>
-              <a:t>, </a:t>
-            </a:r>
-            <a:r>
-              <a:rPr lang="en-US" altLang="zh-CN" dirty="0" err="1"/>
-              <a:t>FxElement</a:t>
-            </a:r>
-            <a:r>
-              <a:rPr lang="en-US" altLang="zh-CN" dirty="0"/>
-              <a:t>* </a:t>
-            </a:r>
-            <a:r>
-              <a:rPr lang="en-US" altLang="zh-CN" dirty="0" err="1"/>
-              <a:t>pFxElement</a:t>
-            </a:r>
-            <a:r>
-              <a:rPr lang="en-US" altLang="zh-CN" dirty="0"/>
-              <a:t>)</a:t>
+              <a:t>GetName</a:t>
             </a:r>
           </a:p>
           <a:p>
@@ -10336,44 +15908,8 @@
               <a:buChar char="•"/>
             </a:pPr>
             <a:r>
-              <a:rPr lang="en-US" altLang="zh-CN" dirty="0" err="1"/>
-              <a:t>OnElementRemoved</a:t>
-            </a:r>
-            <a:r>
               <a:rPr lang="en-US" altLang="zh-CN" dirty="0"/>
-              <a:t>(</a:t>
-            </a:r>
-            <a:r>
-              <a:rPr lang="en-US" altLang="zh-CN" dirty="0" err="1"/>
-              <a:t>FxTemplate</a:t>
-            </a:r>
-            <a:r>
-              <a:rPr lang="en-US" altLang="zh-CN" dirty="0"/>
-              <a:t>* </a:t>
-            </a:r>
-            <a:r>
-              <a:rPr lang="en-US" altLang="zh-CN" dirty="0" err="1"/>
-              <a:t>pFxTemplate</a:t>
-            </a:r>
-            <a:r>
-              <a:rPr lang="en-US" altLang="zh-CN" dirty="0"/>
-              <a:t>, </a:t>
-            </a:r>
-            <a:r>
-              <a:rPr lang="en-US" altLang="zh-CN" dirty="0" err="1"/>
-              <a:t>FxElement</a:t>
-            </a:r>
-            <a:r>
-              <a:rPr lang="en-US" altLang="zh-CN" dirty="0"/>
-              <a:t>* </a:t>
-            </a:r>
-            <a:r>
-              <a:rPr lang="en-US" altLang="zh-CN" dirty="0" err="1"/>
-              <a:t>pFxElement</a:t>
-            </a:r>
-            <a:r>
-              <a:rPr lang="en-US" altLang="zh-CN" dirty="0"/>
-              <a:t>)</a:t>
+              <a:t>GetElementNum</a:t>
             </a:r>
           </a:p>
           <a:p>
@@ -10386,23 +15922,15 @@
             </a:pPr>
             <a:r>
               <a:rPr lang="en-US" altLang="zh-CN" dirty="0" err="1"/>
-              <a:t>OnElementDumplicate</a:t>
+              <a:t>GetElement</a:t>
             </a:r>
             <a:r>
               <a:rPr lang="en-US" altLang="zh-CN" dirty="0"/>
-              <a:t>(</a:t>
-            </a:r>
-            <a:r>
-              <a:rPr lang="en-US" altLang="zh-CN" dirty="0" err="1"/>
-              <a:t>FxTemplate</a:t>
-            </a:r>
-            <a:r>
-              <a:rPr lang="en-US" altLang="zh-CN" dirty="0"/>
-              <a:t>* </a:t>
-            </a:r>
-            <a:r>
-              <a:rPr lang="en-US" altLang="zh-CN" dirty="0" err="1"/>
-              <a:t>pFxTemplate</a:t>
+              <a:t>(xint32 </a:t>
+            </a:r>
+            <a:r>
+              <a:rPr lang="en-US" altLang="zh-CN" dirty="0" err="1"/>
+              <a:t>nIndex</a:t>
             </a:r>
             <a:r>
               <a:rPr lang="en-US" altLang="zh-CN" dirty="0"/>
@@ -10419,7 +15947,7 @@
             </a:pPr>
             <a:r>
               <a:rPr lang="en-US" altLang="zh-CN" dirty="0" err="1"/>
-              <a:t>OnElemntMoved</a:t>
+              <a:t>AddElement</a:t>
             </a:r>
             <a:r>
               <a:rPr lang="en-US" altLang="zh-CN" dirty="0"/>
@@ -10427,7 +15955,15 @@
             </a:r>
             <a:r>
               <a:rPr lang="en-US" altLang="zh-CN" dirty="0" err="1"/>
-              <a:t>FxTemplate</a:t>
+              <a:t>const</a:t>
+            </a:r>
+            <a:r>
+              <a:rPr lang="en-US" altLang="zh-CN" dirty="0"/>
+              <a:t> </a:t>
+            </a:r>
+            <a:r>
+              <a:rPr lang="en-US" altLang="zh-CN" dirty="0" err="1"/>
+              <a:t>xchar</a:t>
             </a:r>
             <a:r>
               <a:rPr lang="en-US" altLang="zh-CN" dirty="0"/>
@@ -10435,44 +15971,322 @@
             </a:r>
             <a:r>
               <a:rPr lang="en-US" altLang="zh-CN" dirty="0" err="1"/>
-              <a:t>pFxTemplate</a:t>
+              <a:t>szName</a:t>
+            </a:r>
+            <a:r>
+              <a:rPr lang="en-US" altLang="zh-CN" dirty="0"/>
+              <a:t>, </a:t>
+            </a:r>
+            <a:r>
+              <a:rPr lang="en-US" altLang="zh-CN" dirty="0" err="1"/>
+              <a:t>FxElementType</a:t>
+            </a:r>
+            <a:r>
+              <a:rPr lang="en-US" altLang="zh-CN" dirty="0"/>
+              <a:t> </a:t>
+            </a:r>
+            <a:r>
+              <a:rPr lang="en-US" altLang="zh-CN" dirty="0" err="1"/>
+              <a:t>eType</a:t>
             </a:r>
             <a:r>
               <a:rPr lang="en-US" altLang="zh-CN" dirty="0"/>
               <a:t>)</a:t>
             </a:r>
           </a:p>
-        </p:txBody>
-      </p:sp>
-      <p:sp>
-        <p:nvSpPr>
-          <p:cNvPr id="2" name="文本框 1"/>
-          <p:cNvSpPr txBox="1"/>
-          <p:nvPr/>
-        </p:nvSpPr>
-        <p:spPr>
-          <a:xfrm>
-            <a:off x="733647" y="1212111"/>
-            <a:ext cx="2646878" cy="461665"/>
-          </a:xfrm>
-          <a:prstGeom prst="rect">
-            <a:avLst/>
-          </a:prstGeom>
-          <a:noFill/>
-        </p:spPr>
-        <p:txBody>
-          <a:bodyPr wrap="none" rtlCol="0">
-            <a:spAutoFit/>
-          </a:bodyPr>
-          <a:lstStyle/>
-          <a:p>
-            <a:r>
-              <a:rPr lang="zh-CN" altLang="en-US" sz="2400" b="1" dirty="0"/>
-              <a:t>发射器相关接口</a:t>
-            </a:r>
-            <a:r>
-              <a:rPr lang="zh-CN" altLang="en-US" sz="2400" dirty="0"/>
-              <a:t>：</a:t>
+          <a:p>
+            <a:pPr marL="285750" indent="-285750">
+              <a:lnSpc>
+                <a:spcPct val="150000"/>
+              </a:lnSpc>
+              <a:buFont typeface="Arial" panose="020B0604020202020204" pitchFamily="34" charset="0"/>
+              <a:buChar char="•"/>
+            </a:pPr>
+            <a:r>
+              <a:rPr lang="en-US" altLang="zh-CN" dirty="0" err="1"/>
+              <a:t>AddElement</a:t>
+            </a:r>
+            <a:r>
+              <a:rPr lang="en-US" altLang="zh-CN" dirty="0"/>
+              <a:t>(</a:t>
+            </a:r>
+            <a:r>
+              <a:rPr lang="en-US" altLang="zh-CN" dirty="0" err="1"/>
+              <a:t>FxElement</a:t>
+            </a:r>
+            <a:r>
+              <a:rPr lang="en-US" altLang="zh-CN" dirty="0"/>
+              <a:t>* </a:t>
+            </a:r>
+            <a:r>
+              <a:rPr lang="en-US" altLang="zh-CN" dirty="0" err="1"/>
+              <a:t>pElement</a:t>
+            </a:r>
+            <a:r>
+              <a:rPr lang="en-US" altLang="zh-CN" dirty="0"/>
+              <a:t>)</a:t>
+            </a:r>
+          </a:p>
+          <a:p>
+            <a:pPr marL="285750" indent="-285750">
+              <a:lnSpc>
+                <a:spcPct val="150000"/>
+              </a:lnSpc>
+              <a:buFont typeface="Arial" panose="020B0604020202020204" pitchFamily="34" charset="0"/>
+              <a:buChar char="•"/>
+            </a:pPr>
+            <a:r>
+              <a:rPr lang="en-US" altLang="zh-CN" dirty="0" err="1"/>
+              <a:t>RemoveElement</a:t>
+            </a:r>
+            <a:r>
+              <a:rPr lang="en-US" altLang="zh-CN" dirty="0"/>
+              <a:t>(xint32 </a:t>
+            </a:r>
+            <a:r>
+              <a:rPr lang="en-US" altLang="zh-CN" dirty="0" err="1"/>
+              <a:t>nIndex</a:t>
+            </a:r>
+            <a:r>
+              <a:rPr lang="en-US" altLang="zh-CN" dirty="0"/>
+              <a:t>, </a:t>
+            </a:r>
+            <a:r>
+              <a:rPr lang="en-US" altLang="zh-CN" dirty="0" err="1"/>
+              <a:t>xbool</a:t>
+            </a:r>
+            <a:r>
+              <a:rPr lang="en-US" altLang="zh-CN" dirty="0"/>
+              <a:t> </a:t>
+            </a:r>
+            <a:r>
+              <a:rPr lang="en-US" altLang="zh-CN" dirty="0" err="1"/>
+              <a:t>bDelete</a:t>
+            </a:r>
+            <a:r>
+              <a:rPr lang="en-US" altLang="zh-CN" dirty="0"/>
+              <a:t> = </a:t>
+            </a:r>
+            <a:r>
+              <a:rPr lang="en-US" altLang="zh-CN" dirty="0" err="1"/>
+              <a:t>xtrue</a:t>
+            </a:r>
+            <a:r>
+              <a:rPr lang="en-US" altLang="zh-CN" dirty="0"/>
+              <a:t>)</a:t>
+            </a:r>
+          </a:p>
+          <a:p>
+            <a:pPr marL="285750" indent="-285750">
+              <a:lnSpc>
+                <a:spcPct val="150000"/>
+              </a:lnSpc>
+              <a:buFont typeface="Arial" panose="020B0604020202020204" pitchFamily="34" charset="0"/>
+              <a:buChar char="•"/>
+            </a:pPr>
+            <a:r>
+              <a:rPr lang="en-US" altLang="zh-CN" dirty="0" err="1"/>
+              <a:t>RemoveElement</a:t>
+            </a:r>
+            <a:r>
+              <a:rPr lang="en-US" altLang="zh-CN" dirty="0"/>
+              <a:t>(</a:t>
+            </a:r>
+            <a:r>
+              <a:rPr lang="en-US" altLang="zh-CN" dirty="0" err="1"/>
+              <a:t>FxElement</a:t>
+            </a:r>
+            <a:r>
+              <a:rPr lang="en-US" altLang="zh-CN" dirty="0"/>
+              <a:t>* </a:t>
+            </a:r>
+            <a:r>
+              <a:rPr lang="en-US" altLang="zh-CN" dirty="0" err="1"/>
+              <a:t>pElement</a:t>
+            </a:r>
+            <a:r>
+              <a:rPr lang="en-US" altLang="zh-CN" dirty="0"/>
+              <a:t>, </a:t>
+            </a:r>
+            <a:r>
+              <a:rPr lang="en-US" altLang="zh-CN" dirty="0" err="1"/>
+              <a:t>xbool</a:t>
+            </a:r>
+            <a:r>
+              <a:rPr lang="en-US" altLang="zh-CN" dirty="0"/>
+              <a:t> </a:t>
+            </a:r>
+            <a:r>
+              <a:rPr lang="en-US" altLang="zh-CN" dirty="0" err="1"/>
+              <a:t>bDelete</a:t>
+            </a:r>
+            <a:r>
+              <a:rPr lang="en-US" altLang="zh-CN" dirty="0"/>
+              <a:t> = </a:t>
+            </a:r>
+            <a:r>
+              <a:rPr lang="en-US" altLang="zh-CN" dirty="0" err="1"/>
+              <a:t>xtrue</a:t>
+            </a:r>
+            <a:r>
+              <a:rPr lang="en-US" altLang="zh-CN" dirty="0"/>
+              <a:t>)</a:t>
+            </a:r>
+          </a:p>
+          <a:p>
+            <a:pPr marL="285750" indent="-285750">
+              <a:lnSpc>
+                <a:spcPct val="150000"/>
+              </a:lnSpc>
+              <a:buFont typeface="Arial" panose="020B0604020202020204" pitchFamily="34" charset="0"/>
+              <a:buChar char="•"/>
+            </a:pPr>
+            <a:r>
+              <a:rPr lang="en-US" altLang="zh-CN" dirty="0" err="1"/>
+              <a:t>MoveElement</a:t>
+            </a:r>
+            <a:r>
+              <a:rPr lang="en-US" altLang="zh-CN" dirty="0"/>
+              <a:t>(</a:t>
+            </a:r>
+            <a:r>
+              <a:rPr lang="en-US" altLang="zh-CN" dirty="0" err="1"/>
+              <a:t>FxElement</a:t>
+            </a:r>
+            <a:r>
+              <a:rPr lang="en-US" altLang="zh-CN" dirty="0"/>
+              <a:t>* </a:t>
+            </a:r>
+            <a:r>
+              <a:rPr lang="en-US" altLang="zh-CN" dirty="0" err="1"/>
+              <a:t>pElement</a:t>
+            </a:r>
+            <a:r>
+              <a:rPr lang="en-US" altLang="zh-CN" dirty="0"/>
+              <a:t>, xint32 </a:t>
+            </a:r>
+            <a:r>
+              <a:rPr lang="en-US" altLang="zh-CN" dirty="0" err="1"/>
+              <a:t>nMoveAmount</a:t>
+            </a:r>
+            <a:r>
+              <a:rPr lang="en-US" altLang="zh-CN" dirty="0"/>
+              <a:t>)</a:t>
+            </a:r>
+          </a:p>
+          <a:p>
+            <a:pPr marL="285750" indent="-285750">
+              <a:lnSpc>
+                <a:spcPct val="150000"/>
+              </a:lnSpc>
+              <a:buFont typeface="Arial" panose="020B0604020202020204" pitchFamily="34" charset="0"/>
+              <a:buChar char="•"/>
+            </a:pPr>
+            <a:r>
+              <a:rPr lang="en-US" altLang="zh-CN" dirty="0" err="1"/>
+              <a:t>DumplicateElement</a:t>
+            </a:r>
+            <a:r>
+              <a:rPr lang="en-US" altLang="zh-CN" dirty="0"/>
+              <a:t>(xint32 </a:t>
+            </a:r>
+            <a:r>
+              <a:rPr lang="en-US" altLang="zh-CN" dirty="0" err="1"/>
+              <a:t>nIndex</a:t>
+            </a:r>
+            <a:r>
+              <a:rPr lang="en-US" altLang="zh-CN" dirty="0"/>
+              <a:t>)</a:t>
+            </a:r>
+          </a:p>
+          <a:p>
+            <a:pPr marL="285750" indent="-285750">
+              <a:lnSpc>
+                <a:spcPct val="150000"/>
+              </a:lnSpc>
+              <a:buFont typeface="Arial" panose="020B0604020202020204" pitchFamily="34" charset="0"/>
+              <a:buChar char="•"/>
+            </a:pPr>
+            <a:r>
+              <a:rPr lang="en-US" altLang="zh-CN" dirty="0" err="1"/>
+              <a:t>DumplicateElement</a:t>
+            </a:r>
+            <a:r>
+              <a:rPr lang="en-US" altLang="zh-CN" dirty="0"/>
+              <a:t>(</a:t>
+            </a:r>
+            <a:r>
+              <a:rPr lang="en-US" altLang="zh-CN" dirty="0" err="1"/>
+              <a:t>FxElement</a:t>
+            </a:r>
+            <a:r>
+              <a:rPr lang="en-US" altLang="zh-CN" dirty="0"/>
+              <a:t>* </a:t>
+            </a:r>
+            <a:r>
+              <a:rPr lang="en-US" altLang="zh-CN" dirty="0" err="1"/>
+              <a:t>pElement</a:t>
+            </a:r>
+            <a:r>
+              <a:rPr lang="en-US" altLang="zh-CN" dirty="0"/>
+              <a:t>)</a:t>
+            </a:r>
+          </a:p>
+          <a:p>
+            <a:pPr marL="285750" indent="-285750">
+              <a:lnSpc>
+                <a:spcPct val="150000"/>
+              </a:lnSpc>
+              <a:buFont typeface="Arial" panose="020B0604020202020204" pitchFamily="34" charset="0"/>
+              <a:buChar char="•"/>
+            </a:pPr>
+            <a:r>
+              <a:rPr lang="en-US" altLang="zh-CN" dirty="0" err="1"/>
+              <a:t>AddEmptyElement</a:t>
+            </a:r>
+            <a:r>
+              <a:rPr lang="en-US" altLang="zh-CN" dirty="0"/>
+              <a:t>(</a:t>
+            </a:r>
+            <a:r>
+              <a:rPr lang="en-US" altLang="zh-CN" dirty="0" err="1"/>
+              <a:t>const</a:t>
+            </a:r>
+            <a:r>
+              <a:rPr lang="en-US" altLang="zh-CN" dirty="0"/>
+              <a:t> </a:t>
+            </a:r>
+            <a:r>
+              <a:rPr lang="en-US" altLang="zh-CN" dirty="0" err="1"/>
+              <a:t>xchar</a:t>
+            </a:r>
+            <a:r>
+              <a:rPr lang="en-US" altLang="zh-CN" dirty="0"/>
+              <a:t>* </a:t>
+            </a:r>
+            <a:r>
+              <a:rPr lang="en-US" altLang="zh-CN" dirty="0" err="1"/>
+              <a:t>szName</a:t>
+            </a:r>
+            <a:r>
+              <a:rPr lang="en-US" altLang="zh-CN" dirty="0"/>
+              <a:t>, </a:t>
+            </a:r>
+            <a:r>
+              <a:rPr lang="en-US" altLang="zh-CN" dirty="0" err="1"/>
+              <a:t>FxElementType</a:t>
+            </a:r>
+            <a:r>
+              <a:rPr lang="en-US" altLang="zh-CN" dirty="0"/>
+              <a:t> </a:t>
+            </a:r>
+            <a:r>
+              <a:rPr lang="en-US" altLang="zh-CN" dirty="0" err="1"/>
+              <a:t>eType</a:t>
+            </a:r>
+            <a:r>
+              <a:rPr lang="en-US" altLang="zh-CN" dirty="0"/>
+              <a:t>)</a:t>
             </a:r>
           </a:p>
         </p:txBody>
@@ -10480,7 +16294,7 @@
     </p:spTree>
     <p:extLst>
       <p:ext uri="{BB962C8B-B14F-4D97-AF65-F5344CB8AC3E}">
-        <p14:creationId xmlns:p14="http://schemas.microsoft.com/office/powerpoint/2010/main" val="1705737119"/>
+        <p14:creationId xmlns:p14="http://schemas.microsoft.com/office/powerpoint/2010/main" val="1225918548"/>
       </p:ext>
     </p:extLst>
   </p:cSld>
